--- a/marketing/Customer Deck.pptx
+++ b/marketing/Customer Deck.pptx
@@ -6,7 +6,7 @@
     <p:sldMasterId id="2147484128" r:id="rId5"/>
   </p:sldMasterIdLst>
   <p:notesMasterIdLst>
-    <p:notesMasterId r:id="rId20"/>
+    <p:notesMasterId r:id="rId21"/>
   </p:notesMasterIdLst>
   <p:sldIdLst>
     <p:sldId id="1864" r:id="rId6"/>
@@ -15,14 +15,15 @@
     <p:sldId id="1854" r:id="rId9"/>
     <p:sldId id="1840" r:id="rId10"/>
     <p:sldId id="2076136261" r:id="rId11"/>
-    <p:sldId id="1863" r:id="rId12"/>
-    <p:sldId id="1856" r:id="rId13"/>
-    <p:sldId id="1857" r:id="rId14"/>
-    <p:sldId id="1855" r:id="rId15"/>
-    <p:sldId id="1859" r:id="rId16"/>
-    <p:sldId id="1860" r:id="rId17"/>
-    <p:sldId id="1861" r:id="rId18"/>
-    <p:sldId id="1862" r:id="rId19"/>
+    <p:sldId id="2076136262" r:id="rId12"/>
+    <p:sldId id="1863" r:id="rId13"/>
+    <p:sldId id="1856" r:id="rId14"/>
+    <p:sldId id="1857" r:id="rId15"/>
+    <p:sldId id="1855" r:id="rId16"/>
+    <p:sldId id="1859" r:id="rId17"/>
+    <p:sldId id="1860" r:id="rId18"/>
+    <p:sldId id="1861" r:id="rId19"/>
+    <p:sldId id="1862" r:id="rId20"/>
   </p:sldIdLst>
   <p:sldSz cx="12192000" cy="6858000"/>
   <p:notesSz cx="6858000" cy="9144000"/>
@@ -132,6 +133,7 @@
             <p14:sldId id="1854"/>
             <p14:sldId id="1840"/>
             <p14:sldId id="2076136261"/>
+            <p14:sldId id="2076136262"/>
             <p14:sldId id="1863"/>
             <p14:sldId id="1856"/>
             <p14:sldId id="1857"/>
@@ -326,7 +328,7 @@
           <a:p>
             <a:fld id="{844B04F6-CC0A-475E-81EF-69F596B9A92E}" type="datetimeFigureOut">
               <a:rPr lang="en-US" smtClean="0"/>
-              <a:t>5/15/2020</a:t>
+              <a:t>5/19/2020</a:t>
             </a:fld>
             <a:endParaRPr lang="en-US"/>
           </a:p>
@@ -814,7 +816,7 @@
                 <a:tabLst/>
                 <a:defRPr/>
               </a:pPr>
-              <a:t>5/15/2020 5:38 PM</a:t>
+              <a:t>5/19/2020 11:13 AM</a:t>
             </a:fld>
             <a:endParaRPr kumimoji="0" lang="en-US" sz="1200" b="0" i="0" u="none" strike="noStrike" kern="1200" cap="none" spc="0" normalizeH="0" baseline="0" noProof="0">
               <a:ln>
@@ -2408,7 +2410,7 @@
                 <a:tabLst/>
                 <a:defRPr/>
               </a:pPr>
-              <a:t>7</a:t>
+              <a:t>8</a:t>
             </a:fld>
             <a:endParaRPr kumimoji="0" lang="en-US" sz="900" b="0" i="0" u="none" strike="noStrike" kern="1200" cap="none" spc="0" normalizeH="0" baseline="0" noProof="0">
               <a:ln>
@@ -2667,7 +2669,7 @@
                 <a:tabLst/>
                 <a:defRPr/>
               </a:pPr>
-              <a:t>9</a:t>
+              <a:t>10</a:t>
             </a:fld>
             <a:endParaRPr kumimoji="0" lang="en-US" sz="900" b="0" i="0" u="none" strike="noStrike" kern="1200" cap="none" spc="0" normalizeH="0" baseline="0" noProof="0">
               <a:ln>
@@ -2875,7 +2877,7 @@
                 <a:tabLst/>
                 <a:defRPr/>
               </a:pPr>
-              <a:t>5/15/2020 5:38 PM</a:t>
+              <a:t>5/19/2020 11:13 AM</a:t>
             </a:fld>
             <a:endParaRPr kumimoji="0" lang="en-US" sz="1200" b="0" i="0" u="none" strike="noStrike" kern="1200" cap="none" spc="0" normalizeH="0" baseline="0" noProof="0">
               <a:ln>
@@ -2958,7 +2960,7 @@
                 <a:tabLst/>
                 <a:defRPr/>
               </a:pPr>
-              <a:t>10</a:t>
+              <a:t>11</a:t>
             </a:fld>
             <a:endParaRPr kumimoji="0" lang="en-US" sz="1200" b="0" i="0" u="none" strike="noStrike" kern="1200" cap="none" spc="0" normalizeH="0" baseline="0" noProof="0">
               <a:ln>
@@ -4339,7 +4341,7 @@
             <a:fld id="{C4DED5F9-56B2-4A48-B2B7-90C4B88360C8}" type="datetimeFigureOut">
               <a:rPr lang="en-US" smtClean="0"/>
               <a:pPr/>
-              <a:t>5/15/2020</a:t>
+              <a:t>5/19/2020</a:t>
             </a:fld>
             <a:endParaRPr lang="en-US"/>
           </a:p>
@@ -5246,7 +5248,7 @@
           <a:p>
             <a:fld id="{E6F0B968-54C4-46F2-97D2-8B7E5776F8FF}" type="datetimeFigureOut">
               <a:rPr lang="it-IT" smtClean="0"/>
-              <a:t>15/05/2020</a:t>
+              <a:t>19/05/2020</a:t>
             </a:fld>
             <a:endParaRPr lang="it-IT"/>
           </a:p>
@@ -5761,7 +5763,7 @@
           <a:graphicData uri="http://schemas.openxmlformats.org/presentationml/2006/ole">
             <mc:AlternateContent xmlns:mc="http://schemas.openxmlformats.org/markup-compatibility/2006">
               <mc:Choice xmlns:v="urn:schemas-microsoft-com:vml" Requires="v">
-                <p:oleObj spid="_x0000_s2051" name="think-cell Slide" r:id="rId5" imgW="6350000" imgH="6350000" progId="">
+                <p:oleObj spid="_x0000_s2056" name="think-cell Slide" r:id="rId5" imgW="6350000" imgH="6350000" progId="">
                   <p:embed/>
                 </p:oleObj>
               </mc:Choice>
@@ -6576,7 +6578,7 @@
           <a:graphicData uri="http://schemas.openxmlformats.org/presentationml/2006/ole">
             <mc:AlternateContent xmlns:mc="http://schemas.openxmlformats.org/markup-compatibility/2006">
               <mc:Choice xmlns:v="urn:schemas-microsoft-com:vml" Requires="v">
-                <p:oleObj spid="_x0000_s1027" name="think-cell Slide" r:id="rId5" imgW="6350000" imgH="6350000" progId="">
+                <p:oleObj spid="_x0000_s1032" name="think-cell Slide" r:id="rId5" imgW="6350000" imgH="6350000" progId="">
                   <p:embed/>
                 </p:oleObj>
               </mc:Choice>
@@ -8141,7 +8143,7 @@
             <a:fld id="{C4DED5F9-56B2-4A48-B2B7-90C4B88360C8}" type="datetimeFigureOut">
               <a:rPr lang="en-US" smtClean="0"/>
               <a:pPr/>
-              <a:t>5/15/2020</a:t>
+              <a:t>5/19/2020</a:t>
             </a:fld>
             <a:endParaRPr lang="en-US"/>
           </a:p>
@@ -10854,6 +10856,3187 @@
 </file>
 
 <file path=ppt/slides/slide10.xml><?xml version="1.0" encoding="utf-8"?>
+<p:sld xmlns:a="http://schemas.openxmlformats.org/drawingml/2006/main" xmlns:r="http://schemas.openxmlformats.org/officeDocument/2006/relationships" xmlns:p="http://schemas.openxmlformats.org/presentationml/2006/main" show="0">
+  <p:cSld>
+    <p:spTree>
+      <p:nvGrpSpPr>
+        <p:cNvPr id="1" name=""/>
+        <p:cNvGrpSpPr/>
+        <p:nvPr/>
+      </p:nvGrpSpPr>
+      <p:grpSpPr>
+        <a:xfrm>
+          <a:off x="0" y="0"/>
+          <a:ext cx="0" cy="0"/>
+          <a:chOff x="0" y="0"/>
+          <a:chExt cx="0" cy="0"/>
+        </a:xfrm>
+      </p:grpSpPr>
+      <p:sp>
+        <p:nvSpPr>
+          <p:cNvPr id="22" name="Title 21">
+            <a:extLst>
+              <a:ext uri="{FF2B5EF4-FFF2-40B4-BE49-F238E27FC236}">
+                <a16:creationId xmlns:a16="http://schemas.microsoft.com/office/drawing/2014/main" id="{78C16AC2-E48E-4EF5-BD59-11CEDAE94C56}"/>
+              </a:ext>
+            </a:extLst>
+          </p:cNvPr>
+          <p:cNvSpPr>
+            <a:spLocks noGrp="1"/>
+          </p:cNvSpPr>
+          <p:nvPr>
+            <p:ph type="title"/>
+          </p:nvPr>
+        </p:nvSpPr>
+        <p:spPr/>
+        <p:txBody>
+          <a:bodyPr/>
+          <a:lstStyle/>
+          <a:p>
+            <a:r>
+              <a:rPr lang="en-US"/>
+              <a:t>Next steps</a:t>
+            </a:r>
+          </a:p>
+        </p:txBody>
+      </p:sp>
+      <p:cxnSp>
+        <p:nvCxnSpPr>
+          <p:cNvPr id="43" name="Straight Connector 42">
+            <a:extLst>
+              <a:ext uri="{FF2B5EF4-FFF2-40B4-BE49-F238E27FC236}">
+                <a16:creationId xmlns:a16="http://schemas.microsoft.com/office/drawing/2014/main" id="{928D5212-3574-4B2D-A32D-BB8D3081BB5C}"/>
+              </a:ext>
+            </a:extLst>
+          </p:cNvPr>
+          <p:cNvCxnSpPr>
+            <a:cxnSpLocks/>
+          </p:cNvCxnSpPr>
+          <p:nvPr/>
+        </p:nvCxnSpPr>
+        <p:spPr>
+          <a:xfrm>
+            <a:off x="1507129" y="2509822"/>
+            <a:ext cx="10248234" cy="0"/>
+          </a:xfrm>
+          <a:prstGeom prst="line">
+            <a:avLst/>
+          </a:prstGeom>
+          <a:ln w="3175">
+            <a:solidFill>
+              <a:schemeClr val="bg1">
+                <a:lumMod val="75000"/>
+              </a:schemeClr>
+            </a:solidFill>
+            <a:prstDash val="dash"/>
+            <a:headEnd type="none"/>
+            <a:tailEnd type="none"/>
+          </a:ln>
+        </p:spPr>
+        <p:style>
+          <a:lnRef idx="1">
+            <a:schemeClr val="accent1"/>
+          </a:lnRef>
+          <a:fillRef idx="0">
+            <a:schemeClr val="accent1"/>
+          </a:fillRef>
+          <a:effectRef idx="0">
+            <a:schemeClr val="accent1"/>
+          </a:effectRef>
+          <a:fontRef idx="minor">
+            <a:schemeClr val="tx1"/>
+          </a:fontRef>
+        </p:style>
+      </p:cxnSp>
+      <p:cxnSp>
+        <p:nvCxnSpPr>
+          <p:cNvPr id="45" name="Straight Connector 44">
+            <a:extLst>
+              <a:ext uri="{FF2B5EF4-FFF2-40B4-BE49-F238E27FC236}">
+                <a16:creationId xmlns:a16="http://schemas.microsoft.com/office/drawing/2014/main" id="{75B842E2-C1D7-4815-BAC4-A50B7E7938B1}"/>
+              </a:ext>
+            </a:extLst>
+          </p:cNvPr>
+          <p:cNvCxnSpPr>
+            <a:cxnSpLocks/>
+          </p:cNvCxnSpPr>
+          <p:nvPr/>
+        </p:nvCxnSpPr>
+        <p:spPr>
+          <a:xfrm>
+            <a:off x="1507129" y="3734685"/>
+            <a:ext cx="10248234" cy="0"/>
+          </a:xfrm>
+          <a:prstGeom prst="line">
+            <a:avLst/>
+          </a:prstGeom>
+          <a:ln w="3175">
+            <a:solidFill>
+              <a:schemeClr val="bg1">
+                <a:lumMod val="75000"/>
+              </a:schemeClr>
+            </a:solidFill>
+            <a:prstDash val="dash"/>
+            <a:headEnd type="none"/>
+            <a:tailEnd type="none"/>
+          </a:ln>
+        </p:spPr>
+        <p:style>
+          <a:lnRef idx="1">
+            <a:schemeClr val="accent1"/>
+          </a:lnRef>
+          <a:fillRef idx="0">
+            <a:schemeClr val="accent1"/>
+          </a:fillRef>
+          <a:effectRef idx="0">
+            <a:schemeClr val="accent1"/>
+          </a:effectRef>
+          <a:fontRef idx="minor">
+            <a:schemeClr val="tx1"/>
+          </a:fontRef>
+        </p:style>
+      </p:cxnSp>
+      <p:sp>
+        <p:nvSpPr>
+          <p:cNvPr id="46" name="Title 1">
+            <a:extLst>
+              <a:ext uri="{FF2B5EF4-FFF2-40B4-BE49-F238E27FC236}">
+                <a16:creationId xmlns:a16="http://schemas.microsoft.com/office/drawing/2014/main" id="{C518F6CF-FE0F-4830-AE2B-FC9B0DBADE6B}"/>
+              </a:ext>
+            </a:extLst>
+          </p:cNvPr>
+          <p:cNvSpPr txBox="1">
+            <a:spLocks/>
+          </p:cNvSpPr>
+          <p:nvPr/>
+        </p:nvSpPr>
+        <p:spPr>
+          <a:xfrm>
+            <a:off x="1507129" y="3939786"/>
+            <a:ext cx="10248234" cy="814661"/>
+          </a:xfrm>
+          <a:prstGeom prst="rect">
+            <a:avLst/>
+          </a:prstGeom>
+          <a:noFill/>
+          <a:ln w="19050">
+            <a:noFill/>
+          </a:ln>
+        </p:spPr>
+        <p:txBody>
+          <a:bodyPr vert="horz" wrap="square" lIns="0" tIns="44821" rIns="89642" bIns="44821" rtlCol="0" anchor="ctr">
+            <a:noAutofit/>
+          </a:bodyPr>
+          <a:lstStyle>
+            <a:lvl1pPr algn="l" defTabSz="932742" rtl="0" eaLnBrk="1" latinLnBrk="0" hangingPunct="1">
+              <a:lnSpc>
+                <a:spcPct val="90000"/>
+              </a:lnSpc>
+              <a:spcBef>
+                <a:spcPct val="0"/>
+              </a:spcBef>
+              <a:buNone/>
+              <a:defRPr lang="en-US" sz="4800" b="0" kern="1200" cap="none" spc="-102" baseline="0" dirty="0" smtClean="0">
+                <a:ln w="3175">
+                  <a:noFill/>
+                </a:ln>
+                <a:gradFill>
+                  <a:gsLst>
+                    <a:gs pos="1250">
+                      <a:schemeClr val="tx1"/>
+                    </a:gs>
+                    <a:gs pos="100000">
+                      <a:schemeClr val="tx1"/>
+                    </a:gs>
+                  </a:gsLst>
+                  <a:lin ang="5400000" scaled="0"/>
+                </a:gradFill>
+                <a:effectLst/>
+                <a:latin typeface="+mj-lt"/>
+                <a:ea typeface="+mn-ea"/>
+                <a:cs typeface="Segoe UI" pitchFamily="34" charset="0"/>
+              </a:defRPr>
+            </a:lvl1pPr>
+          </a:lstStyle>
+          <a:p>
+            <a:pPr defTabSz="914367">
+              <a:lnSpc>
+                <a:spcPct val="100000"/>
+              </a:lnSpc>
+              <a:defRPr/>
+            </a:pPr>
+            <a:r>
+              <a:rPr lang="en-US" sz="2000" spc="0">
+                <a:solidFill>
+                  <a:schemeClr val="tx1"/>
+                </a:solidFill>
+                <a:latin typeface="Segoe UI Semibold" panose="020B0702040204020203" pitchFamily="34" charset="0"/>
+                <a:cs typeface="Segoe UI Semibold" panose="020B0702040204020203" pitchFamily="34" charset="0"/>
+              </a:rPr>
+              <a:t>Coordinate and deliver </a:t>
+            </a:r>
+            <a:r>
+              <a:rPr lang="en-US" sz="2000" spc="0">
+                <a:solidFill>
+                  <a:schemeClr val="tx1"/>
+                </a:solidFill>
+                <a:latin typeface="Segoe UI" panose="020B0502040204020203" pitchFamily="34" charset="0"/>
+              </a:rPr>
+              <a:t>the services</a:t>
+            </a:r>
+          </a:p>
+        </p:txBody>
+      </p:sp>
+      <p:sp>
+        <p:nvSpPr>
+          <p:cNvPr id="50" name="Title 1">
+            <a:extLst>
+              <a:ext uri="{FF2B5EF4-FFF2-40B4-BE49-F238E27FC236}">
+                <a16:creationId xmlns:a16="http://schemas.microsoft.com/office/drawing/2014/main" id="{130C1120-E056-450F-9170-CABF5DB1A22E}"/>
+              </a:ext>
+            </a:extLst>
+          </p:cNvPr>
+          <p:cNvSpPr txBox="1">
+            <a:spLocks/>
+          </p:cNvSpPr>
+          <p:nvPr/>
+        </p:nvSpPr>
+        <p:spPr>
+          <a:xfrm>
+            <a:off x="1507129" y="1490060"/>
+            <a:ext cx="10248234" cy="814661"/>
+          </a:xfrm>
+          <a:prstGeom prst="rect">
+            <a:avLst/>
+          </a:prstGeom>
+          <a:noFill/>
+          <a:ln w="19050">
+            <a:noFill/>
+          </a:ln>
+        </p:spPr>
+        <p:txBody>
+          <a:bodyPr vert="horz" wrap="square" lIns="0" tIns="44821" rIns="89642" bIns="44821" rtlCol="0" anchor="ctr">
+            <a:noAutofit/>
+          </a:bodyPr>
+          <a:lstStyle>
+            <a:lvl1pPr algn="l" defTabSz="932742" rtl="0" eaLnBrk="1" latinLnBrk="0" hangingPunct="1">
+              <a:lnSpc>
+                <a:spcPct val="90000"/>
+              </a:lnSpc>
+              <a:spcBef>
+                <a:spcPct val="0"/>
+              </a:spcBef>
+              <a:buNone/>
+              <a:defRPr lang="en-US" sz="4800" b="0" kern="1200" cap="none" spc="-102" baseline="0" dirty="0" smtClean="0">
+                <a:ln w="3175">
+                  <a:noFill/>
+                </a:ln>
+                <a:gradFill>
+                  <a:gsLst>
+                    <a:gs pos="1250">
+                      <a:schemeClr val="tx1"/>
+                    </a:gs>
+                    <a:gs pos="100000">
+                      <a:schemeClr val="tx1"/>
+                    </a:gs>
+                  </a:gsLst>
+                  <a:lin ang="5400000" scaled="0"/>
+                </a:gradFill>
+                <a:effectLst/>
+                <a:latin typeface="+mj-lt"/>
+                <a:ea typeface="+mn-ea"/>
+                <a:cs typeface="Segoe UI" pitchFamily="34" charset="0"/>
+              </a:defRPr>
+            </a:lvl1pPr>
+          </a:lstStyle>
+          <a:p>
+            <a:pPr defTabSz="914367">
+              <a:lnSpc>
+                <a:spcPct val="100000"/>
+              </a:lnSpc>
+              <a:defRPr/>
+            </a:pPr>
+            <a:r>
+              <a:rPr lang="en-US" sz="2000" spc="0">
+                <a:solidFill>
+                  <a:schemeClr val="tx1"/>
+                </a:solidFill>
+                <a:latin typeface="Segoe UI Semibold" panose="020B0702040204020203" pitchFamily="34" charset="0"/>
+                <a:cs typeface="Segoe UI Semibold" panose="020B0702040204020203" pitchFamily="34" charset="0"/>
+              </a:rPr>
+              <a:t>Coordinate </a:t>
+            </a:r>
+            <a:r>
+              <a:rPr lang="en-US" sz="2000" spc="0">
+                <a:solidFill>
+                  <a:schemeClr val="tx1"/>
+                </a:solidFill>
+                <a:latin typeface="Segoe UI" panose="020B0502040204020203" pitchFamily="34" charset="0"/>
+              </a:rPr>
+              <a:t>scoping and capabilities assessment</a:t>
+            </a:r>
+          </a:p>
+        </p:txBody>
+      </p:sp>
+      <p:sp>
+        <p:nvSpPr>
+          <p:cNvPr id="51" name="Title 1">
+            <a:extLst>
+              <a:ext uri="{FF2B5EF4-FFF2-40B4-BE49-F238E27FC236}">
+                <a16:creationId xmlns:a16="http://schemas.microsoft.com/office/drawing/2014/main" id="{0EEBEC6B-DAEB-411E-84E7-50471018FA77}"/>
+              </a:ext>
+            </a:extLst>
+          </p:cNvPr>
+          <p:cNvSpPr txBox="1">
+            <a:spLocks/>
+          </p:cNvSpPr>
+          <p:nvPr/>
+        </p:nvSpPr>
+        <p:spPr>
+          <a:xfrm>
+            <a:off x="1507129" y="2714923"/>
+            <a:ext cx="10248234" cy="814661"/>
+          </a:xfrm>
+          <a:prstGeom prst="rect">
+            <a:avLst/>
+          </a:prstGeom>
+          <a:noFill/>
+          <a:ln w="19050">
+            <a:noFill/>
+          </a:ln>
+        </p:spPr>
+        <p:txBody>
+          <a:bodyPr vert="horz" wrap="square" lIns="0" tIns="44821" rIns="89642" bIns="44821" rtlCol="0" anchor="ctr">
+            <a:noAutofit/>
+          </a:bodyPr>
+          <a:lstStyle>
+            <a:lvl1pPr algn="l" defTabSz="932742" rtl="0" eaLnBrk="1" latinLnBrk="0" hangingPunct="1">
+              <a:lnSpc>
+                <a:spcPct val="90000"/>
+              </a:lnSpc>
+              <a:spcBef>
+                <a:spcPct val="0"/>
+              </a:spcBef>
+              <a:buNone/>
+              <a:defRPr lang="en-US" sz="4800" b="0" kern="1200" cap="none" spc="-102" baseline="0" dirty="0" smtClean="0">
+                <a:ln w="3175">
+                  <a:noFill/>
+                </a:ln>
+                <a:gradFill>
+                  <a:gsLst>
+                    <a:gs pos="1250">
+                      <a:schemeClr val="tx1"/>
+                    </a:gs>
+                    <a:gs pos="100000">
+                      <a:schemeClr val="tx1"/>
+                    </a:gs>
+                  </a:gsLst>
+                  <a:lin ang="5400000" scaled="0"/>
+                </a:gradFill>
+                <a:effectLst/>
+                <a:latin typeface="+mj-lt"/>
+                <a:ea typeface="+mn-ea"/>
+                <a:cs typeface="Segoe UI" pitchFamily="34" charset="0"/>
+              </a:defRPr>
+            </a:lvl1pPr>
+          </a:lstStyle>
+          <a:p>
+            <a:pPr defTabSz="914367">
+              <a:lnSpc>
+                <a:spcPct val="100000"/>
+              </a:lnSpc>
+              <a:defRPr/>
+            </a:pPr>
+            <a:r>
+              <a:rPr lang="en-US" sz="2000" spc="0">
+                <a:solidFill>
+                  <a:schemeClr val="tx1"/>
+                </a:solidFill>
+                <a:latin typeface="Segoe UI Semibold" panose="020B0702040204020203" pitchFamily="34" charset="0"/>
+                <a:cs typeface="Segoe UI Semibold" panose="020B0702040204020203" pitchFamily="34" charset="0"/>
+              </a:rPr>
+              <a:t>Generate and review </a:t>
+            </a:r>
+            <a:r>
+              <a:rPr lang="en-US" sz="2000" spc="0">
+                <a:solidFill>
+                  <a:schemeClr val="tx1"/>
+                </a:solidFill>
+                <a:latin typeface="Segoe UI" panose="020B0502040204020203" pitchFamily="34" charset="0"/>
+              </a:rPr>
+              <a:t>Service Delivery Plan</a:t>
+            </a:r>
+          </a:p>
+        </p:txBody>
+      </p:sp>
+      <p:grpSp>
+        <p:nvGrpSpPr>
+          <p:cNvPr id="4" name="Group 3">
+            <a:extLst>
+              <a:ext uri="{FF2B5EF4-FFF2-40B4-BE49-F238E27FC236}">
+                <a16:creationId xmlns:a16="http://schemas.microsoft.com/office/drawing/2014/main" id="{46899BBF-4248-4275-AC8B-E441CBB88119}"/>
+              </a:ext>
+            </a:extLst>
+          </p:cNvPr>
+          <p:cNvGrpSpPr/>
+          <p:nvPr/>
+        </p:nvGrpSpPr>
+        <p:grpSpPr>
+          <a:xfrm>
+            <a:off x="461595" y="1462834"/>
+            <a:ext cx="869112" cy="869112"/>
+            <a:chOff x="461595" y="1462834"/>
+            <a:chExt cx="869112" cy="869112"/>
+          </a:xfrm>
+        </p:grpSpPr>
+        <p:sp>
+          <p:nvSpPr>
+            <p:cNvPr id="53" name="Oval 52">
+              <a:extLst>
+                <a:ext uri="{FF2B5EF4-FFF2-40B4-BE49-F238E27FC236}">
+                  <a16:creationId xmlns:a16="http://schemas.microsoft.com/office/drawing/2014/main" id="{C2E7126E-9ABB-406A-A07D-FF7EF030ABCB}"/>
+                </a:ext>
+              </a:extLst>
+            </p:cNvPr>
+            <p:cNvSpPr/>
+            <p:nvPr/>
+          </p:nvSpPr>
+          <p:spPr bwMode="auto">
+            <a:xfrm>
+              <a:off x="461595" y="1462834"/>
+              <a:ext cx="869112" cy="869112"/>
+            </a:xfrm>
+            <a:prstGeom prst="ellipse">
+              <a:avLst/>
+            </a:prstGeom>
+            <a:solidFill>
+              <a:srgbClr val="008272"/>
+            </a:solidFill>
+            <a:ln>
+              <a:noFill/>
+              <a:headEnd type="none" w="med" len="med"/>
+              <a:tailEnd type="none" w="med" len="med"/>
+            </a:ln>
+            <a:effectLst/>
+          </p:spPr>
+          <p:style>
+            <a:lnRef idx="1">
+              <a:schemeClr val="accent2"/>
+            </a:lnRef>
+            <a:fillRef idx="3">
+              <a:schemeClr val="accent2"/>
+            </a:fillRef>
+            <a:effectRef idx="2">
+              <a:schemeClr val="accent2"/>
+            </a:effectRef>
+            <a:fontRef idx="minor">
+              <a:schemeClr val="lt1"/>
+            </a:fontRef>
+          </p:style>
+          <p:txBody>
+            <a:bodyPr rot="0" spcFirstLastPara="0" vertOverflow="overflow" horzOverflow="overflow" vert="horz" wrap="square" lIns="179285" tIns="143428" rIns="179285" bIns="143428" numCol="1" spcCol="0" rtlCol="0" fromWordArt="0" anchor="t" anchorCtr="0" forceAA="0" compatLnSpc="1">
+              <a:prstTxWarp prst="textNoShape">
+                <a:avLst/>
+              </a:prstTxWarp>
+              <a:noAutofit/>
+            </a:bodyPr>
+            <a:lstStyle/>
+            <a:p>
+              <a:pPr algn="ctr" defTabSz="914102" fontAlgn="base">
+                <a:spcBef>
+                  <a:spcPct val="0"/>
+                </a:spcBef>
+                <a:spcAft>
+                  <a:spcPct val="0"/>
+                </a:spcAft>
+                <a:defRPr/>
+              </a:pPr>
+              <a:endParaRPr lang="en-US" sz="2000">
+                <a:gradFill>
+                  <a:gsLst>
+                    <a:gs pos="0">
+                      <a:srgbClr val="FFFFFF"/>
+                    </a:gs>
+                    <a:gs pos="100000">
+                      <a:srgbClr val="FFFFFF"/>
+                    </a:gs>
+                  </a:gsLst>
+                  <a:lin ang="5400000" scaled="0"/>
+                </a:gradFill>
+                <a:latin typeface="Segoe UI Light"/>
+                <a:ea typeface="Segoe UI" pitchFamily="34" charset="0"/>
+                <a:cs typeface="Segoe UI" pitchFamily="34" charset="0"/>
+              </a:endParaRPr>
+            </a:p>
+          </p:txBody>
+        </p:sp>
+        <p:grpSp>
+          <p:nvGrpSpPr>
+            <p:cNvPr id="80" name="Group 79">
+              <a:extLst>
+                <a:ext uri="{FF2B5EF4-FFF2-40B4-BE49-F238E27FC236}">
+                  <a16:creationId xmlns:a16="http://schemas.microsoft.com/office/drawing/2014/main" id="{01B4887B-E41F-4D99-AFA2-6CB00E4D5625}"/>
+                </a:ext>
+              </a:extLst>
+            </p:cNvPr>
+            <p:cNvGrpSpPr/>
+            <p:nvPr/>
+          </p:nvGrpSpPr>
+          <p:grpSpPr>
+            <a:xfrm>
+              <a:off x="662520" y="1657918"/>
+              <a:ext cx="467262" cy="478944"/>
+              <a:chOff x="1176035" y="1078819"/>
+              <a:chExt cx="304800" cy="312420"/>
+            </a:xfrm>
+          </p:grpSpPr>
+          <p:sp>
+            <p:nvSpPr>
+              <p:cNvPr id="81" name="Freeform: Shape 80">
+                <a:extLst>
+                  <a:ext uri="{FF2B5EF4-FFF2-40B4-BE49-F238E27FC236}">
+                    <a16:creationId xmlns:a16="http://schemas.microsoft.com/office/drawing/2014/main" id="{A7B79B70-E3F9-4982-B612-3222FC211883}"/>
+                  </a:ext>
+                </a:extLst>
+              </p:cNvPr>
+              <p:cNvSpPr/>
+              <p:nvPr/>
+            </p:nvSpPr>
+            <p:spPr>
+              <a:xfrm>
+                <a:off x="1176035" y="1305514"/>
+                <a:ext cx="304800" cy="85725"/>
+              </a:xfrm>
+              <a:custGeom>
+                <a:avLst/>
+                <a:gdLst>
+                  <a:gd name="connsiteX0" fmla="*/ 7348 w 304800"/>
+                  <a:gd name="connsiteY0" fmla="*/ 7348 h 85725"/>
+                  <a:gd name="connsiteX1" fmla="*/ 305481 w 304800"/>
+                  <a:gd name="connsiteY1" fmla="*/ 7348 h 85725"/>
+                  <a:gd name="connsiteX2" fmla="*/ 305481 w 304800"/>
+                  <a:gd name="connsiteY2" fmla="*/ 80691 h 85725"/>
+                  <a:gd name="connsiteX3" fmla="*/ 7348 w 304800"/>
+                  <a:gd name="connsiteY3" fmla="*/ 80691 h 85725"/>
+                </a:gdLst>
+                <a:ahLst/>
+                <a:cxnLst>
+                  <a:cxn ang="0">
+                    <a:pos x="connsiteX0" y="connsiteY0"/>
+                  </a:cxn>
+                  <a:cxn ang="0">
+                    <a:pos x="connsiteX1" y="connsiteY1"/>
+                  </a:cxn>
+                  <a:cxn ang="0">
+                    <a:pos x="connsiteX2" y="connsiteY2"/>
+                  </a:cxn>
+                  <a:cxn ang="0">
+                    <a:pos x="connsiteX3" y="connsiteY3"/>
+                  </a:cxn>
+                </a:cxnLst>
+                <a:rect l="l" t="t" r="r" b="b"/>
+                <a:pathLst>
+                  <a:path w="304800" h="85725">
+                    <a:moveTo>
+                      <a:pt x="7348" y="7348"/>
+                    </a:moveTo>
+                    <a:lnTo>
+                      <a:pt x="305481" y="7348"/>
+                    </a:lnTo>
+                    <a:lnTo>
+                      <a:pt x="305481" y="80691"/>
+                    </a:lnTo>
+                    <a:lnTo>
+                      <a:pt x="7348" y="80691"/>
+                    </a:lnTo>
+                    <a:close/>
+                  </a:path>
+                </a:pathLst>
+              </a:custGeom>
+              <a:noFill/>
+              <a:ln w="12700" cap="sq">
+                <a:solidFill>
+                  <a:schemeClr val="bg1"/>
+                </a:solidFill>
+                <a:prstDash val="solid"/>
+                <a:miter lim="800000"/>
+                <a:headEnd/>
+                <a:tailEnd/>
+              </a:ln>
+              <a:extLst>
+                <a:ext uri="{909E8E84-426E-40DD-AFC4-6F175D3DCCD1}">
+                  <a14:hiddenFill xmlns:a14="http://schemas.microsoft.com/office/drawing/2010/main">
+                    <a:solidFill>
+                      <a:srgbClr val="FFFFFF"/>
+                    </a:solidFill>
+                  </a14:hiddenFill>
+                </a:ext>
+              </a:extLst>
+            </p:spPr>
+            <p:txBody>
+              <a:bodyPr vert="horz" wrap="square" lIns="89642" tIns="44821" rIns="89642" bIns="44821" numCol="1" anchor="t" anchorCtr="0" compatLnSpc="1">
+                <a:prstTxWarp prst="textNoShape">
+                  <a:avLst/>
+                </a:prstTxWarp>
+              </a:bodyPr>
+              <a:lstStyle/>
+              <a:p>
+                <a:pPr defTabSz="914367"/>
+                <a:endParaRPr lang="en-US" sz="800">
+                  <a:gradFill>
+                    <a:gsLst>
+                      <a:gs pos="0">
+                        <a:srgbClr val="505050"/>
+                      </a:gs>
+                      <a:gs pos="100000">
+                        <a:srgbClr val="505050"/>
+                      </a:gs>
+                    </a:gsLst>
+                    <a:lin ang="5400000" scaled="1"/>
+                  </a:gradFill>
+                  <a:latin typeface="Segoe UI" panose="020B0502040204020203" pitchFamily="34" charset="0"/>
+                </a:endParaRPr>
+              </a:p>
+            </p:txBody>
+          </p:sp>
+          <p:sp>
+            <p:nvSpPr>
+              <p:cNvPr id="82" name="Freeform: Shape 81">
+                <a:extLst>
+                  <a:ext uri="{FF2B5EF4-FFF2-40B4-BE49-F238E27FC236}">
+                    <a16:creationId xmlns:a16="http://schemas.microsoft.com/office/drawing/2014/main" id="{CE2EC369-1EFD-4BE2-AD33-1D10A3279E2E}"/>
+                  </a:ext>
+                </a:extLst>
+              </p:cNvPr>
+              <p:cNvSpPr/>
+              <p:nvPr/>
+            </p:nvSpPr>
+            <p:spPr>
+              <a:xfrm>
+                <a:off x="1402730" y="1189309"/>
+                <a:ext cx="47625" cy="123825"/>
+              </a:xfrm>
+              <a:custGeom>
+                <a:avLst/>
+                <a:gdLst>
+                  <a:gd name="connsiteX0" fmla="*/ 48306 w 47625"/>
+                  <a:gd name="connsiteY0" fmla="*/ 123553 h 123825"/>
+                  <a:gd name="connsiteX1" fmla="*/ 48306 w 47625"/>
+                  <a:gd name="connsiteY1" fmla="*/ 42591 h 123825"/>
+                  <a:gd name="connsiteX2" fmla="*/ 7348 w 47625"/>
+                  <a:gd name="connsiteY2" fmla="*/ 7348 h 123825"/>
+                </a:gdLst>
+                <a:ahLst/>
+                <a:cxnLst>
+                  <a:cxn ang="0">
+                    <a:pos x="connsiteX0" y="connsiteY0"/>
+                  </a:cxn>
+                  <a:cxn ang="0">
+                    <a:pos x="connsiteX1" y="connsiteY1"/>
+                  </a:cxn>
+                  <a:cxn ang="0">
+                    <a:pos x="connsiteX2" y="connsiteY2"/>
+                  </a:cxn>
+                </a:cxnLst>
+                <a:rect l="l" t="t" r="r" b="b"/>
+                <a:pathLst>
+                  <a:path w="47625" h="123825">
+                    <a:moveTo>
+                      <a:pt x="48306" y="123553"/>
+                    </a:moveTo>
+                    <a:lnTo>
+                      <a:pt x="48306" y="42591"/>
+                    </a:lnTo>
+                    <a:lnTo>
+                      <a:pt x="7348" y="7348"/>
+                    </a:lnTo>
+                  </a:path>
+                </a:pathLst>
+              </a:custGeom>
+              <a:noFill/>
+              <a:ln w="12700" cap="sq">
+                <a:solidFill>
+                  <a:schemeClr val="bg1"/>
+                </a:solidFill>
+                <a:prstDash val="solid"/>
+                <a:miter lim="800000"/>
+                <a:headEnd/>
+                <a:tailEnd/>
+              </a:ln>
+              <a:extLst>
+                <a:ext uri="{909E8E84-426E-40DD-AFC4-6F175D3DCCD1}">
+                  <a14:hiddenFill xmlns:a14="http://schemas.microsoft.com/office/drawing/2010/main">
+                    <a:solidFill>
+                      <a:srgbClr val="FFFFFF"/>
+                    </a:solidFill>
+                  </a14:hiddenFill>
+                </a:ext>
+              </a:extLst>
+            </p:spPr>
+            <p:txBody>
+              <a:bodyPr vert="horz" wrap="square" lIns="89642" tIns="44821" rIns="89642" bIns="44821" numCol="1" anchor="t" anchorCtr="0" compatLnSpc="1">
+                <a:prstTxWarp prst="textNoShape">
+                  <a:avLst/>
+                </a:prstTxWarp>
+              </a:bodyPr>
+              <a:lstStyle/>
+              <a:p>
+                <a:pPr defTabSz="914367"/>
+                <a:endParaRPr lang="en-US" sz="800">
+                  <a:gradFill>
+                    <a:gsLst>
+                      <a:gs pos="0">
+                        <a:srgbClr val="505050"/>
+                      </a:gs>
+                      <a:gs pos="100000">
+                        <a:srgbClr val="505050"/>
+                      </a:gs>
+                    </a:gsLst>
+                    <a:lin ang="5400000" scaled="1"/>
+                  </a:gradFill>
+                  <a:latin typeface="Segoe UI" panose="020B0502040204020203" pitchFamily="34" charset="0"/>
+                </a:endParaRPr>
+              </a:p>
+            </p:txBody>
+          </p:sp>
+          <p:sp>
+            <p:nvSpPr>
+              <p:cNvPr id="83" name="Freeform: Shape 82">
+                <a:extLst>
+                  <a:ext uri="{FF2B5EF4-FFF2-40B4-BE49-F238E27FC236}">
+                    <a16:creationId xmlns:a16="http://schemas.microsoft.com/office/drawing/2014/main" id="{8DA7FBD9-3475-4D4E-B322-F2C7CF8404A9}"/>
+                  </a:ext>
+                </a:extLst>
+              </p:cNvPr>
+              <p:cNvSpPr/>
+              <p:nvPr/>
+            </p:nvSpPr>
+            <p:spPr>
+              <a:xfrm>
+                <a:off x="1378917" y="1166449"/>
+                <a:ext cx="38100" cy="38100"/>
+              </a:xfrm>
+              <a:custGeom>
+                <a:avLst/>
+                <a:gdLst>
+                  <a:gd name="connsiteX0" fmla="*/ 34018 w 38100"/>
+                  <a:gd name="connsiteY0" fmla="*/ 20683 h 38100"/>
+                  <a:gd name="connsiteX1" fmla="*/ 20683 w 38100"/>
+                  <a:gd name="connsiteY1" fmla="*/ 34018 h 38100"/>
+                  <a:gd name="connsiteX2" fmla="*/ 7348 w 38100"/>
+                  <a:gd name="connsiteY2" fmla="*/ 20683 h 38100"/>
+                  <a:gd name="connsiteX3" fmla="*/ 20683 w 38100"/>
+                  <a:gd name="connsiteY3" fmla="*/ 7348 h 38100"/>
+                  <a:gd name="connsiteX4" fmla="*/ 34018 w 38100"/>
+                  <a:gd name="connsiteY4" fmla="*/ 20683 h 38100"/>
+                </a:gdLst>
+                <a:ahLst/>
+                <a:cxnLst>
+                  <a:cxn ang="0">
+                    <a:pos x="connsiteX0" y="connsiteY0"/>
+                  </a:cxn>
+                  <a:cxn ang="0">
+                    <a:pos x="connsiteX1" y="connsiteY1"/>
+                  </a:cxn>
+                  <a:cxn ang="0">
+                    <a:pos x="connsiteX2" y="connsiteY2"/>
+                  </a:cxn>
+                  <a:cxn ang="0">
+                    <a:pos x="connsiteX3" y="connsiteY3"/>
+                  </a:cxn>
+                  <a:cxn ang="0">
+                    <a:pos x="connsiteX4" y="connsiteY4"/>
+                  </a:cxn>
+                </a:cxnLst>
+                <a:rect l="l" t="t" r="r" b="b"/>
+                <a:pathLst>
+                  <a:path w="38100" h="38100">
+                    <a:moveTo>
+                      <a:pt x="34018" y="20683"/>
+                    </a:moveTo>
+                    <a:cubicBezTo>
+                      <a:pt x="34018" y="28048"/>
+                      <a:pt x="28048" y="34018"/>
+                      <a:pt x="20683" y="34018"/>
+                    </a:cubicBezTo>
+                    <a:cubicBezTo>
+                      <a:pt x="13318" y="34018"/>
+                      <a:pt x="7348" y="28048"/>
+                      <a:pt x="7348" y="20683"/>
+                    </a:cubicBezTo>
+                    <a:cubicBezTo>
+                      <a:pt x="7348" y="13318"/>
+                      <a:pt x="13318" y="7348"/>
+                      <a:pt x="20683" y="7348"/>
+                    </a:cubicBezTo>
+                    <a:cubicBezTo>
+                      <a:pt x="28048" y="7348"/>
+                      <a:pt x="34018" y="13318"/>
+                      <a:pt x="34018" y="20683"/>
+                    </a:cubicBezTo>
+                    <a:close/>
+                  </a:path>
+                </a:pathLst>
+              </a:custGeom>
+              <a:noFill/>
+              <a:ln w="12700" cap="sq">
+                <a:solidFill>
+                  <a:schemeClr val="bg1"/>
+                </a:solidFill>
+                <a:prstDash val="solid"/>
+                <a:miter lim="800000"/>
+                <a:headEnd/>
+                <a:tailEnd/>
+              </a:ln>
+              <a:extLst>
+                <a:ext uri="{909E8E84-426E-40DD-AFC4-6F175D3DCCD1}">
+                  <a14:hiddenFill xmlns:a14="http://schemas.microsoft.com/office/drawing/2010/main">
+                    <a:solidFill>
+                      <a:srgbClr val="FFFFFF"/>
+                    </a:solidFill>
+                  </a14:hiddenFill>
+                </a:ext>
+              </a:extLst>
+            </p:spPr>
+            <p:txBody>
+              <a:bodyPr vert="horz" wrap="square" lIns="89642" tIns="44821" rIns="89642" bIns="44821" numCol="1" anchor="t" anchorCtr="0" compatLnSpc="1">
+                <a:prstTxWarp prst="textNoShape">
+                  <a:avLst/>
+                </a:prstTxWarp>
+              </a:bodyPr>
+              <a:lstStyle/>
+              <a:p>
+                <a:pPr defTabSz="914367"/>
+                <a:endParaRPr lang="en-US" sz="800">
+                  <a:gradFill>
+                    <a:gsLst>
+                      <a:gs pos="0">
+                        <a:srgbClr val="505050"/>
+                      </a:gs>
+                      <a:gs pos="100000">
+                        <a:srgbClr val="505050"/>
+                      </a:gs>
+                    </a:gsLst>
+                    <a:lin ang="5400000" scaled="1"/>
+                  </a:gradFill>
+                  <a:latin typeface="Segoe UI" panose="020B0502040204020203" pitchFamily="34" charset="0"/>
+                </a:endParaRPr>
+              </a:p>
+            </p:txBody>
+          </p:sp>
+          <p:sp>
+            <p:nvSpPr>
+              <p:cNvPr id="84" name="Freeform: Shape 83">
+                <a:extLst>
+                  <a:ext uri="{FF2B5EF4-FFF2-40B4-BE49-F238E27FC236}">
+                    <a16:creationId xmlns:a16="http://schemas.microsoft.com/office/drawing/2014/main" id="{810FC5BB-3581-4782-B063-7CE6999E664E}"/>
+                  </a:ext>
+                </a:extLst>
+              </p:cNvPr>
+              <p:cNvSpPr/>
+              <p:nvPr/>
+            </p:nvSpPr>
+            <p:spPr>
+              <a:xfrm>
+                <a:off x="1217945" y="1078819"/>
+                <a:ext cx="200025" cy="228600"/>
+              </a:xfrm>
+              <a:custGeom>
+                <a:avLst/>
+                <a:gdLst>
+                  <a:gd name="connsiteX0" fmla="*/ 41638 w 200025"/>
+                  <a:gd name="connsiteY0" fmla="*/ 69261 h 228600"/>
+                  <a:gd name="connsiteX1" fmla="*/ 101646 w 200025"/>
+                  <a:gd name="connsiteY1" fmla="*/ 7348 h 228600"/>
+                  <a:gd name="connsiteX2" fmla="*/ 161653 w 200025"/>
+                  <a:gd name="connsiteY2" fmla="*/ 69261 h 228600"/>
+                  <a:gd name="connsiteX3" fmla="*/ 101646 w 200025"/>
+                  <a:gd name="connsiteY3" fmla="*/ 131173 h 228600"/>
+                  <a:gd name="connsiteX4" fmla="*/ 41638 w 200025"/>
+                  <a:gd name="connsiteY4" fmla="*/ 69261 h 228600"/>
+                  <a:gd name="connsiteX5" fmla="*/ 41638 w 200025"/>
+                  <a:gd name="connsiteY5" fmla="*/ 69261 h 228600"/>
+                  <a:gd name="connsiteX6" fmla="*/ 194991 w 200025"/>
+                  <a:gd name="connsiteY6" fmla="*/ 229281 h 228600"/>
+                  <a:gd name="connsiteX7" fmla="*/ 101646 w 200025"/>
+                  <a:gd name="connsiteY7" fmla="*/ 131173 h 228600"/>
+                  <a:gd name="connsiteX8" fmla="*/ 7348 w 200025"/>
+                  <a:gd name="connsiteY8" fmla="*/ 229281 h 228600"/>
+                  <a:gd name="connsiteX9" fmla="*/ 64498 w 200025"/>
+                  <a:gd name="connsiteY9" fmla="*/ 143556 h 228600"/>
+                  <a:gd name="connsiteX10" fmla="*/ 101646 w 200025"/>
+                  <a:gd name="connsiteY10" fmla="*/ 178798 h 228600"/>
+                  <a:gd name="connsiteX11" fmla="*/ 137841 w 200025"/>
+                  <a:gd name="connsiteY11" fmla="*/ 143556 h 228600"/>
+                </a:gdLst>
+                <a:ahLst/>
+                <a:cxnLst>
+                  <a:cxn ang="0">
+                    <a:pos x="connsiteX0" y="connsiteY0"/>
+                  </a:cxn>
+                  <a:cxn ang="0">
+                    <a:pos x="connsiteX1" y="connsiteY1"/>
+                  </a:cxn>
+                  <a:cxn ang="0">
+                    <a:pos x="connsiteX2" y="connsiteY2"/>
+                  </a:cxn>
+                  <a:cxn ang="0">
+                    <a:pos x="connsiteX3" y="connsiteY3"/>
+                  </a:cxn>
+                  <a:cxn ang="0">
+                    <a:pos x="connsiteX4" y="connsiteY4"/>
+                  </a:cxn>
+                  <a:cxn ang="0">
+                    <a:pos x="connsiteX5" y="connsiteY5"/>
+                  </a:cxn>
+                  <a:cxn ang="0">
+                    <a:pos x="connsiteX6" y="connsiteY6"/>
+                  </a:cxn>
+                  <a:cxn ang="0">
+                    <a:pos x="connsiteX7" y="connsiteY7"/>
+                  </a:cxn>
+                  <a:cxn ang="0">
+                    <a:pos x="connsiteX8" y="connsiteY8"/>
+                  </a:cxn>
+                  <a:cxn ang="0">
+                    <a:pos x="connsiteX9" y="connsiteY9"/>
+                  </a:cxn>
+                  <a:cxn ang="0">
+                    <a:pos x="connsiteX10" y="connsiteY10"/>
+                  </a:cxn>
+                  <a:cxn ang="0">
+                    <a:pos x="connsiteX11" y="connsiteY11"/>
+                  </a:cxn>
+                </a:cxnLst>
+                <a:rect l="l" t="t" r="r" b="b"/>
+                <a:pathLst>
+                  <a:path w="200025" h="228600">
+                    <a:moveTo>
+                      <a:pt x="41638" y="69261"/>
+                    </a:moveTo>
+                    <a:cubicBezTo>
+                      <a:pt x="41638" y="34971"/>
+                      <a:pt x="68308" y="7348"/>
+                      <a:pt x="101646" y="7348"/>
+                    </a:cubicBezTo>
+                    <a:cubicBezTo>
+                      <a:pt x="134031" y="7348"/>
+                      <a:pt x="161653" y="35923"/>
+                      <a:pt x="161653" y="69261"/>
+                    </a:cubicBezTo>
+                    <a:cubicBezTo>
+                      <a:pt x="161653" y="103551"/>
+                      <a:pt x="134983" y="131173"/>
+                      <a:pt x="101646" y="131173"/>
+                    </a:cubicBezTo>
+                    <a:cubicBezTo>
+                      <a:pt x="68308" y="131173"/>
+                      <a:pt x="41638" y="103551"/>
+                      <a:pt x="41638" y="69261"/>
+                    </a:cubicBezTo>
+                    <a:lnTo>
+                      <a:pt x="41638" y="69261"/>
+                    </a:lnTo>
+                    <a:close/>
+                    <a:moveTo>
+                      <a:pt x="194991" y="229281"/>
+                    </a:moveTo>
+                    <a:cubicBezTo>
+                      <a:pt x="194991" y="174988"/>
+                      <a:pt x="153081" y="131173"/>
+                      <a:pt x="101646" y="131173"/>
+                    </a:cubicBezTo>
+                    <a:cubicBezTo>
+                      <a:pt x="50211" y="131173"/>
+                      <a:pt x="7348" y="174988"/>
+                      <a:pt x="7348" y="229281"/>
+                    </a:cubicBezTo>
+                    <a:moveTo>
+                      <a:pt x="64498" y="143556"/>
+                    </a:moveTo>
+                    <a:cubicBezTo>
+                      <a:pt x="101646" y="178798"/>
+                      <a:pt x="101646" y="178798"/>
+                      <a:pt x="101646" y="178798"/>
+                    </a:cubicBezTo>
+                    <a:cubicBezTo>
+                      <a:pt x="137841" y="143556"/>
+                      <a:pt x="137841" y="143556"/>
+                      <a:pt x="137841" y="143556"/>
+                    </a:cubicBezTo>
+                  </a:path>
+                </a:pathLst>
+              </a:custGeom>
+              <a:noFill/>
+              <a:ln w="12700" cap="sq">
+                <a:solidFill>
+                  <a:schemeClr val="bg1"/>
+                </a:solidFill>
+                <a:prstDash val="solid"/>
+                <a:miter lim="800000"/>
+                <a:headEnd/>
+                <a:tailEnd/>
+              </a:ln>
+              <a:extLst>
+                <a:ext uri="{909E8E84-426E-40DD-AFC4-6F175D3DCCD1}">
+                  <a14:hiddenFill xmlns:a14="http://schemas.microsoft.com/office/drawing/2010/main">
+                    <a:solidFill>
+                      <a:srgbClr val="FFFFFF"/>
+                    </a:solidFill>
+                  </a14:hiddenFill>
+                </a:ext>
+              </a:extLst>
+            </p:spPr>
+            <p:txBody>
+              <a:bodyPr vert="horz" wrap="square" lIns="89642" tIns="44821" rIns="89642" bIns="44821" numCol="1" anchor="t" anchorCtr="0" compatLnSpc="1">
+                <a:prstTxWarp prst="textNoShape">
+                  <a:avLst/>
+                </a:prstTxWarp>
+              </a:bodyPr>
+              <a:lstStyle/>
+              <a:p>
+                <a:pPr defTabSz="914367"/>
+                <a:endParaRPr lang="en-US" sz="800">
+                  <a:gradFill>
+                    <a:gsLst>
+                      <a:gs pos="0">
+                        <a:srgbClr val="505050"/>
+                      </a:gs>
+                      <a:gs pos="100000">
+                        <a:srgbClr val="505050"/>
+                      </a:gs>
+                    </a:gsLst>
+                    <a:lin ang="5400000" scaled="1"/>
+                  </a:gradFill>
+                  <a:latin typeface="Segoe UI" panose="020B0502040204020203" pitchFamily="34" charset="0"/>
+                </a:endParaRPr>
+              </a:p>
+            </p:txBody>
+          </p:sp>
+        </p:grpSp>
+      </p:grpSp>
+      <p:grpSp>
+        <p:nvGrpSpPr>
+          <p:cNvPr id="5" name="Group 4">
+            <a:extLst>
+              <a:ext uri="{FF2B5EF4-FFF2-40B4-BE49-F238E27FC236}">
+                <a16:creationId xmlns:a16="http://schemas.microsoft.com/office/drawing/2014/main" id="{14BFB72F-C6A3-4A50-802E-6A959006143D}"/>
+              </a:ext>
+            </a:extLst>
+          </p:cNvPr>
+          <p:cNvGrpSpPr/>
+          <p:nvPr/>
+        </p:nvGrpSpPr>
+        <p:grpSpPr>
+          <a:xfrm>
+            <a:off x="451008" y="2687696"/>
+            <a:ext cx="869112" cy="869112"/>
+            <a:chOff x="451008" y="2687696"/>
+            <a:chExt cx="869112" cy="869112"/>
+          </a:xfrm>
+        </p:grpSpPr>
+        <p:sp>
+          <p:nvSpPr>
+            <p:cNvPr id="78" name="Oval 77">
+              <a:extLst>
+                <a:ext uri="{FF2B5EF4-FFF2-40B4-BE49-F238E27FC236}">
+                  <a16:creationId xmlns:a16="http://schemas.microsoft.com/office/drawing/2014/main" id="{2C578D69-A90C-43AC-85FA-EEE41E4F93A2}"/>
+                </a:ext>
+              </a:extLst>
+            </p:cNvPr>
+            <p:cNvSpPr/>
+            <p:nvPr/>
+          </p:nvSpPr>
+          <p:spPr bwMode="auto">
+            <a:xfrm>
+              <a:off x="451008" y="2687696"/>
+              <a:ext cx="869112" cy="869112"/>
+            </a:xfrm>
+            <a:prstGeom prst="ellipse">
+              <a:avLst/>
+            </a:prstGeom>
+            <a:solidFill>
+              <a:srgbClr val="008272"/>
+            </a:solidFill>
+            <a:ln>
+              <a:noFill/>
+              <a:headEnd type="none" w="med" len="med"/>
+              <a:tailEnd type="none" w="med" len="med"/>
+            </a:ln>
+            <a:effectLst/>
+          </p:spPr>
+          <p:style>
+            <a:lnRef idx="1">
+              <a:schemeClr val="accent2"/>
+            </a:lnRef>
+            <a:fillRef idx="3">
+              <a:schemeClr val="accent2"/>
+            </a:fillRef>
+            <a:effectRef idx="2">
+              <a:schemeClr val="accent2"/>
+            </a:effectRef>
+            <a:fontRef idx="minor">
+              <a:schemeClr val="lt1"/>
+            </a:fontRef>
+          </p:style>
+          <p:txBody>
+            <a:bodyPr rot="0" spcFirstLastPara="0" vertOverflow="overflow" horzOverflow="overflow" vert="horz" wrap="square" lIns="179285" tIns="143428" rIns="179285" bIns="143428" numCol="1" spcCol="0" rtlCol="0" fromWordArt="0" anchor="t" anchorCtr="0" forceAA="0" compatLnSpc="1">
+              <a:prstTxWarp prst="textNoShape">
+                <a:avLst/>
+              </a:prstTxWarp>
+              <a:noAutofit/>
+            </a:bodyPr>
+            <a:lstStyle/>
+            <a:p>
+              <a:pPr algn="ctr" defTabSz="914102" fontAlgn="base">
+                <a:spcBef>
+                  <a:spcPct val="0"/>
+                </a:spcBef>
+                <a:spcAft>
+                  <a:spcPct val="0"/>
+                </a:spcAft>
+                <a:defRPr/>
+              </a:pPr>
+              <a:endParaRPr lang="en-US" sz="2000">
+                <a:gradFill>
+                  <a:gsLst>
+                    <a:gs pos="0">
+                      <a:srgbClr val="FFFFFF"/>
+                    </a:gs>
+                    <a:gs pos="100000">
+                      <a:srgbClr val="FFFFFF"/>
+                    </a:gs>
+                  </a:gsLst>
+                  <a:lin ang="5400000" scaled="0"/>
+                </a:gradFill>
+                <a:latin typeface="Segoe UI Light"/>
+                <a:ea typeface="Segoe UI" pitchFamily="34" charset="0"/>
+                <a:cs typeface="Segoe UI" pitchFamily="34" charset="0"/>
+              </a:endParaRPr>
+            </a:p>
+          </p:txBody>
+        </p:sp>
+        <p:sp>
+          <p:nvSpPr>
+            <p:cNvPr id="85" name="Market_EAFC" title="Icon of a line graph with an arrow at the end pointing up">
+              <a:extLst>
+                <a:ext uri="{FF2B5EF4-FFF2-40B4-BE49-F238E27FC236}">
+                  <a16:creationId xmlns:a16="http://schemas.microsoft.com/office/drawing/2014/main" id="{4B3EC8D3-FF5B-4A0A-AB28-591C4CE9ECEC}"/>
+                </a:ext>
+              </a:extLst>
+            </p:cNvPr>
+            <p:cNvSpPr>
+              <a:spLocks noChangeAspect="1" noEditPoints="1"/>
+            </p:cNvSpPr>
+            <p:nvPr/>
+          </p:nvSpPr>
+          <p:spPr bwMode="auto">
+            <a:xfrm>
+              <a:off x="624903" y="2964181"/>
+              <a:ext cx="521324" cy="316144"/>
+            </a:xfrm>
+            <a:custGeom>
+              <a:avLst/>
+              <a:gdLst>
+                <a:gd name="T0" fmla="*/ 4688 w 6657"/>
+                <a:gd name="T1" fmla="*/ 0 h 4037"/>
+                <a:gd name="T2" fmla="*/ 6657 w 6657"/>
+                <a:gd name="T3" fmla="*/ 0 h 4037"/>
+                <a:gd name="T4" fmla="*/ 6657 w 6657"/>
+                <a:gd name="T5" fmla="*/ 1970 h 4037"/>
+                <a:gd name="T6" fmla="*/ 0 w 6657"/>
+                <a:gd name="T7" fmla="*/ 4037 h 4037"/>
+                <a:gd name="T8" fmla="*/ 2501 w 6657"/>
+                <a:gd name="T9" fmla="*/ 1532 h 4037"/>
+                <a:gd name="T10" fmla="*/ 3813 w 6657"/>
+                <a:gd name="T11" fmla="*/ 2846 h 4037"/>
+                <a:gd name="T12" fmla="*/ 6657 w 6657"/>
+                <a:gd name="T13" fmla="*/ 0 h 4037"/>
+              </a:gdLst>
+              <a:ahLst/>
+              <a:cxnLst>
+                <a:cxn ang="0">
+                  <a:pos x="T0" y="T1"/>
+                </a:cxn>
+                <a:cxn ang="0">
+                  <a:pos x="T2" y="T3"/>
+                </a:cxn>
+                <a:cxn ang="0">
+                  <a:pos x="T4" y="T5"/>
+                </a:cxn>
+                <a:cxn ang="0">
+                  <a:pos x="T6" y="T7"/>
+                </a:cxn>
+                <a:cxn ang="0">
+                  <a:pos x="T8" y="T9"/>
+                </a:cxn>
+                <a:cxn ang="0">
+                  <a:pos x="T10" y="T11"/>
+                </a:cxn>
+                <a:cxn ang="0">
+                  <a:pos x="T12" y="T13"/>
+                </a:cxn>
+              </a:cxnLst>
+              <a:rect l="0" t="0" r="r" b="b"/>
+              <a:pathLst>
+                <a:path w="6657" h="4037">
+                  <a:moveTo>
+                    <a:pt x="4688" y="0"/>
+                  </a:moveTo>
+                  <a:lnTo>
+                    <a:pt x="6657" y="0"/>
+                  </a:lnTo>
+                  <a:lnTo>
+                    <a:pt x="6657" y="1970"/>
+                  </a:lnTo>
+                  <a:moveTo>
+                    <a:pt x="0" y="4037"/>
+                  </a:moveTo>
+                  <a:lnTo>
+                    <a:pt x="2501" y="1532"/>
+                  </a:lnTo>
+                  <a:lnTo>
+                    <a:pt x="3813" y="2846"/>
+                  </a:lnTo>
+                  <a:lnTo>
+                    <a:pt x="6657" y="0"/>
+                  </a:lnTo>
+                </a:path>
+              </a:pathLst>
+            </a:custGeom>
+            <a:noFill/>
+            <a:ln w="12700" cap="sq">
+              <a:solidFill>
+                <a:schemeClr val="bg1"/>
+              </a:solidFill>
+              <a:prstDash val="solid"/>
+              <a:miter lim="800000"/>
+              <a:headEnd/>
+              <a:tailEnd/>
+            </a:ln>
+            <a:extLst>
+              <a:ext uri="{909E8E84-426E-40DD-AFC4-6F175D3DCCD1}">
+                <a14:hiddenFill xmlns:a14="http://schemas.microsoft.com/office/drawing/2010/main">
+                  <a:solidFill>
+                    <a:srgbClr val="FFFFFF"/>
+                  </a:solidFill>
+                </a14:hiddenFill>
+              </a:ext>
+            </a:extLst>
+          </p:spPr>
+          <p:txBody>
+            <a:bodyPr vert="horz" wrap="square" lIns="89642" tIns="44821" rIns="89642" bIns="44821" numCol="1" anchor="t" anchorCtr="0" compatLnSpc="1">
+              <a:prstTxWarp prst="textNoShape">
+                <a:avLst/>
+              </a:prstTxWarp>
+            </a:bodyPr>
+            <a:lstStyle/>
+            <a:p>
+              <a:pPr defTabSz="914367"/>
+              <a:endParaRPr lang="en-US" sz="800">
+                <a:gradFill>
+                  <a:gsLst>
+                    <a:gs pos="0">
+                      <a:srgbClr val="505050"/>
+                    </a:gs>
+                    <a:gs pos="100000">
+                      <a:srgbClr val="505050"/>
+                    </a:gs>
+                  </a:gsLst>
+                  <a:lin ang="5400000" scaled="1"/>
+                </a:gradFill>
+                <a:latin typeface="Segoe UI" panose="020B0502040204020203" pitchFamily="34" charset="0"/>
+              </a:endParaRPr>
+            </a:p>
+          </p:txBody>
+        </p:sp>
+      </p:grpSp>
+      <p:grpSp>
+        <p:nvGrpSpPr>
+          <p:cNvPr id="6" name="Group 5">
+            <a:extLst>
+              <a:ext uri="{FF2B5EF4-FFF2-40B4-BE49-F238E27FC236}">
+                <a16:creationId xmlns:a16="http://schemas.microsoft.com/office/drawing/2014/main" id="{C3647812-0D66-49D9-93B5-9F8063083087}"/>
+              </a:ext>
+            </a:extLst>
+          </p:cNvPr>
+          <p:cNvGrpSpPr/>
+          <p:nvPr/>
+        </p:nvGrpSpPr>
+        <p:grpSpPr>
+          <a:xfrm>
+            <a:off x="461595" y="3912558"/>
+            <a:ext cx="869112" cy="869112"/>
+            <a:chOff x="461595" y="3912558"/>
+            <a:chExt cx="869112" cy="869112"/>
+          </a:xfrm>
+        </p:grpSpPr>
+        <p:sp>
+          <p:nvSpPr>
+            <p:cNvPr id="56" name="Oval 55">
+              <a:extLst>
+                <a:ext uri="{FF2B5EF4-FFF2-40B4-BE49-F238E27FC236}">
+                  <a16:creationId xmlns:a16="http://schemas.microsoft.com/office/drawing/2014/main" id="{5F865558-3254-47B6-89A0-89EC7D5BF85F}"/>
+                </a:ext>
+              </a:extLst>
+            </p:cNvPr>
+            <p:cNvSpPr/>
+            <p:nvPr/>
+          </p:nvSpPr>
+          <p:spPr bwMode="auto">
+            <a:xfrm>
+              <a:off x="461595" y="3912558"/>
+              <a:ext cx="869112" cy="869112"/>
+            </a:xfrm>
+            <a:prstGeom prst="ellipse">
+              <a:avLst/>
+            </a:prstGeom>
+            <a:solidFill>
+              <a:srgbClr val="008272"/>
+            </a:solidFill>
+            <a:ln>
+              <a:noFill/>
+              <a:headEnd type="none" w="med" len="med"/>
+              <a:tailEnd type="none" w="med" len="med"/>
+            </a:ln>
+            <a:effectLst/>
+          </p:spPr>
+          <p:style>
+            <a:lnRef idx="1">
+              <a:schemeClr val="accent2"/>
+            </a:lnRef>
+            <a:fillRef idx="3">
+              <a:schemeClr val="accent2"/>
+            </a:fillRef>
+            <a:effectRef idx="2">
+              <a:schemeClr val="accent2"/>
+            </a:effectRef>
+            <a:fontRef idx="minor">
+              <a:schemeClr val="lt1"/>
+            </a:fontRef>
+          </p:style>
+          <p:txBody>
+            <a:bodyPr rot="0" spcFirstLastPara="0" vertOverflow="overflow" horzOverflow="overflow" vert="horz" wrap="square" lIns="179285" tIns="143428" rIns="179285" bIns="143428" numCol="1" spcCol="0" rtlCol="0" fromWordArt="0" anchor="t" anchorCtr="0" forceAA="0" compatLnSpc="1">
+              <a:prstTxWarp prst="textNoShape">
+                <a:avLst/>
+              </a:prstTxWarp>
+              <a:noAutofit/>
+            </a:bodyPr>
+            <a:lstStyle/>
+            <a:p>
+              <a:pPr algn="ctr" defTabSz="914102" fontAlgn="base">
+                <a:spcBef>
+                  <a:spcPct val="0"/>
+                </a:spcBef>
+                <a:spcAft>
+                  <a:spcPct val="0"/>
+                </a:spcAft>
+                <a:defRPr/>
+              </a:pPr>
+              <a:endParaRPr lang="en-US" sz="2000">
+                <a:gradFill>
+                  <a:gsLst>
+                    <a:gs pos="0">
+                      <a:srgbClr val="FFFFFF"/>
+                    </a:gs>
+                    <a:gs pos="100000">
+                      <a:srgbClr val="FFFFFF"/>
+                    </a:gs>
+                  </a:gsLst>
+                  <a:lin ang="5400000" scaled="0"/>
+                </a:gradFill>
+                <a:latin typeface="Segoe UI Light"/>
+                <a:ea typeface="Segoe UI" pitchFamily="34" charset="0"/>
+                <a:cs typeface="Segoe UI" pitchFamily="34" charset="0"/>
+              </a:endParaRPr>
+            </a:p>
+          </p:txBody>
+        </p:sp>
+        <p:grpSp>
+          <p:nvGrpSpPr>
+            <p:cNvPr id="86" name="Group 85">
+              <a:extLst>
+                <a:ext uri="{FF2B5EF4-FFF2-40B4-BE49-F238E27FC236}">
+                  <a16:creationId xmlns:a16="http://schemas.microsoft.com/office/drawing/2014/main" id="{8E7535BF-534D-45E5-8BCB-EB296D4086D8}"/>
+                </a:ext>
+              </a:extLst>
+            </p:cNvPr>
+            <p:cNvGrpSpPr/>
+            <p:nvPr/>
+          </p:nvGrpSpPr>
+          <p:grpSpPr>
+            <a:xfrm>
+              <a:off x="581765" y="4109792"/>
+              <a:ext cx="628772" cy="416263"/>
+              <a:chOff x="5153606" y="3331791"/>
+              <a:chExt cx="479108" cy="317183"/>
+            </a:xfrm>
+          </p:grpSpPr>
+          <p:sp>
+            <p:nvSpPr>
+              <p:cNvPr id="87" name="Freeform: Shape 86">
+                <a:extLst>
+                  <a:ext uri="{FF2B5EF4-FFF2-40B4-BE49-F238E27FC236}">
+                    <a16:creationId xmlns:a16="http://schemas.microsoft.com/office/drawing/2014/main" id="{0010C3D2-94B7-4A2F-AC26-2CEF533A7269}"/>
+                  </a:ext>
+                </a:extLst>
+              </p:cNvPr>
+              <p:cNvSpPr/>
+              <p:nvPr/>
+            </p:nvSpPr>
+            <p:spPr>
+              <a:xfrm>
+                <a:off x="5537464" y="3411801"/>
+                <a:ext cx="66675" cy="66675"/>
+              </a:xfrm>
+              <a:custGeom>
+                <a:avLst/>
+                <a:gdLst>
+                  <a:gd name="connsiteX0" fmla="*/ 7355 w 66675"/>
+                  <a:gd name="connsiteY0" fmla="*/ 7355 h 66675"/>
+                  <a:gd name="connsiteX1" fmla="*/ 63553 w 66675"/>
+                  <a:gd name="connsiteY1" fmla="*/ 7355 h 66675"/>
+                  <a:gd name="connsiteX2" fmla="*/ 63553 w 66675"/>
+                  <a:gd name="connsiteY2" fmla="*/ 66410 h 66675"/>
+                  <a:gd name="connsiteX3" fmla="*/ 7355 w 66675"/>
+                  <a:gd name="connsiteY3" fmla="*/ 66410 h 66675"/>
+                  <a:gd name="connsiteX4" fmla="*/ 7355 w 66675"/>
+                  <a:gd name="connsiteY4" fmla="*/ 7355 h 66675"/>
+                </a:gdLst>
+                <a:ahLst/>
+                <a:cxnLst>
+                  <a:cxn ang="0">
+                    <a:pos x="connsiteX0" y="connsiteY0"/>
+                  </a:cxn>
+                  <a:cxn ang="0">
+                    <a:pos x="connsiteX1" y="connsiteY1"/>
+                  </a:cxn>
+                  <a:cxn ang="0">
+                    <a:pos x="connsiteX2" y="connsiteY2"/>
+                  </a:cxn>
+                  <a:cxn ang="0">
+                    <a:pos x="connsiteX3" y="connsiteY3"/>
+                  </a:cxn>
+                  <a:cxn ang="0">
+                    <a:pos x="connsiteX4" y="connsiteY4"/>
+                  </a:cxn>
+                </a:cxnLst>
+                <a:rect l="l" t="t" r="r" b="b"/>
+                <a:pathLst>
+                  <a:path w="66675" h="66675">
+                    <a:moveTo>
+                      <a:pt x="7355" y="7355"/>
+                    </a:moveTo>
+                    <a:lnTo>
+                      <a:pt x="63553" y="7355"/>
+                    </a:lnTo>
+                    <a:lnTo>
+                      <a:pt x="63553" y="66410"/>
+                    </a:lnTo>
+                    <a:lnTo>
+                      <a:pt x="7355" y="66410"/>
+                    </a:lnTo>
+                    <a:lnTo>
+                      <a:pt x="7355" y="7355"/>
+                    </a:lnTo>
+                    <a:close/>
+                  </a:path>
+                </a:pathLst>
+              </a:custGeom>
+              <a:noFill/>
+              <a:ln w="12700" cap="sq">
+                <a:solidFill>
+                  <a:schemeClr val="bg1"/>
+                </a:solidFill>
+                <a:prstDash val="solid"/>
+                <a:miter lim="800000"/>
+                <a:headEnd/>
+                <a:tailEnd/>
+              </a:ln>
+              <a:extLst>
+                <a:ext uri="{909E8E84-426E-40DD-AFC4-6F175D3DCCD1}">
+                  <a14:hiddenFill xmlns:a14="http://schemas.microsoft.com/office/drawing/2010/main">
+                    <a:solidFill>
+                      <a:srgbClr val="FFFFFF"/>
+                    </a:solidFill>
+                  </a14:hiddenFill>
+                </a:ext>
+              </a:extLst>
+            </p:spPr>
+            <p:txBody>
+              <a:bodyPr vert="horz" wrap="square" lIns="89642" tIns="44821" rIns="89642" bIns="44821" numCol="1" anchor="t" anchorCtr="0" compatLnSpc="1">
+                <a:prstTxWarp prst="textNoShape">
+                  <a:avLst/>
+                </a:prstTxWarp>
+              </a:bodyPr>
+              <a:lstStyle/>
+              <a:p>
+                <a:pPr defTabSz="914367"/>
+                <a:endParaRPr lang="en-US" sz="800">
+                  <a:gradFill>
+                    <a:gsLst>
+                      <a:gs pos="0">
+                        <a:srgbClr val="505050"/>
+                      </a:gs>
+                      <a:gs pos="100000">
+                        <a:srgbClr val="505050"/>
+                      </a:gs>
+                    </a:gsLst>
+                    <a:lin ang="5400000" scaled="1"/>
+                  </a:gradFill>
+                  <a:latin typeface="Segoe UI" panose="020B0502040204020203" pitchFamily="34" charset="0"/>
+                </a:endParaRPr>
+              </a:p>
+            </p:txBody>
+          </p:sp>
+          <p:sp>
+            <p:nvSpPr>
+              <p:cNvPr id="88" name="Freeform: Shape 87">
+                <a:extLst>
+                  <a:ext uri="{FF2B5EF4-FFF2-40B4-BE49-F238E27FC236}">
+                    <a16:creationId xmlns:a16="http://schemas.microsoft.com/office/drawing/2014/main" id="{602BB561-779C-42AE-9F55-0D632EE8FD17}"/>
+                  </a:ext>
+                </a:extLst>
+              </p:cNvPr>
+              <p:cNvSpPr/>
+              <p:nvPr/>
+            </p:nvSpPr>
+            <p:spPr>
+              <a:xfrm>
+                <a:off x="5537464" y="3499431"/>
+                <a:ext cx="66675" cy="66675"/>
+              </a:xfrm>
+              <a:custGeom>
+                <a:avLst/>
+                <a:gdLst>
+                  <a:gd name="connsiteX0" fmla="*/ 7355 w 66675"/>
+                  <a:gd name="connsiteY0" fmla="*/ 7355 h 66675"/>
+                  <a:gd name="connsiteX1" fmla="*/ 63553 w 66675"/>
+                  <a:gd name="connsiteY1" fmla="*/ 7355 h 66675"/>
+                  <a:gd name="connsiteX2" fmla="*/ 63553 w 66675"/>
+                  <a:gd name="connsiteY2" fmla="*/ 66410 h 66675"/>
+                  <a:gd name="connsiteX3" fmla="*/ 7355 w 66675"/>
+                  <a:gd name="connsiteY3" fmla="*/ 66410 h 66675"/>
+                  <a:gd name="connsiteX4" fmla="*/ 7355 w 66675"/>
+                  <a:gd name="connsiteY4" fmla="*/ 7355 h 66675"/>
+                </a:gdLst>
+                <a:ahLst/>
+                <a:cxnLst>
+                  <a:cxn ang="0">
+                    <a:pos x="connsiteX0" y="connsiteY0"/>
+                  </a:cxn>
+                  <a:cxn ang="0">
+                    <a:pos x="connsiteX1" y="connsiteY1"/>
+                  </a:cxn>
+                  <a:cxn ang="0">
+                    <a:pos x="connsiteX2" y="connsiteY2"/>
+                  </a:cxn>
+                  <a:cxn ang="0">
+                    <a:pos x="connsiteX3" y="connsiteY3"/>
+                  </a:cxn>
+                  <a:cxn ang="0">
+                    <a:pos x="connsiteX4" y="connsiteY4"/>
+                  </a:cxn>
+                </a:cxnLst>
+                <a:rect l="l" t="t" r="r" b="b"/>
+                <a:pathLst>
+                  <a:path w="66675" h="66675">
+                    <a:moveTo>
+                      <a:pt x="7355" y="7355"/>
+                    </a:moveTo>
+                    <a:lnTo>
+                      <a:pt x="63553" y="7355"/>
+                    </a:lnTo>
+                    <a:lnTo>
+                      <a:pt x="63553" y="66410"/>
+                    </a:lnTo>
+                    <a:lnTo>
+                      <a:pt x="7355" y="66410"/>
+                    </a:lnTo>
+                    <a:lnTo>
+                      <a:pt x="7355" y="7355"/>
+                    </a:lnTo>
+                    <a:close/>
+                  </a:path>
+                </a:pathLst>
+              </a:custGeom>
+              <a:noFill/>
+              <a:ln w="12700" cap="sq">
+                <a:solidFill>
+                  <a:schemeClr val="bg1"/>
+                </a:solidFill>
+                <a:prstDash val="solid"/>
+                <a:miter lim="800000"/>
+                <a:headEnd/>
+                <a:tailEnd/>
+              </a:ln>
+              <a:extLst>
+                <a:ext uri="{909E8E84-426E-40DD-AFC4-6F175D3DCCD1}">
+                  <a14:hiddenFill xmlns:a14="http://schemas.microsoft.com/office/drawing/2010/main">
+                    <a:solidFill>
+                      <a:srgbClr val="FFFFFF"/>
+                    </a:solidFill>
+                  </a14:hiddenFill>
+                </a:ext>
+              </a:extLst>
+            </p:spPr>
+            <p:txBody>
+              <a:bodyPr vert="horz" wrap="square" lIns="89642" tIns="44821" rIns="89642" bIns="44821" numCol="1" anchor="t" anchorCtr="0" compatLnSpc="1">
+                <a:prstTxWarp prst="textNoShape">
+                  <a:avLst/>
+                </a:prstTxWarp>
+              </a:bodyPr>
+              <a:lstStyle/>
+              <a:p>
+                <a:pPr defTabSz="914367"/>
+                <a:endParaRPr lang="en-US" sz="800">
+                  <a:gradFill>
+                    <a:gsLst>
+                      <a:gs pos="0">
+                        <a:srgbClr val="505050"/>
+                      </a:gs>
+                      <a:gs pos="100000">
+                        <a:srgbClr val="505050"/>
+                      </a:gs>
+                    </a:gsLst>
+                    <a:lin ang="5400000" scaled="1"/>
+                  </a:gradFill>
+                  <a:latin typeface="Segoe UI" panose="020B0502040204020203" pitchFamily="34" charset="0"/>
+                </a:endParaRPr>
+              </a:p>
+            </p:txBody>
+          </p:sp>
+          <p:sp>
+            <p:nvSpPr>
+              <p:cNvPr id="89" name="Freeform: Shape 88">
+                <a:extLst>
+                  <a:ext uri="{FF2B5EF4-FFF2-40B4-BE49-F238E27FC236}">
+                    <a16:creationId xmlns:a16="http://schemas.microsoft.com/office/drawing/2014/main" id="{A20F171C-DA42-4CD6-8B46-C0011AEB97FD}"/>
+                  </a:ext>
+                </a:extLst>
+              </p:cNvPr>
+              <p:cNvSpPr/>
+              <p:nvPr/>
+            </p:nvSpPr>
+            <p:spPr>
+              <a:xfrm>
+                <a:off x="5187896" y="3499431"/>
+                <a:ext cx="114300" cy="123825"/>
+              </a:xfrm>
+              <a:custGeom>
+                <a:avLst/>
+                <a:gdLst>
+                  <a:gd name="connsiteX0" fmla="*/ 114035 w 114300"/>
+                  <a:gd name="connsiteY0" fmla="*/ 62600 h 123825"/>
+                  <a:gd name="connsiteX1" fmla="*/ 60695 w 114300"/>
+                  <a:gd name="connsiteY1" fmla="*/ 7355 h 123825"/>
+                  <a:gd name="connsiteX2" fmla="*/ 7355 w 114300"/>
+                  <a:gd name="connsiteY2" fmla="*/ 62600 h 123825"/>
+                  <a:gd name="connsiteX3" fmla="*/ 60695 w 114300"/>
+                  <a:gd name="connsiteY3" fmla="*/ 117845 h 123825"/>
+                  <a:gd name="connsiteX4" fmla="*/ 114035 w 114300"/>
+                  <a:gd name="connsiteY4" fmla="*/ 62600 h 123825"/>
+                  <a:gd name="connsiteX5" fmla="*/ 114035 w 114300"/>
+                  <a:gd name="connsiteY5" fmla="*/ 62600 h 123825"/>
+                </a:gdLst>
+                <a:ahLst/>
+                <a:cxnLst>
+                  <a:cxn ang="0">
+                    <a:pos x="connsiteX0" y="connsiteY0"/>
+                  </a:cxn>
+                  <a:cxn ang="0">
+                    <a:pos x="connsiteX1" y="connsiteY1"/>
+                  </a:cxn>
+                  <a:cxn ang="0">
+                    <a:pos x="connsiteX2" y="connsiteY2"/>
+                  </a:cxn>
+                  <a:cxn ang="0">
+                    <a:pos x="connsiteX3" y="connsiteY3"/>
+                  </a:cxn>
+                  <a:cxn ang="0">
+                    <a:pos x="connsiteX4" y="connsiteY4"/>
+                  </a:cxn>
+                  <a:cxn ang="0">
+                    <a:pos x="connsiteX5" y="connsiteY5"/>
+                  </a:cxn>
+                </a:cxnLst>
+                <a:rect l="l" t="t" r="r" b="b"/>
+                <a:pathLst>
+                  <a:path w="114300" h="123825">
+                    <a:moveTo>
+                      <a:pt x="114035" y="62600"/>
+                    </a:moveTo>
+                    <a:cubicBezTo>
+                      <a:pt x="114035" y="32120"/>
+                      <a:pt x="90223" y="7355"/>
+                      <a:pt x="60695" y="7355"/>
+                    </a:cubicBezTo>
+                    <a:cubicBezTo>
+                      <a:pt x="31168" y="7355"/>
+                      <a:pt x="7355" y="32120"/>
+                      <a:pt x="7355" y="62600"/>
+                    </a:cubicBezTo>
+                    <a:cubicBezTo>
+                      <a:pt x="7355" y="93080"/>
+                      <a:pt x="31168" y="117845"/>
+                      <a:pt x="60695" y="117845"/>
+                    </a:cubicBezTo>
+                    <a:cubicBezTo>
+                      <a:pt x="90223" y="116893"/>
+                      <a:pt x="114035" y="93080"/>
+                      <a:pt x="114035" y="62600"/>
+                    </a:cubicBezTo>
+                    <a:lnTo>
+                      <a:pt x="114035" y="62600"/>
+                    </a:lnTo>
+                    <a:close/>
+                  </a:path>
+                </a:pathLst>
+              </a:custGeom>
+              <a:noFill/>
+              <a:ln w="12700" cap="sq">
+                <a:solidFill>
+                  <a:schemeClr val="bg1"/>
+                </a:solidFill>
+                <a:prstDash val="solid"/>
+                <a:miter lim="800000"/>
+                <a:headEnd/>
+                <a:tailEnd/>
+              </a:ln>
+              <a:extLst>
+                <a:ext uri="{909E8E84-426E-40DD-AFC4-6F175D3DCCD1}">
+                  <a14:hiddenFill xmlns:a14="http://schemas.microsoft.com/office/drawing/2010/main">
+                    <a:solidFill>
+                      <a:srgbClr val="FFFFFF"/>
+                    </a:solidFill>
+                  </a14:hiddenFill>
+                </a:ext>
+              </a:extLst>
+            </p:spPr>
+            <p:txBody>
+              <a:bodyPr vert="horz" wrap="square" lIns="89642" tIns="44821" rIns="89642" bIns="44821" numCol="1" anchor="t" anchorCtr="0" compatLnSpc="1">
+                <a:prstTxWarp prst="textNoShape">
+                  <a:avLst/>
+                </a:prstTxWarp>
+              </a:bodyPr>
+              <a:lstStyle/>
+              <a:p>
+                <a:pPr defTabSz="914367"/>
+                <a:endParaRPr lang="en-US" sz="800">
+                  <a:gradFill>
+                    <a:gsLst>
+                      <a:gs pos="0">
+                        <a:srgbClr val="505050"/>
+                      </a:gs>
+                      <a:gs pos="100000">
+                        <a:srgbClr val="505050"/>
+                      </a:gs>
+                    </a:gsLst>
+                    <a:lin ang="5400000" scaled="1"/>
+                  </a:gradFill>
+                  <a:latin typeface="Segoe UI" panose="020B0502040204020203" pitchFamily="34" charset="0"/>
+                </a:endParaRPr>
+              </a:p>
+            </p:txBody>
+          </p:sp>
+          <p:sp>
+            <p:nvSpPr>
+              <p:cNvPr id="90" name="Freeform: Shape 89">
+                <a:extLst>
+                  <a:ext uri="{FF2B5EF4-FFF2-40B4-BE49-F238E27FC236}">
+                    <a16:creationId xmlns:a16="http://schemas.microsoft.com/office/drawing/2014/main" id="{5E6553CE-2A17-4EAD-97D2-BD8B4A374400}"/>
+                  </a:ext>
+                </a:extLst>
+              </p:cNvPr>
+              <p:cNvSpPr/>
+              <p:nvPr/>
+            </p:nvSpPr>
+            <p:spPr>
+              <a:xfrm>
+                <a:off x="5436040" y="3483444"/>
+                <a:ext cx="66675" cy="66675"/>
+              </a:xfrm>
+              <a:custGeom>
+                <a:avLst/>
+                <a:gdLst>
+                  <a:gd name="connsiteX0" fmla="*/ 62107 w 66675"/>
+                  <a:gd name="connsiteY0" fmla="*/ 50965 h 66675"/>
+                  <a:gd name="connsiteX1" fmla="*/ 51629 w 66675"/>
+                  <a:gd name="connsiteY1" fmla="*/ 10960 h 66675"/>
+                  <a:gd name="connsiteX2" fmla="*/ 11624 w 66675"/>
+                  <a:gd name="connsiteY2" fmla="*/ 22390 h 66675"/>
+                  <a:gd name="connsiteX3" fmla="*/ 22102 w 66675"/>
+                  <a:gd name="connsiteY3" fmla="*/ 62395 h 66675"/>
+                  <a:gd name="connsiteX4" fmla="*/ 62107 w 66675"/>
+                  <a:gd name="connsiteY4" fmla="*/ 50965 h 66675"/>
+                  <a:gd name="connsiteX5" fmla="*/ 62107 w 66675"/>
+                  <a:gd name="connsiteY5" fmla="*/ 50965 h 66675"/>
+                </a:gdLst>
+                <a:ahLst/>
+                <a:cxnLst>
+                  <a:cxn ang="0">
+                    <a:pos x="connsiteX0" y="connsiteY0"/>
+                  </a:cxn>
+                  <a:cxn ang="0">
+                    <a:pos x="connsiteX1" y="connsiteY1"/>
+                  </a:cxn>
+                  <a:cxn ang="0">
+                    <a:pos x="connsiteX2" y="connsiteY2"/>
+                  </a:cxn>
+                  <a:cxn ang="0">
+                    <a:pos x="connsiteX3" y="connsiteY3"/>
+                  </a:cxn>
+                  <a:cxn ang="0">
+                    <a:pos x="connsiteX4" y="connsiteY4"/>
+                  </a:cxn>
+                  <a:cxn ang="0">
+                    <a:pos x="connsiteX5" y="connsiteY5"/>
+                  </a:cxn>
+                </a:cxnLst>
+                <a:rect l="l" t="t" r="r" b="b"/>
+                <a:pathLst>
+                  <a:path w="66675" h="66675">
+                    <a:moveTo>
+                      <a:pt x="62107" y="50965"/>
+                    </a:moveTo>
+                    <a:cubicBezTo>
+                      <a:pt x="70679" y="36678"/>
+                      <a:pt x="65917" y="18580"/>
+                      <a:pt x="51629" y="10960"/>
+                    </a:cubicBezTo>
+                    <a:cubicBezTo>
+                      <a:pt x="37342" y="3340"/>
+                      <a:pt x="19244" y="8103"/>
+                      <a:pt x="11624" y="22390"/>
+                    </a:cubicBezTo>
+                    <a:cubicBezTo>
+                      <a:pt x="3052" y="36678"/>
+                      <a:pt x="7815" y="54775"/>
+                      <a:pt x="22102" y="62395"/>
+                    </a:cubicBezTo>
+                    <a:cubicBezTo>
+                      <a:pt x="36390" y="70015"/>
+                      <a:pt x="54487" y="65253"/>
+                      <a:pt x="62107" y="50965"/>
+                    </a:cubicBezTo>
+                    <a:lnTo>
+                      <a:pt x="62107" y="50965"/>
+                    </a:lnTo>
+                    <a:close/>
+                  </a:path>
+                </a:pathLst>
+              </a:custGeom>
+              <a:noFill/>
+              <a:ln w="12700" cap="sq">
+                <a:solidFill>
+                  <a:schemeClr val="bg1"/>
+                </a:solidFill>
+                <a:prstDash val="solid"/>
+                <a:miter lim="800000"/>
+                <a:headEnd/>
+                <a:tailEnd/>
+              </a:ln>
+              <a:extLst>
+                <a:ext uri="{909E8E84-426E-40DD-AFC4-6F175D3DCCD1}">
+                  <a14:hiddenFill xmlns:a14="http://schemas.microsoft.com/office/drawing/2010/main">
+                    <a:solidFill>
+                      <a:srgbClr val="FFFFFF"/>
+                    </a:solidFill>
+                  </a14:hiddenFill>
+                </a:ext>
+              </a:extLst>
+            </p:spPr>
+            <p:txBody>
+              <a:bodyPr vert="horz" wrap="square" lIns="89642" tIns="44821" rIns="89642" bIns="44821" numCol="1" anchor="t" anchorCtr="0" compatLnSpc="1">
+                <a:prstTxWarp prst="textNoShape">
+                  <a:avLst/>
+                </a:prstTxWarp>
+              </a:bodyPr>
+              <a:lstStyle/>
+              <a:p>
+                <a:pPr defTabSz="914367"/>
+                <a:endParaRPr lang="en-US" sz="800">
+                  <a:gradFill>
+                    <a:gsLst>
+                      <a:gs pos="0">
+                        <a:srgbClr val="505050"/>
+                      </a:gs>
+                      <a:gs pos="100000">
+                        <a:srgbClr val="505050"/>
+                      </a:gs>
+                    </a:gsLst>
+                    <a:lin ang="5400000" scaled="1"/>
+                  </a:gradFill>
+                  <a:latin typeface="Segoe UI" panose="020B0502040204020203" pitchFamily="34" charset="0"/>
+                </a:endParaRPr>
+              </a:p>
+            </p:txBody>
+          </p:sp>
+          <p:sp>
+            <p:nvSpPr>
+              <p:cNvPr id="91" name="Freeform: Shape 90">
+                <a:extLst>
+                  <a:ext uri="{FF2B5EF4-FFF2-40B4-BE49-F238E27FC236}">
+                    <a16:creationId xmlns:a16="http://schemas.microsoft.com/office/drawing/2014/main" id="{3BFCBAFA-6784-4790-A062-C536772B0DEA}"/>
+                  </a:ext>
+                </a:extLst>
+              </p:cNvPr>
+              <p:cNvSpPr/>
+              <p:nvPr/>
+            </p:nvSpPr>
+            <p:spPr>
+              <a:xfrm>
+                <a:off x="5299339" y="3331791"/>
+                <a:ext cx="85725" cy="85725"/>
+              </a:xfrm>
+              <a:custGeom>
+                <a:avLst/>
+                <a:gdLst>
+                  <a:gd name="connsiteX0" fmla="*/ 85460 w 85725"/>
+                  <a:gd name="connsiteY0" fmla="*/ 47360 h 85725"/>
+                  <a:gd name="connsiteX1" fmla="*/ 46408 w 85725"/>
+                  <a:gd name="connsiteY1" fmla="*/ 7355 h 85725"/>
+                  <a:gd name="connsiteX2" fmla="*/ 7355 w 85725"/>
+                  <a:gd name="connsiteY2" fmla="*/ 47360 h 85725"/>
+                  <a:gd name="connsiteX3" fmla="*/ 46408 w 85725"/>
+                  <a:gd name="connsiteY3" fmla="*/ 87365 h 85725"/>
+                  <a:gd name="connsiteX4" fmla="*/ 85460 w 85725"/>
+                  <a:gd name="connsiteY4" fmla="*/ 47360 h 85725"/>
+                  <a:gd name="connsiteX5" fmla="*/ 85460 w 85725"/>
+                  <a:gd name="connsiteY5" fmla="*/ 47360 h 85725"/>
+                </a:gdLst>
+                <a:ahLst/>
+                <a:cxnLst>
+                  <a:cxn ang="0">
+                    <a:pos x="connsiteX0" y="connsiteY0"/>
+                  </a:cxn>
+                  <a:cxn ang="0">
+                    <a:pos x="connsiteX1" y="connsiteY1"/>
+                  </a:cxn>
+                  <a:cxn ang="0">
+                    <a:pos x="connsiteX2" y="connsiteY2"/>
+                  </a:cxn>
+                  <a:cxn ang="0">
+                    <a:pos x="connsiteX3" y="connsiteY3"/>
+                  </a:cxn>
+                  <a:cxn ang="0">
+                    <a:pos x="connsiteX4" y="connsiteY4"/>
+                  </a:cxn>
+                  <a:cxn ang="0">
+                    <a:pos x="connsiteX5" y="connsiteY5"/>
+                  </a:cxn>
+                </a:cxnLst>
+                <a:rect l="l" t="t" r="r" b="b"/>
+                <a:pathLst>
+                  <a:path w="85725" h="85725">
+                    <a:moveTo>
+                      <a:pt x="85460" y="47360"/>
+                    </a:moveTo>
+                    <a:cubicBezTo>
+                      <a:pt x="85460" y="25453"/>
+                      <a:pt x="68315" y="7355"/>
+                      <a:pt x="46408" y="7355"/>
+                    </a:cubicBezTo>
+                    <a:cubicBezTo>
+                      <a:pt x="24500" y="7355"/>
+                      <a:pt x="7355" y="25453"/>
+                      <a:pt x="7355" y="47360"/>
+                    </a:cubicBezTo>
+                    <a:cubicBezTo>
+                      <a:pt x="7355" y="69268"/>
+                      <a:pt x="24500" y="87365"/>
+                      <a:pt x="46408" y="87365"/>
+                    </a:cubicBezTo>
+                    <a:cubicBezTo>
+                      <a:pt x="68315" y="87365"/>
+                      <a:pt x="85460" y="69268"/>
+                      <a:pt x="85460" y="47360"/>
+                    </a:cubicBezTo>
+                    <a:lnTo>
+                      <a:pt x="85460" y="47360"/>
+                    </a:lnTo>
+                    <a:close/>
+                  </a:path>
+                </a:pathLst>
+              </a:custGeom>
+              <a:noFill/>
+              <a:ln w="12700" cap="sq">
+                <a:solidFill>
+                  <a:schemeClr val="bg1"/>
+                </a:solidFill>
+                <a:prstDash val="solid"/>
+                <a:miter lim="800000"/>
+                <a:headEnd/>
+                <a:tailEnd/>
+              </a:ln>
+              <a:extLst>
+                <a:ext uri="{909E8E84-426E-40DD-AFC4-6F175D3DCCD1}">
+                  <a14:hiddenFill xmlns:a14="http://schemas.microsoft.com/office/drawing/2010/main">
+                    <a:solidFill>
+                      <a:srgbClr val="FFFFFF"/>
+                    </a:solidFill>
+                  </a14:hiddenFill>
+                </a:ext>
+              </a:extLst>
+            </p:spPr>
+            <p:txBody>
+              <a:bodyPr vert="horz" wrap="square" lIns="89642" tIns="44821" rIns="89642" bIns="44821" numCol="1" anchor="t" anchorCtr="0" compatLnSpc="1">
+                <a:prstTxWarp prst="textNoShape">
+                  <a:avLst/>
+                </a:prstTxWarp>
+              </a:bodyPr>
+              <a:lstStyle/>
+              <a:p>
+                <a:pPr defTabSz="914367"/>
+                <a:endParaRPr lang="en-US" sz="800">
+                  <a:gradFill>
+                    <a:gsLst>
+                      <a:gs pos="0">
+                        <a:srgbClr val="505050"/>
+                      </a:gs>
+                      <a:gs pos="100000">
+                        <a:srgbClr val="505050"/>
+                      </a:gs>
+                    </a:gsLst>
+                    <a:lin ang="5400000" scaled="1"/>
+                  </a:gradFill>
+                  <a:latin typeface="Segoe UI" panose="020B0502040204020203" pitchFamily="34" charset="0"/>
+                </a:endParaRPr>
+              </a:p>
+            </p:txBody>
+          </p:sp>
+          <p:sp>
+            <p:nvSpPr>
+              <p:cNvPr id="92" name="Freeform: Shape 91">
+                <a:extLst>
+                  <a:ext uri="{FF2B5EF4-FFF2-40B4-BE49-F238E27FC236}">
+                    <a16:creationId xmlns:a16="http://schemas.microsoft.com/office/drawing/2014/main" id="{F73D89FA-EC57-4D90-A383-19D417988D97}"/>
+                  </a:ext>
+                </a:extLst>
+              </p:cNvPr>
+              <p:cNvSpPr/>
+              <p:nvPr/>
+            </p:nvSpPr>
+            <p:spPr>
+              <a:xfrm>
+                <a:off x="5229806" y="3390846"/>
+                <a:ext cx="85725" cy="114300"/>
+              </a:xfrm>
+              <a:custGeom>
+                <a:avLst/>
+                <a:gdLst>
+                  <a:gd name="connsiteX0" fmla="*/ 7355 w 85725"/>
+                  <a:gd name="connsiteY0" fmla="*/ 115940 h 114300"/>
+                  <a:gd name="connsiteX1" fmla="*/ 78793 w 85725"/>
+                  <a:gd name="connsiteY1" fmla="*/ 7355 h 114300"/>
+                </a:gdLst>
+                <a:ahLst/>
+                <a:cxnLst>
+                  <a:cxn ang="0">
+                    <a:pos x="connsiteX0" y="connsiteY0"/>
+                  </a:cxn>
+                  <a:cxn ang="0">
+                    <a:pos x="connsiteX1" y="connsiteY1"/>
+                  </a:cxn>
+                </a:cxnLst>
+                <a:rect l="l" t="t" r="r" b="b"/>
+                <a:pathLst>
+                  <a:path w="85725" h="114300">
+                    <a:moveTo>
+                      <a:pt x="7355" y="115940"/>
+                    </a:moveTo>
+                    <a:lnTo>
+                      <a:pt x="78793" y="7355"/>
+                    </a:lnTo>
+                  </a:path>
+                </a:pathLst>
+              </a:custGeom>
+              <a:noFill/>
+              <a:ln w="12700" cap="sq">
+                <a:solidFill>
+                  <a:schemeClr val="bg1"/>
+                </a:solidFill>
+                <a:prstDash val="solid"/>
+                <a:miter lim="800000"/>
+                <a:headEnd/>
+                <a:tailEnd/>
+              </a:ln>
+              <a:extLst>
+                <a:ext uri="{909E8E84-426E-40DD-AFC4-6F175D3DCCD1}">
+                  <a14:hiddenFill xmlns:a14="http://schemas.microsoft.com/office/drawing/2010/main">
+                    <a:solidFill>
+                      <a:srgbClr val="FFFFFF"/>
+                    </a:solidFill>
+                  </a14:hiddenFill>
+                </a:ext>
+              </a:extLst>
+            </p:spPr>
+            <p:txBody>
+              <a:bodyPr vert="horz" wrap="square" lIns="89642" tIns="44821" rIns="89642" bIns="44821" numCol="1" anchor="t" anchorCtr="0" compatLnSpc="1">
+                <a:prstTxWarp prst="textNoShape">
+                  <a:avLst/>
+                </a:prstTxWarp>
+              </a:bodyPr>
+              <a:lstStyle/>
+              <a:p>
+                <a:pPr defTabSz="914367"/>
+                <a:endParaRPr lang="en-US" sz="800">
+                  <a:gradFill>
+                    <a:gsLst>
+                      <a:gs pos="0">
+                        <a:srgbClr val="505050"/>
+                      </a:gs>
+                      <a:gs pos="100000">
+                        <a:srgbClr val="505050"/>
+                      </a:gs>
+                    </a:gsLst>
+                    <a:lin ang="5400000" scaled="1"/>
+                  </a:gradFill>
+                  <a:latin typeface="Segoe UI" panose="020B0502040204020203" pitchFamily="34" charset="0"/>
+                </a:endParaRPr>
+              </a:p>
+            </p:txBody>
+          </p:sp>
+          <p:sp>
+            <p:nvSpPr>
+              <p:cNvPr id="93" name="Freeform: Shape 92">
+                <a:extLst>
+                  <a:ext uri="{FF2B5EF4-FFF2-40B4-BE49-F238E27FC236}">
+                    <a16:creationId xmlns:a16="http://schemas.microsoft.com/office/drawing/2014/main" id="{6C09BC4D-9F61-4E8D-97A5-56A39EA2FBF4}"/>
+                  </a:ext>
+                </a:extLst>
+              </p:cNvPr>
+              <p:cNvSpPr/>
+              <p:nvPr/>
+            </p:nvSpPr>
+            <p:spPr>
+              <a:xfrm>
+                <a:off x="5285051" y="3413706"/>
+                <a:ext cx="57150" cy="114300"/>
+              </a:xfrm>
+              <a:custGeom>
+                <a:avLst/>
+                <a:gdLst>
+                  <a:gd name="connsiteX0" fmla="*/ 7355 w 57150"/>
+                  <a:gd name="connsiteY0" fmla="*/ 114035 h 114300"/>
+                  <a:gd name="connsiteX1" fmla="*/ 53075 w 57150"/>
+                  <a:gd name="connsiteY1" fmla="*/ 7355 h 114300"/>
+                </a:gdLst>
+                <a:ahLst/>
+                <a:cxnLst>
+                  <a:cxn ang="0">
+                    <a:pos x="connsiteX0" y="connsiteY0"/>
+                  </a:cxn>
+                  <a:cxn ang="0">
+                    <a:pos x="connsiteX1" y="connsiteY1"/>
+                  </a:cxn>
+                </a:cxnLst>
+                <a:rect l="l" t="t" r="r" b="b"/>
+                <a:pathLst>
+                  <a:path w="57150" h="114300">
+                    <a:moveTo>
+                      <a:pt x="7355" y="114035"/>
+                    </a:moveTo>
+                    <a:lnTo>
+                      <a:pt x="53075" y="7355"/>
+                    </a:lnTo>
+                  </a:path>
+                </a:pathLst>
+              </a:custGeom>
+              <a:noFill/>
+              <a:ln w="12700" cap="sq">
+                <a:solidFill>
+                  <a:schemeClr val="bg1"/>
+                </a:solidFill>
+                <a:prstDash val="solid"/>
+                <a:miter lim="800000"/>
+                <a:headEnd/>
+                <a:tailEnd/>
+              </a:ln>
+              <a:extLst>
+                <a:ext uri="{909E8E84-426E-40DD-AFC4-6F175D3DCCD1}">
+                  <a14:hiddenFill xmlns:a14="http://schemas.microsoft.com/office/drawing/2010/main">
+                    <a:solidFill>
+                      <a:srgbClr val="FFFFFF"/>
+                    </a:solidFill>
+                  </a14:hiddenFill>
+                </a:ext>
+              </a:extLst>
+            </p:spPr>
+            <p:txBody>
+              <a:bodyPr vert="horz" wrap="square" lIns="89642" tIns="44821" rIns="89642" bIns="44821" numCol="1" anchor="t" anchorCtr="0" compatLnSpc="1">
+                <a:prstTxWarp prst="textNoShape">
+                  <a:avLst/>
+                </a:prstTxWarp>
+              </a:bodyPr>
+              <a:lstStyle/>
+              <a:p>
+                <a:pPr defTabSz="914367"/>
+                <a:endParaRPr lang="en-US" sz="800">
+                  <a:gradFill>
+                    <a:gsLst>
+                      <a:gs pos="0">
+                        <a:srgbClr val="505050"/>
+                      </a:gs>
+                      <a:gs pos="100000">
+                        <a:srgbClr val="505050"/>
+                      </a:gs>
+                    </a:gsLst>
+                    <a:lin ang="5400000" scaled="1"/>
+                  </a:gradFill>
+                  <a:latin typeface="Segoe UI" panose="020B0502040204020203" pitchFamily="34" charset="0"/>
+                </a:endParaRPr>
+              </a:p>
+            </p:txBody>
+          </p:sp>
+          <p:sp>
+            <p:nvSpPr>
+              <p:cNvPr id="94" name="Freeform: Shape 93">
+                <a:extLst>
+                  <a:ext uri="{FF2B5EF4-FFF2-40B4-BE49-F238E27FC236}">
+                    <a16:creationId xmlns:a16="http://schemas.microsoft.com/office/drawing/2014/main" id="{B3EA2CF6-6259-41CD-A859-A3FDDF5D115C}"/>
+                  </a:ext>
+                </a:extLst>
+              </p:cNvPr>
+              <p:cNvSpPr/>
+              <p:nvPr/>
+            </p:nvSpPr>
+            <p:spPr>
+              <a:xfrm>
+                <a:off x="5346964" y="3413706"/>
+                <a:ext cx="104775" cy="95250"/>
+              </a:xfrm>
+              <a:custGeom>
+                <a:avLst/>
+                <a:gdLst>
+                  <a:gd name="connsiteX0" fmla="*/ 7355 w 104775"/>
+                  <a:gd name="connsiteY0" fmla="*/ 7355 h 95250"/>
+                  <a:gd name="connsiteX1" fmla="*/ 97843 w 104775"/>
+                  <a:gd name="connsiteY1" fmla="*/ 89270 h 95250"/>
+                </a:gdLst>
+                <a:ahLst/>
+                <a:cxnLst>
+                  <a:cxn ang="0">
+                    <a:pos x="connsiteX0" y="connsiteY0"/>
+                  </a:cxn>
+                  <a:cxn ang="0">
+                    <a:pos x="connsiteX1" y="connsiteY1"/>
+                  </a:cxn>
+                </a:cxnLst>
+                <a:rect l="l" t="t" r="r" b="b"/>
+                <a:pathLst>
+                  <a:path w="104775" h="95250">
+                    <a:moveTo>
+                      <a:pt x="7355" y="7355"/>
+                    </a:moveTo>
+                    <a:lnTo>
+                      <a:pt x="97843" y="89270"/>
+                    </a:lnTo>
+                  </a:path>
+                </a:pathLst>
+              </a:custGeom>
+              <a:noFill/>
+              <a:ln w="12700" cap="sq">
+                <a:solidFill>
+                  <a:schemeClr val="bg1"/>
+                </a:solidFill>
+                <a:prstDash val="solid"/>
+                <a:miter lim="800000"/>
+                <a:headEnd/>
+                <a:tailEnd/>
+              </a:ln>
+              <a:extLst>
+                <a:ext uri="{909E8E84-426E-40DD-AFC4-6F175D3DCCD1}">
+                  <a14:hiddenFill xmlns:a14="http://schemas.microsoft.com/office/drawing/2010/main">
+                    <a:solidFill>
+                      <a:srgbClr val="FFFFFF"/>
+                    </a:solidFill>
+                  </a14:hiddenFill>
+                </a:ext>
+              </a:extLst>
+            </p:spPr>
+            <p:txBody>
+              <a:bodyPr vert="horz" wrap="square" lIns="89642" tIns="44821" rIns="89642" bIns="44821" numCol="1" anchor="t" anchorCtr="0" compatLnSpc="1">
+                <a:prstTxWarp prst="textNoShape">
+                  <a:avLst/>
+                </a:prstTxWarp>
+              </a:bodyPr>
+              <a:lstStyle/>
+              <a:p>
+                <a:pPr defTabSz="914367"/>
+                <a:endParaRPr lang="en-US" sz="800">
+                  <a:gradFill>
+                    <a:gsLst>
+                      <a:gs pos="0">
+                        <a:srgbClr val="505050"/>
+                      </a:gs>
+                      <a:gs pos="100000">
+                        <a:srgbClr val="505050"/>
+                      </a:gs>
+                    </a:gsLst>
+                    <a:lin ang="5400000" scaled="1"/>
+                  </a:gradFill>
+                  <a:latin typeface="Segoe UI" panose="020B0502040204020203" pitchFamily="34" charset="0"/>
+                </a:endParaRPr>
+              </a:p>
+            </p:txBody>
+          </p:sp>
+          <p:sp>
+            <p:nvSpPr>
+              <p:cNvPr id="95" name="Freeform: Shape 94">
+                <a:extLst>
+                  <a:ext uri="{FF2B5EF4-FFF2-40B4-BE49-F238E27FC236}">
+                    <a16:creationId xmlns:a16="http://schemas.microsoft.com/office/drawing/2014/main" id="{F8A161EB-7062-4C3A-BE37-5B04229AE022}"/>
+                  </a:ext>
+                </a:extLst>
+              </p:cNvPr>
+              <p:cNvSpPr/>
+              <p:nvPr/>
+            </p:nvSpPr>
+            <p:spPr>
+              <a:xfrm>
+                <a:off x="5379349" y="3382274"/>
+                <a:ext cx="95250" cy="104775"/>
+              </a:xfrm>
+              <a:custGeom>
+                <a:avLst/>
+                <a:gdLst>
+                  <a:gd name="connsiteX0" fmla="*/ 7355 w 95250"/>
+                  <a:gd name="connsiteY0" fmla="*/ 7355 h 104775"/>
+                  <a:gd name="connsiteX1" fmla="*/ 92128 w 95250"/>
+                  <a:gd name="connsiteY1" fmla="*/ 105463 h 104775"/>
+                </a:gdLst>
+                <a:ahLst/>
+                <a:cxnLst>
+                  <a:cxn ang="0">
+                    <a:pos x="connsiteX0" y="connsiteY0"/>
+                  </a:cxn>
+                  <a:cxn ang="0">
+                    <a:pos x="connsiteX1" y="connsiteY1"/>
+                  </a:cxn>
+                </a:cxnLst>
+                <a:rect l="l" t="t" r="r" b="b"/>
+                <a:pathLst>
+                  <a:path w="95250" h="104775">
+                    <a:moveTo>
+                      <a:pt x="7355" y="7355"/>
+                    </a:moveTo>
+                    <a:lnTo>
+                      <a:pt x="92128" y="105463"/>
+                    </a:lnTo>
+                  </a:path>
+                </a:pathLst>
+              </a:custGeom>
+              <a:noFill/>
+              <a:ln w="12700" cap="sq">
+                <a:solidFill>
+                  <a:schemeClr val="bg1"/>
+                </a:solidFill>
+                <a:prstDash val="solid"/>
+                <a:miter lim="800000"/>
+                <a:headEnd/>
+                <a:tailEnd/>
+              </a:ln>
+              <a:extLst>
+                <a:ext uri="{909E8E84-426E-40DD-AFC4-6F175D3DCCD1}">
+                  <a14:hiddenFill xmlns:a14="http://schemas.microsoft.com/office/drawing/2010/main">
+                    <a:solidFill>
+                      <a:srgbClr val="FFFFFF"/>
+                    </a:solidFill>
+                  </a14:hiddenFill>
+                </a:ext>
+              </a:extLst>
+            </p:spPr>
+            <p:txBody>
+              <a:bodyPr vert="horz" wrap="square" lIns="89642" tIns="44821" rIns="89642" bIns="44821" numCol="1" anchor="t" anchorCtr="0" compatLnSpc="1">
+                <a:prstTxWarp prst="textNoShape">
+                  <a:avLst/>
+                </a:prstTxWarp>
+              </a:bodyPr>
+              <a:lstStyle/>
+              <a:p>
+                <a:pPr defTabSz="914367"/>
+                <a:endParaRPr lang="en-US" sz="800">
+                  <a:gradFill>
+                    <a:gsLst>
+                      <a:gs pos="0">
+                        <a:srgbClr val="505050"/>
+                      </a:gs>
+                      <a:gs pos="100000">
+                        <a:srgbClr val="505050"/>
+                      </a:gs>
+                    </a:gsLst>
+                    <a:lin ang="5400000" scaled="1"/>
+                  </a:gradFill>
+                  <a:latin typeface="Segoe UI" panose="020B0502040204020203" pitchFamily="34" charset="0"/>
+                </a:endParaRPr>
+              </a:p>
+            </p:txBody>
+          </p:sp>
+          <p:sp>
+            <p:nvSpPr>
+              <p:cNvPr id="96" name="Freeform: Shape 95">
+                <a:extLst>
+                  <a:ext uri="{FF2B5EF4-FFF2-40B4-BE49-F238E27FC236}">
+                    <a16:creationId xmlns:a16="http://schemas.microsoft.com/office/drawing/2014/main" id="{22ADBE71-5566-4E6A-9D2B-DFB2C90B1094}"/>
+                  </a:ext>
+                </a:extLst>
+              </p:cNvPr>
+              <p:cNvSpPr/>
+              <p:nvPr/>
+            </p:nvSpPr>
+            <p:spPr>
+              <a:xfrm>
+                <a:off x="5492696" y="3496574"/>
+                <a:ext cx="38100" cy="9525"/>
+              </a:xfrm>
+              <a:custGeom>
+                <a:avLst/>
+                <a:gdLst>
+                  <a:gd name="connsiteX0" fmla="*/ 7355 w 38100"/>
+                  <a:gd name="connsiteY0" fmla="*/ 7355 h 9525"/>
+                  <a:gd name="connsiteX1" fmla="*/ 33073 w 38100"/>
+                  <a:gd name="connsiteY1" fmla="*/ 7355 h 9525"/>
+                </a:gdLst>
+                <a:ahLst/>
+                <a:cxnLst>
+                  <a:cxn ang="0">
+                    <a:pos x="connsiteX0" y="connsiteY0"/>
+                  </a:cxn>
+                  <a:cxn ang="0">
+                    <a:pos x="connsiteX1" y="connsiteY1"/>
+                  </a:cxn>
+                </a:cxnLst>
+                <a:rect l="l" t="t" r="r" b="b"/>
+                <a:pathLst>
+                  <a:path w="38100" h="9525">
+                    <a:moveTo>
+                      <a:pt x="7355" y="7355"/>
+                    </a:moveTo>
+                    <a:lnTo>
+                      <a:pt x="33073" y="7355"/>
+                    </a:lnTo>
+                  </a:path>
+                </a:pathLst>
+              </a:custGeom>
+              <a:noFill/>
+              <a:ln w="12700" cap="sq">
+                <a:solidFill>
+                  <a:schemeClr val="bg1"/>
+                </a:solidFill>
+                <a:prstDash val="solid"/>
+                <a:miter lim="800000"/>
+                <a:headEnd/>
+                <a:tailEnd/>
+              </a:ln>
+              <a:extLst>
+                <a:ext uri="{909E8E84-426E-40DD-AFC4-6F175D3DCCD1}">
+                  <a14:hiddenFill xmlns:a14="http://schemas.microsoft.com/office/drawing/2010/main">
+                    <a:solidFill>
+                      <a:srgbClr val="FFFFFF"/>
+                    </a:solidFill>
+                  </a14:hiddenFill>
+                </a:ext>
+              </a:extLst>
+            </p:spPr>
+            <p:txBody>
+              <a:bodyPr vert="horz" wrap="square" lIns="89642" tIns="44821" rIns="89642" bIns="44821" numCol="1" anchor="t" anchorCtr="0" compatLnSpc="1">
+                <a:prstTxWarp prst="textNoShape">
+                  <a:avLst/>
+                </a:prstTxWarp>
+              </a:bodyPr>
+              <a:lstStyle/>
+              <a:p>
+                <a:pPr defTabSz="914367"/>
+                <a:endParaRPr lang="en-US" sz="800">
+                  <a:gradFill>
+                    <a:gsLst>
+                      <a:gs pos="0">
+                        <a:srgbClr val="505050"/>
+                      </a:gs>
+                      <a:gs pos="100000">
+                        <a:srgbClr val="505050"/>
+                      </a:gs>
+                    </a:gsLst>
+                    <a:lin ang="5400000" scaled="1"/>
+                  </a:gradFill>
+                  <a:latin typeface="Segoe UI" panose="020B0502040204020203" pitchFamily="34" charset="0"/>
+                </a:endParaRPr>
+              </a:p>
+            </p:txBody>
+          </p:sp>
+          <p:sp>
+            <p:nvSpPr>
+              <p:cNvPr id="97" name="Freeform: Shape 96">
+                <a:extLst>
+                  <a:ext uri="{FF2B5EF4-FFF2-40B4-BE49-F238E27FC236}">
+                    <a16:creationId xmlns:a16="http://schemas.microsoft.com/office/drawing/2014/main" id="{D2CD5C08-E762-405E-8A1A-844E6412BF5F}"/>
+                  </a:ext>
+                </a:extLst>
+              </p:cNvPr>
+              <p:cNvSpPr/>
+              <p:nvPr/>
+            </p:nvSpPr>
+            <p:spPr>
+              <a:xfrm>
+                <a:off x="5492696" y="3528959"/>
+                <a:ext cx="38100" cy="9525"/>
+              </a:xfrm>
+              <a:custGeom>
+                <a:avLst/>
+                <a:gdLst>
+                  <a:gd name="connsiteX0" fmla="*/ 7355 w 38100"/>
+                  <a:gd name="connsiteY0" fmla="*/ 7355 h 9525"/>
+                  <a:gd name="connsiteX1" fmla="*/ 33073 w 38100"/>
+                  <a:gd name="connsiteY1" fmla="*/ 7355 h 9525"/>
+                </a:gdLst>
+                <a:ahLst/>
+                <a:cxnLst>
+                  <a:cxn ang="0">
+                    <a:pos x="connsiteX0" y="connsiteY0"/>
+                  </a:cxn>
+                  <a:cxn ang="0">
+                    <a:pos x="connsiteX1" y="connsiteY1"/>
+                  </a:cxn>
+                </a:cxnLst>
+                <a:rect l="l" t="t" r="r" b="b"/>
+                <a:pathLst>
+                  <a:path w="38100" h="9525">
+                    <a:moveTo>
+                      <a:pt x="7355" y="7355"/>
+                    </a:moveTo>
+                    <a:lnTo>
+                      <a:pt x="33073" y="7355"/>
+                    </a:lnTo>
+                  </a:path>
+                </a:pathLst>
+              </a:custGeom>
+              <a:noFill/>
+              <a:ln w="12700" cap="sq">
+                <a:solidFill>
+                  <a:schemeClr val="bg1"/>
+                </a:solidFill>
+                <a:prstDash val="solid"/>
+                <a:miter lim="800000"/>
+                <a:headEnd/>
+                <a:tailEnd/>
+              </a:ln>
+              <a:extLst>
+                <a:ext uri="{909E8E84-426E-40DD-AFC4-6F175D3DCCD1}">
+                  <a14:hiddenFill xmlns:a14="http://schemas.microsoft.com/office/drawing/2010/main">
+                    <a:solidFill>
+                      <a:srgbClr val="FFFFFF"/>
+                    </a:solidFill>
+                  </a14:hiddenFill>
+                </a:ext>
+              </a:extLst>
+            </p:spPr>
+            <p:txBody>
+              <a:bodyPr vert="horz" wrap="square" lIns="89642" tIns="44821" rIns="89642" bIns="44821" numCol="1" anchor="t" anchorCtr="0" compatLnSpc="1">
+                <a:prstTxWarp prst="textNoShape">
+                  <a:avLst/>
+                </a:prstTxWarp>
+              </a:bodyPr>
+              <a:lstStyle/>
+              <a:p>
+                <a:pPr defTabSz="914367"/>
+                <a:endParaRPr lang="en-US" sz="800">
+                  <a:gradFill>
+                    <a:gsLst>
+                      <a:gs pos="0">
+                        <a:srgbClr val="505050"/>
+                      </a:gs>
+                      <a:gs pos="100000">
+                        <a:srgbClr val="505050"/>
+                      </a:gs>
+                    </a:gsLst>
+                    <a:lin ang="5400000" scaled="1"/>
+                  </a:gradFill>
+                  <a:latin typeface="Segoe UI" panose="020B0502040204020203" pitchFamily="34" charset="0"/>
+                </a:endParaRPr>
+              </a:p>
+            </p:txBody>
+          </p:sp>
+          <p:sp>
+            <p:nvSpPr>
+              <p:cNvPr id="98" name="Freeform: Shape 97">
+                <a:extLst>
+                  <a:ext uri="{FF2B5EF4-FFF2-40B4-BE49-F238E27FC236}">
+                    <a16:creationId xmlns:a16="http://schemas.microsoft.com/office/drawing/2014/main" id="{BC52E7E6-61D7-4744-9F54-43035F4C0C52}"/>
+                  </a:ext>
+                </a:extLst>
+              </p:cNvPr>
+              <p:cNvSpPr/>
+              <p:nvPr/>
+            </p:nvSpPr>
+            <p:spPr>
+              <a:xfrm>
+                <a:off x="5220281" y="3607064"/>
+                <a:ext cx="19050" cy="19050"/>
+              </a:xfrm>
+              <a:custGeom>
+                <a:avLst/>
+                <a:gdLst>
+                  <a:gd name="connsiteX0" fmla="*/ 12118 w 19050"/>
+                  <a:gd name="connsiteY0" fmla="*/ 7355 h 19050"/>
+                  <a:gd name="connsiteX1" fmla="*/ 7355 w 19050"/>
+                  <a:gd name="connsiteY1" fmla="*/ 20690 h 19050"/>
+                </a:gdLst>
+                <a:ahLst/>
+                <a:cxnLst>
+                  <a:cxn ang="0">
+                    <a:pos x="connsiteX0" y="connsiteY0"/>
+                  </a:cxn>
+                  <a:cxn ang="0">
+                    <a:pos x="connsiteX1" y="connsiteY1"/>
+                  </a:cxn>
+                </a:cxnLst>
+                <a:rect l="l" t="t" r="r" b="b"/>
+                <a:pathLst>
+                  <a:path w="19050" h="19050">
+                    <a:moveTo>
+                      <a:pt x="12118" y="7355"/>
+                    </a:moveTo>
+                    <a:lnTo>
+                      <a:pt x="7355" y="20690"/>
+                    </a:lnTo>
+                  </a:path>
+                </a:pathLst>
+              </a:custGeom>
+              <a:noFill/>
+              <a:ln w="12700" cap="sq">
+                <a:solidFill>
+                  <a:schemeClr val="bg1"/>
+                </a:solidFill>
+                <a:prstDash val="solid"/>
+                <a:miter lim="800000"/>
+                <a:headEnd/>
+                <a:tailEnd/>
+              </a:ln>
+              <a:extLst>
+                <a:ext uri="{909E8E84-426E-40DD-AFC4-6F175D3DCCD1}">
+                  <a14:hiddenFill xmlns:a14="http://schemas.microsoft.com/office/drawing/2010/main">
+                    <a:solidFill>
+                      <a:srgbClr val="FFFFFF"/>
+                    </a:solidFill>
+                  </a14:hiddenFill>
+                </a:ext>
+              </a:extLst>
+            </p:spPr>
+            <p:txBody>
+              <a:bodyPr vert="horz" wrap="square" lIns="89642" tIns="44821" rIns="89642" bIns="44821" numCol="1" anchor="t" anchorCtr="0" compatLnSpc="1">
+                <a:prstTxWarp prst="textNoShape">
+                  <a:avLst/>
+                </a:prstTxWarp>
+              </a:bodyPr>
+              <a:lstStyle/>
+              <a:p>
+                <a:pPr defTabSz="914367"/>
+                <a:endParaRPr lang="en-US" sz="800">
+                  <a:gradFill>
+                    <a:gsLst>
+                      <a:gs pos="0">
+                        <a:srgbClr val="505050"/>
+                      </a:gs>
+                      <a:gs pos="100000">
+                        <a:srgbClr val="505050"/>
+                      </a:gs>
+                    </a:gsLst>
+                    <a:lin ang="5400000" scaled="1"/>
+                  </a:gradFill>
+                  <a:latin typeface="Segoe UI" panose="020B0502040204020203" pitchFamily="34" charset="0"/>
+                </a:endParaRPr>
+              </a:p>
+            </p:txBody>
+          </p:sp>
+          <p:sp>
+            <p:nvSpPr>
+              <p:cNvPr id="99" name="Freeform: Shape 98">
+                <a:extLst>
+                  <a:ext uri="{FF2B5EF4-FFF2-40B4-BE49-F238E27FC236}">
+                    <a16:creationId xmlns:a16="http://schemas.microsoft.com/office/drawing/2014/main" id="{4D934D52-19F9-4638-A6A5-959FAD284E35}"/>
+                  </a:ext>
+                </a:extLst>
+              </p:cNvPr>
+              <p:cNvSpPr/>
+              <p:nvPr/>
+            </p:nvSpPr>
+            <p:spPr>
+              <a:xfrm>
+                <a:off x="5294576" y="3569916"/>
+                <a:ext cx="47625" cy="57150"/>
+              </a:xfrm>
+              <a:custGeom>
+                <a:avLst/>
+                <a:gdLst>
+                  <a:gd name="connsiteX0" fmla="*/ 7355 w 47625"/>
+                  <a:gd name="connsiteY0" fmla="*/ 7355 h 57150"/>
+                  <a:gd name="connsiteX1" fmla="*/ 44503 w 47625"/>
+                  <a:gd name="connsiteY1" fmla="*/ 57838 h 57150"/>
+                </a:gdLst>
+                <a:ahLst/>
+                <a:cxnLst>
+                  <a:cxn ang="0">
+                    <a:pos x="connsiteX0" y="connsiteY0"/>
+                  </a:cxn>
+                  <a:cxn ang="0">
+                    <a:pos x="connsiteX1" y="connsiteY1"/>
+                  </a:cxn>
+                </a:cxnLst>
+                <a:rect l="l" t="t" r="r" b="b"/>
+                <a:pathLst>
+                  <a:path w="47625" h="57150">
+                    <a:moveTo>
+                      <a:pt x="7355" y="7355"/>
+                    </a:moveTo>
+                    <a:lnTo>
+                      <a:pt x="44503" y="57838"/>
+                    </a:lnTo>
+                  </a:path>
+                </a:pathLst>
+              </a:custGeom>
+              <a:noFill/>
+              <a:ln w="12700" cap="sq">
+                <a:solidFill>
+                  <a:schemeClr val="bg1"/>
+                </a:solidFill>
+                <a:prstDash val="solid"/>
+                <a:miter lim="800000"/>
+                <a:headEnd/>
+                <a:tailEnd/>
+              </a:ln>
+              <a:extLst>
+                <a:ext uri="{909E8E84-426E-40DD-AFC4-6F175D3DCCD1}">
+                  <a14:hiddenFill xmlns:a14="http://schemas.microsoft.com/office/drawing/2010/main">
+                    <a:solidFill>
+                      <a:srgbClr val="FFFFFF"/>
+                    </a:solidFill>
+                  </a14:hiddenFill>
+                </a:ext>
+              </a:extLst>
+            </p:spPr>
+            <p:txBody>
+              <a:bodyPr vert="horz" wrap="square" lIns="89642" tIns="44821" rIns="89642" bIns="44821" numCol="1" anchor="t" anchorCtr="0" compatLnSpc="1">
+                <a:prstTxWarp prst="textNoShape">
+                  <a:avLst/>
+                </a:prstTxWarp>
+              </a:bodyPr>
+              <a:lstStyle/>
+              <a:p>
+                <a:pPr defTabSz="914367"/>
+                <a:endParaRPr lang="en-US" sz="800">
+                  <a:gradFill>
+                    <a:gsLst>
+                      <a:gs pos="0">
+                        <a:srgbClr val="505050"/>
+                      </a:gs>
+                      <a:gs pos="100000">
+                        <a:srgbClr val="505050"/>
+                      </a:gs>
+                    </a:gsLst>
+                    <a:lin ang="5400000" scaled="1"/>
+                  </a:gradFill>
+                  <a:latin typeface="Segoe UI" panose="020B0502040204020203" pitchFamily="34" charset="0"/>
+                </a:endParaRPr>
+              </a:p>
+            </p:txBody>
+          </p:sp>
+          <p:sp>
+            <p:nvSpPr>
+              <p:cNvPr id="100" name="Freeform: Shape 99">
+                <a:extLst>
+                  <a:ext uri="{FF2B5EF4-FFF2-40B4-BE49-F238E27FC236}">
+                    <a16:creationId xmlns:a16="http://schemas.microsoft.com/office/drawing/2014/main" id="{CB875327-9B30-4883-8FB2-D0B18E091307}"/>
+                  </a:ext>
+                </a:extLst>
+              </p:cNvPr>
+              <p:cNvSpPr/>
+              <p:nvPr/>
+            </p:nvSpPr>
+            <p:spPr>
+              <a:xfrm>
+                <a:off x="5172656" y="3623256"/>
+                <a:ext cx="247650" cy="9525"/>
+              </a:xfrm>
+              <a:custGeom>
+                <a:avLst/>
+                <a:gdLst>
+                  <a:gd name="connsiteX0" fmla="*/ 7355 w 247650"/>
+                  <a:gd name="connsiteY0" fmla="*/ 7355 h 9525"/>
+                  <a:gd name="connsiteX1" fmla="*/ 246433 w 247650"/>
+                  <a:gd name="connsiteY1" fmla="*/ 7355 h 9525"/>
+                </a:gdLst>
+                <a:ahLst/>
+                <a:cxnLst>
+                  <a:cxn ang="0">
+                    <a:pos x="connsiteX0" y="connsiteY0"/>
+                  </a:cxn>
+                  <a:cxn ang="0">
+                    <a:pos x="connsiteX1" y="connsiteY1"/>
+                  </a:cxn>
+                </a:cxnLst>
+                <a:rect l="l" t="t" r="r" b="b"/>
+                <a:pathLst>
+                  <a:path w="247650" h="9525">
+                    <a:moveTo>
+                      <a:pt x="7355" y="7355"/>
+                    </a:moveTo>
+                    <a:lnTo>
+                      <a:pt x="246433" y="7355"/>
+                    </a:lnTo>
+                  </a:path>
+                </a:pathLst>
+              </a:custGeom>
+              <a:noFill/>
+              <a:ln w="12700" cap="sq">
+                <a:solidFill>
+                  <a:schemeClr val="bg1"/>
+                </a:solidFill>
+                <a:prstDash val="solid"/>
+                <a:miter lim="800000"/>
+                <a:headEnd/>
+                <a:tailEnd/>
+              </a:ln>
+              <a:extLst>
+                <a:ext uri="{909E8E84-426E-40DD-AFC4-6F175D3DCCD1}">
+                  <a14:hiddenFill xmlns:a14="http://schemas.microsoft.com/office/drawing/2010/main">
+                    <a:solidFill>
+                      <a:srgbClr val="FFFFFF"/>
+                    </a:solidFill>
+                  </a14:hiddenFill>
+                </a:ext>
+              </a:extLst>
+            </p:spPr>
+            <p:txBody>
+              <a:bodyPr vert="horz" wrap="square" lIns="89642" tIns="44821" rIns="89642" bIns="44821" numCol="1" anchor="t" anchorCtr="0" compatLnSpc="1">
+                <a:prstTxWarp prst="textNoShape">
+                  <a:avLst/>
+                </a:prstTxWarp>
+              </a:bodyPr>
+              <a:lstStyle/>
+              <a:p>
+                <a:pPr defTabSz="914367"/>
+                <a:endParaRPr lang="en-US" sz="800">
+                  <a:gradFill>
+                    <a:gsLst>
+                      <a:gs pos="0">
+                        <a:srgbClr val="505050"/>
+                      </a:gs>
+                      <a:gs pos="100000">
+                        <a:srgbClr val="505050"/>
+                      </a:gs>
+                    </a:gsLst>
+                    <a:lin ang="5400000" scaled="1"/>
+                  </a:gradFill>
+                  <a:latin typeface="Segoe UI" panose="020B0502040204020203" pitchFamily="34" charset="0"/>
+                </a:endParaRPr>
+              </a:p>
+            </p:txBody>
+          </p:sp>
+          <p:sp>
+            <p:nvSpPr>
+              <p:cNvPr id="101" name="Freeform: Shape 100">
+                <a:extLst>
+                  <a:ext uri="{FF2B5EF4-FFF2-40B4-BE49-F238E27FC236}">
+                    <a16:creationId xmlns:a16="http://schemas.microsoft.com/office/drawing/2014/main" id="{B28E892A-17B0-4621-9414-9E1C3490008D}"/>
+                  </a:ext>
+                </a:extLst>
+              </p:cNvPr>
+              <p:cNvSpPr/>
+              <p:nvPr/>
+            </p:nvSpPr>
+            <p:spPr>
+              <a:xfrm>
+                <a:off x="5153606" y="3639449"/>
+                <a:ext cx="314325" cy="9525"/>
+              </a:xfrm>
+              <a:custGeom>
+                <a:avLst/>
+                <a:gdLst>
+                  <a:gd name="connsiteX0" fmla="*/ 7355 w 314325"/>
+                  <a:gd name="connsiteY0" fmla="*/ 7355 h 9525"/>
+                  <a:gd name="connsiteX1" fmla="*/ 311203 w 314325"/>
+                  <a:gd name="connsiteY1" fmla="*/ 7355 h 9525"/>
+                </a:gdLst>
+                <a:ahLst/>
+                <a:cxnLst>
+                  <a:cxn ang="0">
+                    <a:pos x="connsiteX0" y="connsiteY0"/>
+                  </a:cxn>
+                  <a:cxn ang="0">
+                    <a:pos x="connsiteX1" y="connsiteY1"/>
+                  </a:cxn>
+                </a:cxnLst>
+                <a:rect l="l" t="t" r="r" b="b"/>
+                <a:pathLst>
+                  <a:path w="314325" h="9525">
+                    <a:moveTo>
+                      <a:pt x="7355" y="7355"/>
+                    </a:moveTo>
+                    <a:lnTo>
+                      <a:pt x="311203" y="7355"/>
+                    </a:lnTo>
+                  </a:path>
+                </a:pathLst>
+              </a:custGeom>
+              <a:noFill/>
+              <a:ln w="12700" cap="sq">
+                <a:solidFill>
+                  <a:schemeClr val="bg1"/>
+                </a:solidFill>
+                <a:prstDash val="solid"/>
+                <a:miter lim="800000"/>
+                <a:headEnd/>
+                <a:tailEnd/>
+              </a:ln>
+              <a:extLst>
+                <a:ext uri="{909E8E84-426E-40DD-AFC4-6F175D3DCCD1}">
+                  <a14:hiddenFill xmlns:a14="http://schemas.microsoft.com/office/drawing/2010/main">
+                    <a:solidFill>
+                      <a:srgbClr val="FFFFFF"/>
+                    </a:solidFill>
+                  </a14:hiddenFill>
+                </a:ext>
+              </a:extLst>
+            </p:spPr>
+            <p:txBody>
+              <a:bodyPr vert="horz" wrap="square" lIns="89642" tIns="44821" rIns="89642" bIns="44821" numCol="1" anchor="t" anchorCtr="0" compatLnSpc="1">
+                <a:prstTxWarp prst="textNoShape">
+                  <a:avLst/>
+                </a:prstTxWarp>
+              </a:bodyPr>
+              <a:lstStyle/>
+              <a:p>
+                <a:pPr defTabSz="914367"/>
+                <a:endParaRPr lang="en-US" sz="800">
+                  <a:gradFill>
+                    <a:gsLst>
+                      <a:gs pos="0">
+                        <a:srgbClr val="505050"/>
+                      </a:gs>
+                      <a:gs pos="100000">
+                        <a:srgbClr val="505050"/>
+                      </a:gs>
+                    </a:gsLst>
+                    <a:lin ang="5400000" scaled="1"/>
+                  </a:gradFill>
+                  <a:latin typeface="Segoe UI" panose="020B0502040204020203" pitchFamily="34" charset="0"/>
+                </a:endParaRPr>
+              </a:p>
+            </p:txBody>
+          </p:sp>
+          <p:sp>
+            <p:nvSpPr>
+              <p:cNvPr id="102" name="Freeform: Shape 101">
+                <a:extLst>
+                  <a:ext uri="{FF2B5EF4-FFF2-40B4-BE49-F238E27FC236}">
+                    <a16:creationId xmlns:a16="http://schemas.microsoft.com/office/drawing/2014/main" id="{21895D5C-65FE-4031-983B-0853A8BB747A}"/>
+                  </a:ext>
+                </a:extLst>
+              </p:cNvPr>
+              <p:cNvSpPr/>
+              <p:nvPr/>
+            </p:nvSpPr>
+            <p:spPr>
+              <a:xfrm>
+                <a:off x="5518414" y="3408944"/>
+                <a:ext cx="9525" cy="180975"/>
+              </a:xfrm>
+              <a:custGeom>
+                <a:avLst/>
+                <a:gdLst>
+                  <a:gd name="connsiteX0" fmla="*/ 7355 w 9525"/>
+                  <a:gd name="connsiteY0" fmla="*/ 7355 h 180975"/>
+                  <a:gd name="connsiteX1" fmla="*/ 7355 w 9525"/>
+                  <a:gd name="connsiteY1" fmla="*/ 177853 h 180975"/>
+                </a:gdLst>
+                <a:ahLst/>
+                <a:cxnLst>
+                  <a:cxn ang="0">
+                    <a:pos x="connsiteX0" y="connsiteY0"/>
+                  </a:cxn>
+                  <a:cxn ang="0">
+                    <a:pos x="connsiteX1" y="connsiteY1"/>
+                  </a:cxn>
+                </a:cxnLst>
+                <a:rect l="l" t="t" r="r" b="b"/>
+                <a:pathLst>
+                  <a:path w="9525" h="180975">
+                    <a:moveTo>
+                      <a:pt x="7355" y="7355"/>
+                    </a:moveTo>
+                    <a:lnTo>
+                      <a:pt x="7355" y="177853"/>
+                    </a:lnTo>
+                  </a:path>
+                </a:pathLst>
+              </a:custGeom>
+              <a:noFill/>
+              <a:ln w="12700" cap="sq">
+                <a:solidFill>
+                  <a:schemeClr val="bg1"/>
+                </a:solidFill>
+                <a:prstDash val="solid"/>
+                <a:miter lim="800000"/>
+                <a:headEnd/>
+                <a:tailEnd/>
+              </a:ln>
+              <a:extLst>
+                <a:ext uri="{909E8E84-426E-40DD-AFC4-6F175D3DCCD1}">
+                  <a14:hiddenFill xmlns:a14="http://schemas.microsoft.com/office/drawing/2010/main">
+                    <a:solidFill>
+                      <a:srgbClr val="FFFFFF"/>
+                    </a:solidFill>
+                  </a14:hiddenFill>
+                </a:ext>
+              </a:extLst>
+            </p:spPr>
+            <p:txBody>
+              <a:bodyPr vert="horz" wrap="square" lIns="89642" tIns="44821" rIns="89642" bIns="44821" numCol="1" anchor="t" anchorCtr="0" compatLnSpc="1">
+                <a:prstTxWarp prst="textNoShape">
+                  <a:avLst/>
+                </a:prstTxWarp>
+              </a:bodyPr>
+              <a:lstStyle/>
+              <a:p>
+                <a:pPr defTabSz="914367"/>
+                <a:endParaRPr lang="en-US" sz="800">
+                  <a:gradFill>
+                    <a:gsLst>
+                      <a:gs pos="0">
+                        <a:srgbClr val="505050"/>
+                      </a:gs>
+                      <a:gs pos="100000">
+                        <a:srgbClr val="505050"/>
+                      </a:gs>
+                    </a:gsLst>
+                    <a:lin ang="5400000" scaled="1"/>
+                  </a:gradFill>
+                  <a:latin typeface="Segoe UI" panose="020B0502040204020203" pitchFamily="34" charset="0"/>
+                </a:endParaRPr>
+              </a:p>
+            </p:txBody>
+          </p:sp>
+          <p:sp>
+            <p:nvSpPr>
+              <p:cNvPr id="103" name="Freeform: Shape 102">
+                <a:extLst>
+                  <a:ext uri="{FF2B5EF4-FFF2-40B4-BE49-F238E27FC236}">
+                    <a16:creationId xmlns:a16="http://schemas.microsoft.com/office/drawing/2014/main" id="{D07C9498-A7D7-488E-906A-B3947B952EEA}"/>
+                  </a:ext>
+                </a:extLst>
+              </p:cNvPr>
+              <p:cNvSpPr/>
+              <p:nvPr/>
+            </p:nvSpPr>
+            <p:spPr>
+              <a:xfrm>
+                <a:off x="5518414" y="3579441"/>
+                <a:ext cx="114300" cy="9525"/>
+              </a:xfrm>
+              <a:custGeom>
+                <a:avLst/>
+                <a:gdLst>
+                  <a:gd name="connsiteX0" fmla="*/ 107368 w 114300"/>
+                  <a:gd name="connsiteY0" fmla="*/ 7355 h 9525"/>
+                  <a:gd name="connsiteX1" fmla="*/ 7355 w 114300"/>
+                  <a:gd name="connsiteY1" fmla="*/ 7355 h 9525"/>
+                </a:gdLst>
+                <a:ahLst/>
+                <a:cxnLst>
+                  <a:cxn ang="0">
+                    <a:pos x="connsiteX0" y="connsiteY0"/>
+                  </a:cxn>
+                  <a:cxn ang="0">
+                    <a:pos x="connsiteX1" y="connsiteY1"/>
+                  </a:cxn>
+                </a:cxnLst>
+                <a:rect l="l" t="t" r="r" b="b"/>
+                <a:pathLst>
+                  <a:path w="114300" h="9525">
+                    <a:moveTo>
+                      <a:pt x="107368" y="7355"/>
+                    </a:moveTo>
+                    <a:lnTo>
+                      <a:pt x="7355" y="7355"/>
+                    </a:lnTo>
+                  </a:path>
+                </a:pathLst>
+              </a:custGeom>
+              <a:noFill/>
+              <a:ln w="12700" cap="sq">
+                <a:solidFill>
+                  <a:schemeClr val="bg1"/>
+                </a:solidFill>
+                <a:prstDash val="solid"/>
+                <a:miter lim="800000"/>
+                <a:headEnd/>
+                <a:tailEnd/>
+              </a:ln>
+              <a:extLst>
+                <a:ext uri="{909E8E84-426E-40DD-AFC4-6F175D3DCCD1}">
+                  <a14:hiddenFill xmlns:a14="http://schemas.microsoft.com/office/drawing/2010/main">
+                    <a:solidFill>
+                      <a:srgbClr val="FFFFFF"/>
+                    </a:solidFill>
+                  </a14:hiddenFill>
+                </a:ext>
+              </a:extLst>
+            </p:spPr>
+            <p:txBody>
+              <a:bodyPr vert="horz" wrap="square" lIns="89642" tIns="44821" rIns="89642" bIns="44821" numCol="1" anchor="t" anchorCtr="0" compatLnSpc="1">
+                <a:prstTxWarp prst="textNoShape">
+                  <a:avLst/>
+                </a:prstTxWarp>
+              </a:bodyPr>
+              <a:lstStyle/>
+              <a:p>
+                <a:pPr defTabSz="914367"/>
+                <a:endParaRPr lang="en-US" sz="800">
+                  <a:gradFill>
+                    <a:gsLst>
+                      <a:gs pos="0">
+                        <a:srgbClr val="505050"/>
+                      </a:gs>
+                      <a:gs pos="100000">
+                        <a:srgbClr val="505050"/>
+                      </a:gs>
+                    </a:gsLst>
+                    <a:lin ang="5400000" scaled="1"/>
+                  </a:gradFill>
+                  <a:latin typeface="Segoe UI" panose="020B0502040204020203" pitchFamily="34" charset="0"/>
+                </a:endParaRPr>
+              </a:p>
+            </p:txBody>
+          </p:sp>
+        </p:grpSp>
+      </p:grpSp>
+    </p:spTree>
+    <p:extLst>
+      <p:ext uri="{BB962C8B-B14F-4D97-AF65-F5344CB8AC3E}">
+        <p14:creationId xmlns:p14="http://schemas.microsoft.com/office/powerpoint/2010/main" val="613506443"/>
+      </p:ext>
+    </p:extLst>
+  </p:cSld>
+  <p:clrMapOvr>
+    <a:masterClrMapping/>
+  </p:clrMapOvr>
+  <mc:AlternateContent xmlns:mc="http://schemas.openxmlformats.org/markup-compatibility/2006" xmlns:p14="http://schemas.microsoft.com/office/powerpoint/2010/main">
+    <mc:Choice Requires="p14">
+      <p:transition spd="med" p14:dur="700">
+        <p:fade/>
+      </p:transition>
+    </mc:Choice>
+    <mc:Fallback xmlns="">
+      <p:transition spd="med">
+        <p:fade/>
+      </p:transition>
+    </mc:Fallback>
+  </mc:AlternateContent>
+</p:sld>
+</file>
+
+<file path=ppt/slides/slide11.xml><?xml version="1.0" encoding="utf-8"?>
 <p:sld xmlns:a="http://schemas.openxmlformats.org/drawingml/2006/main" xmlns:r="http://schemas.openxmlformats.org/officeDocument/2006/relationships" xmlns:p="http://schemas.openxmlformats.org/presentationml/2006/main">
   <p:cSld>
     <p:bg>
@@ -11055,7 +14238,7 @@
 </p:sld>
 </file>
 
-<file path=ppt/slides/slide11.xml><?xml version="1.0" encoding="utf-8"?>
+<file path=ppt/slides/slide12.xml><?xml version="1.0" encoding="utf-8"?>
 <p:sld xmlns:a="http://schemas.openxmlformats.org/drawingml/2006/main" xmlns:r="http://schemas.openxmlformats.org/officeDocument/2006/relationships" xmlns:p="http://schemas.openxmlformats.org/presentationml/2006/main">
   <p:cSld>
     <p:spTree>
@@ -11520,7 +14703,7 @@
 </p:sld>
 </file>
 
-<file path=ppt/slides/slide12.xml><?xml version="1.0" encoding="utf-8"?>
+<file path=ppt/slides/slide13.xml><?xml version="1.0" encoding="utf-8"?>
 <p:sld xmlns:a="http://schemas.openxmlformats.org/drawingml/2006/main" xmlns:r="http://schemas.openxmlformats.org/officeDocument/2006/relationships" xmlns:p="http://schemas.openxmlformats.org/presentationml/2006/main">
   <p:cSld>
     <p:spTree>
@@ -11989,7 +15172,7 @@
 </p:sld>
 </file>
 
-<file path=ppt/slides/slide13.xml><?xml version="1.0" encoding="utf-8"?>
+<file path=ppt/slides/slide14.xml><?xml version="1.0" encoding="utf-8"?>
 <p:sld xmlns:a="http://schemas.openxmlformats.org/drawingml/2006/main" xmlns:r="http://schemas.openxmlformats.org/officeDocument/2006/relationships" xmlns:p="http://schemas.openxmlformats.org/presentationml/2006/main">
   <p:cSld>
     <p:spTree>
@@ -12598,7 +15781,7 @@
 </p:sld>
 </file>
 
-<file path=ppt/slides/slide14.xml><?xml version="1.0" encoding="utf-8"?>
+<file path=ppt/slides/slide15.xml><?xml version="1.0" encoding="utf-8"?>
 <p:sld xmlns:a="http://schemas.openxmlformats.org/drawingml/2006/main" xmlns:r="http://schemas.openxmlformats.org/officeDocument/2006/relationships" xmlns:p="http://schemas.openxmlformats.org/presentationml/2006/main">
   <p:cSld>
     <p:spTree>
@@ -12977,13 +16160,13 @@
   <p:clrMapOvr>
     <a:masterClrMapping/>
   </p:clrMapOvr>
-  <mc:AlternateContent xmlns:mc="http://schemas.openxmlformats.org/markup-compatibility/2006">
-    <mc:Choice xmlns:p14="http://schemas.microsoft.com/office/powerpoint/2010/main" Requires="p14">
+  <mc:AlternateContent xmlns:mc="http://schemas.openxmlformats.org/markup-compatibility/2006" xmlns:p14="http://schemas.microsoft.com/office/powerpoint/2010/main">
+    <mc:Choice Requires="p14">
       <p:transition spd="med" p14:dur="700">
         <p:fade/>
       </p:transition>
     </mc:Choice>
-    <mc:Fallback>
+    <mc:Fallback xmlns="">
       <p:transition spd="med">
         <p:fade/>
       </p:transition>
@@ -17767,21 +20950,7 @@
                 <a:latin typeface="Segoe UI"/>
                 <a:cs typeface="Segoe UI"/>
               </a:rPr>
-              <a:t>Enterprise IT is made of </a:t>
-            </a:r>
-            <a:r>
-              <a:rPr lang="en-US" sz="1600" kern="0" dirty="0" err="1">
-                <a:latin typeface="Segoe UI"/>
-                <a:cs typeface="Segoe UI"/>
-              </a:rPr>
-              <a:t>deparments</a:t>
-            </a:r>
-            <a:r>
-              <a:rPr lang="en-US" sz="1600" kern="0" dirty="0">
-                <a:latin typeface="Segoe UI"/>
-                <a:cs typeface="Segoe UI"/>
-              </a:rPr>
-              <a:t>, users, roles, development teams, projects, environments, costs</a:t>
+              <a:t>Enterprise IT is made of departments, users, roles, development teams, projects, environments, costs</a:t>
             </a:r>
           </a:p>
           <a:p>
@@ -21445,13 +24614,13 @@
   <p:clrMapOvr>
     <a:masterClrMapping/>
   </p:clrMapOvr>
-  <mc:AlternateContent xmlns:mc="http://schemas.openxmlformats.org/markup-compatibility/2006">
-    <mc:Choice xmlns:p14="http://schemas.microsoft.com/office/powerpoint/2010/main" Requires="p14">
+  <mc:AlternateContent xmlns:mc="http://schemas.openxmlformats.org/markup-compatibility/2006" xmlns:p14="http://schemas.microsoft.com/office/powerpoint/2010/main">
+    <mc:Choice Requires="p14">
       <p:transition spd="med" p14:dur="700">
         <p:fade/>
       </p:transition>
     </mc:Choice>
-    <mc:Fallback>
+    <mc:Fallback xmlns="">
       <p:transition spd="med">
         <p:fade/>
       </p:transition>
@@ -27375,13 +30544,13 @@
   <p:clrMapOvr>
     <a:masterClrMapping/>
   </p:clrMapOvr>
-  <mc:AlternateContent xmlns:mc="http://schemas.openxmlformats.org/markup-compatibility/2006">
-    <mc:Choice xmlns:p14="http://schemas.microsoft.com/office/powerpoint/2010/main" Requires="p14">
+  <mc:AlternateContent xmlns:mc="http://schemas.openxmlformats.org/markup-compatibility/2006" xmlns:p14="http://schemas.microsoft.com/office/powerpoint/2010/main">
+    <mc:Choice Requires="p14">
       <p:transition spd="med" p14:dur="700">
         <p:fade/>
       </p:transition>
     </mc:Choice>
-    <mc:Fallback>
+    <mc:Fallback xmlns="">
       <p:transition spd="med">
         <p:fade/>
       </p:transition>
@@ -28057,6 +31226,1917 @@
 
 <file path=ppt/slides/slide7.xml><?xml version="1.0" encoding="utf-8"?>
 <p:sld xmlns:a="http://schemas.openxmlformats.org/drawingml/2006/main" xmlns:r="http://schemas.openxmlformats.org/officeDocument/2006/relationships" xmlns:p="http://schemas.openxmlformats.org/presentationml/2006/main">
+  <p:cSld>
+    <p:spTree>
+      <p:nvGrpSpPr>
+        <p:cNvPr id="1" name=""/>
+        <p:cNvGrpSpPr/>
+        <p:nvPr/>
+      </p:nvGrpSpPr>
+      <p:grpSpPr>
+        <a:xfrm>
+          <a:off x="0" y="0"/>
+          <a:ext cx="0" cy="0"/>
+          <a:chOff x="0" y="0"/>
+          <a:chExt cx="0" cy="0"/>
+        </a:xfrm>
+      </p:grpSpPr>
+      <p:sp>
+        <p:nvSpPr>
+          <p:cNvPr id="2" name="Title 1">
+            <a:extLst>
+              <a:ext uri="{FF2B5EF4-FFF2-40B4-BE49-F238E27FC236}">
+                <a16:creationId xmlns:a16="http://schemas.microsoft.com/office/drawing/2014/main" id="{E74F72DC-D531-442E-8685-94A8398E8FB8}"/>
+              </a:ext>
+            </a:extLst>
+          </p:cNvPr>
+          <p:cNvSpPr>
+            <a:spLocks noGrp="1"/>
+          </p:cNvSpPr>
+          <p:nvPr>
+            <p:ph type="title"/>
+          </p:nvPr>
+        </p:nvSpPr>
+        <p:spPr/>
+        <p:txBody>
+          <a:bodyPr/>
+          <a:lstStyle/>
+          <a:p>
+            <a:r>
+              <a:rPr lang="it-IT" dirty="0"/>
+              <a:t>Data </a:t>
+            </a:r>
+            <a:r>
+              <a:rPr lang="it-IT" dirty="0" err="1"/>
+              <a:t>corelations</a:t>
+            </a:r>
+            <a:endParaRPr lang="it-IT" dirty="0"/>
+          </a:p>
+        </p:txBody>
+      </p:sp>
+      <p:pic>
+        <p:nvPicPr>
+          <p:cNvPr id="8" name="Graphic 7">
+            <a:extLst>
+              <a:ext uri="{FF2B5EF4-FFF2-40B4-BE49-F238E27FC236}">
+                <a16:creationId xmlns:a16="http://schemas.microsoft.com/office/drawing/2014/main" id="{AC8DB189-A269-4E3D-9580-2422BC853EE4}"/>
+              </a:ext>
+            </a:extLst>
+          </p:cNvPr>
+          <p:cNvPicPr>
+            <a:picLocks noChangeAspect="1"/>
+          </p:cNvPicPr>
+          <p:nvPr/>
+        </p:nvPicPr>
+        <p:blipFill>
+          <a:blip r:embed="rId2">
+            <a:extLst>
+              <a:ext uri="{28A0092B-C50C-407E-A947-70E740481C1C}">
+                <a14:useLocalDpi xmlns:a14="http://schemas.microsoft.com/office/drawing/2010/main" val="0"/>
+              </a:ext>
+              <a:ext uri="{96DAC541-7B7A-43D3-8B79-37D633B846F1}">
+                <asvg:svgBlip xmlns:asvg="http://schemas.microsoft.com/office/drawing/2016/SVG/main" r:embed="rId3"/>
+              </a:ext>
+            </a:extLst>
+          </a:blip>
+          <a:stretch>
+            <a:fillRect/>
+          </a:stretch>
+        </p:blipFill>
+        <p:spPr>
+          <a:xfrm>
+            <a:off x="6205931" y="3543938"/>
+            <a:ext cx="395879" cy="395879"/>
+          </a:xfrm>
+          <a:prstGeom prst="rect">
+            <a:avLst/>
+          </a:prstGeom>
+        </p:spPr>
+      </p:pic>
+      <p:grpSp>
+        <p:nvGrpSpPr>
+          <p:cNvPr id="12" name="Group 11">
+            <a:extLst>
+              <a:ext uri="{FF2B5EF4-FFF2-40B4-BE49-F238E27FC236}">
+                <a16:creationId xmlns:a16="http://schemas.microsoft.com/office/drawing/2014/main" id="{984BE9EC-7EFE-4B98-807F-3A747310A08E}"/>
+              </a:ext>
+            </a:extLst>
+          </p:cNvPr>
+          <p:cNvGrpSpPr/>
+          <p:nvPr/>
+        </p:nvGrpSpPr>
+        <p:grpSpPr>
+          <a:xfrm>
+            <a:off x="2936947" y="3076081"/>
+            <a:ext cx="1290638" cy="680410"/>
+            <a:chOff x="9230919" y="1984337"/>
+            <a:chExt cx="1290638" cy="680410"/>
+          </a:xfrm>
+        </p:grpSpPr>
+        <p:pic>
+          <p:nvPicPr>
+            <p:cNvPr id="10" name="Graphic 9">
+              <a:extLst>
+                <a:ext uri="{FF2B5EF4-FFF2-40B4-BE49-F238E27FC236}">
+                  <a16:creationId xmlns:a16="http://schemas.microsoft.com/office/drawing/2014/main" id="{F7B8E5E5-FA52-421A-BE5C-3BDC7D7C978B}"/>
+                </a:ext>
+              </a:extLst>
+            </p:cNvPr>
+            <p:cNvPicPr>
+              <a:picLocks noChangeAspect="1"/>
+            </p:cNvPicPr>
+            <p:nvPr/>
+          </p:nvPicPr>
+          <p:blipFill>
+            <a:blip r:embed="rId4">
+              <a:extLst>
+                <a:ext uri="{28A0092B-C50C-407E-A947-70E740481C1C}">
+                  <a14:useLocalDpi xmlns:a14="http://schemas.microsoft.com/office/drawing/2010/main" val="0"/>
+                </a:ext>
+                <a:ext uri="{96DAC541-7B7A-43D3-8B79-37D633B846F1}">
+                  <asvg:svgBlip xmlns:asvg="http://schemas.microsoft.com/office/drawing/2016/SVG/main" r:embed="rId5"/>
+                </a:ext>
+              </a:extLst>
+            </a:blip>
+            <a:stretch>
+              <a:fillRect/>
+            </a:stretch>
+          </p:blipFill>
+          <p:spPr>
+            <a:xfrm>
+              <a:off x="9678298" y="1984337"/>
+              <a:ext cx="395881" cy="395881"/>
+            </a:xfrm>
+            <a:prstGeom prst="rect">
+              <a:avLst/>
+            </a:prstGeom>
+          </p:spPr>
+        </p:pic>
+        <p:sp>
+          <p:nvSpPr>
+            <p:cNvPr id="11" name="TextBox 10">
+              <a:extLst>
+                <a:ext uri="{FF2B5EF4-FFF2-40B4-BE49-F238E27FC236}">
+                  <a16:creationId xmlns:a16="http://schemas.microsoft.com/office/drawing/2014/main" id="{F8F479CF-CE1B-4F50-8BDB-ADEE1B617AE8}"/>
+                </a:ext>
+              </a:extLst>
+            </p:cNvPr>
+            <p:cNvSpPr txBox="1"/>
+            <p:nvPr/>
+          </p:nvSpPr>
+          <p:spPr>
+            <a:xfrm>
+              <a:off x="9230919" y="2203082"/>
+              <a:ext cx="1290638" cy="461665"/>
+            </a:xfrm>
+            <a:prstGeom prst="rect">
+              <a:avLst/>
+            </a:prstGeom>
+            <a:noFill/>
+          </p:spPr>
+          <p:txBody>
+            <a:bodyPr wrap="square" lIns="182880" tIns="146304" rIns="182880" bIns="146304" rtlCol="0">
+              <a:spAutoFit/>
+            </a:bodyPr>
+            <a:lstStyle/>
+            <a:p>
+              <a:pPr algn="ctr">
+                <a:lnSpc>
+                  <a:spcPct val="90000"/>
+                </a:lnSpc>
+                <a:spcAft>
+                  <a:spcPts val="600"/>
+                </a:spcAft>
+              </a:pPr>
+              <a:r>
+                <a:rPr lang="it-IT" sz="1200" dirty="0">
+                  <a:gradFill>
+                    <a:gsLst>
+                      <a:gs pos="2917">
+                        <a:schemeClr val="tx1"/>
+                      </a:gs>
+                      <a:gs pos="30000">
+                        <a:schemeClr val="tx1"/>
+                      </a:gs>
+                    </a:gsLst>
+                    <a:lin ang="5400000" scaled="0"/>
+                  </a:gradFill>
+                  <a:latin typeface="+mj-lt"/>
+                </a:rPr>
+                <a:t>AAD Group</a:t>
+              </a:r>
+            </a:p>
+          </p:txBody>
+        </p:sp>
+      </p:grpSp>
+      <p:grpSp>
+        <p:nvGrpSpPr>
+          <p:cNvPr id="21" name="Group 20">
+            <a:extLst>
+              <a:ext uri="{FF2B5EF4-FFF2-40B4-BE49-F238E27FC236}">
+                <a16:creationId xmlns:a16="http://schemas.microsoft.com/office/drawing/2014/main" id="{FB0B63D9-877A-4C20-B385-06EAD6FD9993}"/>
+              </a:ext>
+            </a:extLst>
+          </p:cNvPr>
+          <p:cNvGrpSpPr/>
+          <p:nvPr/>
+        </p:nvGrpSpPr>
+        <p:grpSpPr>
+          <a:xfrm>
+            <a:off x="5768258" y="741032"/>
+            <a:ext cx="1290638" cy="758144"/>
+            <a:chOff x="7008019" y="1338830"/>
+            <a:chExt cx="1290638" cy="758144"/>
+          </a:xfrm>
+        </p:grpSpPr>
+        <p:pic>
+          <p:nvPicPr>
+            <p:cNvPr id="4" name="Graphic 3">
+              <a:extLst>
+                <a:ext uri="{FF2B5EF4-FFF2-40B4-BE49-F238E27FC236}">
+                  <a16:creationId xmlns:a16="http://schemas.microsoft.com/office/drawing/2014/main" id="{37784C97-8BA6-403A-BBCF-7E8C7FE5B437}"/>
+                </a:ext>
+              </a:extLst>
+            </p:cNvPr>
+            <p:cNvPicPr>
+              <a:picLocks noChangeAspect="1"/>
+            </p:cNvPicPr>
+            <p:nvPr/>
+          </p:nvPicPr>
+          <p:blipFill>
+            <a:blip r:embed="rId6">
+              <a:extLst>
+                <a:ext uri="{28A0092B-C50C-407E-A947-70E740481C1C}">
+                  <a14:useLocalDpi xmlns:a14="http://schemas.microsoft.com/office/drawing/2010/main" val="0"/>
+                </a:ext>
+                <a:ext uri="{96DAC541-7B7A-43D3-8B79-37D633B846F1}">
+                  <asvg:svgBlip xmlns:asvg="http://schemas.microsoft.com/office/drawing/2016/SVG/main" r:embed="rId7"/>
+                </a:ext>
+              </a:extLst>
+            </a:blip>
+            <a:stretch>
+              <a:fillRect/>
+            </a:stretch>
+          </p:blipFill>
+          <p:spPr>
+            <a:xfrm>
+              <a:off x="7425837" y="1338830"/>
+              <a:ext cx="455002" cy="455002"/>
+            </a:xfrm>
+            <a:prstGeom prst="rect">
+              <a:avLst/>
+            </a:prstGeom>
+          </p:spPr>
+        </p:pic>
+        <p:sp>
+          <p:nvSpPr>
+            <p:cNvPr id="20" name="TextBox 19">
+              <a:extLst>
+                <a:ext uri="{FF2B5EF4-FFF2-40B4-BE49-F238E27FC236}">
+                  <a16:creationId xmlns:a16="http://schemas.microsoft.com/office/drawing/2014/main" id="{5C311FA1-8266-4236-BE2A-9A7147D9116E}"/>
+                </a:ext>
+              </a:extLst>
+            </p:cNvPr>
+            <p:cNvSpPr txBox="1"/>
+            <p:nvPr/>
+          </p:nvSpPr>
+          <p:spPr>
+            <a:xfrm>
+              <a:off x="7008019" y="1635309"/>
+              <a:ext cx="1290638" cy="461665"/>
+            </a:xfrm>
+            <a:prstGeom prst="rect">
+              <a:avLst/>
+            </a:prstGeom>
+            <a:noFill/>
+          </p:spPr>
+          <p:txBody>
+            <a:bodyPr wrap="square" lIns="182880" tIns="146304" rIns="182880" bIns="146304" rtlCol="0">
+              <a:spAutoFit/>
+            </a:bodyPr>
+            <a:lstStyle/>
+            <a:p>
+              <a:pPr algn="ctr">
+                <a:lnSpc>
+                  <a:spcPct val="90000"/>
+                </a:lnSpc>
+                <a:spcAft>
+                  <a:spcPts val="600"/>
+                </a:spcAft>
+              </a:pPr>
+              <a:r>
+                <a:rPr lang="it-IT" sz="1200" dirty="0" err="1">
+                  <a:gradFill>
+                    <a:gsLst>
+                      <a:gs pos="2917">
+                        <a:schemeClr val="tx1"/>
+                      </a:gs>
+                      <a:gs pos="30000">
+                        <a:schemeClr val="tx1"/>
+                      </a:gs>
+                    </a:gsLst>
+                    <a:lin ang="5400000" scaled="0"/>
+                  </a:gradFill>
+                  <a:latin typeface="+mj-lt"/>
+                </a:rPr>
+                <a:t>subscription</a:t>
+              </a:r>
+              <a:endParaRPr lang="it-IT" sz="1200" dirty="0">
+                <a:gradFill>
+                  <a:gsLst>
+                    <a:gs pos="2917">
+                      <a:schemeClr val="tx1"/>
+                    </a:gs>
+                    <a:gs pos="30000">
+                      <a:schemeClr val="tx1"/>
+                    </a:gs>
+                  </a:gsLst>
+                  <a:lin ang="5400000" scaled="0"/>
+                </a:gradFill>
+                <a:latin typeface="+mj-lt"/>
+              </a:endParaRPr>
+            </a:p>
+          </p:txBody>
+        </p:sp>
+      </p:grpSp>
+      <p:grpSp>
+        <p:nvGrpSpPr>
+          <p:cNvPr id="33" name="Group 32">
+            <a:extLst>
+              <a:ext uri="{FF2B5EF4-FFF2-40B4-BE49-F238E27FC236}">
+                <a16:creationId xmlns:a16="http://schemas.microsoft.com/office/drawing/2014/main" id="{D861B6A2-C992-4D1B-83A5-35ED7C3EB5D8}"/>
+              </a:ext>
+            </a:extLst>
+          </p:cNvPr>
+          <p:cNvGrpSpPr/>
+          <p:nvPr/>
+        </p:nvGrpSpPr>
+        <p:grpSpPr>
+          <a:xfrm>
+            <a:off x="5753697" y="5070960"/>
+            <a:ext cx="1290638" cy="826206"/>
+            <a:chOff x="7719281" y="5920644"/>
+            <a:chExt cx="1290638" cy="826206"/>
+          </a:xfrm>
+        </p:grpSpPr>
+        <p:pic>
+          <p:nvPicPr>
+            <p:cNvPr id="16" name="Graphic 15">
+              <a:extLst>
+                <a:ext uri="{FF2B5EF4-FFF2-40B4-BE49-F238E27FC236}">
+                  <a16:creationId xmlns:a16="http://schemas.microsoft.com/office/drawing/2014/main" id="{CCE285EB-D9C7-4F99-8F09-91C6BED9577A}"/>
+                </a:ext>
+              </a:extLst>
+            </p:cNvPr>
+            <p:cNvPicPr>
+              <a:picLocks noChangeAspect="1"/>
+            </p:cNvPicPr>
+            <p:nvPr/>
+          </p:nvPicPr>
+          <p:blipFill>
+            <a:blip r:embed="rId8">
+              <a:extLst>
+                <a:ext uri="{28A0092B-C50C-407E-A947-70E740481C1C}">
+                  <a14:useLocalDpi xmlns:a14="http://schemas.microsoft.com/office/drawing/2010/main" val="0"/>
+                </a:ext>
+                <a:ext uri="{96DAC541-7B7A-43D3-8B79-37D633B846F1}">
+                  <asvg:svgBlip xmlns:asvg="http://schemas.microsoft.com/office/drawing/2016/SVG/main" r:embed="rId9"/>
+                </a:ext>
+              </a:extLst>
+            </a:blip>
+            <a:stretch>
+              <a:fillRect/>
+            </a:stretch>
+          </p:blipFill>
+          <p:spPr>
+            <a:xfrm>
+              <a:off x="8176367" y="5920644"/>
+              <a:ext cx="395879" cy="395879"/>
+            </a:xfrm>
+            <a:prstGeom prst="rect">
+              <a:avLst/>
+            </a:prstGeom>
+          </p:spPr>
+        </p:pic>
+        <p:sp>
+          <p:nvSpPr>
+            <p:cNvPr id="23" name="TextBox 22">
+              <a:extLst>
+                <a:ext uri="{FF2B5EF4-FFF2-40B4-BE49-F238E27FC236}">
+                  <a16:creationId xmlns:a16="http://schemas.microsoft.com/office/drawing/2014/main" id="{9AF44DC8-42B8-4F40-A9C2-0512965568F2}"/>
+                </a:ext>
+              </a:extLst>
+            </p:cNvPr>
+            <p:cNvSpPr txBox="1"/>
+            <p:nvPr/>
+          </p:nvSpPr>
+          <p:spPr>
+            <a:xfrm>
+              <a:off x="7719281" y="6118986"/>
+              <a:ext cx="1290638" cy="627864"/>
+            </a:xfrm>
+            <a:prstGeom prst="rect">
+              <a:avLst/>
+            </a:prstGeom>
+            <a:noFill/>
+          </p:spPr>
+          <p:txBody>
+            <a:bodyPr wrap="square" lIns="182880" tIns="146304" rIns="182880" bIns="146304" rtlCol="0">
+              <a:spAutoFit/>
+            </a:bodyPr>
+            <a:lstStyle/>
+            <a:p>
+              <a:pPr algn="ctr">
+                <a:lnSpc>
+                  <a:spcPct val="90000"/>
+                </a:lnSpc>
+                <a:spcAft>
+                  <a:spcPts val="600"/>
+                </a:spcAft>
+              </a:pPr>
+              <a:r>
+                <a:rPr lang="it-IT" sz="1200" dirty="0">
+                  <a:gradFill>
+                    <a:gsLst>
+                      <a:gs pos="2917">
+                        <a:schemeClr val="tx1"/>
+                      </a:gs>
+                      <a:gs pos="30000">
+                        <a:schemeClr val="tx1"/>
+                      </a:gs>
+                    </a:gsLst>
+                    <a:lin ang="5400000" scaled="0"/>
+                  </a:gradFill>
+                  <a:latin typeface="+mj-lt"/>
+                </a:rPr>
+                <a:t>enterprise </a:t>
+              </a:r>
+              <a:r>
+                <a:rPr lang="it-IT" sz="1200" dirty="0" err="1">
+                  <a:gradFill>
+                    <a:gsLst>
+                      <a:gs pos="2917">
+                        <a:schemeClr val="tx1"/>
+                      </a:gs>
+                      <a:gs pos="30000">
+                        <a:schemeClr val="tx1"/>
+                      </a:gs>
+                    </a:gsLst>
+                    <a:lin ang="5400000" scaled="0"/>
+                  </a:gradFill>
+                  <a:latin typeface="+mj-lt"/>
+                </a:rPr>
+                <a:t>application</a:t>
+              </a:r>
+              <a:endParaRPr lang="it-IT" sz="1200" dirty="0">
+                <a:gradFill>
+                  <a:gsLst>
+                    <a:gs pos="2917">
+                      <a:schemeClr val="tx1"/>
+                    </a:gs>
+                    <a:gs pos="30000">
+                      <a:schemeClr val="tx1"/>
+                    </a:gs>
+                  </a:gsLst>
+                  <a:lin ang="5400000" scaled="0"/>
+                </a:gradFill>
+                <a:latin typeface="+mj-lt"/>
+              </a:endParaRPr>
+            </a:p>
+          </p:txBody>
+        </p:sp>
+      </p:grpSp>
+      <p:sp>
+        <p:nvSpPr>
+          <p:cNvPr id="25" name="TextBox 24">
+            <a:extLst>
+              <a:ext uri="{FF2B5EF4-FFF2-40B4-BE49-F238E27FC236}">
+                <a16:creationId xmlns:a16="http://schemas.microsoft.com/office/drawing/2014/main" id="{3209AAF0-20F2-45A2-9C63-0C1400BA52B1}"/>
+              </a:ext>
+            </a:extLst>
+          </p:cNvPr>
+          <p:cNvSpPr txBox="1"/>
+          <p:nvPr/>
+        </p:nvSpPr>
+        <p:spPr>
+          <a:xfrm>
+            <a:off x="5768258" y="3771877"/>
+            <a:ext cx="1290638" cy="461665"/>
+          </a:xfrm>
+          <a:prstGeom prst="rect">
+            <a:avLst/>
+          </a:prstGeom>
+          <a:noFill/>
+        </p:spPr>
+        <p:txBody>
+          <a:bodyPr wrap="square" lIns="182880" tIns="146304" rIns="182880" bIns="146304" rtlCol="0">
+            <a:spAutoFit/>
+          </a:bodyPr>
+          <a:lstStyle/>
+          <a:p>
+            <a:pPr algn="ctr">
+              <a:lnSpc>
+                <a:spcPct val="90000"/>
+              </a:lnSpc>
+              <a:spcAft>
+                <a:spcPts val="600"/>
+              </a:spcAft>
+            </a:pPr>
+            <a:r>
+              <a:rPr lang="it-IT" sz="1200" dirty="0" err="1">
+                <a:gradFill>
+                  <a:gsLst>
+                    <a:gs pos="2917">
+                      <a:schemeClr val="tx1"/>
+                    </a:gs>
+                    <a:gs pos="30000">
+                      <a:schemeClr val="tx1"/>
+                    </a:gs>
+                  </a:gsLst>
+                  <a:lin ang="5400000" scaled="0"/>
+                </a:gradFill>
+                <a:latin typeface="+mj-lt"/>
+              </a:rPr>
+              <a:t>resource</a:t>
+            </a:r>
+            <a:endParaRPr lang="it-IT" sz="1200" dirty="0">
+              <a:gradFill>
+                <a:gsLst>
+                  <a:gs pos="2917">
+                    <a:schemeClr val="tx1"/>
+                  </a:gs>
+                  <a:gs pos="30000">
+                    <a:schemeClr val="tx1"/>
+                  </a:gs>
+                </a:gsLst>
+                <a:lin ang="5400000" scaled="0"/>
+              </a:gradFill>
+              <a:latin typeface="+mj-lt"/>
+            </a:endParaRPr>
+          </a:p>
+        </p:txBody>
+      </p:sp>
+      <p:grpSp>
+        <p:nvGrpSpPr>
+          <p:cNvPr id="34" name="Group 33">
+            <a:extLst>
+              <a:ext uri="{FF2B5EF4-FFF2-40B4-BE49-F238E27FC236}">
+                <a16:creationId xmlns:a16="http://schemas.microsoft.com/office/drawing/2014/main" id="{20D9578E-0386-484B-845E-24F1B2760376}"/>
+              </a:ext>
+            </a:extLst>
+          </p:cNvPr>
+          <p:cNvGrpSpPr/>
+          <p:nvPr/>
+        </p:nvGrpSpPr>
+        <p:grpSpPr>
+          <a:xfrm>
+            <a:off x="2936947" y="1259792"/>
+            <a:ext cx="1290638" cy="723573"/>
+            <a:chOff x="2215653" y="1133501"/>
+            <a:chExt cx="1290638" cy="723573"/>
+          </a:xfrm>
+        </p:grpSpPr>
+        <p:pic>
+          <p:nvPicPr>
+            <p:cNvPr id="14" name="Graphic 13">
+              <a:extLst>
+                <a:ext uri="{FF2B5EF4-FFF2-40B4-BE49-F238E27FC236}">
+                  <a16:creationId xmlns:a16="http://schemas.microsoft.com/office/drawing/2014/main" id="{48E135DA-10FE-4785-A0C7-DEF96BD8BF90}"/>
+                </a:ext>
+              </a:extLst>
+            </p:cNvPr>
+            <p:cNvPicPr>
+              <a:picLocks noChangeAspect="1"/>
+            </p:cNvPicPr>
+            <p:nvPr/>
+          </p:nvPicPr>
+          <p:blipFill>
+            <a:blip r:embed="rId10">
+              <a:extLst>
+                <a:ext uri="{28A0092B-C50C-407E-A947-70E740481C1C}">
+                  <a14:useLocalDpi xmlns:a14="http://schemas.microsoft.com/office/drawing/2010/main" val="0"/>
+                </a:ext>
+                <a:ext uri="{96DAC541-7B7A-43D3-8B79-37D633B846F1}">
+                  <asvg:svgBlip xmlns:asvg="http://schemas.microsoft.com/office/drawing/2016/SVG/main" r:embed="rId11"/>
+                </a:ext>
+              </a:extLst>
+            </a:blip>
+            <a:stretch>
+              <a:fillRect/>
+            </a:stretch>
+          </p:blipFill>
+          <p:spPr>
+            <a:xfrm>
+              <a:off x="2663032" y="1133501"/>
+              <a:ext cx="395880" cy="395880"/>
+            </a:xfrm>
+            <a:prstGeom prst="rect">
+              <a:avLst/>
+            </a:prstGeom>
+          </p:spPr>
+        </p:pic>
+        <p:sp>
+          <p:nvSpPr>
+            <p:cNvPr id="29" name="TextBox 28">
+              <a:extLst>
+                <a:ext uri="{FF2B5EF4-FFF2-40B4-BE49-F238E27FC236}">
+                  <a16:creationId xmlns:a16="http://schemas.microsoft.com/office/drawing/2014/main" id="{B367E427-C073-4916-A7E0-777570DBF5CD}"/>
+                </a:ext>
+              </a:extLst>
+            </p:cNvPr>
+            <p:cNvSpPr txBox="1"/>
+            <p:nvPr/>
+          </p:nvSpPr>
+          <p:spPr>
+            <a:xfrm>
+              <a:off x="2215653" y="1395409"/>
+              <a:ext cx="1290638" cy="461665"/>
+            </a:xfrm>
+            <a:prstGeom prst="rect">
+              <a:avLst/>
+            </a:prstGeom>
+            <a:noFill/>
+          </p:spPr>
+          <p:txBody>
+            <a:bodyPr wrap="square" lIns="182880" tIns="146304" rIns="182880" bIns="146304" rtlCol="0">
+              <a:spAutoFit/>
+            </a:bodyPr>
+            <a:lstStyle/>
+            <a:p>
+              <a:pPr algn="ctr">
+                <a:lnSpc>
+                  <a:spcPct val="90000"/>
+                </a:lnSpc>
+                <a:spcAft>
+                  <a:spcPts val="600"/>
+                </a:spcAft>
+              </a:pPr>
+              <a:r>
+                <a:rPr lang="it-IT" sz="1200" dirty="0">
+                  <a:gradFill>
+                    <a:gsLst>
+                      <a:gs pos="2917">
+                        <a:schemeClr val="tx1"/>
+                      </a:gs>
+                      <a:gs pos="30000">
+                        <a:schemeClr val="tx1"/>
+                      </a:gs>
+                    </a:gsLst>
+                    <a:lin ang="5400000" scaled="0"/>
+                  </a:gradFill>
+                  <a:latin typeface="+mj-lt"/>
+                </a:rPr>
+                <a:t>AAD User</a:t>
+              </a:r>
+            </a:p>
+          </p:txBody>
+        </p:sp>
+      </p:grpSp>
+      <p:grpSp>
+        <p:nvGrpSpPr>
+          <p:cNvPr id="32" name="Group 31">
+            <a:extLst>
+              <a:ext uri="{FF2B5EF4-FFF2-40B4-BE49-F238E27FC236}">
+                <a16:creationId xmlns:a16="http://schemas.microsoft.com/office/drawing/2014/main" id="{BEF0391F-434F-447C-BA34-BD66D69DC68F}"/>
+              </a:ext>
+            </a:extLst>
+          </p:cNvPr>
+          <p:cNvGrpSpPr/>
+          <p:nvPr/>
+        </p:nvGrpSpPr>
+        <p:grpSpPr>
+          <a:xfrm>
+            <a:off x="5769357" y="2108656"/>
+            <a:ext cx="1290638" cy="825803"/>
+            <a:chOff x="7730087" y="2720244"/>
+            <a:chExt cx="1290638" cy="825803"/>
+          </a:xfrm>
+        </p:grpSpPr>
+        <p:pic>
+          <p:nvPicPr>
+            <p:cNvPr id="6" name="Graphic 5">
+              <a:extLst>
+                <a:ext uri="{FF2B5EF4-FFF2-40B4-BE49-F238E27FC236}">
+                  <a16:creationId xmlns:a16="http://schemas.microsoft.com/office/drawing/2014/main" id="{988949EC-3994-4C92-8283-A6AEEC466AAA}"/>
+                </a:ext>
+              </a:extLst>
+            </p:cNvPr>
+            <p:cNvPicPr>
+              <a:picLocks noChangeAspect="1"/>
+            </p:cNvPicPr>
+            <p:nvPr/>
+          </p:nvPicPr>
+          <p:blipFill>
+            <a:blip r:embed="rId12">
+              <a:extLst>
+                <a:ext uri="{28A0092B-C50C-407E-A947-70E740481C1C}">
+                  <a14:useLocalDpi xmlns:a14="http://schemas.microsoft.com/office/drawing/2010/main" val="0"/>
+                </a:ext>
+                <a:ext uri="{96DAC541-7B7A-43D3-8B79-37D633B846F1}">
+                  <asvg:svgBlip xmlns:asvg="http://schemas.microsoft.com/office/drawing/2016/SVG/main" r:embed="rId13"/>
+                </a:ext>
+              </a:extLst>
+            </a:blip>
+            <a:stretch>
+              <a:fillRect/>
+            </a:stretch>
+          </p:blipFill>
+          <p:spPr>
+            <a:xfrm>
+              <a:off x="8166662" y="2720244"/>
+              <a:ext cx="395879" cy="395879"/>
+            </a:xfrm>
+            <a:prstGeom prst="rect">
+              <a:avLst/>
+            </a:prstGeom>
+          </p:spPr>
+        </p:pic>
+        <p:sp>
+          <p:nvSpPr>
+            <p:cNvPr id="31" name="TextBox 30">
+              <a:extLst>
+                <a:ext uri="{FF2B5EF4-FFF2-40B4-BE49-F238E27FC236}">
+                  <a16:creationId xmlns:a16="http://schemas.microsoft.com/office/drawing/2014/main" id="{92214FEA-9F8A-45CB-AEC9-A89359165058}"/>
+                </a:ext>
+              </a:extLst>
+            </p:cNvPr>
+            <p:cNvSpPr txBox="1"/>
+            <p:nvPr/>
+          </p:nvSpPr>
+          <p:spPr>
+            <a:xfrm>
+              <a:off x="7730087" y="2918183"/>
+              <a:ext cx="1290638" cy="627864"/>
+            </a:xfrm>
+            <a:prstGeom prst="rect">
+              <a:avLst/>
+            </a:prstGeom>
+            <a:noFill/>
+          </p:spPr>
+          <p:txBody>
+            <a:bodyPr wrap="square" lIns="182880" tIns="146304" rIns="182880" bIns="146304" rtlCol="0">
+              <a:spAutoFit/>
+            </a:bodyPr>
+            <a:lstStyle/>
+            <a:p>
+              <a:pPr algn="ctr">
+                <a:lnSpc>
+                  <a:spcPct val="90000"/>
+                </a:lnSpc>
+                <a:spcAft>
+                  <a:spcPts val="600"/>
+                </a:spcAft>
+              </a:pPr>
+              <a:r>
+                <a:rPr lang="it-IT" sz="1200" dirty="0" err="1">
+                  <a:gradFill>
+                    <a:gsLst>
+                      <a:gs pos="2917">
+                        <a:schemeClr val="tx1"/>
+                      </a:gs>
+                      <a:gs pos="30000">
+                        <a:schemeClr val="tx1"/>
+                      </a:gs>
+                    </a:gsLst>
+                    <a:lin ang="5400000" scaled="0"/>
+                  </a:gradFill>
+                  <a:latin typeface="+mj-lt"/>
+                </a:rPr>
+                <a:t>resource</a:t>
+              </a:r>
+              <a:r>
+                <a:rPr lang="it-IT" sz="1200" dirty="0">
+                  <a:gradFill>
+                    <a:gsLst>
+                      <a:gs pos="2917">
+                        <a:schemeClr val="tx1"/>
+                      </a:gs>
+                      <a:gs pos="30000">
+                        <a:schemeClr val="tx1"/>
+                      </a:gs>
+                    </a:gsLst>
+                    <a:lin ang="5400000" scaled="0"/>
+                  </a:gradFill>
+                  <a:latin typeface="+mj-lt"/>
+                </a:rPr>
+                <a:t> group</a:t>
+              </a:r>
+            </a:p>
+          </p:txBody>
+        </p:sp>
+      </p:grpSp>
+      <p:cxnSp>
+        <p:nvCxnSpPr>
+          <p:cNvPr id="35" name="Straight Arrow Connector 34">
+            <a:extLst>
+              <a:ext uri="{FF2B5EF4-FFF2-40B4-BE49-F238E27FC236}">
+                <a16:creationId xmlns:a16="http://schemas.microsoft.com/office/drawing/2014/main" id="{C409D49D-E729-45D4-841B-3E51ED1E0210}"/>
+              </a:ext>
+            </a:extLst>
+          </p:cNvPr>
+          <p:cNvCxnSpPr>
+            <a:cxnSpLocks/>
+            <a:stCxn id="29" idx="2"/>
+          </p:cNvCxnSpPr>
+          <p:nvPr/>
+        </p:nvCxnSpPr>
+        <p:spPr>
+          <a:xfrm>
+            <a:off x="3582266" y="1983365"/>
+            <a:ext cx="0" cy="1004149"/>
+          </a:xfrm>
+          <a:prstGeom prst="straightConnector1">
+            <a:avLst/>
+          </a:prstGeom>
+          <a:ln>
+            <a:headEnd type="none"/>
+            <a:tailEnd type="triangle"/>
+          </a:ln>
+        </p:spPr>
+        <p:style>
+          <a:lnRef idx="1">
+            <a:schemeClr val="accent3"/>
+          </a:lnRef>
+          <a:fillRef idx="0">
+            <a:schemeClr val="accent3"/>
+          </a:fillRef>
+          <a:effectRef idx="0">
+            <a:schemeClr val="accent3"/>
+          </a:effectRef>
+          <a:fontRef idx="minor">
+            <a:schemeClr val="tx1"/>
+          </a:fontRef>
+        </p:style>
+      </p:cxnSp>
+      <p:grpSp>
+        <p:nvGrpSpPr>
+          <p:cNvPr id="65" name="Group 64">
+            <a:extLst>
+              <a:ext uri="{FF2B5EF4-FFF2-40B4-BE49-F238E27FC236}">
+                <a16:creationId xmlns:a16="http://schemas.microsoft.com/office/drawing/2014/main" id="{02BA1190-8F4D-44B2-AF9E-707A6C305C05}"/>
+              </a:ext>
+            </a:extLst>
+          </p:cNvPr>
+          <p:cNvGrpSpPr/>
+          <p:nvPr/>
+        </p:nvGrpSpPr>
+        <p:grpSpPr>
+          <a:xfrm>
+            <a:off x="8203616" y="3093889"/>
+            <a:ext cx="1290638" cy="757374"/>
+            <a:chOff x="8573262" y="2371848"/>
+            <a:chExt cx="1290638" cy="757374"/>
+          </a:xfrm>
+        </p:grpSpPr>
+        <p:pic>
+          <p:nvPicPr>
+            <p:cNvPr id="18" name="Graphic 17">
+              <a:extLst>
+                <a:ext uri="{FF2B5EF4-FFF2-40B4-BE49-F238E27FC236}">
+                  <a16:creationId xmlns:a16="http://schemas.microsoft.com/office/drawing/2014/main" id="{9763AA50-9CB8-4B72-92EE-677DD6FA4CE1}"/>
+                </a:ext>
+              </a:extLst>
+            </p:cNvPr>
+            <p:cNvPicPr>
+              <a:picLocks noChangeAspect="1"/>
+            </p:cNvPicPr>
+            <p:nvPr/>
+          </p:nvPicPr>
+          <p:blipFill>
+            <a:blip r:embed="rId14">
+              <a:extLst>
+                <a:ext uri="{28A0092B-C50C-407E-A947-70E740481C1C}">
+                  <a14:useLocalDpi xmlns:a14="http://schemas.microsoft.com/office/drawing/2010/main" val="0"/>
+                </a:ext>
+                <a:ext uri="{96DAC541-7B7A-43D3-8B79-37D633B846F1}">
+                  <asvg:svgBlip xmlns:asvg="http://schemas.microsoft.com/office/drawing/2016/SVG/main" r:embed="rId15"/>
+                </a:ext>
+              </a:extLst>
+            </a:blip>
+            <a:stretch>
+              <a:fillRect/>
+            </a:stretch>
+          </p:blipFill>
+          <p:spPr>
+            <a:xfrm>
+              <a:off x="9020642" y="2371848"/>
+              <a:ext cx="395879" cy="395879"/>
+            </a:xfrm>
+            <a:prstGeom prst="rect">
+              <a:avLst/>
+            </a:prstGeom>
+          </p:spPr>
+        </p:pic>
+        <p:sp>
+          <p:nvSpPr>
+            <p:cNvPr id="39" name="TextBox 38">
+              <a:extLst>
+                <a:ext uri="{FF2B5EF4-FFF2-40B4-BE49-F238E27FC236}">
+                  <a16:creationId xmlns:a16="http://schemas.microsoft.com/office/drawing/2014/main" id="{FA70CAF4-43F7-456A-8EB8-93063D39C88A}"/>
+                </a:ext>
+              </a:extLst>
+            </p:cNvPr>
+            <p:cNvSpPr txBox="1"/>
+            <p:nvPr/>
+          </p:nvSpPr>
+          <p:spPr>
+            <a:xfrm>
+              <a:off x="8573262" y="2667557"/>
+              <a:ext cx="1290638" cy="461665"/>
+            </a:xfrm>
+            <a:prstGeom prst="rect">
+              <a:avLst/>
+            </a:prstGeom>
+            <a:noFill/>
+          </p:spPr>
+          <p:txBody>
+            <a:bodyPr wrap="square" lIns="182880" tIns="146304" rIns="182880" bIns="146304" rtlCol="0">
+              <a:spAutoFit/>
+            </a:bodyPr>
+            <a:lstStyle/>
+            <a:p>
+              <a:pPr algn="ctr">
+                <a:lnSpc>
+                  <a:spcPct val="90000"/>
+                </a:lnSpc>
+                <a:spcAft>
+                  <a:spcPts val="600"/>
+                </a:spcAft>
+              </a:pPr>
+              <a:r>
+                <a:rPr lang="it-IT" sz="1200" dirty="0">
+                  <a:gradFill>
+                    <a:gsLst>
+                      <a:gs pos="2917">
+                        <a:schemeClr val="tx1"/>
+                      </a:gs>
+                      <a:gs pos="30000">
+                        <a:schemeClr val="tx1"/>
+                      </a:gs>
+                    </a:gsLst>
+                    <a:lin ang="5400000" scaled="0"/>
+                  </a:gradFill>
+                  <a:latin typeface="+mj-lt"/>
+                </a:rPr>
+                <a:t>Tags</a:t>
+              </a:r>
+            </a:p>
+          </p:txBody>
+        </p:sp>
+      </p:grpSp>
+      <p:sp>
+        <p:nvSpPr>
+          <p:cNvPr id="43" name="TextBox 42">
+            <a:extLst>
+              <a:ext uri="{FF2B5EF4-FFF2-40B4-BE49-F238E27FC236}">
+                <a16:creationId xmlns:a16="http://schemas.microsoft.com/office/drawing/2014/main" id="{5A157ACD-4CBF-48E5-A7E3-66EA67BDEA6B}"/>
+              </a:ext>
+            </a:extLst>
+          </p:cNvPr>
+          <p:cNvSpPr txBox="1"/>
+          <p:nvPr/>
+        </p:nvSpPr>
+        <p:spPr>
+          <a:xfrm>
+            <a:off x="3239366" y="2147408"/>
+            <a:ext cx="1290638" cy="461665"/>
+          </a:xfrm>
+          <a:prstGeom prst="rect">
+            <a:avLst/>
+          </a:prstGeom>
+          <a:noFill/>
+        </p:spPr>
+        <p:txBody>
+          <a:bodyPr wrap="square" lIns="182880" tIns="146304" rIns="182880" bIns="146304" rtlCol="0">
+            <a:spAutoFit/>
+          </a:bodyPr>
+          <a:lstStyle/>
+          <a:p>
+            <a:pPr algn="ctr">
+              <a:lnSpc>
+                <a:spcPct val="90000"/>
+              </a:lnSpc>
+              <a:spcAft>
+                <a:spcPts val="600"/>
+              </a:spcAft>
+            </a:pPr>
+            <a:r>
+              <a:rPr lang="it-IT" sz="1200" dirty="0">
+                <a:gradFill>
+                  <a:gsLst>
+                    <a:gs pos="2917">
+                      <a:schemeClr val="tx1"/>
+                    </a:gs>
+                    <a:gs pos="30000">
+                      <a:schemeClr val="tx1"/>
+                    </a:gs>
+                  </a:gsLst>
+                  <a:lin ang="5400000" scaled="0"/>
+                </a:gradFill>
+                <a:latin typeface="+mj-lt"/>
+              </a:rPr>
+              <a:t>in group</a:t>
+            </a:r>
+          </a:p>
+        </p:txBody>
+      </p:sp>
+      <p:cxnSp>
+        <p:nvCxnSpPr>
+          <p:cNvPr id="44" name="Straight Arrow Connector 43">
+            <a:extLst>
+              <a:ext uri="{FF2B5EF4-FFF2-40B4-BE49-F238E27FC236}">
+                <a16:creationId xmlns:a16="http://schemas.microsoft.com/office/drawing/2014/main" id="{F71F42E6-287B-48C8-8C0C-718C3EE17038}"/>
+              </a:ext>
+            </a:extLst>
+          </p:cNvPr>
+          <p:cNvCxnSpPr>
+            <a:cxnSpLocks/>
+            <a:endCxn id="20" idx="2"/>
+          </p:cNvCxnSpPr>
+          <p:nvPr/>
+        </p:nvCxnSpPr>
+        <p:spPr>
+          <a:xfrm flipV="1">
+            <a:off x="6403870" y="1499176"/>
+            <a:ext cx="9707" cy="504277"/>
+          </a:xfrm>
+          <a:prstGeom prst="straightConnector1">
+            <a:avLst/>
+          </a:prstGeom>
+          <a:ln>
+            <a:headEnd type="none"/>
+            <a:tailEnd type="triangle"/>
+          </a:ln>
+        </p:spPr>
+        <p:style>
+          <a:lnRef idx="1">
+            <a:schemeClr val="accent3"/>
+          </a:lnRef>
+          <a:fillRef idx="0">
+            <a:schemeClr val="accent3"/>
+          </a:fillRef>
+          <a:effectRef idx="0">
+            <a:schemeClr val="accent3"/>
+          </a:effectRef>
+          <a:fontRef idx="minor">
+            <a:schemeClr val="tx1"/>
+          </a:fontRef>
+        </p:style>
+      </p:cxnSp>
+      <p:cxnSp>
+        <p:nvCxnSpPr>
+          <p:cNvPr id="50" name="Straight Arrow Connector 49">
+            <a:extLst>
+              <a:ext uri="{FF2B5EF4-FFF2-40B4-BE49-F238E27FC236}">
+                <a16:creationId xmlns:a16="http://schemas.microsoft.com/office/drawing/2014/main" id="{5B62FED6-0171-4B03-AB0B-FC478629A1D7}"/>
+              </a:ext>
+            </a:extLst>
+          </p:cNvPr>
+          <p:cNvCxnSpPr>
+            <a:cxnSpLocks/>
+          </p:cNvCxnSpPr>
+          <p:nvPr/>
+        </p:nvCxnSpPr>
+        <p:spPr>
+          <a:xfrm flipV="1">
+            <a:off x="6399016" y="2882811"/>
+            <a:ext cx="9707" cy="504277"/>
+          </a:xfrm>
+          <a:prstGeom prst="straightConnector1">
+            <a:avLst/>
+          </a:prstGeom>
+          <a:ln>
+            <a:headEnd type="none"/>
+            <a:tailEnd type="triangle"/>
+          </a:ln>
+        </p:spPr>
+        <p:style>
+          <a:lnRef idx="1">
+            <a:schemeClr val="accent3"/>
+          </a:lnRef>
+          <a:fillRef idx="0">
+            <a:schemeClr val="accent3"/>
+          </a:fillRef>
+          <a:effectRef idx="0">
+            <a:schemeClr val="accent3"/>
+          </a:effectRef>
+          <a:fontRef idx="minor">
+            <a:schemeClr val="tx1"/>
+          </a:fontRef>
+        </p:style>
+      </p:cxnSp>
+      <p:sp>
+        <p:nvSpPr>
+          <p:cNvPr id="54" name="TextBox 53">
+            <a:extLst>
+              <a:ext uri="{FF2B5EF4-FFF2-40B4-BE49-F238E27FC236}">
+                <a16:creationId xmlns:a16="http://schemas.microsoft.com/office/drawing/2014/main" id="{71F2807D-AEC9-46E9-A132-B5CA686CF02C}"/>
+              </a:ext>
+            </a:extLst>
+          </p:cNvPr>
+          <p:cNvSpPr txBox="1"/>
+          <p:nvPr/>
+        </p:nvSpPr>
+        <p:spPr>
+          <a:xfrm>
+            <a:off x="6234566" y="1550139"/>
+            <a:ext cx="1450199" cy="461665"/>
+          </a:xfrm>
+          <a:prstGeom prst="rect">
+            <a:avLst/>
+          </a:prstGeom>
+          <a:noFill/>
+        </p:spPr>
+        <p:txBody>
+          <a:bodyPr wrap="square" lIns="182880" tIns="146304" rIns="182880" bIns="146304" rtlCol="0">
+            <a:spAutoFit/>
+          </a:bodyPr>
+          <a:lstStyle/>
+          <a:p>
+            <a:pPr algn="ctr">
+              <a:lnSpc>
+                <a:spcPct val="90000"/>
+              </a:lnSpc>
+              <a:spcAft>
+                <a:spcPts val="600"/>
+              </a:spcAft>
+            </a:pPr>
+            <a:r>
+              <a:rPr lang="it-IT" sz="1200" dirty="0">
+                <a:gradFill>
+                  <a:gsLst>
+                    <a:gs pos="2917">
+                      <a:schemeClr val="tx1"/>
+                    </a:gs>
+                    <a:gs pos="30000">
+                      <a:schemeClr val="tx1"/>
+                    </a:gs>
+                  </a:gsLst>
+                  <a:lin ang="5400000" scaled="0"/>
+                </a:gradFill>
+                <a:latin typeface="+mj-lt"/>
+              </a:rPr>
+              <a:t>in </a:t>
+            </a:r>
+            <a:r>
+              <a:rPr lang="it-IT" sz="1200" dirty="0" err="1">
+                <a:gradFill>
+                  <a:gsLst>
+                    <a:gs pos="2917">
+                      <a:schemeClr val="tx1"/>
+                    </a:gs>
+                    <a:gs pos="30000">
+                      <a:schemeClr val="tx1"/>
+                    </a:gs>
+                  </a:gsLst>
+                  <a:lin ang="5400000" scaled="0"/>
+                </a:gradFill>
+                <a:latin typeface="+mj-lt"/>
+              </a:rPr>
+              <a:t>subscription</a:t>
+            </a:r>
+            <a:endParaRPr lang="it-IT" sz="1200" dirty="0">
+              <a:gradFill>
+                <a:gsLst>
+                  <a:gs pos="2917">
+                    <a:schemeClr val="tx1"/>
+                  </a:gs>
+                  <a:gs pos="30000">
+                    <a:schemeClr val="tx1"/>
+                  </a:gs>
+                </a:gsLst>
+                <a:lin ang="5400000" scaled="0"/>
+              </a:gradFill>
+              <a:latin typeface="+mj-lt"/>
+            </a:endParaRPr>
+          </a:p>
+        </p:txBody>
+      </p:sp>
+      <p:sp>
+        <p:nvSpPr>
+          <p:cNvPr id="62" name="TextBox 61">
+            <a:extLst>
+              <a:ext uri="{FF2B5EF4-FFF2-40B4-BE49-F238E27FC236}">
+                <a16:creationId xmlns:a16="http://schemas.microsoft.com/office/drawing/2014/main" id="{814BCB16-BE04-460C-A072-A7529A8385CD}"/>
+              </a:ext>
+            </a:extLst>
+          </p:cNvPr>
+          <p:cNvSpPr txBox="1"/>
+          <p:nvPr/>
+        </p:nvSpPr>
+        <p:spPr>
+          <a:xfrm>
+            <a:off x="6267998" y="2965262"/>
+            <a:ext cx="1581796" cy="461665"/>
+          </a:xfrm>
+          <a:prstGeom prst="rect">
+            <a:avLst/>
+          </a:prstGeom>
+          <a:noFill/>
+        </p:spPr>
+        <p:txBody>
+          <a:bodyPr wrap="square" lIns="182880" tIns="146304" rIns="182880" bIns="146304" rtlCol="0">
+            <a:spAutoFit/>
+          </a:bodyPr>
+          <a:lstStyle/>
+          <a:p>
+            <a:pPr algn="ctr">
+              <a:lnSpc>
+                <a:spcPct val="90000"/>
+              </a:lnSpc>
+              <a:spcAft>
+                <a:spcPts val="600"/>
+              </a:spcAft>
+            </a:pPr>
+            <a:r>
+              <a:rPr lang="it-IT" sz="1200" dirty="0">
+                <a:gradFill>
+                  <a:gsLst>
+                    <a:gs pos="2917">
+                      <a:schemeClr val="tx1"/>
+                    </a:gs>
+                    <a:gs pos="30000">
+                      <a:schemeClr val="tx1"/>
+                    </a:gs>
+                  </a:gsLst>
+                  <a:lin ang="5400000" scaled="0"/>
+                </a:gradFill>
+                <a:latin typeface="+mj-lt"/>
+              </a:rPr>
+              <a:t>in </a:t>
+            </a:r>
+            <a:r>
+              <a:rPr lang="it-IT" sz="1200" dirty="0" err="1">
+                <a:gradFill>
+                  <a:gsLst>
+                    <a:gs pos="2917">
+                      <a:schemeClr val="tx1"/>
+                    </a:gs>
+                    <a:gs pos="30000">
+                      <a:schemeClr val="tx1"/>
+                    </a:gs>
+                  </a:gsLst>
+                  <a:lin ang="5400000" scaled="0"/>
+                </a:gradFill>
+                <a:latin typeface="+mj-lt"/>
+              </a:rPr>
+              <a:t>resource</a:t>
+            </a:r>
+            <a:r>
+              <a:rPr lang="it-IT" sz="1200" dirty="0">
+                <a:gradFill>
+                  <a:gsLst>
+                    <a:gs pos="2917">
+                      <a:schemeClr val="tx1"/>
+                    </a:gs>
+                    <a:gs pos="30000">
+                      <a:schemeClr val="tx1"/>
+                    </a:gs>
+                  </a:gsLst>
+                  <a:lin ang="5400000" scaled="0"/>
+                </a:gradFill>
+                <a:latin typeface="+mj-lt"/>
+              </a:rPr>
+              <a:t> group</a:t>
+            </a:r>
+          </a:p>
+        </p:txBody>
+      </p:sp>
+      <p:sp>
+        <p:nvSpPr>
+          <p:cNvPr id="66" name="Right Brace 65">
+            <a:extLst>
+              <a:ext uri="{FF2B5EF4-FFF2-40B4-BE49-F238E27FC236}">
+                <a16:creationId xmlns:a16="http://schemas.microsoft.com/office/drawing/2014/main" id="{62FEDFD5-CB0D-4BFE-B827-377F8816AA18}"/>
+              </a:ext>
+            </a:extLst>
+          </p:cNvPr>
+          <p:cNvSpPr/>
+          <p:nvPr/>
+        </p:nvSpPr>
+        <p:spPr>
+          <a:xfrm>
+            <a:off x="7555707" y="739342"/>
+            <a:ext cx="826686" cy="5160296"/>
+          </a:xfrm>
+          <a:prstGeom prst="rightBrace">
+            <a:avLst>
+              <a:gd name="adj1" fmla="val 8333"/>
+              <a:gd name="adj2" fmla="val 50523"/>
+            </a:avLst>
+          </a:prstGeom>
+          <a:ln>
+            <a:headEnd type="none"/>
+            <a:tailEnd type="none"/>
+          </a:ln>
+        </p:spPr>
+        <p:style>
+          <a:lnRef idx="1">
+            <a:schemeClr val="accent3"/>
+          </a:lnRef>
+          <a:fillRef idx="0">
+            <a:schemeClr val="accent3"/>
+          </a:fillRef>
+          <a:effectRef idx="0">
+            <a:schemeClr val="accent3"/>
+          </a:effectRef>
+          <a:fontRef idx="minor">
+            <a:schemeClr val="tx1"/>
+          </a:fontRef>
+        </p:style>
+        <p:txBody>
+          <a:bodyPr rtlCol="0" anchor="ctr"/>
+          <a:lstStyle/>
+          <a:p>
+            <a:pPr algn="ctr"/>
+            <a:endParaRPr lang="it-IT"/>
+          </a:p>
+        </p:txBody>
+      </p:sp>
+      <p:sp>
+        <p:nvSpPr>
+          <p:cNvPr id="68" name="TextBox 67">
+            <a:extLst>
+              <a:ext uri="{FF2B5EF4-FFF2-40B4-BE49-F238E27FC236}">
+                <a16:creationId xmlns:a16="http://schemas.microsoft.com/office/drawing/2014/main" id="{67662C6E-1650-4872-AE06-FFDB8BD382B7}"/>
+              </a:ext>
+            </a:extLst>
+          </p:cNvPr>
+          <p:cNvSpPr txBox="1"/>
+          <p:nvPr/>
+        </p:nvSpPr>
+        <p:spPr>
+          <a:xfrm>
+            <a:off x="7510291" y="2912531"/>
+            <a:ext cx="1290638" cy="461665"/>
+          </a:xfrm>
+          <a:prstGeom prst="rect">
+            <a:avLst/>
+          </a:prstGeom>
+          <a:noFill/>
+        </p:spPr>
+        <p:txBody>
+          <a:bodyPr wrap="square" lIns="182880" tIns="146304" rIns="182880" bIns="146304" rtlCol="0">
+            <a:spAutoFit/>
+          </a:bodyPr>
+          <a:lstStyle/>
+          <a:p>
+            <a:pPr algn="ctr">
+              <a:lnSpc>
+                <a:spcPct val="90000"/>
+              </a:lnSpc>
+              <a:spcAft>
+                <a:spcPts val="600"/>
+              </a:spcAft>
+            </a:pPr>
+            <a:r>
+              <a:rPr lang="it-IT" sz="1200" dirty="0" err="1">
+                <a:gradFill>
+                  <a:gsLst>
+                    <a:gs pos="2917">
+                      <a:schemeClr val="tx1"/>
+                    </a:gs>
+                    <a:gs pos="30000">
+                      <a:schemeClr val="tx1"/>
+                    </a:gs>
+                  </a:gsLst>
+                  <a:lin ang="5400000" scaled="0"/>
+                </a:gradFill>
+                <a:latin typeface="+mj-lt"/>
+              </a:rPr>
+              <a:t>has</a:t>
+            </a:r>
+            <a:endParaRPr lang="it-IT" sz="1200" dirty="0">
+              <a:gradFill>
+                <a:gsLst>
+                  <a:gs pos="2917">
+                    <a:schemeClr val="tx1"/>
+                  </a:gs>
+                  <a:gs pos="30000">
+                    <a:schemeClr val="tx1"/>
+                  </a:gs>
+                </a:gsLst>
+                <a:lin ang="5400000" scaled="0"/>
+              </a:gradFill>
+              <a:latin typeface="+mj-lt"/>
+            </a:endParaRPr>
+          </a:p>
+        </p:txBody>
+      </p:sp>
+      <p:sp>
+        <p:nvSpPr>
+          <p:cNvPr id="70" name="Right Brace 69">
+            <a:extLst>
+              <a:ext uri="{FF2B5EF4-FFF2-40B4-BE49-F238E27FC236}">
+                <a16:creationId xmlns:a16="http://schemas.microsoft.com/office/drawing/2014/main" id="{098B077B-0425-4558-B01C-FAD76D38BB22}"/>
+              </a:ext>
+            </a:extLst>
+          </p:cNvPr>
+          <p:cNvSpPr/>
+          <p:nvPr/>
+        </p:nvSpPr>
+        <p:spPr>
+          <a:xfrm rot="10800000">
+            <a:off x="4850092" y="712667"/>
+            <a:ext cx="826686" cy="3520875"/>
+          </a:xfrm>
+          <a:prstGeom prst="rightBrace">
+            <a:avLst>
+              <a:gd name="adj1" fmla="val 8333"/>
+              <a:gd name="adj2" fmla="val 50523"/>
+            </a:avLst>
+          </a:prstGeom>
+          <a:ln>
+            <a:headEnd type="none"/>
+            <a:tailEnd type="none"/>
+          </a:ln>
+        </p:spPr>
+        <p:style>
+          <a:lnRef idx="1">
+            <a:schemeClr val="accent3"/>
+          </a:lnRef>
+          <a:fillRef idx="0">
+            <a:schemeClr val="accent3"/>
+          </a:fillRef>
+          <a:effectRef idx="0">
+            <a:schemeClr val="accent3"/>
+          </a:effectRef>
+          <a:fontRef idx="minor">
+            <a:schemeClr val="tx1"/>
+          </a:fontRef>
+        </p:style>
+        <p:txBody>
+          <a:bodyPr rtlCol="0" anchor="ctr"/>
+          <a:lstStyle/>
+          <a:p>
+            <a:pPr algn="ctr"/>
+            <a:endParaRPr lang="it-IT"/>
+          </a:p>
+        </p:txBody>
+      </p:sp>
+      <p:sp>
+        <p:nvSpPr>
+          <p:cNvPr id="72" name="Right Brace 71">
+            <a:extLst>
+              <a:ext uri="{FF2B5EF4-FFF2-40B4-BE49-F238E27FC236}">
+                <a16:creationId xmlns:a16="http://schemas.microsoft.com/office/drawing/2014/main" id="{5F89976E-0D65-43C9-B72A-E9888C8013E7}"/>
+              </a:ext>
+            </a:extLst>
+          </p:cNvPr>
+          <p:cNvSpPr/>
+          <p:nvPr/>
+        </p:nvSpPr>
+        <p:spPr>
+          <a:xfrm>
+            <a:off x="4051281" y="1037511"/>
+            <a:ext cx="826686" cy="2813652"/>
+          </a:xfrm>
+          <a:prstGeom prst="rightBrace">
+            <a:avLst>
+              <a:gd name="adj1" fmla="val 8333"/>
+              <a:gd name="adj2" fmla="val 50523"/>
+            </a:avLst>
+          </a:prstGeom>
+          <a:ln>
+            <a:headEnd type="none"/>
+            <a:tailEnd type="none"/>
+          </a:ln>
+        </p:spPr>
+        <p:style>
+          <a:lnRef idx="1">
+            <a:schemeClr val="accent3"/>
+          </a:lnRef>
+          <a:fillRef idx="0">
+            <a:schemeClr val="accent3"/>
+          </a:fillRef>
+          <a:effectRef idx="0">
+            <a:schemeClr val="accent3"/>
+          </a:effectRef>
+          <a:fontRef idx="minor">
+            <a:schemeClr val="tx1"/>
+          </a:fontRef>
+        </p:style>
+        <p:txBody>
+          <a:bodyPr rtlCol="0" anchor="ctr"/>
+          <a:lstStyle/>
+          <a:p>
+            <a:pPr algn="ctr"/>
+            <a:endParaRPr lang="it-IT"/>
+          </a:p>
+        </p:txBody>
+      </p:sp>
+      <p:cxnSp>
+        <p:nvCxnSpPr>
+          <p:cNvPr id="75" name="Straight Arrow Connector 74">
+            <a:extLst>
+              <a:ext uri="{FF2B5EF4-FFF2-40B4-BE49-F238E27FC236}">
+                <a16:creationId xmlns:a16="http://schemas.microsoft.com/office/drawing/2014/main" id="{0F6546D0-4DBF-43F2-9508-A39EDC84BC83}"/>
+              </a:ext>
+            </a:extLst>
+          </p:cNvPr>
+          <p:cNvCxnSpPr>
+            <a:cxnSpLocks/>
+            <a:stCxn id="70" idx="1"/>
+          </p:cNvCxnSpPr>
+          <p:nvPr/>
+        </p:nvCxnSpPr>
+        <p:spPr>
+          <a:xfrm>
+            <a:off x="4850092" y="2454690"/>
+            <a:ext cx="678207" cy="6891"/>
+          </a:xfrm>
+          <a:prstGeom prst="straightConnector1">
+            <a:avLst/>
+          </a:prstGeom>
+          <a:ln>
+            <a:headEnd type="none"/>
+            <a:tailEnd type="triangle"/>
+          </a:ln>
+        </p:spPr>
+        <p:style>
+          <a:lnRef idx="1">
+            <a:schemeClr val="accent3"/>
+          </a:lnRef>
+          <a:fillRef idx="0">
+            <a:schemeClr val="accent3"/>
+          </a:fillRef>
+          <a:effectRef idx="0">
+            <a:schemeClr val="accent3"/>
+          </a:effectRef>
+          <a:fontRef idx="minor">
+            <a:schemeClr val="tx1"/>
+          </a:fontRef>
+        </p:style>
+      </p:cxnSp>
+      <p:cxnSp>
+        <p:nvCxnSpPr>
+          <p:cNvPr id="79" name="Straight Arrow Connector 78">
+            <a:extLst>
+              <a:ext uri="{FF2B5EF4-FFF2-40B4-BE49-F238E27FC236}">
+                <a16:creationId xmlns:a16="http://schemas.microsoft.com/office/drawing/2014/main" id="{3FA1555C-05D5-47E7-9177-BE288696A5B0}"/>
+              </a:ext>
+            </a:extLst>
+          </p:cNvPr>
+          <p:cNvCxnSpPr>
+            <a:cxnSpLocks/>
+          </p:cNvCxnSpPr>
+          <p:nvPr/>
+        </p:nvCxnSpPr>
+        <p:spPr>
+          <a:xfrm>
+            <a:off x="8287143" y="3345756"/>
+            <a:ext cx="333859" cy="0"/>
+          </a:xfrm>
+          <a:prstGeom prst="straightConnector1">
+            <a:avLst/>
+          </a:prstGeom>
+          <a:ln>
+            <a:headEnd type="none"/>
+            <a:tailEnd type="triangle"/>
+          </a:ln>
+        </p:spPr>
+        <p:style>
+          <a:lnRef idx="1">
+            <a:schemeClr val="accent3"/>
+          </a:lnRef>
+          <a:fillRef idx="0">
+            <a:schemeClr val="accent3"/>
+          </a:fillRef>
+          <a:effectRef idx="0">
+            <a:schemeClr val="accent3"/>
+          </a:effectRef>
+          <a:fontRef idx="minor">
+            <a:schemeClr val="tx1"/>
+          </a:fontRef>
+        </p:style>
+      </p:cxnSp>
+      <p:sp>
+        <p:nvSpPr>
+          <p:cNvPr id="83" name="TextBox 82">
+            <a:extLst>
+              <a:ext uri="{FF2B5EF4-FFF2-40B4-BE49-F238E27FC236}">
+                <a16:creationId xmlns:a16="http://schemas.microsoft.com/office/drawing/2014/main" id="{CB19D316-FB5C-4D75-BAC1-9778F162CE5D}"/>
+              </a:ext>
+            </a:extLst>
+          </p:cNvPr>
+          <p:cNvSpPr txBox="1"/>
+          <p:nvPr/>
+        </p:nvSpPr>
+        <p:spPr>
+          <a:xfrm>
+            <a:off x="4224657" y="2389081"/>
+            <a:ext cx="1290638" cy="704808"/>
+          </a:xfrm>
+          <a:prstGeom prst="rect">
+            <a:avLst/>
+          </a:prstGeom>
+          <a:noFill/>
+        </p:spPr>
+        <p:txBody>
+          <a:bodyPr wrap="square" lIns="182880" tIns="146304" rIns="182880" bIns="146304" rtlCol="0">
+            <a:spAutoFit/>
+          </a:bodyPr>
+          <a:lstStyle/>
+          <a:p>
+            <a:pPr algn="ctr">
+              <a:lnSpc>
+                <a:spcPct val="90000"/>
+              </a:lnSpc>
+              <a:spcAft>
+                <a:spcPts val="600"/>
+              </a:spcAft>
+            </a:pPr>
+            <a:r>
+              <a:rPr lang="it-IT" sz="1200" dirty="0">
+                <a:gradFill>
+                  <a:gsLst>
+                    <a:gs pos="2917">
+                      <a:schemeClr val="tx1"/>
+                    </a:gs>
+                    <a:gs pos="30000">
+                      <a:schemeClr val="tx1"/>
+                    </a:gs>
+                  </a:gsLst>
+                  <a:lin ang="5400000" scaled="0"/>
+                </a:gradFill>
+                <a:latin typeface="+mj-lt"/>
+              </a:rPr>
+              <a:t>access </a:t>
+            </a:r>
+          </a:p>
+          <a:p>
+            <a:pPr algn="ctr">
+              <a:lnSpc>
+                <a:spcPct val="90000"/>
+              </a:lnSpc>
+              <a:spcAft>
+                <a:spcPts val="600"/>
+              </a:spcAft>
+            </a:pPr>
+            <a:r>
+              <a:rPr lang="it-IT" sz="1200" dirty="0">
+                <a:gradFill>
+                  <a:gsLst>
+                    <a:gs pos="2917">
+                      <a:schemeClr val="tx1"/>
+                    </a:gs>
+                    <a:gs pos="30000">
+                      <a:schemeClr val="tx1"/>
+                    </a:gs>
+                  </a:gsLst>
+                  <a:lin ang="5400000" scaled="0"/>
+                </a:gradFill>
+                <a:latin typeface="+mj-lt"/>
+              </a:rPr>
+              <a:t>to</a:t>
+            </a:r>
+          </a:p>
+        </p:txBody>
+      </p:sp>
+    </p:spTree>
+    <p:extLst>
+      <p:ext uri="{BB962C8B-B14F-4D97-AF65-F5344CB8AC3E}">
+        <p14:creationId xmlns:p14="http://schemas.microsoft.com/office/powerpoint/2010/main" val="2670662817"/>
+      </p:ext>
+    </p:extLst>
+  </p:cSld>
+  <p:clrMapOvr>
+    <a:masterClrMapping/>
+  </p:clrMapOvr>
+  <p:transition>
+    <p:fade/>
+  </p:transition>
+  <p:timing>
+    <p:tnLst>
+      <p:par>
+        <p:cTn id="1" dur="indefinite" restart="never" nodeType="tmRoot">
+          <p:childTnLst>
+            <p:seq concurrent="1" nextAc="seek">
+              <p:cTn id="2" dur="indefinite" nodeType="mainSeq">
+                <p:childTnLst>
+                  <p:par>
+                    <p:cTn id="3" fill="hold">
+                      <p:stCondLst>
+                        <p:cond delay="indefinite"/>
+                        <p:cond evt="onBegin" delay="0">
+                          <p:tn val="2"/>
+                        </p:cond>
+                      </p:stCondLst>
+                      <p:childTnLst>
+                        <p:par>
+                          <p:cTn id="4" fill="hold">
+                            <p:stCondLst>
+                              <p:cond delay="0"/>
+                            </p:stCondLst>
+                            <p:childTnLst>
+                              <p:par>
+                                <p:cTn id="5" presetID="10" presetClass="entr" presetSubtype="0" fill="hold" nodeType="withEffect">
+                                  <p:stCondLst>
+                                    <p:cond delay="0"/>
+                                  </p:stCondLst>
+                                  <p:childTnLst>
+                                    <p:set>
+                                      <p:cBhvr>
+                                        <p:cTn id="6" dur="1" fill="hold">
+                                          <p:stCondLst>
+                                            <p:cond delay="0"/>
+                                          </p:stCondLst>
+                                        </p:cTn>
+                                        <p:tgtEl>
+                                          <p:spTgt spid="35"/>
+                                        </p:tgtEl>
+                                        <p:attrNameLst>
+                                          <p:attrName>style.visibility</p:attrName>
+                                        </p:attrNameLst>
+                                      </p:cBhvr>
+                                      <p:to>
+                                        <p:strVal val="visible"/>
+                                      </p:to>
+                                    </p:set>
+                                    <p:animEffect transition="in" filter="fade">
+                                      <p:cBhvr>
+                                        <p:cTn id="7" dur="500"/>
+                                        <p:tgtEl>
+                                          <p:spTgt spid="35"/>
+                                        </p:tgtEl>
+                                      </p:cBhvr>
+                                    </p:animEffect>
+                                  </p:childTnLst>
+                                </p:cTn>
+                              </p:par>
+                              <p:par>
+                                <p:cTn id="8" presetID="10" presetClass="entr" presetSubtype="0" fill="hold" nodeType="withEffect">
+                                  <p:stCondLst>
+                                    <p:cond delay="0"/>
+                                  </p:stCondLst>
+                                  <p:childTnLst>
+                                    <p:set>
+                                      <p:cBhvr>
+                                        <p:cTn id="9" dur="1" fill="hold">
+                                          <p:stCondLst>
+                                            <p:cond delay="0"/>
+                                          </p:stCondLst>
+                                        </p:cTn>
+                                        <p:tgtEl>
+                                          <p:spTgt spid="44"/>
+                                        </p:tgtEl>
+                                        <p:attrNameLst>
+                                          <p:attrName>style.visibility</p:attrName>
+                                        </p:attrNameLst>
+                                      </p:cBhvr>
+                                      <p:to>
+                                        <p:strVal val="visible"/>
+                                      </p:to>
+                                    </p:set>
+                                    <p:animEffect transition="in" filter="fade">
+                                      <p:cBhvr>
+                                        <p:cTn id="10" dur="500"/>
+                                        <p:tgtEl>
+                                          <p:spTgt spid="44"/>
+                                        </p:tgtEl>
+                                      </p:cBhvr>
+                                    </p:animEffect>
+                                  </p:childTnLst>
+                                </p:cTn>
+                              </p:par>
+                              <p:par>
+                                <p:cTn id="11" presetID="10" presetClass="entr" presetSubtype="0" fill="hold" nodeType="withEffect">
+                                  <p:stCondLst>
+                                    <p:cond delay="0"/>
+                                  </p:stCondLst>
+                                  <p:childTnLst>
+                                    <p:set>
+                                      <p:cBhvr>
+                                        <p:cTn id="12" dur="1" fill="hold">
+                                          <p:stCondLst>
+                                            <p:cond delay="0"/>
+                                          </p:stCondLst>
+                                        </p:cTn>
+                                        <p:tgtEl>
+                                          <p:spTgt spid="50"/>
+                                        </p:tgtEl>
+                                        <p:attrNameLst>
+                                          <p:attrName>style.visibility</p:attrName>
+                                        </p:attrNameLst>
+                                      </p:cBhvr>
+                                      <p:to>
+                                        <p:strVal val="visible"/>
+                                      </p:to>
+                                    </p:set>
+                                    <p:animEffect transition="in" filter="fade">
+                                      <p:cBhvr>
+                                        <p:cTn id="13" dur="500"/>
+                                        <p:tgtEl>
+                                          <p:spTgt spid="50"/>
+                                        </p:tgtEl>
+                                      </p:cBhvr>
+                                    </p:animEffect>
+                                  </p:childTnLst>
+                                </p:cTn>
+                              </p:par>
+                              <p:par>
+                                <p:cTn id="14" presetID="10" presetClass="entr" presetSubtype="0" fill="hold" nodeType="withEffect">
+                                  <p:stCondLst>
+                                    <p:cond delay="0"/>
+                                  </p:stCondLst>
+                                  <p:childTnLst>
+                                    <p:set>
+                                      <p:cBhvr>
+                                        <p:cTn id="15" dur="1" fill="hold">
+                                          <p:stCondLst>
+                                            <p:cond delay="0"/>
+                                          </p:stCondLst>
+                                        </p:cTn>
+                                        <p:tgtEl>
+                                          <p:spTgt spid="75"/>
+                                        </p:tgtEl>
+                                        <p:attrNameLst>
+                                          <p:attrName>style.visibility</p:attrName>
+                                        </p:attrNameLst>
+                                      </p:cBhvr>
+                                      <p:to>
+                                        <p:strVal val="visible"/>
+                                      </p:to>
+                                    </p:set>
+                                    <p:animEffect transition="in" filter="fade">
+                                      <p:cBhvr>
+                                        <p:cTn id="16" dur="500"/>
+                                        <p:tgtEl>
+                                          <p:spTgt spid="75"/>
+                                        </p:tgtEl>
+                                      </p:cBhvr>
+                                    </p:animEffect>
+                                  </p:childTnLst>
+                                </p:cTn>
+                              </p:par>
+                              <p:par>
+                                <p:cTn id="17" presetID="10" presetClass="entr" presetSubtype="0" fill="hold" nodeType="withEffect">
+                                  <p:stCondLst>
+                                    <p:cond delay="0"/>
+                                  </p:stCondLst>
+                                  <p:childTnLst>
+                                    <p:set>
+                                      <p:cBhvr>
+                                        <p:cTn id="18" dur="1" fill="hold">
+                                          <p:stCondLst>
+                                            <p:cond delay="0"/>
+                                          </p:stCondLst>
+                                        </p:cTn>
+                                        <p:tgtEl>
+                                          <p:spTgt spid="79"/>
+                                        </p:tgtEl>
+                                        <p:attrNameLst>
+                                          <p:attrName>style.visibility</p:attrName>
+                                        </p:attrNameLst>
+                                      </p:cBhvr>
+                                      <p:to>
+                                        <p:strVal val="visible"/>
+                                      </p:to>
+                                    </p:set>
+                                    <p:animEffect transition="in" filter="fade">
+                                      <p:cBhvr>
+                                        <p:cTn id="19" dur="500"/>
+                                        <p:tgtEl>
+                                          <p:spTgt spid="79"/>
+                                        </p:tgtEl>
+                                      </p:cBhvr>
+                                    </p:animEffect>
+                                  </p:childTnLst>
+                                </p:cTn>
+                              </p:par>
+                            </p:childTnLst>
+                          </p:cTn>
+                        </p:par>
+                      </p:childTnLst>
+                    </p:cTn>
+                  </p:par>
+                </p:childTnLst>
+              </p:cTn>
+              <p:prevCondLst>
+                <p:cond evt="onPrev" delay="0">
+                  <p:tgtEl>
+                    <p:sldTgt/>
+                  </p:tgtEl>
+                </p:cond>
+              </p:prevCondLst>
+              <p:nextCondLst>
+                <p:cond evt="onNext" delay="0">
+                  <p:tgtEl>
+                    <p:sldTgt/>
+                  </p:tgtEl>
+                </p:cond>
+              </p:nextCondLst>
+            </p:seq>
+          </p:childTnLst>
+        </p:cTn>
+      </p:par>
+    </p:tnLst>
+  </p:timing>
+</p:sld>
+</file>
+
+<file path=ppt/slides/slide8.xml><?xml version="1.0" encoding="utf-8"?>
+<p:sld xmlns:a="http://schemas.openxmlformats.org/drawingml/2006/main" xmlns:r="http://schemas.openxmlformats.org/officeDocument/2006/relationships" xmlns:p="http://schemas.openxmlformats.org/presentationml/2006/main" show="0">
   <p:cSld>
     <p:spTree>
       <p:nvGrpSpPr>
@@ -30587,8 +35667,8 @@
 </p:sld>
 </file>
 
-<file path=ppt/slides/slide8.xml><?xml version="1.0" encoding="utf-8"?>
-<p:sld xmlns:a="http://schemas.openxmlformats.org/drawingml/2006/main" xmlns:r="http://schemas.openxmlformats.org/officeDocument/2006/relationships" xmlns:p="http://schemas.openxmlformats.org/presentationml/2006/main">
+<file path=ppt/slides/slide9.xml><?xml version="1.0" encoding="utf-8"?>
+<p:sld xmlns:a="http://schemas.openxmlformats.org/drawingml/2006/main" xmlns:r="http://schemas.openxmlformats.org/officeDocument/2006/relationships" xmlns:p="http://schemas.openxmlformats.org/presentationml/2006/main" show="0">
   <p:cSld>
     <p:spTree>
       <p:nvGrpSpPr>
@@ -31976,3187 +37056,6 @@
 </p:sld>
 </file>
 
-<file path=ppt/slides/slide9.xml><?xml version="1.0" encoding="utf-8"?>
-<p:sld xmlns:a="http://schemas.openxmlformats.org/drawingml/2006/main" xmlns:r="http://schemas.openxmlformats.org/officeDocument/2006/relationships" xmlns:p="http://schemas.openxmlformats.org/presentationml/2006/main">
-  <p:cSld>
-    <p:spTree>
-      <p:nvGrpSpPr>
-        <p:cNvPr id="1" name=""/>
-        <p:cNvGrpSpPr/>
-        <p:nvPr/>
-      </p:nvGrpSpPr>
-      <p:grpSpPr>
-        <a:xfrm>
-          <a:off x="0" y="0"/>
-          <a:ext cx="0" cy="0"/>
-          <a:chOff x="0" y="0"/>
-          <a:chExt cx="0" cy="0"/>
-        </a:xfrm>
-      </p:grpSpPr>
-      <p:sp>
-        <p:nvSpPr>
-          <p:cNvPr id="22" name="Title 21">
-            <a:extLst>
-              <a:ext uri="{FF2B5EF4-FFF2-40B4-BE49-F238E27FC236}">
-                <a16:creationId xmlns:a16="http://schemas.microsoft.com/office/drawing/2014/main" id="{78C16AC2-E48E-4EF5-BD59-11CEDAE94C56}"/>
-              </a:ext>
-            </a:extLst>
-          </p:cNvPr>
-          <p:cNvSpPr>
-            <a:spLocks noGrp="1"/>
-          </p:cNvSpPr>
-          <p:nvPr>
-            <p:ph type="title"/>
-          </p:nvPr>
-        </p:nvSpPr>
-        <p:spPr/>
-        <p:txBody>
-          <a:bodyPr/>
-          <a:lstStyle/>
-          <a:p>
-            <a:r>
-              <a:rPr lang="en-US"/>
-              <a:t>Next steps</a:t>
-            </a:r>
-          </a:p>
-        </p:txBody>
-      </p:sp>
-      <p:cxnSp>
-        <p:nvCxnSpPr>
-          <p:cNvPr id="43" name="Straight Connector 42">
-            <a:extLst>
-              <a:ext uri="{FF2B5EF4-FFF2-40B4-BE49-F238E27FC236}">
-                <a16:creationId xmlns:a16="http://schemas.microsoft.com/office/drawing/2014/main" id="{928D5212-3574-4B2D-A32D-BB8D3081BB5C}"/>
-              </a:ext>
-            </a:extLst>
-          </p:cNvPr>
-          <p:cNvCxnSpPr>
-            <a:cxnSpLocks/>
-          </p:cNvCxnSpPr>
-          <p:nvPr/>
-        </p:nvCxnSpPr>
-        <p:spPr>
-          <a:xfrm>
-            <a:off x="1507129" y="2509822"/>
-            <a:ext cx="10248234" cy="0"/>
-          </a:xfrm>
-          <a:prstGeom prst="line">
-            <a:avLst/>
-          </a:prstGeom>
-          <a:ln w="3175">
-            <a:solidFill>
-              <a:schemeClr val="bg1">
-                <a:lumMod val="75000"/>
-              </a:schemeClr>
-            </a:solidFill>
-            <a:prstDash val="dash"/>
-            <a:headEnd type="none"/>
-            <a:tailEnd type="none"/>
-          </a:ln>
-        </p:spPr>
-        <p:style>
-          <a:lnRef idx="1">
-            <a:schemeClr val="accent1"/>
-          </a:lnRef>
-          <a:fillRef idx="0">
-            <a:schemeClr val="accent1"/>
-          </a:fillRef>
-          <a:effectRef idx="0">
-            <a:schemeClr val="accent1"/>
-          </a:effectRef>
-          <a:fontRef idx="minor">
-            <a:schemeClr val="tx1"/>
-          </a:fontRef>
-        </p:style>
-      </p:cxnSp>
-      <p:cxnSp>
-        <p:nvCxnSpPr>
-          <p:cNvPr id="45" name="Straight Connector 44">
-            <a:extLst>
-              <a:ext uri="{FF2B5EF4-FFF2-40B4-BE49-F238E27FC236}">
-                <a16:creationId xmlns:a16="http://schemas.microsoft.com/office/drawing/2014/main" id="{75B842E2-C1D7-4815-BAC4-A50B7E7938B1}"/>
-              </a:ext>
-            </a:extLst>
-          </p:cNvPr>
-          <p:cNvCxnSpPr>
-            <a:cxnSpLocks/>
-          </p:cNvCxnSpPr>
-          <p:nvPr/>
-        </p:nvCxnSpPr>
-        <p:spPr>
-          <a:xfrm>
-            <a:off x="1507129" y="3734685"/>
-            <a:ext cx="10248234" cy="0"/>
-          </a:xfrm>
-          <a:prstGeom prst="line">
-            <a:avLst/>
-          </a:prstGeom>
-          <a:ln w="3175">
-            <a:solidFill>
-              <a:schemeClr val="bg1">
-                <a:lumMod val="75000"/>
-              </a:schemeClr>
-            </a:solidFill>
-            <a:prstDash val="dash"/>
-            <a:headEnd type="none"/>
-            <a:tailEnd type="none"/>
-          </a:ln>
-        </p:spPr>
-        <p:style>
-          <a:lnRef idx="1">
-            <a:schemeClr val="accent1"/>
-          </a:lnRef>
-          <a:fillRef idx="0">
-            <a:schemeClr val="accent1"/>
-          </a:fillRef>
-          <a:effectRef idx="0">
-            <a:schemeClr val="accent1"/>
-          </a:effectRef>
-          <a:fontRef idx="minor">
-            <a:schemeClr val="tx1"/>
-          </a:fontRef>
-        </p:style>
-      </p:cxnSp>
-      <p:sp>
-        <p:nvSpPr>
-          <p:cNvPr id="46" name="Title 1">
-            <a:extLst>
-              <a:ext uri="{FF2B5EF4-FFF2-40B4-BE49-F238E27FC236}">
-                <a16:creationId xmlns:a16="http://schemas.microsoft.com/office/drawing/2014/main" id="{C518F6CF-FE0F-4830-AE2B-FC9B0DBADE6B}"/>
-              </a:ext>
-            </a:extLst>
-          </p:cNvPr>
-          <p:cNvSpPr txBox="1">
-            <a:spLocks/>
-          </p:cNvSpPr>
-          <p:nvPr/>
-        </p:nvSpPr>
-        <p:spPr>
-          <a:xfrm>
-            <a:off x="1507129" y="3939786"/>
-            <a:ext cx="10248234" cy="814661"/>
-          </a:xfrm>
-          <a:prstGeom prst="rect">
-            <a:avLst/>
-          </a:prstGeom>
-          <a:noFill/>
-          <a:ln w="19050">
-            <a:noFill/>
-          </a:ln>
-        </p:spPr>
-        <p:txBody>
-          <a:bodyPr vert="horz" wrap="square" lIns="0" tIns="44821" rIns="89642" bIns="44821" rtlCol="0" anchor="ctr">
-            <a:noAutofit/>
-          </a:bodyPr>
-          <a:lstStyle>
-            <a:lvl1pPr algn="l" defTabSz="932742" rtl="0" eaLnBrk="1" latinLnBrk="0" hangingPunct="1">
-              <a:lnSpc>
-                <a:spcPct val="90000"/>
-              </a:lnSpc>
-              <a:spcBef>
-                <a:spcPct val="0"/>
-              </a:spcBef>
-              <a:buNone/>
-              <a:defRPr lang="en-US" sz="4800" b="0" kern="1200" cap="none" spc="-102" baseline="0" dirty="0" smtClean="0">
-                <a:ln w="3175">
-                  <a:noFill/>
-                </a:ln>
-                <a:gradFill>
-                  <a:gsLst>
-                    <a:gs pos="1250">
-                      <a:schemeClr val="tx1"/>
-                    </a:gs>
-                    <a:gs pos="100000">
-                      <a:schemeClr val="tx1"/>
-                    </a:gs>
-                  </a:gsLst>
-                  <a:lin ang="5400000" scaled="0"/>
-                </a:gradFill>
-                <a:effectLst/>
-                <a:latin typeface="+mj-lt"/>
-                <a:ea typeface="+mn-ea"/>
-                <a:cs typeface="Segoe UI" pitchFamily="34" charset="0"/>
-              </a:defRPr>
-            </a:lvl1pPr>
-          </a:lstStyle>
-          <a:p>
-            <a:pPr defTabSz="914367">
-              <a:lnSpc>
-                <a:spcPct val="100000"/>
-              </a:lnSpc>
-              <a:defRPr/>
-            </a:pPr>
-            <a:r>
-              <a:rPr lang="en-US" sz="2000" spc="0">
-                <a:solidFill>
-                  <a:schemeClr val="tx1"/>
-                </a:solidFill>
-                <a:latin typeface="Segoe UI Semibold" panose="020B0702040204020203" pitchFamily="34" charset="0"/>
-                <a:cs typeface="Segoe UI Semibold" panose="020B0702040204020203" pitchFamily="34" charset="0"/>
-              </a:rPr>
-              <a:t>Coordinate and deliver </a:t>
-            </a:r>
-            <a:r>
-              <a:rPr lang="en-US" sz="2000" spc="0">
-                <a:solidFill>
-                  <a:schemeClr val="tx1"/>
-                </a:solidFill>
-                <a:latin typeface="Segoe UI" panose="020B0502040204020203" pitchFamily="34" charset="0"/>
-              </a:rPr>
-              <a:t>the services</a:t>
-            </a:r>
-          </a:p>
-        </p:txBody>
-      </p:sp>
-      <p:sp>
-        <p:nvSpPr>
-          <p:cNvPr id="50" name="Title 1">
-            <a:extLst>
-              <a:ext uri="{FF2B5EF4-FFF2-40B4-BE49-F238E27FC236}">
-                <a16:creationId xmlns:a16="http://schemas.microsoft.com/office/drawing/2014/main" id="{130C1120-E056-450F-9170-CABF5DB1A22E}"/>
-              </a:ext>
-            </a:extLst>
-          </p:cNvPr>
-          <p:cNvSpPr txBox="1">
-            <a:spLocks/>
-          </p:cNvSpPr>
-          <p:nvPr/>
-        </p:nvSpPr>
-        <p:spPr>
-          <a:xfrm>
-            <a:off x="1507129" y="1490060"/>
-            <a:ext cx="10248234" cy="814661"/>
-          </a:xfrm>
-          <a:prstGeom prst="rect">
-            <a:avLst/>
-          </a:prstGeom>
-          <a:noFill/>
-          <a:ln w="19050">
-            <a:noFill/>
-          </a:ln>
-        </p:spPr>
-        <p:txBody>
-          <a:bodyPr vert="horz" wrap="square" lIns="0" tIns="44821" rIns="89642" bIns="44821" rtlCol="0" anchor="ctr">
-            <a:noAutofit/>
-          </a:bodyPr>
-          <a:lstStyle>
-            <a:lvl1pPr algn="l" defTabSz="932742" rtl="0" eaLnBrk="1" latinLnBrk="0" hangingPunct="1">
-              <a:lnSpc>
-                <a:spcPct val="90000"/>
-              </a:lnSpc>
-              <a:spcBef>
-                <a:spcPct val="0"/>
-              </a:spcBef>
-              <a:buNone/>
-              <a:defRPr lang="en-US" sz="4800" b="0" kern="1200" cap="none" spc="-102" baseline="0" dirty="0" smtClean="0">
-                <a:ln w="3175">
-                  <a:noFill/>
-                </a:ln>
-                <a:gradFill>
-                  <a:gsLst>
-                    <a:gs pos="1250">
-                      <a:schemeClr val="tx1"/>
-                    </a:gs>
-                    <a:gs pos="100000">
-                      <a:schemeClr val="tx1"/>
-                    </a:gs>
-                  </a:gsLst>
-                  <a:lin ang="5400000" scaled="0"/>
-                </a:gradFill>
-                <a:effectLst/>
-                <a:latin typeface="+mj-lt"/>
-                <a:ea typeface="+mn-ea"/>
-                <a:cs typeface="Segoe UI" pitchFamily="34" charset="0"/>
-              </a:defRPr>
-            </a:lvl1pPr>
-          </a:lstStyle>
-          <a:p>
-            <a:pPr defTabSz="914367">
-              <a:lnSpc>
-                <a:spcPct val="100000"/>
-              </a:lnSpc>
-              <a:defRPr/>
-            </a:pPr>
-            <a:r>
-              <a:rPr lang="en-US" sz="2000" spc="0">
-                <a:solidFill>
-                  <a:schemeClr val="tx1"/>
-                </a:solidFill>
-                <a:latin typeface="Segoe UI Semibold" panose="020B0702040204020203" pitchFamily="34" charset="0"/>
-                <a:cs typeface="Segoe UI Semibold" panose="020B0702040204020203" pitchFamily="34" charset="0"/>
-              </a:rPr>
-              <a:t>Coordinate </a:t>
-            </a:r>
-            <a:r>
-              <a:rPr lang="en-US" sz="2000" spc="0">
-                <a:solidFill>
-                  <a:schemeClr val="tx1"/>
-                </a:solidFill>
-                <a:latin typeface="Segoe UI" panose="020B0502040204020203" pitchFamily="34" charset="0"/>
-              </a:rPr>
-              <a:t>scoping and capabilities assessment</a:t>
-            </a:r>
-          </a:p>
-        </p:txBody>
-      </p:sp>
-      <p:sp>
-        <p:nvSpPr>
-          <p:cNvPr id="51" name="Title 1">
-            <a:extLst>
-              <a:ext uri="{FF2B5EF4-FFF2-40B4-BE49-F238E27FC236}">
-                <a16:creationId xmlns:a16="http://schemas.microsoft.com/office/drawing/2014/main" id="{0EEBEC6B-DAEB-411E-84E7-50471018FA77}"/>
-              </a:ext>
-            </a:extLst>
-          </p:cNvPr>
-          <p:cNvSpPr txBox="1">
-            <a:spLocks/>
-          </p:cNvSpPr>
-          <p:nvPr/>
-        </p:nvSpPr>
-        <p:spPr>
-          <a:xfrm>
-            <a:off x="1507129" y="2714923"/>
-            <a:ext cx="10248234" cy="814661"/>
-          </a:xfrm>
-          <a:prstGeom prst="rect">
-            <a:avLst/>
-          </a:prstGeom>
-          <a:noFill/>
-          <a:ln w="19050">
-            <a:noFill/>
-          </a:ln>
-        </p:spPr>
-        <p:txBody>
-          <a:bodyPr vert="horz" wrap="square" lIns="0" tIns="44821" rIns="89642" bIns="44821" rtlCol="0" anchor="ctr">
-            <a:noAutofit/>
-          </a:bodyPr>
-          <a:lstStyle>
-            <a:lvl1pPr algn="l" defTabSz="932742" rtl="0" eaLnBrk="1" latinLnBrk="0" hangingPunct="1">
-              <a:lnSpc>
-                <a:spcPct val="90000"/>
-              </a:lnSpc>
-              <a:spcBef>
-                <a:spcPct val="0"/>
-              </a:spcBef>
-              <a:buNone/>
-              <a:defRPr lang="en-US" sz="4800" b="0" kern="1200" cap="none" spc="-102" baseline="0" dirty="0" smtClean="0">
-                <a:ln w="3175">
-                  <a:noFill/>
-                </a:ln>
-                <a:gradFill>
-                  <a:gsLst>
-                    <a:gs pos="1250">
-                      <a:schemeClr val="tx1"/>
-                    </a:gs>
-                    <a:gs pos="100000">
-                      <a:schemeClr val="tx1"/>
-                    </a:gs>
-                  </a:gsLst>
-                  <a:lin ang="5400000" scaled="0"/>
-                </a:gradFill>
-                <a:effectLst/>
-                <a:latin typeface="+mj-lt"/>
-                <a:ea typeface="+mn-ea"/>
-                <a:cs typeface="Segoe UI" pitchFamily="34" charset="0"/>
-              </a:defRPr>
-            </a:lvl1pPr>
-          </a:lstStyle>
-          <a:p>
-            <a:pPr defTabSz="914367">
-              <a:lnSpc>
-                <a:spcPct val="100000"/>
-              </a:lnSpc>
-              <a:defRPr/>
-            </a:pPr>
-            <a:r>
-              <a:rPr lang="en-US" sz="2000" spc="0">
-                <a:solidFill>
-                  <a:schemeClr val="tx1"/>
-                </a:solidFill>
-                <a:latin typeface="Segoe UI Semibold" panose="020B0702040204020203" pitchFamily="34" charset="0"/>
-                <a:cs typeface="Segoe UI Semibold" panose="020B0702040204020203" pitchFamily="34" charset="0"/>
-              </a:rPr>
-              <a:t>Generate and review </a:t>
-            </a:r>
-            <a:r>
-              <a:rPr lang="en-US" sz="2000" spc="0">
-                <a:solidFill>
-                  <a:schemeClr val="tx1"/>
-                </a:solidFill>
-                <a:latin typeface="Segoe UI" panose="020B0502040204020203" pitchFamily="34" charset="0"/>
-              </a:rPr>
-              <a:t>Service Delivery Plan</a:t>
-            </a:r>
-          </a:p>
-        </p:txBody>
-      </p:sp>
-      <p:grpSp>
-        <p:nvGrpSpPr>
-          <p:cNvPr id="4" name="Group 3">
-            <a:extLst>
-              <a:ext uri="{FF2B5EF4-FFF2-40B4-BE49-F238E27FC236}">
-                <a16:creationId xmlns:a16="http://schemas.microsoft.com/office/drawing/2014/main" id="{46899BBF-4248-4275-AC8B-E441CBB88119}"/>
-              </a:ext>
-            </a:extLst>
-          </p:cNvPr>
-          <p:cNvGrpSpPr/>
-          <p:nvPr/>
-        </p:nvGrpSpPr>
-        <p:grpSpPr>
-          <a:xfrm>
-            <a:off x="461595" y="1462834"/>
-            <a:ext cx="869112" cy="869112"/>
-            <a:chOff x="461595" y="1462834"/>
-            <a:chExt cx="869112" cy="869112"/>
-          </a:xfrm>
-        </p:grpSpPr>
-        <p:sp>
-          <p:nvSpPr>
-            <p:cNvPr id="53" name="Oval 52">
-              <a:extLst>
-                <a:ext uri="{FF2B5EF4-FFF2-40B4-BE49-F238E27FC236}">
-                  <a16:creationId xmlns:a16="http://schemas.microsoft.com/office/drawing/2014/main" id="{C2E7126E-9ABB-406A-A07D-FF7EF030ABCB}"/>
-                </a:ext>
-              </a:extLst>
-            </p:cNvPr>
-            <p:cNvSpPr/>
-            <p:nvPr/>
-          </p:nvSpPr>
-          <p:spPr bwMode="auto">
-            <a:xfrm>
-              <a:off x="461595" y="1462834"/>
-              <a:ext cx="869112" cy="869112"/>
-            </a:xfrm>
-            <a:prstGeom prst="ellipse">
-              <a:avLst/>
-            </a:prstGeom>
-            <a:solidFill>
-              <a:srgbClr val="008272"/>
-            </a:solidFill>
-            <a:ln>
-              <a:noFill/>
-              <a:headEnd type="none" w="med" len="med"/>
-              <a:tailEnd type="none" w="med" len="med"/>
-            </a:ln>
-            <a:effectLst/>
-          </p:spPr>
-          <p:style>
-            <a:lnRef idx="1">
-              <a:schemeClr val="accent2"/>
-            </a:lnRef>
-            <a:fillRef idx="3">
-              <a:schemeClr val="accent2"/>
-            </a:fillRef>
-            <a:effectRef idx="2">
-              <a:schemeClr val="accent2"/>
-            </a:effectRef>
-            <a:fontRef idx="minor">
-              <a:schemeClr val="lt1"/>
-            </a:fontRef>
-          </p:style>
-          <p:txBody>
-            <a:bodyPr rot="0" spcFirstLastPara="0" vertOverflow="overflow" horzOverflow="overflow" vert="horz" wrap="square" lIns="179285" tIns="143428" rIns="179285" bIns="143428" numCol="1" spcCol="0" rtlCol="0" fromWordArt="0" anchor="t" anchorCtr="0" forceAA="0" compatLnSpc="1">
-              <a:prstTxWarp prst="textNoShape">
-                <a:avLst/>
-              </a:prstTxWarp>
-              <a:noAutofit/>
-            </a:bodyPr>
-            <a:lstStyle/>
-            <a:p>
-              <a:pPr algn="ctr" defTabSz="914102" fontAlgn="base">
-                <a:spcBef>
-                  <a:spcPct val="0"/>
-                </a:spcBef>
-                <a:spcAft>
-                  <a:spcPct val="0"/>
-                </a:spcAft>
-                <a:defRPr/>
-              </a:pPr>
-              <a:endParaRPr lang="en-US" sz="2000">
-                <a:gradFill>
-                  <a:gsLst>
-                    <a:gs pos="0">
-                      <a:srgbClr val="FFFFFF"/>
-                    </a:gs>
-                    <a:gs pos="100000">
-                      <a:srgbClr val="FFFFFF"/>
-                    </a:gs>
-                  </a:gsLst>
-                  <a:lin ang="5400000" scaled="0"/>
-                </a:gradFill>
-                <a:latin typeface="Segoe UI Light"/>
-                <a:ea typeface="Segoe UI" pitchFamily="34" charset="0"/>
-                <a:cs typeface="Segoe UI" pitchFamily="34" charset="0"/>
-              </a:endParaRPr>
-            </a:p>
-          </p:txBody>
-        </p:sp>
-        <p:grpSp>
-          <p:nvGrpSpPr>
-            <p:cNvPr id="80" name="Group 79">
-              <a:extLst>
-                <a:ext uri="{FF2B5EF4-FFF2-40B4-BE49-F238E27FC236}">
-                  <a16:creationId xmlns:a16="http://schemas.microsoft.com/office/drawing/2014/main" id="{01B4887B-E41F-4D99-AFA2-6CB00E4D5625}"/>
-                </a:ext>
-              </a:extLst>
-            </p:cNvPr>
-            <p:cNvGrpSpPr/>
-            <p:nvPr/>
-          </p:nvGrpSpPr>
-          <p:grpSpPr>
-            <a:xfrm>
-              <a:off x="662520" y="1657918"/>
-              <a:ext cx="467262" cy="478944"/>
-              <a:chOff x="1176035" y="1078819"/>
-              <a:chExt cx="304800" cy="312420"/>
-            </a:xfrm>
-          </p:grpSpPr>
-          <p:sp>
-            <p:nvSpPr>
-              <p:cNvPr id="81" name="Freeform: Shape 80">
-                <a:extLst>
-                  <a:ext uri="{FF2B5EF4-FFF2-40B4-BE49-F238E27FC236}">
-                    <a16:creationId xmlns:a16="http://schemas.microsoft.com/office/drawing/2014/main" id="{A7B79B70-E3F9-4982-B612-3222FC211883}"/>
-                  </a:ext>
-                </a:extLst>
-              </p:cNvPr>
-              <p:cNvSpPr/>
-              <p:nvPr/>
-            </p:nvSpPr>
-            <p:spPr>
-              <a:xfrm>
-                <a:off x="1176035" y="1305514"/>
-                <a:ext cx="304800" cy="85725"/>
-              </a:xfrm>
-              <a:custGeom>
-                <a:avLst/>
-                <a:gdLst>
-                  <a:gd name="connsiteX0" fmla="*/ 7348 w 304800"/>
-                  <a:gd name="connsiteY0" fmla="*/ 7348 h 85725"/>
-                  <a:gd name="connsiteX1" fmla="*/ 305481 w 304800"/>
-                  <a:gd name="connsiteY1" fmla="*/ 7348 h 85725"/>
-                  <a:gd name="connsiteX2" fmla="*/ 305481 w 304800"/>
-                  <a:gd name="connsiteY2" fmla="*/ 80691 h 85725"/>
-                  <a:gd name="connsiteX3" fmla="*/ 7348 w 304800"/>
-                  <a:gd name="connsiteY3" fmla="*/ 80691 h 85725"/>
-                </a:gdLst>
-                <a:ahLst/>
-                <a:cxnLst>
-                  <a:cxn ang="0">
-                    <a:pos x="connsiteX0" y="connsiteY0"/>
-                  </a:cxn>
-                  <a:cxn ang="0">
-                    <a:pos x="connsiteX1" y="connsiteY1"/>
-                  </a:cxn>
-                  <a:cxn ang="0">
-                    <a:pos x="connsiteX2" y="connsiteY2"/>
-                  </a:cxn>
-                  <a:cxn ang="0">
-                    <a:pos x="connsiteX3" y="connsiteY3"/>
-                  </a:cxn>
-                </a:cxnLst>
-                <a:rect l="l" t="t" r="r" b="b"/>
-                <a:pathLst>
-                  <a:path w="304800" h="85725">
-                    <a:moveTo>
-                      <a:pt x="7348" y="7348"/>
-                    </a:moveTo>
-                    <a:lnTo>
-                      <a:pt x="305481" y="7348"/>
-                    </a:lnTo>
-                    <a:lnTo>
-                      <a:pt x="305481" y="80691"/>
-                    </a:lnTo>
-                    <a:lnTo>
-                      <a:pt x="7348" y="80691"/>
-                    </a:lnTo>
-                    <a:close/>
-                  </a:path>
-                </a:pathLst>
-              </a:custGeom>
-              <a:noFill/>
-              <a:ln w="12700" cap="sq">
-                <a:solidFill>
-                  <a:schemeClr val="bg1"/>
-                </a:solidFill>
-                <a:prstDash val="solid"/>
-                <a:miter lim="800000"/>
-                <a:headEnd/>
-                <a:tailEnd/>
-              </a:ln>
-              <a:extLst>
-                <a:ext uri="{909E8E84-426E-40DD-AFC4-6F175D3DCCD1}">
-                  <a14:hiddenFill xmlns:a14="http://schemas.microsoft.com/office/drawing/2010/main">
-                    <a:solidFill>
-                      <a:srgbClr val="FFFFFF"/>
-                    </a:solidFill>
-                  </a14:hiddenFill>
-                </a:ext>
-              </a:extLst>
-            </p:spPr>
-            <p:txBody>
-              <a:bodyPr vert="horz" wrap="square" lIns="89642" tIns="44821" rIns="89642" bIns="44821" numCol="1" anchor="t" anchorCtr="0" compatLnSpc="1">
-                <a:prstTxWarp prst="textNoShape">
-                  <a:avLst/>
-                </a:prstTxWarp>
-              </a:bodyPr>
-              <a:lstStyle/>
-              <a:p>
-                <a:pPr defTabSz="914367"/>
-                <a:endParaRPr lang="en-US" sz="800">
-                  <a:gradFill>
-                    <a:gsLst>
-                      <a:gs pos="0">
-                        <a:srgbClr val="505050"/>
-                      </a:gs>
-                      <a:gs pos="100000">
-                        <a:srgbClr val="505050"/>
-                      </a:gs>
-                    </a:gsLst>
-                    <a:lin ang="5400000" scaled="1"/>
-                  </a:gradFill>
-                  <a:latin typeface="Segoe UI" panose="020B0502040204020203" pitchFamily="34" charset="0"/>
-                </a:endParaRPr>
-              </a:p>
-            </p:txBody>
-          </p:sp>
-          <p:sp>
-            <p:nvSpPr>
-              <p:cNvPr id="82" name="Freeform: Shape 81">
-                <a:extLst>
-                  <a:ext uri="{FF2B5EF4-FFF2-40B4-BE49-F238E27FC236}">
-                    <a16:creationId xmlns:a16="http://schemas.microsoft.com/office/drawing/2014/main" id="{CE2EC369-1EFD-4BE2-AD33-1D10A3279E2E}"/>
-                  </a:ext>
-                </a:extLst>
-              </p:cNvPr>
-              <p:cNvSpPr/>
-              <p:nvPr/>
-            </p:nvSpPr>
-            <p:spPr>
-              <a:xfrm>
-                <a:off x="1402730" y="1189309"/>
-                <a:ext cx="47625" cy="123825"/>
-              </a:xfrm>
-              <a:custGeom>
-                <a:avLst/>
-                <a:gdLst>
-                  <a:gd name="connsiteX0" fmla="*/ 48306 w 47625"/>
-                  <a:gd name="connsiteY0" fmla="*/ 123553 h 123825"/>
-                  <a:gd name="connsiteX1" fmla="*/ 48306 w 47625"/>
-                  <a:gd name="connsiteY1" fmla="*/ 42591 h 123825"/>
-                  <a:gd name="connsiteX2" fmla="*/ 7348 w 47625"/>
-                  <a:gd name="connsiteY2" fmla="*/ 7348 h 123825"/>
-                </a:gdLst>
-                <a:ahLst/>
-                <a:cxnLst>
-                  <a:cxn ang="0">
-                    <a:pos x="connsiteX0" y="connsiteY0"/>
-                  </a:cxn>
-                  <a:cxn ang="0">
-                    <a:pos x="connsiteX1" y="connsiteY1"/>
-                  </a:cxn>
-                  <a:cxn ang="0">
-                    <a:pos x="connsiteX2" y="connsiteY2"/>
-                  </a:cxn>
-                </a:cxnLst>
-                <a:rect l="l" t="t" r="r" b="b"/>
-                <a:pathLst>
-                  <a:path w="47625" h="123825">
-                    <a:moveTo>
-                      <a:pt x="48306" y="123553"/>
-                    </a:moveTo>
-                    <a:lnTo>
-                      <a:pt x="48306" y="42591"/>
-                    </a:lnTo>
-                    <a:lnTo>
-                      <a:pt x="7348" y="7348"/>
-                    </a:lnTo>
-                  </a:path>
-                </a:pathLst>
-              </a:custGeom>
-              <a:noFill/>
-              <a:ln w="12700" cap="sq">
-                <a:solidFill>
-                  <a:schemeClr val="bg1"/>
-                </a:solidFill>
-                <a:prstDash val="solid"/>
-                <a:miter lim="800000"/>
-                <a:headEnd/>
-                <a:tailEnd/>
-              </a:ln>
-              <a:extLst>
-                <a:ext uri="{909E8E84-426E-40DD-AFC4-6F175D3DCCD1}">
-                  <a14:hiddenFill xmlns:a14="http://schemas.microsoft.com/office/drawing/2010/main">
-                    <a:solidFill>
-                      <a:srgbClr val="FFFFFF"/>
-                    </a:solidFill>
-                  </a14:hiddenFill>
-                </a:ext>
-              </a:extLst>
-            </p:spPr>
-            <p:txBody>
-              <a:bodyPr vert="horz" wrap="square" lIns="89642" tIns="44821" rIns="89642" bIns="44821" numCol="1" anchor="t" anchorCtr="0" compatLnSpc="1">
-                <a:prstTxWarp prst="textNoShape">
-                  <a:avLst/>
-                </a:prstTxWarp>
-              </a:bodyPr>
-              <a:lstStyle/>
-              <a:p>
-                <a:pPr defTabSz="914367"/>
-                <a:endParaRPr lang="en-US" sz="800">
-                  <a:gradFill>
-                    <a:gsLst>
-                      <a:gs pos="0">
-                        <a:srgbClr val="505050"/>
-                      </a:gs>
-                      <a:gs pos="100000">
-                        <a:srgbClr val="505050"/>
-                      </a:gs>
-                    </a:gsLst>
-                    <a:lin ang="5400000" scaled="1"/>
-                  </a:gradFill>
-                  <a:latin typeface="Segoe UI" panose="020B0502040204020203" pitchFamily="34" charset="0"/>
-                </a:endParaRPr>
-              </a:p>
-            </p:txBody>
-          </p:sp>
-          <p:sp>
-            <p:nvSpPr>
-              <p:cNvPr id="83" name="Freeform: Shape 82">
-                <a:extLst>
-                  <a:ext uri="{FF2B5EF4-FFF2-40B4-BE49-F238E27FC236}">
-                    <a16:creationId xmlns:a16="http://schemas.microsoft.com/office/drawing/2014/main" id="{8DA7FBD9-3475-4D4E-B322-F2C7CF8404A9}"/>
-                  </a:ext>
-                </a:extLst>
-              </p:cNvPr>
-              <p:cNvSpPr/>
-              <p:nvPr/>
-            </p:nvSpPr>
-            <p:spPr>
-              <a:xfrm>
-                <a:off x="1378917" y="1166449"/>
-                <a:ext cx="38100" cy="38100"/>
-              </a:xfrm>
-              <a:custGeom>
-                <a:avLst/>
-                <a:gdLst>
-                  <a:gd name="connsiteX0" fmla="*/ 34018 w 38100"/>
-                  <a:gd name="connsiteY0" fmla="*/ 20683 h 38100"/>
-                  <a:gd name="connsiteX1" fmla="*/ 20683 w 38100"/>
-                  <a:gd name="connsiteY1" fmla="*/ 34018 h 38100"/>
-                  <a:gd name="connsiteX2" fmla="*/ 7348 w 38100"/>
-                  <a:gd name="connsiteY2" fmla="*/ 20683 h 38100"/>
-                  <a:gd name="connsiteX3" fmla="*/ 20683 w 38100"/>
-                  <a:gd name="connsiteY3" fmla="*/ 7348 h 38100"/>
-                  <a:gd name="connsiteX4" fmla="*/ 34018 w 38100"/>
-                  <a:gd name="connsiteY4" fmla="*/ 20683 h 38100"/>
-                </a:gdLst>
-                <a:ahLst/>
-                <a:cxnLst>
-                  <a:cxn ang="0">
-                    <a:pos x="connsiteX0" y="connsiteY0"/>
-                  </a:cxn>
-                  <a:cxn ang="0">
-                    <a:pos x="connsiteX1" y="connsiteY1"/>
-                  </a:cxn>
-                  <a:cxn ang="0">
-                    <a:pos x="connsiteX2" y="connsiteY2"/>
-                  </a:cxn>
-                  <a:cxn ang="0">
-                    <a:pos x="connsiteX3" y="connsiteY3"/>
-                  </a:cxn>
-                  <a:cxn ang="0">
-                    <a:pos x="connsiteX4" y="connsiteY4"/>
-                  </a:cxn>
-                </a:cxnLst>
-                <a:rect l="l" t="t" r="r" b="b"/>
-                <a:pathLst>
-                  <a:path w="38100" h="38100">
-                    <a:moveTo>
-                      <a:pt x="34018" y="20683"/>
-                    </a:moveTo>
-                    <a:cubicBezTo>
-                      <a:pt x="34018" y="28048"/>
-                      <a:pt x="28048" y="34018"/>
-                      <a:pt x="20683" y="34018"/>
-                    </a:cubicBezTo>
-                    <a:cubicBezTo>
-                      <a:pt x="13318" y="34018"/>
-                      <a:pt x="7348" y="28048"/>
-                      <a:pt x="7348" y="20683"/>
-                    </a:cubicBezTo>
-                    <a:cubicBezTo>
-                      <a:pt x="7348" y="13318"/>
-                      <a:pt x="13318" y="7348"/>
-                      <a:pt x="20683" y="7348"/>
-                    </a:cubicBezTo>
-                    <a:cubicBezTo>
-                      <a:pt x="28048" y="7348"/>
-                      <a:pt x="34018" y="13318"/>
-                      <a:pt x="34018" y="20683"/>
-                    </a:cubicBezTo>
-                    <a:close/>
-                  </a:path>
-                </a:pathLst>
-              </a:custGeom>
-              <a:noFill/>
-              <a:ln w="12700" cap="sq">
-                <a:solidFill>
-                  <a:schemeClr val="bg1"/>
-                </a:solidFill>
-                <a:prstDash val="solid"/>
-                <a:miter lim="800000"/>
-                <a:headEnd/>
-                <a:tailEnd/>
-              </a:ln>
-              <a:extLst>
-                <a:ext uri="{909E8E84-426E-40DD-AFC4-6F175D3DCCD1}">
-                  <a14:hiddenFill xmlns:a14="http://schemas.microsoft.com/office/drawing/2010/main">
-                    <a:solidFill>
-                      <a:srgbClr val="FFFFFF"/>
-                    </a:solidFill>
-                  </a14:hiddenFill>
-                </a:ext>
-              </a:extLst>
-            </p:spPr>
-            <p:txBody>
-              <a:bodyPr vert="horz" wrap="square" lIns="89642" tIns="44821" rIns="89642" bIns="44821" numCol="1" anchor="t" anchorCtr="0" compatLnSpc="1">
-                <a:prstTxWarp prst="textNoShape">
-                  <a:avLst/>
-                </a:prstTxWarp>
-              </a:bodyPr>
-              <a:lstStyle/>
-              <a:p>
-                <a:pPr defTabSz="914367"/>
-                <a:endParaRPr lang="en-US" sz="800">
-                  <a:gradFill>
-                    <a:gsLst>
-                      <a:gs pos="0">
-                        <a:srgbClr val="505050"/>
-                      </a:gs>
-                      <a:gs pos="100000">
-                        <a:srgbClr val="505050"/>
-                      </a:gs>
-                    </a:gsLst>
-                    <a:lin ang="5400000" scaled="1"/>
-                  </a:gradFill>
-                  <a:latin typeface="Segoe UI" panose="020B0502040204020203" pitchFamily="34" charset="0"/>
-                </a:endParaRPr>
-              </a:p>
-            </p:txBody>
-          </p:sp>
-          <p:sp>
-            <p:nvSpPr>
-              <p:cNvPr id="84" name="Freeform: Shape 83">
-                <a:extLst>
-                  <a:ext uri="{FF2B5EF4-FFF2-40B4-BE49-F238E27FC236}">
-                    <a16:creationId xmlns:a16="http://schemas.microsoft.com/office/drawing/2014/main" id="{810FC5BB-3581-4782-B063-7CE6999E664E}"/>
-                  </a:ext>
-                </a:extLst>
-              </p:cNvPr>
-              <p:cNvSpPr/>
-              <p:nvPr/>
-            </p:nvSpPr>
-            <p:spPr>
-              <a:xfrm>
-                <a:off x="1217945" y="1078819"/>
-                <a:ext cx="200025" cy="228600"/>
-              </a:xfrm>
-              <a:custGeom>
-                <a:avLst/>
-                <a:gdLst>
-                  <a:gd name="connsiteX0" fmla="*/ 41638 w 200025"/>
-                  <a:gd name="connsiteY0" fmla="*/ 69261 h 228600"/>
-                  <a:gd name="connsiteX1" fmla="*/ 101646 w 200025"/>
-                  <a:gd name="connsiteY1" fmla="*/ 7348 h 228600"/>
-                  <a:gd name="connsiteX2" fmla="*/ 161653 w 200025"/>
-                  <a:gd name="connsiteY2" fmla="*/ 69261 h 228600"/>
-                  <a:gd name="connsiteX3" fmla="*/ 101646 w 200025"/>
-                  <a:gd name="connsiteY3" fmla="*/ 131173 h 228600"/>
-                  <a:gd name="connsiteX4" fmla="*/ 41638 w 200025"/>
-                  <a:gd name="connsiteY4" fmla="*/ 69261 h 228600"/>
-                  <a:gd name="connsiteX5" fmla="*/ 41638 w 200025"/>
-                  <a:gd name="connsiteY5" fmla="*/ 69261 h 228600"/>
-                  <a:gd name="connsiteX6" fmla="*/ 194991 w 200025"/>
-                  <a:gd name="connsiteY6" fmla="*/ 229281 h 228600"/>
-                  <a:gd name="connsiteX7" fmla="*/ 101646 w 200025"/>
-                  <a:gd name="connsiteY7" fmla="*/ 131173 h 228600"/>
-                  <a:gd name="connsiteX8" fmla="*/ 7348 w 200025"/>
-                  <a:gd name="connsiteY8" fmla="*/ 229281 h 228600"/>
-                  <a:gd name="connsiteX9" fmla="*/ 64498 w 200025"/>
-                  <a:gd name="connsiteY9" fmla="*/ 143556 h 228600"/>
-                  <a:gd name="connsiteX10" fmla="*/ 101646 w 200025"/>
-                  <a:gd name="connsiteY10" fmla="*/ 178798 h 228600"/>
-                  <a:gd name="connsiteX11" fmla="*/ 137841 w 200025"/>
-                  <a:gd name="connsiteY11" fmla="*/ 143556 h 228600"/>
-                </a:gdLst>
-                <a:ahLst/>
-                <a:cxnLst>
-                  <a:cxn ang="0">
-                    <a:pos x="connsiteX0" y="connsiteY0"/>
-                  </a:cxn>
-                  <a:cxn ang="0">
-                    <a:pos x="connsiteX1" y="connsiteY1"/>
-                  </a:cxn>
-                  <a:cxn ang="0">
-                    <a:pos x="connsiteX2" y="connsiteY2"/>
-                  </a:cxn>
-                  <a:cxn ang="0">
-                    <a:pos x="connsiteX3" y="connsiteY3"/>
-                  </a:cxn>
-                  <a:cxn ang="0">
-                    <a:pos x="connsiteX4" y="connsiteY4"/>
-                  </a:cxn>
-                  <a:cxn ang="0">
-                    <a:pos x="connsiteX5" y="connsiteY5"/>
-                  </a:cxn>
-                  <a:cxn ang="0">
-                    <a:pos x="connsiteX6" y="connsiteY6"/>
-                  </a:cxn>
-                  <a:cxn ang="0">
-                    <a:pos x="connsiteX7" y="connsiteY7"/>
-                  </a:cxn>
-                  <a:cxn ang="0">
-                    <a:pos x="connsiteX8" y="connsiteY8"/>
-                  </a:cxn>
-                  <a:cxn ang="0">
-                    <a:pos x="connsiteX9" y="connsiteY9"/>
-                  </a:cxn>
-                  <a:cxn ang="0">
-                    <a:pos x="connsiteX10" y="connsiteY10"/>
-                  </a:cxn>
-                  <a:cxn ang="0">
-                    <a:pos x="connsiteX11" y="connsiteY11"/>
-                  </a:cxn>
-                </a:cxnLst>
-                <a:rect l="l" t="t" r="r" b="b"/>
-                <a:pathLst>
-                  <a:path w="200025" h="228600">
-                    <a:moveTo>
-                      <a:pt x="41638" y="69261"/>
-                    </a:moveTo>
-                    <a:cubicBezTo>
-                      <a:pt x="41638" y="34971"/>
-                      <a:pt x="68308" y="7348"/>
-                      <a:pt x="101646" y="7348"/>
-                    </a:cubicBezTo>
-                    <a:cubicBezTo>
-                      <a:pt x="134031" y="7348"/>
-                      <a:pt x="161653" y="35923"/>
-                      <a:pt x="161653" y="69261"/>
-                    </a:cubicBezTo>
-                    <a:cubicBezTo>
-                      <a:pt x="161653" y="103551"/>
-                      <a:pt x="134983" y="131173"/>
-                      <a:pt x="101646" y="131173"/>
-                    </a:cubicBezTo>
-                    <a:cubicBezTo>
-                      <a:pt x="68308" y="131173"/>
-                      <a:pt x="41638" y="103551"/>
-                      <a:pt x="41638" y="69261"/>
-                    </a:cubicBezTo>
-                    <a:lnTo>
-                      <a:pt x="41638" y="69261"/>
-                    </a:lnTo>
-                    <a:close/>
-                    <a:moveTo>
-                      <a:pt x="194991" y="229281"/>
-                    </a:moveTo>
-                    <a:cubicBezTo>
-                      <a:pt x="194991" y="174988"/>
-                      <a:pt x="153081" y="131173"/>
-                      <a:pt x="101646" y="131173"/>
-                    </a:cubicBezTo>
-                    <a:cubicBezTo>
-                      <a:pt x="50211" y="131173"/>
-                      <a:pt x="7348" y="174988"/>
-                      <a:pt x="7348" y="229281"/>
-                    </a:cubicBezTo>
-                    <a:moveTo>
-                      <a:pt x="64498" y="143556"/>
-                    </a:moveTo>
-                    <a:cubicBezTo>
-                      <a:pt x="101646" y="178798"/>
-                      <a:pt x="101646" y="178798"/>
-                      <a:pt x="101646" y="178798"/>
-                    </a:cubicBezTo>
-                    <a:cubicBezTo>
-                      <a:pt x="137841" y="143556"/>
-                      <a:pt x="137841" y="143556"/>
-                      <a:pt x="137841" y="143556"/>
-                    </a:cubicBezTo>
-                  </a:path>
-                </a:pathLst>
-              </a:custGeom>
-              <a:noFill/>
-              <a:ln w="12700" cap="sq">
-                <a:solidFill>
-                  <a:schemeClr val="bg1"/>
-                </a:solidFill>
-                <a:prstDash val="solid"/>
-                <a:miter lim="800000"/>
-                <a:headEnd/>
-                <a:tailEnd/>
-              </a:ln>
-              <a:extLst>
-                <a:ext uri="{909E8E84-426E-40DD-AFC4-6F175D3DCCD1}">
-                  <a14:hiddenFill xmlns:a14="http://schemas.microsoft.com/office/drawing/2010/main">
-                    <a:solidFill>
-                      <a:srgbClr val="FFFFFF"/>
-                    </a:solidFill>
-                  </a14:hiddenFill>
-                </a:ext>
-              </a:extLst>
-            </p:spPr>
-            <p:txBody>
-              <a:bodyPr vert="horz" wrap="square" lIns="89642" tIns="44821" rIns="89642" bIns="44821" numCol="1" anchor="t" anchorCtr="0" compatLnSpc="1">
-                <a:prstTxWarp prst="textNoShape">
-                  <a:avLst/>
-                </a:prstTxWarp>
-              </a:bodyPr>
-              <a:lstStyle/>
-              <a:p>
-                <a:pPr defTabSz="914367"/>
-                <a:endParaRPr lang="en-US" sz="800">
-                  <a:gradFill>
-                    <a:gsLst>
-                      <a:gs pos="0">
-                        <a:srgbClr val="505050"/>
-                      </a:gs>
-                      <a:gs pos="100000">
-                        <a:srgbClr val="505050"/>
-                      </a:gs>
-                    </a:gsLst>
-                    <a:lin ang="5400000" scaled="1"/>
-                  </a:gradFill>
-                  <a:latin typeface="Segoe UI" panose="020B0502040204020203" pitchFamily="34" charset="0"/>
-                </a:endParaRPr>
-              </a:p>
-            </p:txBody>
-          </p:sp>
-        </p:grpSp>
-      </p:grpSp>
-      <p:grpSp>
-        <p:nvGrpSpPr>
-          <p:cNvPr id="5" name="Group 4">
-            <a:extLst>
-              <a:ext uri="{FF2B5EF4-FFF2-40B4-BE49-F238E27FC236}">
-                <a16:creationId xmlns:a16="http://schemas.microsoft.com/office/drawing/2014/main" id="{14BFB72F-C6A3-4A50-802E-6A959006143D}"/>
-              </a:ext>
-            </a:extLst>
-          </p:cNvPr>
-          <p:cNvGrpSpPr/>
-          <p:nvPr/>
-        </p:nvGrpSpPr>
-        <p:grpSpPr>
-          <a:xfrm>
-            <a:off x="451008" y="2687696"/>
-            <a:ext cx="869112" cy="869112"/>
-            <a:chOff x="451008" y="2687696"/>
-            <a:chExt cx="869112" cy="869112"/>
-          </a:xfrm>
-        </p:grpSpPr>
-        <p:sp>
-          <p:nvSpPr>
-            <p:cNvPr id="78" name="Oval 77">
-              <a:extLst>
-                <a:ext uri="{FF2B5EF4-FFF2-40B4-BE49-F238E27FC236}">
-                  <a16:creationId xmlns:a16="http://schemas.microsoft.com/office/drawing/2014/main" id="{2C578D69-A90C-43AC-85FA-EEE41E4F93A2}"/>
-                </a:ext>
-              </a:extLst>
-            </p:cNvPr>
-            <p:cNvSpPr/>
-            <p:nvPr/>
-          </p:nvSpPr>
-          <p:spPr bwMode="auto">
-            <a:xfrm>
-              <a:off x="451008" y="2687696"/>
-              <a:ext cx="869112" cy="869112"/>
-            </a:xfrm>
-            <a:prstGeom prst="ellipse">
-              <a:avLst/>
-            </a:prstGeom>
-            <a:solidFill>
-              <a:srgbClr val="008272"/>
-            </a:solidFill>
-            <a:ln>
-              <a:noFill/>
-              <a:headEnd type="none" w="med" len="med"/>
-              <a:tailEnd type="none" w="med" len="med"/>
-            </a:ln>
-            <a:effectLst/>
-          </p:spPr>
-          <p:style>
-            <a:lnRef idx="1">
-              <a:schemeClr val="accent2"/>
-            </a:lnRef>
-            <a:fillRef idx="3">
-              <a:schemeClr val="accent2"/>
-            </a:fillRef>
-            <a:effectRef idx="2">
-              <a:schemeClr val="accent2"/>
-            </a:effectRef>
-            <a:fontRef idx="minor">
-              <a:schemeClr val="lt1"/>
-            </a:fontRef>
-          </p:style>
-          <p:txBody>
-            <a:bodyPr rot="0" spcFirstLastPara="0" vertOverflow="overflow" horzOverflow="overflow" vert="horz" wrap="square" lIns="179285" tIns="143428" rIns="179285" bIns="143428" numCol="1" spcCol="0" rtlCol="0" fromWordArt="0" anchor="t" anchorCtr="0" forceAA="0" compatLnSpc="1">
-              <a:prstTxWarp prst="textNoShape">
-                <a:avLst/>
-              </a:prstTxWarp>
-              <a:noAutofit/>
-            </a:bodyPr>
-            <a:lstStyle/>
-            <a:p>
-              <a:pPr algn="ctr" defTabSz="914102" fontAlgn="base">
-                <a:spcBef>
-                  <a:spcPct val="0"/>
-                </a:spcBef>
-                <a:spcAft>
-                  <a:spcPct val="0"/>
-                </a:spcAft>
-                <a:defRPr/>
-              </a:pPr>
-              <a:endParaRPr lang="en-US" sz="2000">
-                <a:gradFill>
-                  <a:gsLst>
-                    <a:gs pos="0">
-                      <a:srgbClr val="FFFFFF"/>
-                    </a:gs>
-                    <a:gs pos="100000">
-                      <a:srgbClr val="FFFFFF"/>
-                    </a:gs>
-                  </a:gsLst>
-                  <a:lin ang="5400000" scaled="0"/>
-                </a:gradFill>
-                <a:latin typeface="Segoe UI Light"/>
-                <a:ea typeface="Segoe UI" pitchFamily="34" charset="0"/>
-                <a:cs typeface="Segoe UI" pitchFamily="34" charset="0"/>
-              </a:endParaRPr>
-            </a:p>
-          </p:txBody>
-        </p:sp>
-        <p:sp>
-          <p:nvSpPr>
-            <p:cNvPr id="85" name="Market_EAFC" title="Icon of a line graph with an arrow at the end pointing up">
-              <a:extLst>
-                <a:ext uri="{FF2B5EF4-FFF2-40B4-BE49-F238E27FC236}">
-                  <a16:creationId xmlns:a16="http://schemas.microsoft.com/office/drawing/2014/main" id="{4B3EC8D3-FF5B-4A0A-AB28-591C4CE9ECEC}"/>
-                </a:ext>
-              </a:extLst>
-            </p:cNvPr>
-            <p:cNvSpPr>
-              <a:spLocks noChangeAspect="1" noEditPoints="1"/>
-            </p:cNvSpPr>
-            <p:nvPr/>
-          </p:nvSpPr>
-          <p:spPr bwMode="auto">
-            <a:xfrm>
-              <a:off x="624903" y="2964181"/>
-              <a:ext cx="521324" cy="316144"/>
-            </a:xfrm>
-            <a:custGeom>
-              <a:avLst/>
-              <a:gdLst>
-                <a:gd name="T0" fmla="*/ 4688 w 6657"/>
-                <a:gd name="T1" fmla="*/ 0 h 4037"/>
-                <a:gd name="T2" fmla="*/ 6657 w 6657"/>
-                <a:gd name="T3" fmla="*/ 0 h 4037"/>
-                <a:gd name="T4" fmla="*/ 6657 w 6657"/>
-                <a:gd name="T5" fmla="*/ 1970 h 4037"/>
-                <a:gd name="T6" fmla="*/ 0 w 6657"/>
-                <a:gd name="T7" fmla="*/ 4037 h 4037"/>
-                <a:gd name="T8" fmla="*/ 2501 w 6657"/>
-                <a:gd name="T9" fmla="*/ 1532 h 4037"/>
-                <a:gd name="T10" fmla="*/ 3813 w 6657"/>
-                <a:gd name="T11" fmla="*/ 2846 h 4037"/>
-                <a:gd name="T12" fmla="*/ 6657 w 6657"/>
-                <a:gd name="T13" fmla="*/ 0 h 4037"/>
-              </a:gdLst>
-              <a:ahLst/>
-              <a:cxnLst>
-                <a:cxn ang="0">
-                  <a:pos x="T0" y="T1"/>
-                </a:cxn>
-                <a:cxn ang="0">
-                  <a:pos x="T2" y="T3"/>
-                </a:cxn>
-                <a:cxn ang="0">
-                  <a:pos x="T4" y="T5"/>
-                </a:cxn>
-                <a:cxn ang="0">
-                  <a:pos x="T6" y="T7"/>
-                </a:cxn>
-                <a:cxn ang="0">
-                  <a:pos x="T8" y="T9"/>
-                </a:cxn>
-                <a:cxn ang="0">
-                  <a:pos x="T10" y="T11"/>
-                </a:cxn>
-                <a:cxn ang="0">
-                  <a:pos x="T12" y="T13"/>
-                </a:cxn>
-              </a:cxnLst>
-              <a:rect l="0" t="0" r="r" b="b"/>
-              <a:pathLst>
-                <a:path w="6657" h="4037">
-                  <a:moveTo>
-                    <a:pt x="4688" y="0"/>
-                  </a:moveTo>
-                  <a:lnTo>
-                    <a:pt x="6657" y="0"/>
-                  </a:lnTo>
-                  <a:lnTo>
-                    <a:pt x="6657" y="1970"/>
-                  </a:lnTo>
-                  <a:moveTo>
-                    <a:pt x="0" y="4037"/>
-                  </a:moveTo>
-                  <a:lnTo>
-                    <a:pt x="2501" y="1532"/>
-                  </a:lnTo>
-                  <a:lnTo>
-                    <a:pt x="3813" y="2846"/>
-                  </a:lnTo>
-                  <a:lnTo>
-                    <a:pt x="6657" y="0"/>
-                  </a:lnTo>
-                </a:path>
-              </a:pathLst>
-            </a:custGeom>
-            <a:noFill/>
-            <a:ln w="12700" cap="sq">
-              <a:solidFill>
-                <a:schemeClr val="bg1"/>
-              </a:solidFill>
-              <a:prstDash val="solid"/>
-              <a:miter lim="800000"/>
-              <a:headEnd/>
-              <a:tailEnd/>
-            </a:ln>
-            <a:extLst>
-              <a:ext uri="{909E8E84-426E-40DD-AFC4-6F175D3DCCD1}">
-                <a14:hiddenFill xmlns:a14="http://schemas.microsoft.com/office/drawing/2010/main">
-                  <a:solidFill>
-                    <a:srgbClr val="FFFFFF"/>
-                  </a:solidFill>
-                </a14:hiddenFill>
-              </a:ext>
-            </a:extLst>
-          </p:spPr>
-          <p:txBody>
-            <a:bodyPr vert="horz" wrap="square" lIns="89642" tIns="44821" rIns="89642" bIns="44821" numCol="1" anchor="t" anchorCtr="0" compatLnSpc="1">
-              <a:prstTxWarp prst="textNoShape">
-                <a:avLst/>
-              </a:prstTxWarp>
-            </a:bodyPr>
-            <a:lstStyle/>
-            <a:p>
-              <a:pPr defTabSz="914367"/>
-              <a:endParaRPr lang="en-US" sz="800">
-                <a:gradFill>
-                  <a:gsLst>
-                    <a:gs pos="0">
-                      <a:srgbClr val="505050"/>
-                    </a:gs>
-                    <a:gs pos="100000">
-                      <a:srgbClr val="505050"/>
-                    </a:gs>
-                  </a:gsLst>
-                  <a:lin ang="5400000" scaled="1"/>
-                </a:gradFill>
-                <a:latin typeface="Segoe UI" panose="020B0502040204020203" pitchFamily="34" charset="0"/>
-              </a:endParaRPr>
-            </a:p>
-          </p:txBody>
-        </p:sp>
-      </p:grpSp>
-      <p:grpSp>
-        <p:nvGrpSpPr>
-          <p:cNvPr id="6" name="Group 5">
-            <a:extLst>
-              <a:ext uri="{FF2B5EF4-FFF2-40B4-BE49-F238E27FC236}">
-                <a16:creationId xmlns:a16="http://schemas.microsoft.com/office/drawing/2014/main" id="{C3647812-0D66-49D9-93B5-9F8063083087}"/>
-              </a:ext>
-            </a:extLst>
-          </p:cNvPr>
-          <p:cNvGrpSpPr/>
-          <p:nvPr/>
-        </p:nvGrpSpPr>
-        <p:grpSpPr>
-          <a:xfrm>
-            <a:off x="461595" y="3912558"/>
-            <a:ext cx="869112" cy="869112"/>
-            <a:chOff x="461595" y="3912558"/>
-            <a:chExt cx="869112" cy="869112"/>
-          </a:xfrm>
-        </p:grpSpPr>
-        <p:sp>
-          <p:nvSpPr>
-            <p:cNvPr id="56" name="Oval 55">
-              <a:extLst>
-                <a:ext uri="{FF2B5EF4-FFF2-40B4-BE49-F238E27FC236}">
-                  <a16:creationId xmlns:a16="http://schemas.microsoft.com/office/drawing/2014/main" id="{5F865558-3254-47B6-89A0-89EC7D5BF85F}"/>
-                </a:ext>
-              </a:extLst>
-            </p:cNvPr>
-            <p:cNvSpPr/>
-            <p:nvPr/>
-          </p:nvSpPr>
-          <p:spPr bwMode="auto">
-            <a:xfrm>
-              <a:off x="461595" y="3912558"/>
-              <a:ext cx="869112" cy="869112"/>
-            </a:xfrm>
-            <a:prstGeom prst="ellipse">
-              <a:avLst/>
-            </a:prstGeom>
-            <a:solidFill>
-              <a:srgbClr val="008272"/>
-            </a:solidFill>
-            <a:ln>
-              <a:noFill/>
-              <a:headEnd type="none" w="med" len="med"/>
-              <a:tailEnd type="none" w="med" len="med"/>
-            </a:ln>
-            <a:effectLst/>
-          </p:spPr>
-          <p:style>
-            <a:lnRef idx="1">
-              <a:schemeClr val="accent2"/>
-            </a:lnRef>
-            <a:fillRef idx="3">
-              <a:schemeClr val="accent2"/>
-            </a:fillRef>
-            <a:effectRef idx="2">
-              <a:schemeClr val="accent2"/>
-            </a:effectRef>
-            <a:fontRef idx="minor">
-              <a:schemeClr val="lt1"/>
-            </a:fontRef>
-          </p:style>
-          <p:txBody>
-            <a:bodyPr rot="0" spcFirstLastPara="0" vertOverflow="overflow" horzOverflow="overflow" vert="horz" wrap="square" lIns="179285" tIns="143428" rIns="179285" bIns="143428" numCol="1" spcCol="0" rtlCol="0" fromWordArt="0" anchor="t" anchorCtr="0" forceAA="0" compatLnSpc="1">
-              <a:prstTxWarp prst="textNoShape">
-                <a:avLst/>
-              </a:prstTxWarp>
-              <a:noAutofit/>
-            </a:bodyPr>
-            <a:lstStyle/>
-            <a:p>
-              <a:pPr algn="ctr" defTabSz="914102" fontAlgn="base">
-                <a:spcBef>
-                  <a:spcPct val="0"/>
-                </a:spcBef>
-                <a:spcAft>
-                  <a:spcPct val="0"/>
-                </a:spcAft>
-                <a:defRPr/>
-              </a:pPr>
-              <a:endParaRPr lang="en-US" sz="2000">
-                <a:gradFill>
-                  <a:gsLst>
-                    <a:gs pos="0">
-                      <a:srgbClr val="FFFFFF"/>
-                    </a:gs>
-                    <a:gs pos="100000">
-                      <a:srgbClr val="FFFFFF"/>
-                    </a:gs>
-                  </a:gsLst>
-                  <a:lin ang="5400000" scaled="0"/>
-                </a:gradFill>
-                <a:latin typeface="Segoe UI Light"/>
-                <a:ea typeface="Segoe UI" pitchFamily="34" charset="0"/>
-                <a:cs typeface="Segoe UI" pitchFamily="34" charset="0"/>
-              </a:endParaRPr>
-            </a:p>
-          </p:txBody>
-        </p:sp>
-        <p:grpSp>
-          <p:nvGrpSpPr>
-            <p:cNvPr id="86" name="Group 85">
-              <a:extLst>
-                <a:ext uri="{FF2B5EF4-FFF2-40B4-BE49-F238E27FC236}">
-                  <a16:creationId xmlns:a16="http://schemas.microsoft.com/office/drawing/2014/main" id="{8E7535BF-534D-45E5-8BCB-EB296D4086D8}"/>
-                </a:ext>
-              </a:extLst>
-            </p:cNvPr>
-            <p:cNvGrpSpPr/>
-            <p:nvPr/>
-          </p:nvGrpSpPr>
-          <p:grpSpPr>
-            <a:xfrm>
-              <a:off x="581765" y="4109792"/>
-              <a:ext cx="628772" cy="416263"/>
-              <a:chOff x="5153606" y="3331791"/>
-              <a:chExt cx="479108" cy="317183"/>
-            </a:xfrm>
-          </p:grpSpPr>
-          <p:sp>
-            <p:nvSpPr>
-              <p:cNvPr id="87" name="Freeform: Shape 86">
-                <a:extLst>
-                  <a:ext uri="{FF2B5EF4-FFF2-40B4-BE49-F238E27FC236}">
-                    <a16:creationId xmlns:a16="http://schemas.microsoft.com/office/drawing/2014/main" id="{0010C3D2-94B7-4A2F-AC26-2CEF533A7269}"/>
-                  </a:ext>
-                </a:extLst>
-              </p:cNvPr>
-              <p:cNvSpPr/>
-              <p:nvPr/>
-            </p:nvSpPr>
-            <p:spPr>
-              <a:xfrm>
-                <a:off x="5537464" y="3411801"/>
-                <a:ext cx="66675" cy="66675"/>
-              </a:xfrm>
-              <a:custGeom>
-                <a:avLst/>
-                <a:gdLst>
-                  <a:gd name="connsiteX0" fmla="*/ 7355 w 66675"/>
-                  <a:gd name="connsiteY0" fmla="*/ 7355 h 66675"/>
-                  <a:gd name="connsiteX1" fmla="*/ 63553 w 66675"/>
-                  <a:gd name="connsiteY1" fmla="*/ 7355 h 66675"/>
-                  <a:gd name="connsiteX2" fmla="*/ 63553 w 66675"/>
-                  <a:gd name="connsiteY2" fmla="*/ 66410 h 66675"/>
-                  <a:gd name="connsiteX3" fmla="*/ 7355 w 66675"/>
-                  <a:gd name="connsiteY3" fmla="*/ 66410 h 66675"/>
-                  <a:gd name="connsiteX4" fmla="*/ 7355 w 66675"/>
-                  <a:gd name="connsiteY4" fmla="*/ 7355 h 66675"/>
-                </a:gdLst>
-                <a:ahLst/>
-                <a:cxnLst>
-                  <a:cxn ang="0">
-                    <a:pos x="connsiteX0" y="connsiteY0"/>
-                  </a:cxn>
-                  <a:cxn ang="0">
-                    <a:pos x="connsiteX1" y="connsiteY1"/>
-                  </a:cxn>
-                  <a:cxn ang="0">
-                    <a:pos x="connsiteX2" y="connsiteY2"/>
-                  </a:cxn>
-                  <a:cxn ang="0">
-                    <a:pos x="connsiteX3" y="connsiteY3"/>
-                  </a:cxn>
-                  <a:cxn ang="0">
-                    <a:pos x="connsiteX4" y="connsiteY4"/>
-                  </a:cxn>
-                </a:cxnLst>
-                <a:rect l="l" t="t" r="r" b="b"/>
-                <a:pathLst>
-                  <a:path w="66675" h="66675">
-                    <a:moveTo>
-                      <a:pt x="7355" y="7355"/>
-                    </a:moveTo>
-                    <a:lnTo>
-                      <a:pt x="63553" y="7355"/>
-                    </a:lnTo>
-                    <a:lnTo>
-                      <a:pt x="63553" y="66410"/>
-                    </a:lnTo>
-                    <a:lnTo>
-                      <a:pt x="7355" y="66410"/>
-                    </a:lnTo>
-                    <a:lnTo>
-                      <a:pt x="7355" y="7355"/>
-                    </a:lnTo>
-                    <a:close/>
-                  </a:path>
-                </a:pathLst>
-              </a:custGeom>
-              <a:noFill/>
-              <a:ln w="12700" cap="sq">
-                <a:solidFill>
-                  <a:schemeClr val="bg1"/>
-                </a:solidFill>
-                <a:prstDash val="solid"/>
-                <a:miter lim="800000"/>
-                <a:headEnd/>
-                <a:tailEnd/>
-              </a:ln>
-              <a:extLst>
-                <a:ext uri="{909E8E84-426E-40DD-AFC4-6F175D3DCCD1}">
-                  <a14:hiddenFill xmlns:a14="http://schemas.microsoft.com/office/drawing/2010/main">
-                    <a:solidFill>
-                      <a:srgbClr val="FFFFFF"/>
-                    </a:solidFill>
-                  </a14:hiddenFill>
-                </a:ext>
-              </a:extLst>
-            </p:spPr>
-            <p:txBody>
-              <a:bodyPr vert="horz" wrap="square" lIns="89642" tIns="44821" rIns="89642" bIns="44821" numCol="1" anchor="t" anchorCtr="0" compatLnSpc="1">
-                <a:prstTxWarp prst="textNoShape">
-                  <a:avLst/>
-                </a:prstTxWarp>
-              </a:bodyPr>
-              <a:lstStyle/>
-              <a:p>
-                <a:pPr defTabSz="914367"/>
-                <a:endParaRPr lang="en-US" sz="800">
-                  <a:gradFill>
-                    <a:gsLst>
-                      <a:gs pos="0">
-                        <a:srgbClr val="505050"/>
-                      </a:gs>
-                      <a:gs pos="100000">
-                        <a:srgbClr val="505050"/>
-                      </a:gs>
-                    </a:gsLst>
-                    <a:lin ang="5400000" scaled="1"/>
-                  </a:gradFill>
-                  <a:latin typeface="Segoe UI" panose="020B0502040204020203" pitchFamily="34" charset="0"/>
-                </a:endParaRPr>
-              </a:p>
-            </p:txBody>
-          </p:sp>
-          <p:sp>
-            <p:nvSpPr>
-              <p:cNvPr id="88" name="Freeform: Shape 87">
-                <a:extLst>
-                  <a:ext uri="{FF2B5EF4-FFF2-40B4-BE49-F238E27FC236}">
-                    <a16:creationId xmlns:a16="http://schemas.microsoft.com/office/drawing/2014/main" id="{602BB561-779C-42AE-9F55-0D632EE8FD17}"/>
-                  </a:ext>
-                </a:extLst>
-              </p:cNvPr>
-              <p:cNvSpPr/>
-              <p:nvPr/>
-            </p:nvSpPr>
-            <p:spPr>
-              <a:xfrm>
-                <a:off x="5537464" y="3499431"/>
-                <a:ext cx="66675" cy="66675"/>
-              </a:xfrm>
-              <a:custGeom>
-                <a:avLst/>
-                <a:gdLst>
-                  <a:gd name="connsiteX0" fmla="*/ 7355 w 66675"/>
-                  <a:gd name="connsiteY0" fmla="*/ 7355 h 66675"/>
-                  <a:gd name="connsiteX1" fmla="*/ 63553 w 66675"/>
-                  <a:gd name="connsiteY1" fmla="*/ 7355 h 66675"/>
-                  <a:gd name="connsiteX2" fmla="*/ 63553 w 66675"/>
-                  <a:gd name="connsiteY2" fmla="*/ 66410 h 66675"/>
-                  <a:gd name="connsiteX3" fmla="*/ 7355 w 66675"/>
-                  <a:gd name="connsiteY3" fmla="*/ 66410 h 66675"/>
-                  <a:gd name="connsiteX4" fmla="*/ 7355 w 66675"/>
-                  <a:gd name="connsiteY4" fmla="*/ 7355 h 66675"/>
-                </a:gdLst>
-                <a:ahLst/>
-                <a:cxnLst>
-                  <a:cxn ang="0">
-                    <a:pos x="connsiteX0" y="connsiteY0"/>
-                  </a:cxn>
-                  <a:cxn ang="0">
-                    <a:pos x="connsiteX1" y="connsiteY1"/>
-                  </a:cxn>
-                  <a:cxn ang="0">
-                    <a:pos x="connsiteX2" y="connsiteY2"/>
-                  </a:cxn>
-                  <a:cxn ang="0">
-                    <a:pos x="connsiteX3" y="connsiteY3"/>
-                  </a:cxn>
-                  <a:cxn ang="0">
-                    <a:pos x="connsiteX4" y="connsiteY4"/>
-                  </a:cxn>
-                </a:cxnLst>
-                <a:rect l="l" t="t" r="r" b="b"/>
-                <a:pathLst>
-                  <a:path w="66675" h="66675">
-                    <a:moveTo>
-                      <a:pt x="7355" y="7355"/>
-                    </a:moveTo>
-                    <a:lnTo>
-                      <a:pt x="63553" y="7355"/>
-                    </a:lnTo>
-                    <a:lnTo>
-                      <a:pt x="63553" y="66410"/>
-                    </a:lnTo>
-                    <a:lnTo>
-                      <a:pt x="7355" y="66410"/>
-                    </a:lnTo>
-                    <a:lnTo>
-                      <a:pt x="7355" y="7355"/>
-                    </a:lnTo>
-                    <a:close/>
-                  </a:path>
-                </a:pathLst>
-              </a:custGeom>
-              <a:noFill/>
-              <a:ln w="12700" cap="sq">
-                <a:solidFill>
-                  <a:schemeClr val="bg1"/>
-                </a:solidFill>
-                <a:prstDash val="solid"/>
-                <a:miter lim="800000"/>
-                <a:headEnd/>
-                <a:tailEnd/>
-              </a:ln>
-              <a:extLst>
-                <a:ext uri="{909E8E84-426E-40DD-AFC4-6F175D3DCCD1}">
-                  <a14:hiddenFill xmlns:a14="http://schemas.microsoft.com/office/drawing/2010/main">
-                    <a:solidFill>
-                      <a:srgbClr val="FFFFFF"/>
-                    </a:solidFill>
-                  </a14:hiddenFill>
-                </a:ext>
-              </a:extLst>
-            </p:spPr>
-            <p:txBody>
-              <a:bodyPr vert="horz" wrap="square" lIns="89642" tIns="44821" rIns="89642" bIns="44821" numCol="1" anchor="t" anchorCtr="0" compatLnSpc="1">
-                <a:prstTxWarp prst="textNoShape">
-                  <a:avLst/>
-                </a:prstTxWarp>
-              </a:bodyPr>
-              <a:lstStyle/>
-              <a:p>
-                <a:pPr defTabSz="914367"/>
-                <a:endParaRPr lang="en-US" sz="800">
-                  <a:gradFill>
-                    <a:gsLst>
-                      <a:gs pos="0">
-                        <a:srgbClr val="505050"/>
-                      </a:gs>
-                      <a:gs pos="100000">
-                        <a:srgbClr val="505050"/>
-                      </a:gs>
-                    </a:gsLst>
-                    <a:lin ang="5400000" scaled="1"/>
-                  </a:gradFill>
-                  <a:latin typeface="Segoe UI" panose="020B0502040204020203" pitchFamily="34" charset="0"/>
-                </a:endParaRPr>
-              </a:p>
-            </p:txBody>
-          </p:sp>
-          <p:sp>
-            <p:nvSpPr>
-              <p:cNvPr id="89" name="Freeform: Shape 88">
-                <a:extLst>
-                  <a:ext uri="{FF2B5EF4-FFF2-40B4-BE49-F238E27FC236}">
-                    <a16:creationId xmlns:a16="http://schemas.microsoft.com/office/drawing/2014/main" id="{A20F171C-DA42-4CD6-8B46-C0011AEB97FD}"/>
-                  </a:ext>
-                </a:extLst>
-              </p:cNvPr>
-              <p:cNvSpPr/>
-              <p:nvPr/>
-            </p:nvSpPr>
-            <p:spPr>
-              <a:xfrm>
-                <a:off x="5187896" y="3499431"/>
-                <a:ext cx="114300" cy="123825"/>
-              </a:xfrm>
-              <a:custGeom>
-                <a:avLst/>
-                <a:gdLst>
-                  <a:gd name="connsiteX0" fmla="*/ 114035 w 114300"/>
-                  <a:gd name="connsiteY0" fmla="*/ 62600 h 123825"/>
-                  <a:gd name="connsiteX1" fmla="*/ 60695 w 114300"/>
-                  <a:gd name="connsiteY1" fmla="*/ 7355 h 123825"/>
-                  <a:gd name="connsiteX2" fmla="*/ 7355 w 114300"/>
-                  <a:gd name="connsiteY2" fmla="*/ 62600 h 123825"/>
-                  <a:gd name="connsiteX3" fmla="*/ 60695 w 114300"/>
-                  <a:gd name="connsiteY3" fmla="*/ 117845 h 123825"/>
-                  <a:gd name="connsiteX4" fmla="*/ 114035 w 114300"/>
-                  <a:gd name="connsiteY4" fmla="*/ 62600 h 123825"/>
-                  <a:gd name="connsiteX5" fmla="*/ 114035 w 114300"/>
-                  <a:gd name="connsiteY5" fmla="*/ 62600 h 123825"/>
-                </a:gdLst>
-                <a:ahLst/>
-                <a:cxnLst>
-                  <a:cxn ang="0">
-                    <a:pos x="connsiteX0" y="connsiteY0"/>
-                  </a:cxn>
-                  <a:cxn ang="0">
-                    <a:pos x="connsiteX1" y="connsiteY1"/>
-                  </a:cxn>
-                  <a:cxn ang="0">
-                    <a:pos x="connsiteX2" y="connsiteY2"/>
-                  </a:cxn>
-                  <a:cxn ang="0">
-                    <a:pos x="connsiteX3" y="connsiteY3"/>
-                  </a:cxn>
-                  <a:cxn ang="0">
-                    <a:pos x="connsiteX4" y="connsiteY4"/>
-                  </a:cxn>
-                  <a:cxn ang="0">
-                    <a:pos x="connsiteX5" y="connsiteY5"/>
-                  </a:cxn>
-                </a:cxnLst>
-                <a:rect l="l" t="t" r="r" b="b"/>
-                <a:pathLst>
-                  <a:path w="114300" h="123825">
-                    <a:moveTo>
-                      <a:pt x="114035" y="62600"/>
-                    </a:moveTo>
-                    <a:cubicBezTo>
-                      <a:pt x="114035" y="32120"/>
-                      <a:pt x="90223" y="7355"/>
-                      <a:pt x="60695" y="7355"/>
-                    </a:cubicBezTo>
-                    <a:cubicBezTo>
-                      <a:pt x="31168" y="7355"/>
-                      <a:pt x="7355" y="32120"/>
-                      <a:pt x="7355" y="62600"/>
-                    </a:cubicBezTo>
-                    <a:cubicBezTo>
-                      <a:pt x="7355" y="93080"/>
-                      <a:pt x="31168" y="117845"/>
-                      <a:pt x="60695" y="117845"/>
-                    </a:cubicBezTo>
-                    <a:cubicBezTo>
-                      <a:pt x="90223" y="116893"/>
-                      <a:pt x="114035" y="93080"/>
-                      <a:pt x="114035" y="62600"/>
-                    </a:cubicBezTo>
-                    <a:lnTo>
-                      <a:pt x="114035" y="62600"/>
-                    </a:lnTo>
-                    <a:close/>
-                  </a:path>
-                </a:pathLst>
-              </a:custGeom>
-              <a:noFill/>
-              <a:ln w="12700" cap="sq">
-                <a:solidFill>
-                  <a:schemeClr val="bg1"/>
-                </a:solidFill>
-                <a:prstDash val="solid"/>
-                <a:miter lim="800000"/>
-                <a:headEnd/>
-                <a:tailEnd/>
-              </a:ln>
-              <a:extLst>
-                <a:ext uri="{909E8E84-426E-40DD-AFC4-6F175D3DCCD1}">
-                  <a14:hiddenFill xmlns:a14="http://schemas.microsoft.com/office/drawing/2010/main">
-                    <a:solidFill>
-                      <a:srgbClr val="FFFFFF"/>
-                    </a:solidFill>
-                  </a14:hiddenFill>
-                </a:ext>
-              </a:extLst>
-            </p:spPr>
-            <p:txBody>
-              <a:bodyPr vert="horz" wrap="square" lIns="89642" tIns="44821" rIns="89642" bIns="44821" numCol="1" anchor="t" anchorCtr="0" compatLnSpc="1">
-                <a:prstTxWarp prst="textNoShape">
-                  <a:avLst/>
-                </a:prstTxWarp>
-              </a:bodyPr>
-              <a:lstStyle/>
-              <a:p>
-                <a:pPr defTabSz="914367"/>
-                <a:endParaRPr lang="en-US" sz="800">
-                  <a:gradFill>
-                    <a:gsLst>
-                      <a:gs pos="0">
-                        <a:srgbClr val="505050"/>
-                      </a:gs>
-                      <a:gs pos="100000">
-                        <a:srgbClr val="505050"/>
-                      </a:gs>
-                    </a:gsLst>
-                    <a:lin ang="5400000" scaled="1"/>
-                  </a:gradFill>
-                  <a:latin typeface="Segoe UI" panose="020B0502040204020203" pitchFamily="34" charset="0"/>
-                </a:endParaRPr>
-              </a:p>
-            </p:txBody>
-          </p:sp>
-          <p:sp>
-            <p:nvSpPr>
-              <p:cNvPr id="90" name="Freeform: Shape 89">
-                <a:extLst>
-                  <a:ext uri="{FF2B5EF4-FFF2-40B4-BE49-F238E27FC236}">
-                    <a16:creationId xmlns:a16="http://schemas.microsoft.com/office/drawing/2014/main" id="{5E6553CE-2A17-4EAD-97D2-BD8B4A374400}"/>
-                  </a:ext>
-                </a:extLst>
-              </p:cNvPr>
-              <p:cNvSpPr/>
-              <p:nvPr/>
-            </p:nvSpPr>
-            <p:spPr>
-              <a:xfrm>
-                <a:off x="5436040" y="3483444"/>
-                <a:ext cx="66675" cy="66675"/>
-              </a:xfrm>
-              <a:custGeom>
-                <a:avLst/>
-                <a:gdLst>
-                  <a:gd name="connsiteX0" fmla="*/ 62107 w 66675"/>
-                  <a:gd name="connsiteY0" fmla="*/ 50965 h 66675"/>
-                  <a:gd name="connsiteX1" fmla="*/ 51629 w 66675"/>
-                  <a:gd name="connsiteY1" fmla="*/ 10960 h 66675"/>
-                  <a:gd name="connsiteX2" fmla="*/ 11624 w 66675"/>
-                  <a:gd name="connsiteY2" fmla="*/ 22390 h 66675"/>
-                  <a:gd name="connsiteX3" fmla="*/ 22102 w 66675"/>
-                  <a:gd name="connsiteY3" fmla="*/ 62395 h 66675"/>
-                  <a:gd name="connsiteX4" fmla="*/ 62107 w 66675"/>
-                  <a:gd name="connsiteY4" fmla="*/ 50965 h 66675"/>
-                  <a:gd name="connsiteX5" fmla="*/ 62107 w 66675"/>
-                  <a:gd name="connsiteY5" fmla="*/ 50965 h 66675"/>
-                </a:gdLst>
-                <a:ahLst/>
-                <a:cxnLst>
-                  <a:cxn ang="0">
-                    <a:pos x="connsiteX0" y="connsiteY0"/>
-                  </a:cxn>
-                  <a:cxn ang="0">
-                    <a:pos x="connsiteX1" y="connsiteY1"/>
-                  </a:cxn>
-                  <a:cxn ang="0">
-                    <a:pos x="connsiteX2" y="connsiteY2"/>
-                  </a:cxn>
-                  <a:cxn ang="0">
-                    <a:pos x="connsiteX3" y="connsiteY3"/>
-                  </a:cxn>
-                  <a:cxn ang="0">
-                    <a:pos x="connsiteX4" y="connsiteY4"/>
-                  </a:cxn>
-                  <a:cxn ang="0">
-                    <a:pos x="connsiteX5" y="connsiteY5"/>
-                  </a:cxn>
-                </a:cxnLst>
-                <a:rect l="l" t="t" r="r" b="b"/>
-                <a:pathLst>
-                  <a:path w="66675" h="66675">
-                    <a:moveTo>
-                      <a:pt x="62107" y="50965"/>
-                    </a:moveTo>
-                    <a:cubicBezTo>
-                      <a:pt x="70679" y="36678"/>
-                      <a:pt x="65917" y="18580"/>
-                      <a:pt x="51629" y="10960"/>
-                    </a:cubicBezTo>
-                    <a:cubicBezTo>
-                      <a:pt x="37342" y="3340"/>
-                      <a:pt x="19244" y="8103"/>
-                      <a:pt x="11624" y="22390"/>
-                    </a:cubicBezTo>
-                    <a:cubicBezTo>
-                      <a:pt x="3052" y="36678"/>
-                      <a:pt x="7815" y="54775"/>
-                      <a:pt x="22102" y="62395"/>
-                    </a:cubicBezTo>
-                    <a:cubicBezTo>
-                      <a:pt x="36390" y="70015"/>
-                      <a:pt x="54487" y="65253"/>
-                      <a:pt x="62107" y="50965"/>
-                    </a:cubicBezTo>
-                    <a:lnTo>
-                      <a:pt x="62107" y="50965"/>
-                    </a:lnTo>
-                    <a:close/>
-                  </a:path>
-                </a:pathLst>
-              </a:custGeom>
-              <a:noFill/>
-              <a:ln w="12700" cap="sq">
-                <a:solidFill>
-                  <a:schemeClr val="bg1"/>
-                </a:solidFill>
-                <a:prstDash val="solid"/>
-                <a:miter lim="800000"/>
-                <a:headEnd/>
-                <a:tailEnd/>
-              </a:ln>
-              <a:extLst>
-                <a:ext uri="{909E8E84-426E-40DD-AFC4-6F175D3DCCD1}">
-                  <a14:hiddenFill xmlns:a14="http://schemas.microsoft.com/office/drawing/2010/main">
-                    <a:solidFill>
-                      <a:srgbClr val="FFFFFF"/>
-                    </a:solidFill>
-                  </a14:hiddenFill>
-                </a:ext>
-              </a:extLst>
-            </p:spPr>
-            <p:txBody>
-              <a:bodyPr vert="horz" wrap="square" lIns="89642" tIns="44821" rIns="89642" bIns="44821" numCol="1" anchor="t" anchorCtr="0" compatLnSpc="1">
-                <a:prstTxWarp prst="textNoShape">
-                  <a:avLst/>
-                </a:prstTxWarp>
-              </a:bodyPr>
-              <a:lstStyle/>
-              <a:p>
-                <a:pPr defTabSz="914367"/>
-                <a:endParaRPr lang="en-US" sz="800">
-                  <a:gradFill>
-                    <a:gsLst>
-                      <a:gs pos="0">
-                        <a:srgbClr val="505050"/>
-                      </a:gs>
-                      <a:gs pos="100000">
-                        <a:srgbClr val="505050"/>
-                      </a:gs>
-                    </a:gsLst>
-                    <a:lin ang="5400000" scaled="1"/>
-                  </a:gradFill>
-                  <a:latin typeface="Segoe UI" panose="020B0502040204020203" pitchFamily="34" charset="0"/>
-                </a:endParaRPr>
-              </a:p>
-            </p:txBody>
-          </p:sp>
-          <p:sp>
-            <p:nvSpPr>
-              <p:cNvPr id="91" name="Freeform: Shape 90">
-                <a:extLst>
-                  <a:ext uri="{FF2B5EF4-FFF2-40B4-BE49-F238E27FC236}">
-                    <a16:creationId xmlns:a16="http://schemas.microsoft.com/office/drawing/2014/main" id="{3BFCBAFA-6784-4790-A062-C536772B0DEA}"/>
-                  </a:ext>
-                </a:extLst>
-              </p:cNvPr>
-              <p:cNvSpPr/>
-              <p:nvPr/>
-            </p:nvSpPr>
-            <p:spPr>
-              <a:xfrm>
-                <a:off x="5299339" y="3331791"/>
-                <a:ext cx="85725" cy="85725"/>
-              </a:xfrm>
-              <a:custGeom>
-                <a:avLst/>
-                <a:gdLst>
-                  <a:gd name="connsiteX0" fmla="*/ 85460 w 85725"/>
-                  <a:gd name="connsiteY0" fmla="*/ 47360 h 85725"/>
-                  <a:gd name="connsiteX1" fmla="*/ 46408 w 85725"/>
-                  <a:gd name="connsiteY1" fmla="*/ 7355 h 85725"/>
-                  <a:gd name="connsiteX2" fmla="*/ 7355 w 85725"/>
-                  <a:gd name="connsiteY2" fmla="*/ 47360 h 85725"/>
-                  <a:gd name="connsiteX3" fmla="*/ 46408 w 85725"/>
-                  <a:gd name="connsiteY3" fmla="*/ 87365 h 85725"/>
-                  <a:gd name="connsiteX4" fmla="*/ 85460 w 85725"/>
-                  <a:gd name="connsiteY4" fmla="*/ 47360 h 85725"/>
-                  <a:gd name="connsiteX5" fmla="*/ 85460 w 85725"/>
-                  <a:gd name="connsiteY5" fmla="*/ 47360 h 85725"/>
-                </a:gdLst>
-                <a:ahLst/>
-                <a:cxnLst>
-                  <a:cxn ang="0">
-                    <a:pos x="connsiteX0" y="connsiteY0"/>
-                  </a:cxn>
-                  <a:cxn ang="0">
-                    <a:pos x="connsiteX1" y="connsiteY1"/>
-                  </a:cxn>
-                  <a:cxn ang="0">
-                    <a:pos x="connsiteX2" y="connsiteY2"/>
-                  </a:cxn>
-                  <a:cxn ang="0">
-                    <a:pos x="connsiteX3" y="connsiteY3"/>
-                  </a:cxn>
-                  <a:cxn ang="0">
-                    <a:pos x="connsiteX4" y="connsiteY4"/>
-                  </a:cxn>
-                  <a:cxn ang="0">
-                    <a:pos x="connsiteX5" y="connsiteY5"/>
-                  </a:cxn>
-                </a:cxnLst>
-                <a:rect l="l" t="t" r="r" b="b"/>
-                <a:pathLst>
-                  <a:path w="85725" h="85725">
-                    <a:moveTo>
-                      <a:pt x="85460" y="47360"/>
-                    </a:moveTo>
-                    <a:cubicBezTo>
-                      <a:pt x="85460" y="25453"/>
-                      <a:pt x="68315" y="7355"/>
-                      <a:pt x="46408" y="7355"/>
-                    </a:cubicBezTo>
-                    <a:cubicBezTo>
-                      <a:pt x="24500" y="7355"/>
-                      <a:pt x="7355" y="25453"/>
-                      <a:pt x="7355" y="47360"/>
-                    </a:cubicBezTo>
-                    <a:cubicBezTo>
-                      <a:pt x="7355" y="69268"/>
-                      <a:pt x="24500" y="87365"/>
-                      <a:pt x="46408" y="87365"/>
-                    </a:cubicBezTo>
-                    <a:cubicBezTo>
-                      <a:pt x="68315" y="87365"/>
-                      <a:pt x="85460" y="69268"/>
-                      <a:pt x="85460" y="47360"/>
-                    </a:cubicBezTo>
-                    <a:lnTo>
-                      <a:pt x="85460" y="47360"/>
-                    </a:lnTo>
-                    <a:close/>
-                  </a:path>
-                </a:pathLst>
-              </a:custGeom>
-              <a:noFill/>
-              <a:ln w="12700" cap="sq">
-                <a:solidFill>
-                  <a:schemeClr val="bg1"/>
-                </a:solidFill>
-                <a:prstDash val="solid"/>
-                <a:miter lim="800000"/>
-                <a:headEnd/>
-                <a:tailEnd/>
-              </a:ln>
-              <a:extLst>
-                <a:ext uri="{909E8E84-426E-40DD-AFC4-6F175D3DCCD1}">
-                  <a14:hiddenFill xmlns:a14="http://schemas.microsoft.com/office/drawing/2010/main">
-                    <a:solidFill>
-                      <a:srgbClr val="FFFFFF"/>
-                    </a:solidFill>
-                  </a14:hiddenFill>
-                </a:ext>
-              </a:extLst>
-            </p:spPr>
-            <p:txBody>
-              <a:bodyPr vert="horz" wrap="square" lIns="89642" tIns="44821" rIns="89642" bIns="44821" numCol="1" anchor="t" anchorCtr="0" compatLnSpc="1">
-                <a:prstTxWarp prst="textNoShape">
-                  <a:avLst/>
-                </a:prstTxWarp>
-              </a:bodyPr>
-              <a:lstStyle/>
-              <a:p>
-                <a:pPr defTabSz="914367"/>
-                <a:endParaRPr lang="en-US" sz="800">
-                  <a:gradFill>
-                    <a:gsLst>
-                      <a:gs pos="0">
-                        <a:srgbClr val="505050"/>
-                      </a:gs>
-                      <a:gs pos="100000">
-                        <a:srgbClr val="505050"/>
-                      </a:gs>
-                    </a:gsLst>
-                    <a:lin ang="5400000" scaled="1"/>
-                  </a:gradFill>
-                  <a:latin typeface="Segoe UI" panose="020B0502040204020203" pitchFamily="34" charset="0"/>
-                </a:endParaRPr>
-              </a:p>
-            </p:txBody>
-          </p:sp>
-          <p:sp>
-            <p:nvSpPr>
-              <p:cNvPr id="92" name="Freeform: Shape 91">
-                <a:extLst>
-                  <a:ext uri="{FF2B5EF4-FFF2-40B4-BE49-F238E27FC236}">
-                    <a16:creationId xmlns:a16="http://schemas.microsoft.com/office/drawing/2014/main" id="{F73D89FA-EC57-4D90-A383-19D417988D97}"/>
-                  </a:ext>
-                </a:extLst>
-              </p:cNvPr>
-              <p:cNvSpPr/>
-              <p:nvPr/>
-            </p:nvSpPr>
-            <p:spPr>
-              <a:xfrm>
-                <a:off x="5229806" y="3390846"/>
-                <a:ext cx="85725" cy="114300"/>
-              </a:xfrm>
-              <a:custGeom>
-                <a:avLst/>
-                <a:gdLst>
-                  <a:gd name="connsiteX0" fmla="*/ 7355 w 85725"/>
-                  <a:gd name="connsiteY0" fmla="*/ 115940 h 114300"/>
-                  <a:gd name="connsiteX1" fmla="*/ 78793 w 85725"/>
-                  <a:gd name="connsiteY1" fmla="*/ 7355 h 114300"/>
-                </a:gdLst>
-                <a:ahLst/>
-                <a:cxnLst>
-                  <a:cxn ang="0">
-                    <a:pos x="connsiteX0" y="connsiteY0"/>
-                  </a:cxn>
-                  <a:cxn ang="0">
-                    <a:pos x="connsiteX1" y="connsiteY1"/>
-                  </a:cxn>
-                </a:cxnLst>
-                <a:rect l="l" t="t" r="r" b="b"/>
-                <a:pathLst>
-                  <a:path w="85725" h="114300">
-                    <a:moveTo>
-                      <a:pt x="7355" y="115940"/>
-                    </a:moveTo>
-                    <a:lnTo>
-                      <a:pt x="78793" y="7355"/>
-                    </a:lnTo>
-                  </a:path>
-                </a:pathLst>
-              </a:custGeom>
-              <a:noFill/>
-              <a:ln w="12700" cap="sq">
-                <a:solidFill>
-                  <a:schemeClr val="bg1"/>
-                </a:solidFill>
-                <a:prstDash val="solid"/>
-                <a:miter lim="800000"/>
-                <a:headEnd/>
-                <a:tailEnd/>
-              </a:ln>
-              <a:extLst>
-                <a:ext uri="{909E8E84-426E-40DD-AFC4-6F175D3DCCD1}">
-                  <a14:hiddenFill xmlns:a14="http://schemas.microsoft.com/office/drawing/2010/main">
-                    <a:solidFill>
-                      <a:srgbClr val="FFFFFF"/>
-                    </a:solidFill>
-                  </a14:hiddenFill>
-                </a:ext>
-              </a:extLst>
-            </p:spPr>
-            <p:txBody>
-              <a:bodyPr vert="horz" wrap="square" lIns="89642" tIns="44821" rIns="89642" bIns="44821" numCol="1" anchor="t" anchorCtr="0" compatLnSpc="1">
-                <a:prstTxWarp prst="textNoShape">
-                  <a:avLst/>
-                </a:prstTxWarp>
-              </a:bodyPr>
-              <a:lstStyle/>
-              <a:p>
-                <a:pPr defTabSz="914367"/>
-                <a:endParaRPr lang="en-US" sz="800">
-                  <a:gradFill>
-                    <a:gsLst>
-                      <a:gs pos="0">
-                        <a:srgbClr val="505050"/>
-                      </a:gs>
-                      <a:gs pos="100000">
-                        <a:srgbClr val="505050"/>
-                      </a:gs>
-                    </a:gsLst>
-                    <a:lin ang="5400000" scaled="1"/>
-                  </a:gradFill>
-                  <a:latin typeface="Segoe UI" panose="020B0502040204020203" pitchFamily="34" charset="0"/>
-                </a:endParaRPr>
-              </a:p>
-            </p:txBody>
-          </p:sp>
-          <p:sp>
-            <p:nvSpPr>
-              <p:cNvPr id="93" name="Freeform: Shape 92">
-                <a:extLst>
-                  <a:ext uri="{FF2B5EF4-FFF2-40B4-BE49-F238E27FC236}">
-                    <a16:creationId xmlns:a16="http://schemas.microsoft.com/office/drawing/2014/main" id="{6C09BC4D-9F61-4E8D-97A5-56A39EA2FBF4}"/>
-                  </a:ext>
-                </a:extLst>
-              </p:cNvPr>
-              <p:cNvSpPr/>
-              <p:nvPr/>
-            </p:nvSpPr>
-            <p:spPr>
-              <a:xfrm>
-                <a:off x="5285051" y="3413706"/>
-                <a:ext cx="57150" cy="114300"/>
-              </a:xfrm>
-              <a:custGeom>
-                <a:avLst/>
-                <a:gdLst>
-                  <a:gd name="connsiteX0" fmla="*/ 7355 w 57150"/>
-                  <a:gd name="connsiteY0" fmla="*/ 114035 h 114300"/>
-                  <a:gd name="connsiteX1" fmla="*/ 53075 w 57150"/>
-                  <a:gd name="connsiteY1" fmla="*/ 7355 h 114300"/>
-                </a:gdLst>
-                <a:ahLst/>
-                <a:cxnLst>
-                  <a:cxn ang="0">
-                    <a:pos x="connsiteX0" y="connsiteY0"/>
-                  </a:cxn>
-                  <a:cxn ang="0">
-                    <a:pos x="connsiteX1" y="connsiteY1"/>
-                  </a:cxn>
-                </a:cxnLst>
-                <a:rect l="l" t="t" r="r" b="b"/>
-                <a:pathLst>
-                  <a:path w="57150" h="114300">
-                    <a:moveTo>
-                      <a:pt x="7355" y="114035"/>
-                    </a:moveTo>
-                    <a:lnTo>
-                      <a:pt x="53075" y="7355"/>
-                    </a:lnTo>
-                  </a:path>
-                </a:pathLst>
-              </a:custGeom>
-              <a:noFill/>
-              <a:ln w="12700" cap="sq">
-                <a:solidFill>
-                  <a:schemeClr val="bg1"/>
-                </a:solidFill>
-                <a:prstDash val="solid"/>
-                <a:miter lim="800000"/>
-                <a:headEnd/>
-                <a:tailEnd/>
-              </a:ln>
-              <a:extLst>
-                <a:ext uri="{909E8E84-426E-40DD-AFC4-6F175D3DCCD1}">
-                  <a14:hiddenFill xmlns:a14="http://schemas.microsoft.com/office/drawing/2010/main">
-                    <a:solidFill>
-                      <a:srgbClr val="FFFFFF"/>
-                    </a:solidFill>
-                  </a14:hiddenFill>
-                </a:ext>
-              </a:extLst>
-            </p:spPr>
-            <p:txBody>
-              <a:bodyPr vert="horz" wrap="square" lIns="89642" tIns="44821" rIns="89642" bIns="44821" numCol="1" anchor="t" anchorCtr="0" compatLnSpc="1">
-                <a:prstTxWarp prst="textNoShape">
-                  <a:avLst/>
-                </a:prstTxWarp>
-              </a:bodyPr>
-              <a:lstStyle/>
-              <a:p>
-                <a:pPr defTabSz="914367"/>
-                <a:endParaRPr lang="en-US" sz="800">
-                  <a:gradFill>
-                    <a:gsLst>
-                      <a:gs pos="0">
-                        <a:srgbClr val="505050"/>
-                      </a:gs>
-                      <a:gs pos="100000">
-                        <a:srgbClr val="505050"/>
-                      </a:gs>
-                    </a:gsLst>
-                    <a:lin ang="5400000" scaled="1"/>
-                  </a:gradFill>
-                  <a:latin typeface="Segoe UI" panose="020B0502040204020203" pitchFamily="34" charset="0"/>
-                </a:endParaRPr>
-              </a:p>
-            </p:txBody>
-          </p:sp>
-          <p:sp>
-            <p:nvSpPr>
-              <p:cNvPr id="94" name="Freeform: Shape 93">
-                <a:extLst>
-                  <a:ext uri="{FF2B5EF4-FFF2-40B4-BE49-F238E27FC236}">
-                    <a16:creationId xmlns:a16="http://schemas.microsoft.com/office/drawing/2014/main" id="{B3EA2CF6-6259-41CD-A859-A3FDDF5D115C}"/>
-                  </a:ext>
-                </a:extLst>
-              </p:cNvPr>
-              <p:cNvSpPr/>
-              <p:nvPr/>
-            </p:nvSpPr>
-            <p:spPr>
-              <a:xfrm>
-                <a:off x="5346964" y="3413706"/>
-                <a:ext cx="104775" cy="95250"/>
-              </a:xfrm>
-              <a:custGeom>
-                <a:avLst/>
-                <a:gdLst>
-                  <a:gd name="connsiteX0" fmla="*/ 7355 w 104775"/>
-                  <a:gd name="connsiteY0" fmla="*/ 7355 h 95250"/>
-                  <a:gd name="connsiteX1" fmla="*/ 97843 w 104775"/>
-                  <a:gd name="connsiteY1" fmla="*/ 89270 h 95250"/>
-                </a:gdLst>
-                <a:ahLst/>
-                <a:cxnLst>
-                  <a:cxn ang="0">
-                    <a:pos x="connsiteX0" y="connsiteY0"/>
-                  </a:cxn>
-                  <a:cxn ang="0">
-                    <a:pos x="connsiteX1" y="connsiteY1"/>
-                  </a:cxn>
-                </a:cxnLst>
-                <a:rect l="l" t="t" r="r" b="b"/>
-                <a:pathLst>
-                  <a:path w="104775" h="95250">
-                    <a:moveTo>
-                      <a:pt x="7355" y="7355"/>
-                    </a:moveTo>
-                    <a:lnTo>
-                      <a:pt x="97843" y="89270"/>
-                    </a:lnTo>
-                  </a:path>
-                </a:pathLst>
-              </a:custGeom>
-              <a:noFill/>
-              <a:ln w="12700" cap="sq">
-                <a:solidFill>
-                  <a:schemeClr val="bg1"/>
-                </a:solidFill>
-                <a:prstDash val="solid"/>
-                <a:miter lim="800000"/>
-                <a:headEnd/>
-                <a:tailEnd/>
-              </a:ln>
-              <a:extLst>
-                <a:ext uri="{909E8E84-426E-40DD-AFC4-6F175D3DCCD1}">
-                  <a14:hiddenFill xmlns:a14="http://schemas.microsoft.com/office/drawing/2010/main">
-                    <a:solidFill>
-                      <a:srgbClr val="FFFFFF"/>
-                    </a:solidFill>
-                  </a14:hiddenFill>
-                </a:ext>
-              </a:extLst>
-            </p:spPr>
-            <p:txBody>
-              <a:bodyPr vert="horz" wrap="square" lIns="89642" tIns="44821" rIns="89642" bIns="44821" numCol="1" anchor="t" anchorCtr="0" compatLnSpc="1">
-                <a:prstTxWarp prst="textNoShape">
-                  <a:avLst/>
-                </a:prstTxWarp>
-              </a:bodyPr>
-              <a:lstStyle/>
-              <a:p>
-                <a:pPr defTabSz="914367"/>
-                <a:endParaRPr lang="en-US" sz="800">
-                  <a:gradFill>
-                    <a:gsLst>
-                      <a:gs pos="0">
-                        <a:srgbClr val="505050"/>
-                      </a:gs>
-                      <a:gs pos="100000">
-                        <a:srgbClr val="505050"/>
-                      </a:gs>
-                    </a:gsLst>
-                    <a:lin ang="5400000" scaled="1"/>
-                  </a:gradFill>
-                  <a:latin typeface="Segoe UI" panose="020B0502040204020203" pitchFamily="34" charset="0"/>
-                </a:endParaRPr>
-              </a:p>
-            </p:txBody>
-          </p:sp>
-          <p:sp>
-            <p:nvSpPr>
-              <p:cNvPr id="95" name="Freeform: Shape 94">
-                <a:extLst>
-                  <a:ext uri="{FF2B5EF4-FFF2-40B4-BE49-F238E27FC236}">
-                    <a16:creationId xmlns:a16="http://schemas.microsoft.com/office/drawing/2014/main" id="{F8A161EB-7062-4C3A-BE37-5B04229AE022}"/>
-                  </a:ext>
-                </a:extLst>
-              </p:cNvPr>
-              <p:cNvSpPr/>
-              <p:nvPr/>
-            </p:nvSpPr>
-            <p:spPr>
-              <a:xfrm>
-                <a:off x="5379349" y="3382274"/>
-                <a:ext cx="95250" cy="104775"/>
-              </a:xfrm>
-              <a:custGeom>
-                <a:avLst/>
-                <a:gdLst>
-                  <a:gd name="connsiteX0" fmla="*/ 7355 w 95250"/>
-                  <a:gd name="connsiteY0" fmla="*/ 7355 h 104775"/>
-                  <a:gd name="connsiteX1" fmla="*/ 92128 w 95250"/>
-                  <a:gd name="connsiteY1" fmla="*/ 105463 h 104775"/>
-                </a:gdLst>
-                <a:ahLst/>
-                <a:cxnLst>
-                  <a:cxn ang="0">
-                    <a:pos x="connsiteX0" y="connsiteY0"/>
-                  </a:cxn>
-                  <a:cxn ang="0">
-                    <a:pos x="connsiteX1" y="connsiteY1"/>
-                  </a:cxn>
-                </a:cxnLst>
-                <a:rect l="l" t="t" r="r" b="b"/>
-                <a:pathLst>
-                  <a:path w="95250" h="104775">
-                    <a:moveTo>
-                      <a:pt x="7355" y="7355"/>
-                    </a:moveTo>
-                    <a:lnTo>
-                      <a:pt x="92128" y="105463"/>
-                    </a:lnTo>
-                  </a:path>
-                </a:pathLst>
-              </a:custGeom>
-              <a:noFill/>
-              <a:ln w="12700" cap="sq">
-                <a:solidFill>
-                  <a:schemeClr val="bg1"/>
-                </a:solidFill>
-                <a:prstDash val="solid"/>
-                <a:miter lim="800000"/>
-                <a:headEnd/>
-                <a:tailEnd/>
-              </a:ln>
-              <a:extLst>
-                <a:ext uri="{909E8E84-426E-40DD-AFC4-6F175D3DCCD1}">
-                  <a14:hiddenFill xmlns:a14="http://schemas.microsoft.com/office/drawing/2010/main">
-                    <a:solidFill>
-                      <a:srgbClr val="FFFFFF"/>
-                    </a:solidFill>
-                  </a14:hiddenFill>
-                </a:ext>
-              </a:extLst>
-            </p:spPr>
-            <p:txBody>
-              <a:bodyPr vert="horz" wrap="square" lIns="89642" tIns="44821" rIns="89642" bIns="44821" numCol="1" anchor="t" anchorCtr="0" compatLnSpc="1">
-                <a:prstTxWarp prst="textNoShape">
-                  <a:avLst/>
-                </a:prstTxWarp>
-              </a:bodyPr>
-              <a:lstStyle/>
-              <a:p>
-                <a:pPr defTabSz="914367"/>
-                <a:endParaRPr lang="en-US" sz="800">
-                  <a:gradFill>
-                    <a:gsLst>
-                      <a:gs pos="0">
-                        <a:srgbClr val="505050"/>
-                      </a:gs>
-                      <a:gs pos="100000">
-                        <a:srgbClr val="505050"/>
-                      </a:gs>
-                    </a:gsLst>
-                    <a:lin ang="5400000" scaled="1"/>
-                  </a:gradFill>
-                  <a:latin typeface="Segoe UI" panose="020B0502040204020203" pitchFamily="34" charset="0"/>
-                </a:endParaRPr>
-              </a:p>
-            </p:txBody>
-          </p:sp>
-          <p:sp>
-            <p:nvSpPr>
-              <p:cNvPr id="96" name="Freeform: Shape 95">
-                <a:extLst>
-                  <a:ext uri="{FF2B5EF4-FFF2-40B4-BE49-F238E27FC236}">
-                    <a16:creationId xmlns:a16="http://schemas.microsoft.com/office/drawing/2014/main" id="{22ADBE71-5566-4E6A-9D2B-DFB2C90B1094}"/>
-                  </a:ext>
-                </a:extLst>
-              </p:cNvPr>
-              <p:cNvSpPr/>
-              <p:nvPr/>
-            </p:nvSpPr>
-            <p:spPr>
-              <a:xfrm>
-                <a:off x="5492696" y="3496574"/>
-                <a:ext cx="38100" cy="9525"/>
-              </a:xfrm>
-              <a:custGeom>
-                <a:avLst/>
-                <a:gdLst>
-                  <a:gd name="connsiteX0" fmla="*/ 7355 w 38100"/>
-                  <a:gd name="connsiteY0" fmla="*/ 7355 h 9525"/>
-                  <a:gd name="connsiteX1" fmla="*/ 33073 w 38100"/>
-                  <a:gd name="connsiteY1" fmla="*/ 7355 h 9525"/>
-                </a:gdLst>
-                <a:ahLst/>
-                <a:cxnLst>
-                  <a:cxn ang="0">
-                    <a:pos x="connsiteX0" y="connsiteY0"/>
-                  </a:cxn>
-                  <a:cxn ang="0">
-                    <a:pos x="connsiteX1" y="connsiteY1"/>
-                  </a:cxn>
-                </a:cxnLst>
-                <a:rect l="l" t="t" r="r" b="b"/>
-                <a:pathLst>
-                  <a:path w="38100" h="9525">
-                    <a:moveTo>
-                      <a:pt x="7355" y="7355"/>
-                    </a:moveTo>
-                    <a:lnTo>
-                      <a:pt x="33073" y="7355"/>
-                    </a:lnTo>
-                  </a:path>
-                </a:pathLst>
-              </a:custGeom>
-              <a:noFill/>
-              <a:ln w="12700" cap="sq">
-                <a:solidFill>
-                  <a:schemeClr val="bg1"/>
-                </a:solidFill>
-                <a:prstDash val="solid"/>
-                <a:miter lim="800000"/>
-                <a:headEnd/>
-                <a:tailEnd/>
-              </a:ln>
-              <a:extLst>
-                <a:ext uri="{909E8E84-426E-40DD-AFC4-6F175D3DCCD1}">
-                  <a14:hiddenFill xmlns:a14="http://schemas.microsoft.com/office/drawing/2010/main">
-                    <a:solidFill>
-                      <a:srgbClr val="FFFFFF"/>
-                    </a:solidFill>
-                  </a14:hiddenFill>
-                </a:ext>
-              </a:extLst>
-            </p:spPr>
-            <p:txBody>
-              <a:bodyPr vert="horz" wrap="square" lIns="89642" tIns="44821" rIns="89642" bIns="44821" numCol="1" anchor="t" anchorCtr="0" compatLnSpc="1">
-                <a:prstTxWarp prst="textNoShape">
-                  <a:avLst/>
-                </a:prstTxWarp>
-              </a:bodyPr>
-              <a:lstStyle/>
-              <a:p>
-                <a:pPr defTabSz="914367"/>
-                <a:endParaRPr lang="en-US" sz="800">
-                  <a:gradFill>
-                    <a:gsLst>
-                      <a:gs pos="0">
-                        <a:srgbClr val="505050"/>
-                      </a:gs>
-                      <a:gs pos="100000">
-                        <a:srgbClr val="505050"/>
-                      </a:gs>
-                    </a:gsLst>
-                    <a:lin ang="5400000" scaled="1"/>
-                  </a:gradFill>
-                  <a:latin typeface="Segoe UI" panose="020B0502040204020203" pitchFamily="34" charset="0"/>
-                </a:endParaRPr>
-              </a:p>
-            </p:txBody>
-          </p:sp>
-          <p:sp>
-            <p:nvSpPr>
-              <p:cNvPr id="97" name="Freeform: Shape 96">
-                <a:extLst>
-                  <a:ext uri="{FF2B5EF4-FFF2-40B4-BE49-F238E27FC236}">
-                    <a16:creationId xmlns:a16="http://schemas.microsoft.com/office/drawing/2014/main" id="{D2CD5C08-E762-405E-8A1A-844E6412BF5F}"/>
-                  </a:ext>
-                </a:extLst>
-              </p:cNvPr>
-              <p:cNvSpPr/>
-              <p:nvPr/>
-            </p:nvSpPr>
-            <p:spPr>
-              <a:xfrm>
-                <a:off x="5492696" y="3528959"/>
-                <a:ext cx="38100" cy="9525"/>
-              </a:xfrm>
-              <a:custGeom>
-                <a:avLst/>
-                <a:gdLst>
-                  <a:gd name="connsiteX0" fmla="*/ 7355 w 38100"/>
-                  <a:gd name="connsiteY0" fmla="*/ 7355 h 9525"/>
-                  <a:gd name="connsiteX1" fmla="*/ 33073 w 38100"/>
-                  <a:gd name="connsiteY1" fmla="*/ 7355 h 9525"/>
-                </a:gdLst>
-                <a:ahLst/>
-                <a:cxnLst>
-                  <a:cxn ang="0">
-                    <a:pos x="connsiteX0" y="connsiteY0"/>
-                  </a:cxn>
-                  <a:cxn ang="0">
-                    <a:pos x="connsiteX1" y="connsiteY1"/>
-                  </a:cxn>
-                </a:cxnLst>
-                <a:rect l="l" t="t" r="r" b="b"/>
-                <a:pathLst>
-                  <a:path w="38100" h="9525">
-                    <a:moveTo>
-                      <a:pt x="7355" y="7355"/>
-                    </a:moveTo>
-                    <a:lnTo>
-                      <a:pt x="33073" y="7355"/>
-                    </a:lnTo>
-                  </a:path>
-                </a:pathLst>
-              </a:custGeom>
-              <a:noFill/>
-              <a:ln w="12700" cap="sq">
-                <a:solidFill>
-                  <a:schemeClr val="bg1"/>
-                </a:solidFill>
-                <a:prstDash val="solid"/>
-                <a:miter lim="800000"/>
-                <a:headEnd/>
-                <a:tailEnd/>
-              </a:ln>
-              <a:extLst>
-                <a:ext uri="{909E8E84-426E-40DD-AFC4-6F175D3DCCD1}">
-                  <a14:hiddenFill xmlns:a14="http://schemas.microsoft.com/office/drawing/2010/main">
-                    <a:solidFill>
-                      <a:srgbClr val="FFFFFF"/>
-                    </a:solidFill>
-                  </a14:hiddenFill>
-                </a:ext>
-              </a:extLst>
-            </p:spPr>
-            <p:txBody>
-              <a:bodyPr vert="horz" wrap="square" lIns="89642" tIns="44821" rIns="89642" bIns="44821" numCol="1" anchor="t" anchorCtr="0" compatLnSpc="1">
-                <a:prstTxWarp prst="textNoShape">
-                  <a:avLst/>
-                </a:prstTxWarp>
-              </a:bodyPr>
-              <a:lstStyle/>
-              <a:p>
-                <a:pPr defTabSz="914367"/>
-                <a:endParaRPr lang="en-US" sz="800">
-                  <a:gradFill>
-                    <a:gsLst>
-                      <a:gs pos="0">
-                        <a:srgbClr val="505050"/>
-                      </a:gs>
-                      <a:gs pos="100000">
-                        <a:srgbClr val="505050"/>
-                      </a:gs>
-                    </a:gsLst>
-                    <a:lin ang="5400000" scaled="1"/>
-                  </a:gradFill>
-                  <a:latin typeface="Segoe UI" panose="020B0502040204020203" pitchFamily="34" charset="0"/>
-                </a:endParaRPr>
-              </a:p>
-            </p:txBody>
-          </p:sp>
-          <p:sp>
-            <p:nvSpPr>
-              <p:cNvPr id="98" name="Freeform: Shape 97">
-                <a:extLst>
-                  <a:ext uri="{FF2B5EF4-FFF2-40B4-BE49-F238E27FC236}">
-                    <a16:creationId xmlns:a16="http://schemas.microsoft.com/office/drawing/2014/main" id="{BC52E7E6-61D7-4744-9F54-43035F4C0C52}"/>
-                  </a:ext>
-                </a:extLst>
-              </p:cNvPr>
-              <p:cNvSpPr/>
-              <p:nvPr/>
-            </p:nvSpPr>
-            <p:spPr>
-              <a:xfrm>
-                <a:off x="5220281" y="3607064"/>
-                <a:ext cx="19050" cy="19050"/>
-              </a:xfrm>
-              <a:custGeom>
-                <a:avLst/>
-                <a:gdLst>
-                  <a:gd name="connsiteX0" fmla="*/ 12118 w 19050"/>
-                  <a:gd name="connsiteY0" fmla="*/ 7355 h 19050"/>
-                  <a:gd name="connsiteX1" fmla="*/ 7355 w 19050"/>
-                  <a:gd name="connsiteY1" fmla="*/ 20690 h 19050"/>
-                </a:gdLst>
-                <a:ahLst/>
-                <a:cxnLst>
-                  <a:cxn ang="0">
-                    <a:pos x="connsiteX0" y="connsiteY0"/>
-                  </a:cxn>
-                  <a:cxn ang="0">
-                    <a:pos x="connsiteX1" y="connsiteY1"/>
-                  </a:cxn>
-                </a:cxnLst>
-                <a:rect l="l" t="t" r="r" b="b"/>
-                <a:pathLst>
-                  <a:path w="19050" h="19050">
-                    <a:moveTo>
-                      <a:pt x="12118" y="7355"/>
-                    </a:moveTo>
-                    <a:lnTo>
-                      <a:pt x="7355" y="20690"/>
-                    </a:lnTo>
-                  </a:path>
-                </a:pathLst>
-              </a:custGeom>
-              <a:noFill/>
-              <a:ln w="12700" cap="sq">
-                <a:solidFill>
-                  <a:schemeClr val="bg1"/>
-                </a:solidFill>
-                <a:prstDash val="solid"/>
-                <a:miter lim="800000"/>
-                <a:headEnd/>
-                <a:tailEnd/>
-              </a:ln>
-              <a:extLst>
-                <a:ext uri="{909E8E84-426E-40DD-AFC4-6F175D3DCCD1}">
-                  <a14:hiddenFill xmlns:a14="http://schemas.microsoft.com/office/drawing/2010/main">
-                    <a:solidFill>
-                      <a:srgbClr val="FFFFFF"/>
-                    </a:solidFill>
-                  </a14:hiddenFill>
-                </a:ext>
-              </a:extLst>
-            </p:spPr>
-            <p:txBody>
-              <a:bodyPr vert="horz" wrap="square" lIns="89642" tIns="44821" rIns="89642" bIns="44821" numCol="1" anchor="t" anchorCtr="0" compatLnSpc="1">
-                <a:prstTxWarp prst="textNoShape">
-                  <a:avLst/>
-                </a:prstTxWarp>
-              </a:bodyPr>
-              <a:lstStyle/>
-              <a:p>
-                <a:pPr defTabSz="914367"/>
-                <a:endParaRPr lang="en-US" sz="800">
-                  <a:gradFill>
-                    <a:gsLst>
-                      <a:gs pos="0">
-                        <a:srgbClr val="505050"/>
-                      </a:gs>
-                      <a:gs pos="100000">
-                        <a:srgbClr val="505050"/>
-                      </a:gs>
-                    </a:gsLst>
-                    <a:lin ang="5400000" scaled="1"/>
-                  </a:gradFill>
-                  <a:latin typeface="Segoe UI" panose="020B0502040204020203" pitchFamily="34" charset="0"/>
-                </a:endParaRPr>
-              </a:p>
-            </p:txBody>
-          </p:sp>
-          <p:sp>
-            <p:nvSpPr>
-              <p:cNvPr id="99" name="Freeform: Shape 98">
-                <a:extLst>
-                  <a:ext uri="{FF2B5EF4-FFF2-40B4-BE49-F238E27FC236}">
-                    <a16:creationId xmlns:a16="http://schemas.microsoft.com/office/drawing/2014/main" id="{4D934D52-19F9-4638-A6A5-959FAD284E35}"/>
-                  </a:ext>
-                </a:extLst>
-              </p:cNvPr>
-              <p:cNvSpPr/>
-              <p:nvPr/>
-            </p:nvSpPr>
-            <p:spPr>
-              <a:xfrm>
-                <a:off x="5294576" y="3569916"/>
-                <a:ext cx="47625" cy="57150"/>
-              </a:xfrm>
-              <a:custGeom>
-                <a:avLst/>
-                <a:gdLst>
-                  <a:gd name="connsiteX0" fmla="*/ 7355 w 47625"/>
-                  <a:gd name="connsiteY0" fmla="*/ 7355 h 57150"/>
-                  <a:gd name="connsiteX1" fmla="*/ 44503 w 47625"/>
-                  <a:gd name="connsiteY1" fmla="*/ 57838 h 57150"/>
-                </a:gdLst>
-                <a:ahLst/>
-                <a:cxnLst>
-                  <a:cxn ang="0">
-                    <a:pos x="connsiteX0" y="connsiteY0"/>
-                  </a:cxn>
-                  <a:cxn ang="0">
-                    <a:pos x="connsiteX1" y="connsiteY1"/>
-                  </a:cxn>
-                </a:cxnLst>
-                <a:rect l="l" t="t" r="r" b="b"/>
-                <a:pathLst>
-                  <a:path w="47625" h="57150">
-                    <a:moveTo>
-                      <a:pt x="7355" y="7355"/>
-                    </a:moveTo>
-                    <a:lnTo>
-                      <a:pt x="44503" y="57838"/>
-                    </a:lnTo>
-                  </a:path>
-                </a:pathLst>
-              </a:custGeom>
-              <a:noFill/>
-              <a:ln w="12700" cap="sq">
-                <a:solidFill>
-                  <a:schemeClr val="bg1"/>
-                </a:solidFill>
-                <a:prstDash val="solid"/>
-                <a:miter lim="800000"/>
-                <a:headEnd/>
-                <a:tailEnd/>
-              </a:ln>
-              <a:extLst>
-                <a:ext uri="{909E8E84-426E-40DD-AFC4-6F175D3DCCD1}">
-                  <a14:hiddenFill xmlns:a14="http://schemas.microsoft.com/office/drawing/2010/main">
-                    <a:solidFill>
-                      <a:srgbClr val="FFFFFF"/>
-                    </a:solidFill>
-                  </a14:hiddenFill>
-                </a:ext>
-              </a:extLst>
-            </p:spPr>
-            <p:txBody>
-              <a:bodyPr vert="horz" wrap="square" lIns="89642" tIns="44821" rIns="89642" bIns="44821" numCol="1" anchor="t" anchorCtr="0" compatLnSpc="1">
-                <a:prstTxWarp prst="textNoShape">
-                  <a:avLst/>
-                </a:prstTxWarp>
-              </a:bodyPr>
-              <a:lstStyle/>
-              <a:p>
-                <a:pPr defTabSz="914367"/>
-                <a:endParaRPr lang="en-US" sz="800">
-                  <a:gradFill>
-                    <a:gsLst>
-                      <a:gs pos="0">
-                        <a:srgbClr val="505050"/>
-                      </a:gs>
-                      <a:gs pos="100000">
-                        <a:srgbClr val="505050"/>
-                      </a:gs>
-                    </a:gsLst>
-                    <a:lin ang="5400000" scaled="1"/>
-                  </a:gradFill>
-                  <a:latin typeface="Segoe UI" panose="020B0502040204020203" pitchFamily="34" charset="0"/>
-                </a:endParaRPr>
-              </a:p>
-            </p:txBody>
-          </p:sp>
-          <p:sp>
-            <p:nvSpPr>
-              <p:cNvPr id="100" name="Freeform: Shape 99">
-                <a:extLst>
-                  <a:ext uri="{FF2B5EF4-FFF2-40B4-BE49-F238E27FC236}">
-                    <a16:creationId xmlns:a16="http://schemas.microsoft.com/office/drawing/2014/main" id="{CB875327-9B30-4883-8FB2-D0B18E091307}"/>
-                  </a:ext>
-                </a:extLst>
-              </p:cNvPr>
-              <p:cNvSpPr/>
-              <p:nvPr/>
-            </p:nvSpPr>
-            <p:spPr>
-              <a:xfrm>
-                <a:off x="5172656" y="3623256"/>
-                <a:ext cx="247650" cy="9525"/>
-              </a:xfrm>
-              <a:custGeom>
-                <a:avLst/>
-                <a:gdLst>
-                  <a:gd name="connsiteX0" fmla="*/ 7355 w 247650"/>
-                  <a:gd name="connsiteY0" fmla="*/ 7355 h 9525"/>
-                  <a:gd name="connsiteX1" fmla="*/ 246433 w 247650"/>
-                  <a:gd name="connsiteY1" fmla="*/ 7355 h 9525"/>
-                </a:gdLst>
-                <a:ahLst/>
-                <a:cxnLst>
-                  <a:cxn ang="0">
-                    <a:pos x="connsiteX0" y="connsiteY0"/>
-                  </a:cxn>
-                  <a:cxn ang="0">
-                    <a:pos x="connsiteX1" y="connsiteY1"/>
-                  </a:cxn>
-                </a:cxnLst>
-                <a:rect l="l" t="t" r="r" b="b"/>
-                <a:pathLst>
-                  <a:path w="247650" h="9525">
-                    <a:moveTo>
-                      <a:pt x="7355" y="7355"/>
-                    </a:moveTo>
-                    <a:lnTo>
-                      <a:pt x="246433" y="7355"/>
-                    </a:lnTo>
-                  </a:path>
-                </a:pathLst>
-              </a:custGeom>
-              <a:noFill/>
-              <a:ln w="12700" cap="sq">
-                <a:solidFill>
-                  <a:schemeClr val="bg1"/>
-                </a:solidFill>
-                <a:prstDash val="solid"/>
-                <a:miter lim="800000"/>
-                <a:headEnd/>
-                <a:tailEnd/>
-              </a:ln>
-              <a:extLst>
-                <a:ext uri="{909E8E84-426E-40DD-AFC4-6F175D3DCCD1}">
-                  <a14:hiddenFill xmlns:a14="http://schemas.microsoft.com/office/drawing/2010/main">
-                    <a:solidFill>
-                      <a:srgbClr val="FFFFFF"/>
-                    </a:solidFill>
-                  </a14:hiddenFill>
-                </a:ext>
-              </a:extLst>
-            </p:spPr>
-            <p:txBody>
-              <a:bodyPr vert="horz" wrap="square" lIns="89642" tIns="44821" rIns="89642" bIns="44821" numCol="1" anchor="t" anchorCtr="0" compatLnSpc="1">
-                <a:prstTxWarp prst="textNoShape">
-                  <a:avLst/>
-                </a:prstTxWarp>
-              </a:bodyPr>
-              <a:lstStyle/>
-              <a:p>
-                <a:pPr defTabSz="914367"/>
-                <a:endParaRPr lang="en-US" sz="800">
-                  <a:gradFill>
-                    <a:gsLst>
-                      <a:gs pos="0">
-                        <a:srgbClr val="505050"/>
-                      </a:gs>
-                      <a:gs pos="100000">
-                        <a:srgbClr val="505050"/>
-                      </a:gs>
-                    </a:gsLst>
-                    <a:lin ang="5400000" scaled="1"/>
-                  </a:gradFill>
-                  <a:latin typeface="Segoe UI" panose="020B0502040204020203" pitchFamily="34" charset="0"/>
-                </a:endParaRPr>
-              </a:p>
-            </p:txBody>
-          </p:sp>
-          <p:sp>
-            <p:nvSpPr>
-              <p:cNvPr id="101" name="Freeform: Shape 100">
-                <a:extLst>
-                  <a:ext uri="{FF2B5EF4-FFF2-40B4-BE49-F238E27FC236}">
-                    <a16:creationId xmlns:a16="http://schemas.microsoft.com/office/drawing/2014/main" id="{B28E892A-17B0-4621-9414-9E1C3490008D}"/>
-                  </a:ext>
-                </a:extLst>
-              </p:cNvPr>
-              <p:cNvSpPr/>
-              <p:nvPr/>
-            </p:nvSpPr>
-            <p:spPr>
-              <a:xfrm>
-                <a:off x="5153606" y="3639449"/>
-                <a:ext cx="314325" cy="9525"/>
-              </a:xfrm>
-              <a:custGeom>
-                <a:avLst/>
-                <a:gdLst>
-                  <a:gd name="connsiteX0" fmla="*/ 7355 w 314325"/>
-                  <a:gd name="connsiteY0" fmla="*/ 7355 h 9525"/>
-                  <a:gd name="connsiteX1" fmla="*/ 311203 w 314325"/>
-                  <a:gd name="connsiteY1" fmla="*/ 7355 h 9525"/>
-                </a:gdLst>
-                <a:ahLst/>
-                <a:cxnLst>
-                  <a:cxn ang="0">
-                    <a:pos x="connsiteX0" y="connsiteY0"/>
-                  </a:cxn>
-                  <a:cxn ang="0">
-                    <a:pos x="connsiteX1" y="connsiteY1"/>
-                  </a:cxn>
-                </a:cxnLst>
-                <a:rect l="l" t="t" r="r" b="b"/>
-                <a:pathLst>
-                  <a:path w="314325" h="9525">
-                    <a:moveTo>
-                      <a:pt x="7355" y="7355"/>
-                    </a:moveTo>
-                    <a:lnTo>
-                      <a:pt x="311203" y="7355"/>
-                    </a:lnTo>
-                  </a:path>
-                </a:pathLst>
-              </a:custGeom>
-              <a:noFill/>
-              <a:ln w="12700" cap="sq">
-                <a:solidFill>
-                  <a:schemeClr val="bg1"/>
-                </a:solidFill>
-                <a:prstDash val="solid"/>
-                <a:miter lim="800000"/>
-                <a:headEnd/>
-                <a:tailEnd/>
-              </a:ln>
-              <a:extLst>
-                <a:ext uri="{909E8E84-426E-40DD-AFC4-6F175D3DCCD1}">
-                  <a14:hiddenFill xmlns:a14="http://schemas.microsoft.com/office/drawing/2010/main">
-                    <a:solidFill>
-                      <a:srgbClr val="FFFFFF"/>
-                    </a:solidFill>
-                  </a14:hiddenFill>
-                </a:ext>
-              </a:extLst>
-            </p:spPr>
-            <p:txBody>
-              <a:bodyPr vert="horz" wrap="square" lIns="89642" tIns="44821" rIns="89642" bIns="44821" numCol="1" anchor="t" anchorCtr="0" compatLnSpc="1">
-                <a:prstTxWarp prst="textNoShape">
-                  <a:avLst/>
-                </a:prstTxWarp>
-              </a:bodyPr>
-              <a:lstStyle/>
-              <a:p>
-                <a:pPr defTabSz="914367"/>
-                <a:endParaRPr lang="en-US" sz="800">
-                  <a:gradFill>
-                    <a:gsLst>
-                      <a:gs pos="0">
-                        <a:srgbClr val="505050"/>
-                      </a:gs>
-                      <a:gs pos="100000">
-                        <a:srgbClr val="505050"/>
-                      </a:gs>
-                    </a:gsLst>
-                    <a:lin ang="5400000" scaled="1"/>
-                  </a:gradFill>
-                  <a:latin typeface="Segoe UI" panose="020B0502040204020203" pitchFamily="34" charset="0"/>
-                </a:endParaRPr>
-              </a:p>
-            </p:txBody>
-          </p:sp>
-          <p:sp>
-            <p:nvSpPr>
-              <p:cNvPr id="102" name="Freeform: Shape 101">
-                <a:extLst>
-                  <a:ext uri="{FF2B5EF4-FFF2-40B4-BE49-F238E27FC236}">
-                    <a16:creationId xmlns:a16="http://schemas.microsoft.com/office/drawing/2014/main" id="{21895D5C-65FE-4031-983B-0853A8BB747A}"/>
-                  </a:ext>
-                </a:extLst>
-              </p:cNvPr>
-              <p:cNvSpPr/>
-              <p:nvPr/>
-            </p:nvSpPr>
-            <p:spPr>
-              <a:xfrm>
-                <a:off x="5518414" y="3408944"/>
-                <a:ext cx="9525" cy="180975"/>
-              </a:xfrm>
-              <a:custGeom>
-                <a:avLst/>
-                <a:gdLst>
-                  <a:gd name="connsiteX0" fmla="*/ 7355 w 9525"/>
-                  <a:gd name="connsiteY0" fmla="*/ 7355 h 180975"/>
-                  <a:gd name="connsiteX1" fmla="*/ 7355 w 9525"/>
-                  <a:gd name="connsiteY1" fmla="*/ 177853 h 180975"/>
-                </a:gdLst>
-                <a:ahLst/>
-                <a:cxnLst>
-                  <a:cxn ang="0">
-                    <a:pos x="connsiteX0" y="connsiteY0"/>
-                  </a:cxn>
-                  <a:cxn ang="0">
-                    <a:pos x="connsiteX1" y="connsiteY1"/>
-                  </a:cxn>
-                </a:cxnLst>
-                <a:rect l="l" t="t" r="r" b="b"/>
-                <a:pathLst>
-                  <a:path w="9525" h="180975">
-                    <a:moveTo>
-                      <a:pt x="7355" y="7355"/>
-                    </a:moveTo>
-                    <a:lnTo>
-                      <a:pt x="7355" y="177853"/>
-                    </a:lnTo>
-                  </a:path>
-                </a:pathLst>
-              </a:custGeom>
-              <a:noFill/>
-              <a:ln w="12700" cap="sq">
-                <a:solidFill>
-                  <a:schemeClr val="bg1"/>
-                </a:solidFill>
-                <a:prstDash val="solid"/>
-                <a:miter lim="800000"/>
-                <a:headEnd/>
-                <a:tailEnd/>
-              </a:ln>
-              <a:extLst>
-                <a:ext uri="{909E8E84-426E-40DD-AFC4-6F175D3DCCD1}">
-                  <a14:hiddenFill xmlns:a14="http://schemas.microsoft.com/office/drawing/2010/main">
-                    <a:solidFill>
-                      <a:srgbClr val="FFFFFF"/>
-                    </a:solidFill>
-                  </a14:hiddenFill>
-                </a:ext>
-              </a:extLst>
-            </p:spPr>
-            <p:txBody>
-              <a:bodyPr vert="horz" wrap="square" lIns="89642" tIns="44821" rIns="89642" bIns="44821" numCol="1" anchor="t" anchorCtr="0" compatLnSpc="1">
-                <a:prstTxWarp prst="textNoShape">
-                  <a:avLst/>
-                </a:prstTxWarp>
-              </a:bodyPr>
-              <a:lstStyle/>
-              <a:p>
-                <a:pPr defTabSz="914367"/>
-                <a:endParaRPr lang="en-US" sz="800">
-                  <a:gradFill>
-                    <a:gsLst>
-                      <a:gs pos="0">
-                        <a:srgbClr val="505050"/>
-                      </a:gs>
-                      <a:gs pos="100000">
-                        <a:srgbClr val="505050"/>
-                      </a:gs>
-                    </a:gsLst>
-                    <a:lin ang="5400000" scaled="1"/>
-                  </a:gradFill>
-                  <a:latin typeface="Segoe UI" panose="020B0502040204020203" pitchFamily="34" charset="0"/>
-                </a:endParaRPr>
-              </a:p>
-            </p:txBody>
-          </p:sp>
-          <p:sp>
-            <p:nvSpPr>
-              <p:cNvPr id="103" name="Freeform: Shape 102">
-                <a:extLst>
-                  <a:ext uri="{FF2B5EF4-FFF2-40B4-BE49-F238E27FC236}">
-                    <a16:creationId xmlns:a16="http://schemas.microsoft.com/office/drawing/2014/main" id="{D07C9498-A7D7-488E-906A-B3947B952EEA}"/>
-                  </a:ext>
-                </a:extLst>
-              </p:cNvPr>
-              <p:cNvSpPr/>
-              <p:nvPr/>
-            </p:nvSpPr>
-            <p:spPr>
-              <a:xfrm>
-                <a:off x="5518414" y="3579441"/>
-                <a:ext cx="114300" cy="9525"/>
-              </a:xfrm>
-              <a:custGeom>
-                <a:avLst/>
-                <a:gdLst>
-                  <a:gd name="connsiteX0" fmla="*/ 107368 w 114300"/>
-                  <a:gd name="connsiteY0" fmla="*/ 7355 h 9525"/>
-                  <a:gd name="connsiteX1" fmla="*/ 7355 w 114300"/>
-                  <a:gd name="connsiteY1" fmla="*/ 7355 h 9525"/>
-                </a:gdLst>
-                <a:ahLst/>
-                <a:cxnLst>
-                  <a:cxn ang="0">
-                    <a:pos x="connsiteX0" y="connsiteY0"/>
-                  </a:cxn>
-                  <a:cxn ang="0">
-                    <a:pos x="connsiteX1" y="connsiteY1"/>
-                  </a:cxn>
-                </a:cxnLst>
-                <a:rect l="l" t="t" r="r" b="b"/>
-                <a:pathLst>
-                  <a:path w="114300" h="9525">
-                    <a:moveTo>
-                      <a:pt x="107368" y="7355"/>
-                    </a:moveTo>
-                    <a:lnTo>
-                      <a:pt x="7355" y="7355"/>
-                    </a:lnTo>
-                  </a:path>
-                </a:pathLst>
-              </a:custGeom>
-              <a:noFill/>
-              <a:ln w="12700" cap="sq">
-                <a:solidFill>
-                  <a:schemeClr val="bg1"/>
-                </a:solidFill>
-                <a:prstDash val="solid"/>
-                <a:miter lim="800000"/>
-                <a:headEnd/>
-                <a:tailEnd/>
-              </a:ln>
-              <a:extLst>
-                <a:ext uri="{909E8E84-426E-40DD-AFC4-6F175D3DCCD1}">
-                  <a14:hiddenFill xmlns:a14="http://schemas.microsoft.com/office/drawing/2010/main">
-                    <a:solidFill>
-                      <a:srgbClr val="FFFFFF"/>
-                    </a:solidFill>
-                  </a14:hiddenFill>
-                </a:ext>
-              </a:extLst>
-            </p:spPr>
-            <p:txBody>
-              <a:bodyPr vert="horz" wrap="square" lIns="89642" tIns="44821" rIns="89642" bIns="44821" numCol="1" anchor="t" anchorCtr="0" compatLnSpc="1">
-                <a:prstTxWarp prst="textNoShape">
-                  <a:avLst/>
-                </a:prstTxWarp>
-              </a:bodyPr>
-              <a:lstStyle/>
-              <a:p>
-                <a:pPr defTabSz="914367"/>
-                <a:endParaRPr lang="en-US" sz="800">
-                  <a:gradFill>
-                    <a:gsLst>
-                      <a:gs pos="0">
-                        <a:srgbClr val="505050"/>
-                      </a:gs>
-                      <a:gs pos="100000">
-                        <a:srgbClr val="505050"/>
-                      </a:gs>
-                    </a:gsLst>
-                    <a:lin ang="5400000" scaled="1"/>
-                  </a:gradFill>
-                  <a:latin typeface="Segoe UI" panose="020B0502040204020203" pitchFamily="34" charset="0"/>
-                </a:endParaRPr>
-              </a:p>
-            </p:txBody>
-          </p:sp>
-        </p:grpSp>
-      </p:grpSp>
-    </p:spTree>
-    <p:extLst>
-      <p:ext uri="{BB962C8B-B14F-4D97-AF65-F5344CB8AC3E}">
-        <p14:creationId xmlns:p14="http://schemas.microsoft.com/office/powerpoint/2010/main" val="613506443"/>
-      </p:ext>
-    </p:extLst>
-  </p:cSld>
-  <p:clrMapOvr>
-    <a:masterClrMapping/>
-  </p:clrMapOvr>
-  <mc:AlternateContent xmlns:mc="http://schemas.openxmlformats.org/markup-compatibility/2006" xmlns:p14="http://schemas.microsoft.com/office/powerpoint/2010/main">
-    <mc:Choice Requires="p14">
-      <p:transition spd="med" p14:dur="700">
-        <p:fade/>
-      </p:transition>
-    </mc:Choice>
-    <mc:Fallback xmlns="">
-      <p:transition spd="med">
-        <p:fade/>
-      </p:transition>
-    </mc:Fallback>
-  </mc:AlternateContent>
-</p:sld>
-</file>
-
 <file path=ppt/tags/tag1.xml><?xml version="1.0" encoding="utf-8"?>
 <p:tagLst xmlns:a="http://schemas.openxmlformats.org/drawingml/2006/main" xmlns:r="http://schemas.openxmlformats.org/officeDocument/2006/relationships" xmlns:p="http://schemas.openxmlformats.org/presentationml/2006/main">
   <p:tag name="THINKCELLSHAPEDONOTDELETE" val="thinkcellActiveDocDoNotDelete"/>

--- a/marketing/Customer Deck.pptx
+++ b/marketing/Customer Deck.pptx
@@ -328,7 +328,7 @@
           <a:p>
             <a:fld id="{844B04F6-CC0A-475E-81EF-69F596B9A92E}" type="datetimeFigureOut">
               <a:rPr lang="en-US" smtClean="0"/>
-              <a:t>5/19/2020</a:t>
+              <a:t>5/20/2020</a:t>
             </a:fld>
             <a:endParaRPr lang="en-US"/>
           </a:p>
@@ -816,7 +816,7 @@
                 <a:tabLst/>
                 <a:defRPr/>
               </a:pPr>
-              <a:t>5/19/2020 11:13 AM</a:t>
+              <a:t>5/20/2020 10:09 AM</a:t>
             </a:fld>
             <a:endParaRPr kumimoji="0" lang="en-US" sz="1200" b="0" i="0" u="none" strike="noStrike" kern="1200" cap="none" spc="0" normalizeH="0" baseline="0" noProof="0">
               <a:ln>
@@ -2877,7 +2877,7 @@
                 <a:tabLst/>
                 <a:defRPr/>
               </a:pPr>
-              <a:t>5/19/2020 11:13 AM</a:t>
+              <a:t>5/20/2020 10:09 AM</a:t>
             </a:fld>
             <a:endParaRPr kumimoji="0" lang="en-US" sz="1200" b="0" i="0" u="none" strike="noStrike" kern="1200" cap="none" spc="0" normalizeH="0" baseline="0" noProof="0">
               <a:ln>
@@ -4341,7 +4341,7 @@
             <a:fld id="{C4DED5F9-56B2-4A48-B2B7-90C4B88360C8}" type="datetimeFigureOut">
               <a:rPr lang="en-US" smtClean="0"/>
               <a:pPr/>
-              <a:t>5/19/2020</a:t>
+              <a:t>5/20/2020</a:t>
             </a:fld>
             <a:endParaRPr lang="en-US"/>
           </a:p>
@@ -5248,7 +5248,7 @@
           <a:p>
             <a:fld id="{E6F0B968-54C4-46F2-97D2-8B7E5776F8FF}" type="datetimeFigureOut">
               <a:rPr lang="it-IT" smtClean="0"/>
-              <a:t>19/05/2020</a:t>
+              <a:t>20/05/2020</a:t>
             </a:fld>
             <a:endParaRPr lang="it-IT"/>
           </a:p>
@@ -5763,7 +5763,7 @@
           <a:graphicData uri="http://schemas.openxmlformats.org/presentationml/2006/ole">
             <mc:AlternateContent xmlns:mc="http://schemas.openxmlformats.org/markup-compatibility/2006">
               <mc:Choice xmlns:v="urn:schemas-microsoft-com:vml" Requires="v">
-                <p:oleObj spid="_x0000_s2056" name="think-cell Slide" r:id="rId5" imgW="6350000" imgH="6350000" progId="">
+                <p:oleObj spid="_x0000_s2058" name="think-cell Slide" r:id="rId5" imgW="6350000" imgH="6350000" progId="">
                   <p:embed/>
                 </p:oleObj>
               </mc:Choice>
@@ -6578,7 +6578,7 @@
           <a:graphicData uri="http://schemas.openxmlformats.org/presentationml/2006/ole">
             <mc:AlternateContent xmlns:mc="http://schemas.openxmlformats.org/markup-compatibility/2006">
               <mc:Choice xmlns:v="urn:schemas-microsoft-com:vml" Requires="v">
-                <p:oleObj spid="_x0000_s1032" name="think-cell Slide" r:id="rId5" imgW="6350000" imgH="6350000" progId="">
+                <p:oleObj spid="_x0000_s1034" name="think-cell Slide" r:id="rId5" imgW="6350000" imgH="6350000" progId="">
                   <p:embed/>
                 </p:oleObj>
               </mc:Choice>
@@ -8143,7 +8143,7 @@
             <a:fld id="{C4DED5F9-56B2-4A48-B2B7-90C4B88360C8}" type="datetimeFigureOut">
               <a:rPr lang="en-US" smtClean="0"/>
               <a:pPr/>
-              <a:t>5/19/2020</a:t>
+              <a:t>5/20/2020</a:t>
             </a:fld>
             <a:endParaRPr lang="en-US"/>
           </a:p>
@@ -37968,6 +37968,21 @@
 </file>
 
 <file path=customXml/item1.xml><?xml version="1.0" encoding="utf-8"?>
+<p:properties xmlns:p="http://schemas.microsoft.com/office/2006/metadata/properties" xmlns:xsi="http://www.w3.org/2001/XMLSchema-instance" xmlns:pc="http://schemas.microsoft.com/office/infopath/2007/PartnerControls">
+  <documentManagement/>
+</p:properties>
+</file>
+
+<file path=customXml/item2.xml><?xml version="1.0" encoding="utf-8"?>
+<?mso-contentType ?>
+<FormTemplates xmlns="http://schemas.microsoft.com/sharepoint/v3/contenttype/forms">
+  <Display>DocumentLibraryForm</Display>
+  <Edit>DocumentLibraryForm</Edit>
+  <New>DocumentLibraryForm</New>
+</FormTemplates>
+</file>
+
+<file path=customXml/item3.xml><?xml version="1.0" encoding="utf-8"?>
 <ct:contentTypeSchema xmlns:ct="http://schemas.microsoft.com/office/2006/metadata/contentType" xmlns:ma="http://schemas.microsoft.com/office/2006/metadata/properties/metaAttributes" ct:_="" ma:_="" ma:contentTypeName="Document" ma:contentTypeID="0x0101009FCA2EB979716E4BAFCFD600734FB2C3" ma:contentTypeVersion="11" ma:contentTypeDescription="Create a new document." ma:contentTypeScope="" ma:versionID="1bf5a9a7ada754e4348737263d631b3e">
   <xsd:schema xmlns:xsd="http://www.w3.org/2001/XMLSchema" xmlns:xs="http://www.w3.org/2001/XMLSchema" xmlns:p="http://schemas.microsoft.com/office/2006/metadata/properties" xmlns:ns2="fd7fd6bb-7af5-43cc-b049-46c0c8f0c165" xmlns:ns3="7d0a52ec-7119-417f-86c6-7688478cef19" targetNamespace="http://schemas.microsoft.com/office/2006/metadata/properties" ma:root="true" ma:fieldsID="311735693259edc0f9cafdea23137eb7" ns2:_="" ns3:_="">
     <xsd:import namespace="fd7fd6bb-7af5-43cc-b049-46c0c8f0c165"/>
@@ -38178,22 +38193,32 @@
 </ct:contentTypeSchema>
 </file>
 
-<file path=customXml/item2.xml><?xml version="1.0" encoding="utf-8"?>
-<?mso-contentType ?>
-<FormTemplates xmlns="http://schemas.microsoft.com/sharepoint/v3/contenttype/forms">
-  <Display>DocumentLibraryForm</Display>
-  <Edit>DocumentLibraryForm</Edit>
-  <New>DocumentLibraryForm</New>
-</FormTemplates>
+<file path=customXml/itemProps1.xml><?xml version="1.0" encoding="utf-8"?>
+<ds:datastoreItem xmlns:ds="http://schemas.openxmlformats.org/officeDocument/2006/customXml" ds:itemID="{8A1F40E2-9E2B-49F5-8BC2-AB87F49A26FB}">
+  <ds:schemaRefs>
+    <ds:schemaRef ds:uri="fd7fd6bb-7af5-43cc-b049-46c0c8f0c165"/>
+    <ds:schemaRef ds:uri="http://schemas.microsoft.com/office/2006/documentManagement/types"/>
+    <ds:schemaRef ds:uri="http://schemas.microsoft.com/office/infopath/2007/PartnerControls"/>
+    <ds:schemaRef ds:uri="http://purl.org/dc/elements/1.1/"/>
+    <ds:schemaRef ds:uri="http://schemas.openxmlformats.org/package/2006/metadata/core-properties"/>
+    <ds:schemaRef ds:uri="http://www.w3.org/XML/1998/namespace"/>
+    <ds:schemaRef ds:uri="7d0a52ec-7119-417f-86c6-7688478cef19"/>
+    <ds:schemaRef ds:uri="http://schemas.microsoft.com/office/2006/metadata/properties"/>
+    <ds:schemaRef ds:uri="http://purl.org/dc/dcmitype/"/>
+    <ds:schemaRef ds:uri="http://purl.org/dc/terms/"/>
+  </ds:schemaRefs>
+</ds:datastoreItem>
 </file>
 
-<file path=customXml/item3.xml><?xml version="1.0" encoding="utf-8"?>
-<p:properties xmlns:p="http://schemas.microsoft.com/office/2006/metadata/properties" xmlns:xsi="http://www.w3.org/2001/XMLSchema-instance" xmlns:pc="http://schemas.microsoft.com/office/infopath/2007/PartnerControls">
-  <documentManagement/>
-</p:properties>
+<file path=customXml/itemProps2.xml><?xml version="1.0" encoding="utf-8"?>
+<ds:datastoreItem xmlns:ds="http://schemas.openxmlformats.org/officeDocument/2006/customXml" ds:itemID="{87779B78-3F09-406F-B6CE-4F183202E86D}">
+  <ds:schemaRefs>
+    <ds:schemaRef ds:uri="http://schemas.microsoft.com/sharepoint/v3/contenttype/forms"/>
+  </ds:schemaRefs>
+</ds:datastoreItem>
 </file>
 
-<file path=customXml/itemProps1.xml><?xml version="1.0" encoding="utf-8"?>
+<file path=customXml/itemProps3.xml><?xml version="1.0" encoding="utf-8"?>
 <ds:datastoreItem xmlns:ds="http://schemas.openxmlformats.org/officeDocument/2006/customXml" ds:itemID="{F89C7B40-D06F-4F77-9D09-9C1582C7A930}">
   <ds:schemaRefs>
     <ds:schemaRef ds:uri="http://schemas.microsoft.com/office/2006/metadata/contentType"/>
@@ -38210,29 +38235,4 @@
     <ds:schemaRef ds:uri="http://schemas.microsoft.com/internal/obd"/>
   </ds:schemaRefs>
 </ds:datastoreItem>
-</file>
-
-<file path=customXml/itemProps2.xml><?xml version="1.0" encoding="utf-8"?>
-<ds:datastoreItem xmlns:ds="http://schemas.openxmlformats.org/officeDocument/2006/customXml" ds:itemID="{87779B78-3F09-406F-B6CE-4F183202E86D}">
-  <ds:schemaRefs>
-    <ds:schemaRef ds:uri="http://schemas.microsoft.com/sharepoint/v3/contenttype/forms"/>
-  </ds:schemaRefs>
-</ds:datastoreItem>
-</file>
-
-<file path=customXml/itemProps3.xml><?xml version="1.0" encoding="utf-8"?>
-<ds:datastoreItem xmlns:ds="http://schemas.openxmlformats.org/officeDocument/2006/customXml" ds:itemID="{8A1F40E2-9E2B-49F5-8BC2-AB87F49A26FB}">
-  <ds:schemaRefs>
-    <ds:schemaRef ds:uri="fd7fd6bb-7af5-43cc-b049-46c0c8f0c165"/>
-    <ds:schemaRef ds:uri="http://schemas.microsoft.com/office/2006/documentManagement/types"/>
-    <ds:schemaRef ds:uri="http://schemas.microsoft.com/office/infopath/2007/PartnerControls"/>
-    <ds:schemaRef ds:uri="http://purl.org/dc/elements/1.1/"/>
-    <ds:schemaRef ds:uri="http://schemas.openxmlformats.org/package/2006/metadata/core-properties"/>
-    <ds:schemaRef ds:uri="http://www.w3.org/XML/1998/namespace"/>
-    <ds:schemaRef ds:uri="7d0a52ec-7119-417f-86c6-7688478cef19"/>
-    <ds:schemaRef ds:uri="http://schemas.microsoft.com/office/2006/metadata/properties"/>
-    <ds:schemaRef ds:uri="http://purl.org/dc/dcmitype/"/>
-    <ds:schemaRef ds:uri="http://purl.org/dc/terms/"/>
-  </ds:schemaRefs>
-</ds:datastoreItem>
 </file>
--- a/marketing/Customer Deck.pptx
+++ b/marketing/Customer Deck.pptx
@@ -6,7 +6,7 @@
     <p:sldMasterId id="2147484128" r:id="rId5"/>
   </p:sldMasterIdLst>
   <p:notesMasterIdLst>
-    <p:notesMasterId r:id="rId21"/>
+    <p:notesMasterId r:id="rId22"/>
   </p:notesMasterIdLst>
   <p:sldIdLst>
     <p:sldId id="1864" r:id="rId6"/>
@@ -14,16 +14,17 @@
     <p:sldId id="2076136260" r:id="rId8"/>
     <p:sldId id="1854" r:id="rId9"/>
     <p:sldId id="1840" r:id="rId10"/>
-    <p:sldId id="2076136261" r:id="rId11"/>
-    <p:sldId id="2076136262" r:id="rId12"/>
-    <p:sldId id="1863" r:id="rId13"/>
-    <p:sldId id="1856" r:id="rId14"/>
-    <p:sldId id="1857" r:id="rId15"/>
-    <p:sldId id="1855" r:id="rId16"/>
-    <p:sldId id="1859" r:id="rId17"/>
-    <p:sldId id="1860" r:id="rId18"/>
-    <p:sldId id="1861" r:id="rId19"/>
-    <p:sldId id="1862" r:id="rId20"/>
+    <p:sldId id="2076136262" r:id="rId11"/>
+    <p:sldId id="2076136263" r:id="rId12"/>
+    <p:sldId id="2076136261" r:id="rId13"/>
+    <p:sldId id="1863" r:id="rId14"/>
+    <p:sldId id="1856" r:id="rId15"/>
+    <p:sldId id="1857" r:id="rId16"/>
+    <p:sldId id="1855" r:id="rId17"/>
+    <p:sldId id="1859" r:id="rId18"/>
+    <p:sldId id="1860" r:id="rId19"/>
+    <p:sldId id="1861" r:id="rId20"/>
+    <p:sldId id="1862" r:id="rId21"/>
   </p:sldIdLst>
   <p:sldSz cx="12192000" cy="6858000"/>
   <p:notesSz cx="6858000" cy="9144000"/>
@@ -132,8 +133,9 @@
             <p14:sldId id="2076136260"/>
             <p14:sldId id="1854"/>
             <p14:sldId id="1840"/>
+            <p14:sldId id="2076136262"/>
+            <p14:sldId id="2076136263"/>
             <p14:sldId id="2076136261"/>
-            <p14:sldId id="2076136262"/>
             <p14:sldId id="1863"/>
             <p14:sldId id="1856"/>
             <p14:sldId id="1857"/>
@@ -328,7 +330,7 @@
           <a:p>
             <a:fld id="{844B04F6-CC0A-475E-81EF-69F596B9A92E}" type="datetimeFigureOut">
               <a:rPr lang="en-US" smtClean="0"/>
-              <a:t>5/20/2020</a:t>
+              <a:t>6/19/2020</a:t>
             </a:fld>
             <a:endParaRPr lang="en-US"/>
           </a:p>
@@ -816,7 +818,7 @@
                 <a:tabLst/>
                 <a:defRPr/>
               </a:pPr>
-              <a:t>5/20/2020 10:09 AM</a:t>
+              <a:t>6/19/2020 12:24 PM</a:t>
             </a:fld>
             <a:endParaRPr kumimoji="0" lang="en-US" sz="1200" b="0" i="0" u="none" strike="noStrike" kern="1200" cap="none" spc="0" normalizeH="0" baseline="0" noProof="0">
               <a:ln>
@@ -2151,7 +2153,7 @@
                 <a:tabLst/>
                 <a:defRPr/>
               </a:pPr>
-              <a:t>6</a:t>
+              <a:t>8</a:t>
             </a:fld>
             <a:endParaRPr kumimoji="0" lang="en-US" sz="900" b="0" i="0" u="none" strike="noStrike" kern="1200" cap="none" spc="0" normalizeH="0" baseline="0" noProof="0">
               <a:ln>
@@ -2173,7 +2175,7 @@
     </p:spTree>
     <p:extLst>
       <p:ext uri="{BB962C8B-B14F-4D97-AF65-F5344CB8AC3E}">
-        <p14:creationId xmlns:p14="http://schemas.microsoft.com/office/powerpoint/2010/main" val="1752979969"/>
+        <p14:creationId xmlns:p14="http://schemas.microsoft.com/office/powerpoint/2010/main" val="3056356721"/>
       </p:ext>
     </p:extLst>
   </p:cSld>
@@ -2410,7 +2412,7 @@
                 <a:tabLst/>
                 <a:defRPr/>
               </a:pPr>
-              <a:t>8</a:t>
+              <a:t>9</a:t>
             </a:fld>
             <a:endParaRPr kumimoji="0" lang="en-US" sz="900" b="0" i="0" u="none" strike="noStrike" kern="1200" cap="none" spc="0" normalizeH="0" baseline="0" noProof="0">
               <a:ln>
@@ -2669,7 +2671,7 @@
                 <a:tabLst/>
                 <a:defRPr/>
               </a:pPr>
-              <a:t>10</a:t>
+              <a:t>11</a:t>
             </a:fld>
             <a:endParaRPr kumimoji="0" lang="en-US" sz="900" b="0" i="0" u="none" strike="noStrike" kern="1200" cap="none" spc="0" normalizeH="0" baseline="0" noProof="0">
               <a:ln>
@@ -2877,7 +2879,7 @@
                 <a:tabLst/>
                 <a:defRPr/>
               </a:pPr>
-              <a:t>5/20/2020 10:09 AM</a:t>
+              <a:t>6/19/2020 12:24 PM</a:t>
             </a:fld>
             <a:endParaRPr kumimoji="0" lang="en-US" sz="1200" b="0" i="0" u="none" strike="noStrike" kern="1200" cap="none" spc="0" normalizeH="0" baseline="0" noProof="0">
               <a:ln>
@@ -2960,7 +2962,7 @@
                 <a:tabLst/>
                 <a:defRPr/>
               </a:pPr>
-              <a:t>11</a:t>
+              <a:t>12</a:t>
             </a:fld>
             <a:endParaRPr kumimoji="0" lang="en-US" sz="1200" b="0" i="0" u="none" strike="noStrike" kern="1200" cap="none" spc="0" normalizeH="0" baseline="0" noProof="0">
               <a:ln>
@@ -4341,7 +4343,7 @@
             <a:fld id="{C4DED5F9-56B2-4A48-B2B7-90C4B88360C8}" type="datetimeFigureOut">
               <a:rPr lang="en-US" smtClean="0"/>
               <a:pPr/>
-              <a:t>5/20/2020</a:t>
+              <a:t>6/19/2020</a:t>
             </a:fld>
             <a:endParaRPr lang="en-US"/>
           </a:p>
@@ -5248,7 +5250,7 @@
           <a:p>
             <a:fld id="{E6F0B968-54C4-46F2-97D2-8B7E5776F8FF}" type="datetimeFigureOut">
               <a:rPr lang="it-IT" smtClean="0"/>
-              <a:t>20/05/2020</a:t>
+              <a:t>19/06/2020</a:t>
             </a:fld>
             <a:endParaRPr lang="it-IT"/>
           </a:p>
@@ -5763,7 +5765,7 @@
           <a:graphicData uri="http://schemas.openxmlformats.org/presentationml/2006/ole">
             <mc:AlternateContent xmlns:mc="http://schemas.openxmlformats.org/markup-compatibility/2006">
               <mc:Choice xmlns:v="urn:schemas-microsoft-com:vml" Requires="v">
-                <p:oleObj spid="_x0000_s2058" name="think-cell Slide" r:id="rId5" imgW="6350000" imgH="6350000" progId="">
+                <p:oleObj spid="_x0000_s2061" name="think-cell Slide" r:id="rId5" imgW="6350000" imgH="6350000" progId="">
                   <p:embed/>
                 </p:oleObj>
               </mc:Choice>
@@ -6578,7 +6580,7 @@
           <a:graphicData uri="http://schemas.openxmlformats.org/presentationml/2006/ole">
             <mc:AlternateContent xmlns:mc="http://schemas.openxmlformats.org/markup-compatibility/2006">
               <mc:Choice xmlns:v="urn:schemas-microsoft-com:vml" Requires="v">
-                <p:oleObj spid="_x0000_s1034" name="think-cell Slide" r:id="rId5" imgW="6350000" imgH="6350000" progId="">
+                <p:oleObj spid="_x0000_s1037" name="think-cell Slide" r:id="rId5" imgW="6350000" imgH="6350000" progId="">
                   <p:embed/>
                 </p:oleObj>
               </mc:Choice>
@@ -8143,7 +8145,7 @@
             <a:fld id="{C4DED5F9-56B2-4A48-B2B7-90C4B88360C8}" type="datetimeFigureOut">
               <a:rPr lang="en-US" smtClean="0"/>
               <a:pPr/>
-              <a:t>5/20/2020</a:t>
+              <a:t>6/19/2020</a:t>
             </a:fld>
             <a:endParaRPr lang="en-US"/>
           </a:p>
@@ -10798,7 +10800,7 @@
                   </a:schemeClr>
                 </a:solidFill>
               </a:rPr>
-              <a:t>Azure Application Management</a:t>
+              <a:t>Azure Applications Management</a:t>
             </a:r>
           </a:p>
         </p:txBody>
@@ -10856,6 +10858,1395 @@
 </file>
 
 <file path=ppt/slides/slide10.xml><?xml version="1.0" encoding="utf-8"?>
+<p:sld xmlns:a="http://schemas.openxmlformats.org/drawingml/2006/main" xmlns:r="http://schemas.openxmlformats.org/officeDocument/2006/relationships" xmlns:p="http://schemas.openxmlformats.org/presentationml/2006/main" show="0">
+  <p:cSld>
+    <p:spTree>
+      <p:nvGrpSpPr>
+        <p:cNvPr id="1" name=""/>
+        <p:cNvGrpSpPr/>
+        <p:nvPr/>
+      </p:nvGrpSpPr>
+      <p:grpSpPr>
+        <a:xfrm>
+          <a:off x="0" y="0"/>
+          <a:ext cx="0" cy="0"/>
+          <a:chOff x="0" y="0"/>
+          <a:chExt cx="0" cy="0"/>
+        </a:xfrm>
+      </p:grpSpPr>
+      <p:sp>
+        <p:nvSpPr>
+          <p:cNvPr id="7" name="Title 6">
+            <a:extLst>
+              <a:ext uri="{FF2B5EF4-FFF2-40B4-BE49-F238E27FC236}">
+                <a16:creationId xmlns:a16="http://schemas.microsoft.com/office/drawing/2014/main" id="{D55B4B72-89DC-4830-A79A-CD12F2161C8E}"/>
+              </a:ext>
+            </a:extLst>
+          </p:cNvPr>
+          <p:cNvSpPr>
+            <a:spLocks noGrp="1"/>
+          </p:cNvSpPr>
+          <p:nvPr>
+            <p:ph type="title"/>
+          </p:nvPr>
+        </p:nvSpPr>
+        <p:spPr/>
+        <p:txBody>
+          <a:bodyPr/>
+          <a:lstStyle/>
+          <a:p>
+            <a:r>
+              <a:rPr lang="en-US"/>
+              <a:t>Sample one-year journey</a:t>
+            </a:r>
+          </a:p>
+        </p:txBody>
+      </p:sp>
+      <p:sp>
+        <p:nvSpPr>
+          <p:cNvPr id="28" name="Title 1">
+            <a:extLst>
+              <a:ext uri="{FF2B5EF4-FFF2-40B4-BE49-F238E27FC236}">
+                <a16:creationId xmlns:a16="http://schemas.microsoft.com/office/drawing/2014/main" id="{3C9D83DD-7252-48FE-AA80-B61C2793D965}"/>
+              </a:ext>
+            </a:extLst>
+          </p:cNvPr>
+          <p:cNvSpPr txBox="1">
+            <a:spLocks/>
+          </p:cNvSpPr>
+          <p:nvPr/>
+        </p:nvSpPr>
+        <p:spPr>
+          <a:xfrm>
+            <a:off x="462778" y="2181748"/>
+            <a:ext cx="2606040" cy="4333351"/>
+          </a:xfrm>
+          <a:prstGeom prst="rect">
+            <a:avLst/>
+          </a:prstGeom>
+          <a:noFill/>
+          <a:ln w="3175">
+            <a:solidFill>
+              <a:schemeClr val="bg1">
+                <a:lumMod val="75000"/>
+              </a:schemeClr>
+            </a:solidFill>
+          </a:ln>
+        </p:spPr>
+        <p:txBody>
+          <a:bodyPr vert="horz" wrap="square" lIns="0" tIns="0" rIns="0" bIns="0" rtlCol="0" anchor="t">
+            <a:noAutofit/>
+          </a:bodyPr>
+          <a:lstStyle>
+            <a:lvl1pPr algn="l" defTabSz="932742" rtl="0" eaLnBrk="1" latinLnBrk="0" hangingPunct="1">
+              <a:lnSpc>
+                <a:spcPct val="90000"/>
+              </a:lnSpc>
+              <a:spcBef>
+                <a:spcPct val="0"/>
+              </a:spcBef>
+              <a:buNone/>
+              <a:defRPr lang="en-US" sz="4800" b="0" kern="1200" cap="none" spc="-102" baseline="0" dirty="0" smtClean="0">
+                <a:ln w="3175">
+                  <a:noFill/>
+                </a:ln>
+                <a:gradFill>
+                  <a:gsLst>
+                    <a:gs pos="1250">
+                      <a:schemeClr val="tx1"/>
+                    </a:gs>
+                    <a:gs pos="100000">
+                      <a:schemeClr val="tx1"/>
+                    </a:gs>
+                  </a:gsLst>
+                  <a:lin ang="5400000" scaled="0"/>
+                </a:gradFill>
+                <a:effectLst/>
+                <a:latin typeface="+mj-lt"/>
+                <a:ea typeface="+mn-ea"/>
+                <a:cs typeface="Segoe UI" pitchFamily="34" charset="0"/>
+              </a:defRPr>
+            </a:lvl1pPr>
+          </a:lstStyle>
+          <a:p>
+            <a:pPr algn="ctr" defTabSz="914367">
+              <a:lnSpc>
+                <a:spcPct val="100000"/>
+              </a:lnSpc>
+              <a:defRPr/>
+            </a:pPr>
+            <a:endParaRPr lang="en-US" sz="1600" spc="0">
+              <a:solidFill>
+                <a:schemeClr val="tx1"/>
+              </a:solidFill>
+              <a:latin typeface="Segoe UI" panose="020B0502040204020203" pitchFamily="34" charset="0"/>
+            </a:endParaRPr>
+          </a:p>
+        </p:txBody>
+      </p:sp>
+      <p:sp>
+        <p:nvSpPr>
+          <p:cNvPr id="32" name="Oval 31">
+            <a:extLst>
+              <a:ext uri="{FF2B5EF4-FFF2-40B4-BE49-F238E27FC236}">
+                <a16:creationId xmlns:a16="http://schemas.microsoft.com/office/drawing/2014/main" id="{27F24868-57F7-4FDC-98FF-AD42F45A7D90}"/>
+              </a:ext>
+            </a:extLst>
+          </p:cNvPr>
+          <p:cNvSpPr/>
+          <p:nvPr/>
+        </p:nvSpPr>
+        <p:spPr bwMode="auto">
+          <a:xfrm>
+            <a:off x="1479155" y="1220788"/>
+            <a:ext cx="573286" cy="573286"/>
+          </a:xfrm>
+          <a:prstGeom prst="ellipse">
+            <a:avLst/>
+          </a:prstGeom>
+          <a:solidFill>
+            <a:schemeClr val="bg1"/>
+          </a:solidFill>
+          <a:ln>
+            <a:noFill/>
+            <a:headEnd type="none" w="med" len="med"/>
+            <a:tailEnd type="none" w="med" len="med"/>
+          </a:ln>
+          <a:effectLst>
+            <a:outerShdw blurRad="63500" sx="102000" sy="102000" algn="ctr" rotWithShape="0">
+              <a:prstClr val="black">
+                <a:alpha val="10000"/>
+              </a:prstClr>
+            </a:outerShdw>
+          </a:effectLst>
+        </p:spPr>
+        <p:style>
+          <a:lnRef idx="1">
+            <a:schemeClr val="accent2"/>
+          </a:lnRef>
+          <a:fillRef idx="3">
+            <a:schemeClr val="accent2"/>
+          </a:fillRef>
+          <a:effectRef idx="2">
+            <a:schemeClr val="accent2"/>
+          </a:effectRef>
+          <a:fontRef idx="minor">
+            <a:schemeClr val="lt1"/>
+          </a:fontRef>
+        </p:style>
+        <p:txBody>
+          <a:bodyPr rot="0" spcFirstLastPara="0" vertOverflow="overflow" horzOverflow="overflow" vert="horz" wrap="square" lIns="0" tIns="0" rIns="0" bIns="0" numCol="1" spcCol="0" rtlCol="0" fromWordArt="0" anchor="ctr" anchorCtr="0" forceAA="0" compatLnSpc="1">
+            <a:prstTxWarp prst="textNoShape">
+              <a:avLst/>
+            </a:prstTxWarp>
+            <a:noAutofit/>
+          </a:bodyPr>
+          <a:lstStyle/>
+          <a:p>
+            <a:pPr algn="ctr" defTabSz="914102" fontAlgn="base">
+              <a:spcBef>
+                <a:spcPct val="0"/>
+              </a:spcBef>
+              <a:spcAft>
+                <a:spcPct val="0"/>
+              </a:spcAft>
+              <a:defRPr/>
+            </a:pPr>
+            <a:r>
+              <a:rPr lang="en-US" sz="2000">
+                <a:solidFill>
+                  <a:schemeClr val="tx1"/>
+                </a:solidFill>
+                <a:latin typeface="Segoe UI Semibold" panose="020B0702040204020203" pitchFamily="34" charset="0"/>
+                <a:ea typeface="Segoe UI" pitchFamily="34" charset="0"/>
+                <a:cs typeface="Segoe UI Semibold" panose="020B0702040204020203" pitchFamily="34" charset="0"/>
+              </a:rPr>
+              <a:t>Q1</a:t>
+            </a:r>
+          </a:p>
+        </p:txBody>
+      </p:sp>
+      <p:cxnSp>
+        <p:nvCxnSpPr>
+          <p:cNvPr id="31" name="Straight Connector 30">
+            <a:extLst>
+              <a:ext uri="{FF2B5EF4-FFF2-40B4-BE49-F238E27FC236}">
+                <a16:creationId xmlns:a16="http://schemas.microsoft.com/office/drawing/2014/main" id="{E8768C5E-DFCD-4250-A653-DB7C30DD4BA9}"/>
+              </a:ext>
+            </a:extLst>
+          </p:cNvPr>
+          <p:cNvCxnSpPr>
+            <a:cxnSpLocks/>
+          </p:cNvCxnSpPr>
+          <p:nvPr/>
+        </p:nvCxnSpPr>
+        <p:spPr>
+          <a:xfrm>
+            <a:off x="1176855" y="1987911"/>
+            <a:ext cx="1177887" cy="0"/>
+          </a:xfrm>
+          <a:prstGeom prst="line">
+            <a:avLst/>
+          </a:prstGeom>
+          <a:ln w="3175">
+            <a:solidFill>
+              <a:schemeClr val="bg1">
+                <a:lumMod val="75000"/>
+              </a:schemeClr>
+            </a:solidFill>
+            <a:prstDash val="dash"/>
+            <a:headEnd type="none"/>
+            <a:tailEnd type="none"/>
+          </a:ln>
+        </p:spPr>
+        <p:style>
+          <a:lnRef idx="1">
+            <a:schemeClr val="accent1"/>
+          </a:lnRef>
+          <a:fillRef idx="0">
+            <a:schemeClr val="accent1"/>
+          </a:fillRef>
+          <a:effectRef idx="0">
+            <a:schemeClr val="accent1"/>
+          </a:effectRef>
+          <a:fontRef idx="minor">
+            <a:schemeClr val="tx1"/>
+          </a:fontRef>
+        </p:style>
+      </p:cxnSp>
+      <p:sp>
+        <p:nvSpPr>
+          <p:cNvPr id="34" name="Title 1">
+            <a:extLst>
+              <a:ext uri="{FF2B5EF4-FFF2-40B4-BE49-F238E27FC236}">
+                <a16:creationId xmlns:a16="http://schemas.microsoft.com/office/drawing/2014/main" id="{20D23E02-1D38-423D-9F79-B308E84CC925}"/>
+              </a:ext>
+            </a:extLst>
+          </p:cNvPr>
+          <p:cNvSpPr txBox="1">
+            <a:spLocks/>
+          </p:cNvSpPr>
+          <p:nvPr/>
+        </p:nvSpPr>
+        <p:spPr>
+          <a:xfrm>
+            <a:off x="3350169" y="2181748"/>
+            <a:ext cx="2606040" cy="4333351"/>
+          </a:xfrm>
+          <a:prstGeom prst="rect">
+            <a:avLst/>
+          </a:prstGeom>
+          <a:noFill/>
+          <a:ln w="3175">
+            <a:solidFill>
+              <a:schemeClr val="bg1">
+                <a:lumMod val="75000"/>
+              </a:schemeClr>
+            </a:solidFill>
+          </a:ln>
+        </p:spPr>
+        <p:txBody>
+          <a:bodyPr vert="horz" wrap="square" lIns="0" tIns="0" rIns="0" bIns="0" rtlCol="0" anchor="t">
+            <a:noAutofit/>
+          </a:bodyPr>
+          <a:lstStyle>
+            <a:lvl1pPr algn="l" defTabSz="932742" rtl="0" eaLnBrk="1" latinLnBrk="0" hangingPunct="1">
+              <a:lnSpc>
+                <a:spcPct val="90000"/>
+              </a:lnSpc>
+              <a:spcBef>
+                <a:spcPct val="0"/>
+              </a:spcBef>
+              <a:buNone/>
+              <a:defRPr lang="en-US" sz="4800" b="0" kern="1200" cap="none" spc="-102" baseline="0" dirty="0" smtClean="0">
+                <a:ln w="3175">
+                  <a:noFill/>
+                </a:ln>
+                <a:gradFill>
+                  <a:gsLst>
+                    <a:gs pos="1250">
+                      <a:schemeClr val="tx1"/>
+                    </a:gs>
+                    <a:gs pos="100000">
+                      <a:schemeClr val="tx1"/>
+                    </a:gs>
+                  </a:gsLst>
+                  <a:lin ang="5400000" scaled="0"/>
+                </a:gradFill>
+                <a:effectLst/>
+                <a:latin typeface="+mj-lt"/>
+                <a:ea typeface="+mn-ea"/>
+                <a:cs typeface="Segoe UI" pitchFamily="34" charset="0"/>
+              </a:defRPr>
+            </a:lvl1pPr>
+          </a:lstStyle>
+          <a:p>
+            <a:pPr algn="ctr" defTabSz="914367">
+              <a:lnSpc>
+                <a:spcPct val="100000"/>
+              </a:lnSpc>
+              <a:defRPr/>
+            </a:pPr>
+            <a:endParaRPr lang="en-US" sz="1600" spc="0">
+              <a:solidFill>
+                <a:schemeClr val="tx1"/>
+              </a:solidFill>
+              <a:latin typeface="Segoe UI" panose="020B0502040204020203" pitchFamily="34" charset="0"/>
+            </a:endParaRPr>
+          </a:p>
+        </p:txBody>
+      </p:sp>
+      <p:sp>
+        <p:nvSpPr>
+          <p:cNvPr id="35" name="Title 1">
+            <a:extLst>
+              <a:ext uri="{FF2B5EF4-FFF2-40B4-BE49-F238E27FC236}">
+                <a16:creationId xmlns:a16="http://schemas.microsoft.com/office/drawing/2014/main" id="{2C9243B9-67A4-4FFB-858F-2EE35C9F8A38}"/>
+              </a:ext>
+            </a:extLst>
+          </p:cNvPr>
+          <p:cNvSpPr txBox="1">
+            <a:spLocks/>
+          </p:cNvSpPr>
+          <p:nvPr/>
+        </p:nvSpPr>
+        <p:spPr>
+          <a:xfrm>
+            <a:off x="6237560" y="2181748"/>
+            <a:ext cx="2606040" cy="4333351"/>
+          </a:xfrm>
+          <a:prstGeom prst="rect">
+            <a:avLst/>
+          </a:prstGeom>
+          <a:noFill/>
+          <a:ln w="3175">
+            <a:solidFill>
+              <a:schemeClr val="bg1">
+                <a:lumMod val="75000"/>
+              </a:schemeClr>
+            </a:solidFill>
+          </a:ln>
+        </p:spPr>
+        <p:txBody>
+          <a:bodyPr vert="horz" wrap="square" lIns="0" tIns="0" rIns="0" bIns="0" rtlCol="0" anchor="t">
+            <a:noAutofit/>
+          </a:bodyPr>
+          <a:lstStyle>
+            <a:lvl1pPr algn="l" defTabSz="932742" rtl="0" eaLnBrk="1" latinLnBrk="0" hangingPunct="1">
+              <a:lnSpc>
+                <a:spcPct val="90000"/>
+              </a:lnSpc>
+              <a:spcBef>
+                <a:spcPct val="0"/>
+              </a:spcBef>
+              <a:buNone/>
+              <a:defRPr lang="en-US" sz="4800" b="0" kern="1200" cap="none" spc="-102" baseline="0" dirty="0" smtClean="0">
+                <a:ln w="3175">
+                  <a:noFill/>
+                </a:ln>
+                <a:gradFill>
+                  <a:gsLst>
+                    <a:gs pos="1250">
+                      <a:schemeClr val="tx1"/>
+                    </a:gs>
+                    <a:gs pos="100000">
+                      <a:schemeClr val="tx1"/>
+                    </a:gs>
+                  </a:gsLst>
+                  <a:lin ang="5400000" scaled="0"/>
+                </a:gradFill>
+                <a:effectLst/>
+                <a:latin typeface="+mj-lt"/>
+                <a:ea typeface="+mn-ea"/>
+                <a:cs typeface="Segoe UI" pitchFamily="34" charset="0"/>
+              </a:defRPr>
+            </a:lvl1pPr>
+          </a:lstStyle>
+          <a:p>
+            <a:pPr algn="ctr" defTabSz="914367">
+              <a:lnSpc>
+                <a:spcPct val="100000"/>
+              </a:lnSpc>
+              <a:defRPr/>
+            </a:pPr>
+            <a:endParaRPr lang="en-US" sz="1600" spc="0">
+              <a:solidFill>
+                <a:schemeClr val="tx1"/>
+              </a:solidFill>
+              <a:latin typeface="Segoe UI" panose="020B0502040204020203" pitchFamily="34" charset="0"/>
+            </a:endParaRPr>
+          </a:p>
+        </p:txBody>
+      </p:sp>
+      <p:sp>
+        <p:nvSpPr>
+          <p:cNvPr id="36" name="Title 1">
+            <a:extLst>
+              <a:ext uri="{FF2B5EF4-FFF2-40B4-BE49-F238E27FC236}">
+                <a16:creationId xmlns:a16="http://schemas.microsoft.com/office/drawing/2014/main" id="{BEF86201-0082-42AE-A00E-7957D5F5EFCF}"/>
+              </a:ext>
+            </a:extLst>
+          </p:cNvPr>
+          <p:cNvSpPr txBox="1">
+            <a:spLocks/>
+          </p:cNvSpPr>
+          <p:nvPr/>
+        </p:nvSpPr>
+        <p:spPr>
+          <a:xfrm>
+            <a:off x="9124950" y="2181748"/>
+            <a:ext cx="2606040" cy="4333351"/>
+          </a:xfrm>
+          <a:prstGeom prst="rect">
+            <a:avLst/>
+          </a:prstGeom>
+          <a:noFill/>
+          <a:ln w="3175">
+            <a:solidFill>
+              <a:schemeClr val="bg1">
+                <a:lumMod val="75000"/>
+              </a:schemeClr>
+            </a:solidFill>
+          </a:ln>
+        </p:spPr>
+        <p:txBody>
+          <a:bodyPr vert="horz" wrap="square" lIns="0" tIns="0" rIns="0" bIns="0" rtlCol="0" anchor="t">
+            <a:noAutofit/>
+          </a:bodyPr>
+          <a:lstStyle>
+            <a:lvl1pPr algn="l" defTabSz="932742" rtl="0" eaLnBrk="1" latinLnBrk="0" hangingPunct="1">
+              <a:lnSpc>
+                <a:spcPct val="90000"/>
+              </a:lnSpc>
+              <a:spcBef>
+                <a:spcPct val="0"/>
+              </a:spcBef>
+              <a:buNone/>
+              <a:defRPr lang="en-US" sz="4800" b="0" kern="1200" cap="none" spc="-102" baseline="0" dirty="0" smtClean="0">
+                <a:ln w="3175">
+                  <a:noFill/>
+                </a:ln>
+                <a:gradFill>
+                  <a:gsLst>
+                    <a:gs pos="1250">
+                      <a:schemeClr val="tx1"/>
+                    </a:gs>
+                    <a:gs pos="100000">
+                      <a:schemeClr val="tx1"/>
+                    </a:gs>
+                  </a:gsLst>
+                  <a:lin ang="5400000" scaled="0"/>
+                </a:gradFill>
+                <a:effectLst/>
+                <a:latin typeface="+mj-lt"/>
+                <a:ea typeface="+mn-ea"/>
+                <a:cs typeface="Segoe UI" pitchFamily="34" charset="0"/>
+              </a:defRPr>
+            </a:lvl1pPr>
+          </a:lstStyle>
+          <a:p>
+            <a:pPr algn="ctr" defTabSz="914367">
+              <a:lnSpc>
+                <a:spcPct val="100000"/>
+              </a:lnSpc>
+              <a:defRPr/>
+            </a:pPr>
+            <a:endParaRPr lang="en-US" sz="1600" spc="0">
+              <a:solidFill>
+                <a:schemeClr val="tx1"/>
+              </a:solidFill>
+              <a:latin typeface="Segoe UI" panose="020B0502040204020203" pitchFamily="34" charset="0"/>
+            </a:endParaRPr>
+          </a:p>
+        </p:txBody>
+      </p:sp>
+      <p:sp>
+        <p:nvSpPr>
+          <p:cNvPr id="39" name="Oval 38">
+            <a:extLst>
+              <a:ext uri="{FF2B5EF4-FFF2-40B4-BE49-F238E27FC236}">
+                <a16:creationId xmlns:a16="http://schemas.microsoft.com/office/drawing/2014/main" id="{D9B0EB89-89CE-477A-8B62-EDB19D2CB158}"/>
+              </a:ext>
+            </a:extLst>
+          </p:cNvPr>
+          <p:cNvSpPr/>
+          <p:nvPr/>
+        </p:nvSpPr>
+        <p:spPr bwMode="auto">
+          <a:xfrm>
+            <a:off x="4366546" y="1220788"/>
+            <a:ext cx="573286" cy="573286"/>
+          </a:xfrm>
+          <a:prstGeom prst="ellipse">
+            <a:avLst/>
+          </a:prstGeom>
+          <a:solidFill>
+            <a:schemeClr val="bg1"/>
+          </a:solidFill>
+          <a:ln>
+            <a:noFill/>
+            <a:headEnd type="none" w="med" len="med"/>
+            <a:tailEnd type="none" w="med" len="med"/>
+          </a:ln>
+          <a:effectLst>
+            <a:outerShdw blurRad="63500" sx="102000" sy="102000" algn="ctr" rotWithShape="0">
+              <a:prstClr val="black">
+                <a:alpha val="10000"/>
+              </a:prstClr>
+            </a:outerShdw>
+          </a:effectLst>
+        </p:spPr>
+        <p:style>
+          <a:lnRef idx="1">
+            <a:schemeClr val="accent2"/>
+          </a:lnRef>
+          <a:fillRef idx="3">
+            <a:schemeClr val="accent2"/>
+          </a:fillRef>
+          <a:effectRef idx="2">
+            <a:schemeClr val="accent2"/>
+          </a:effectRef>
+          <a:fontRef idx="minor">
+            <a:schemeClr val="lt1"/>
+          </a:fontRef>
+        </p:style>
+        <p:txBody>
+          <a:bodyPr rot="0" spcFirstLastPara="0" vertOverflow="overflow" horzOverflow="overflow" vert="horz" wrap="square" lIns="0" tIns="0" rIns="0" bIns="0" numCol="1" spcCol="0" rtlCol="0" fromWordArt="0" anchor="ctr" anchorCtr="0" forceAA="0" compatLnSpc="1">
+            <a:prstTxWarp prst="textNoShape">
+              <a:avLst/>
+            </a:prstTxWarp>
+            <a:noAutofit/>
+          </a:bodyPr>
+          <a:lstStyle/>
+          <a:p>
+            <a:pPr algn="ctr" defTabSz="914102" fontAlgn="base">
+              <a:spcBef>
+                <a:spcPct val="0"/>
+              </a:spcBef>
+              <a:spcAft>
+                <a:spcPct val="0"/>
+              </a:spcAft>
+              <a:defRPr/>
+            </a:pPr>
+            <a:r>
+              <a:rPr lang="en-US" sz="2000">
+                <a:solidFill>
+                  <a:schemeClr val="tx1"/>
+                </a:solidFill>
+                <a:latin typeface="Segoe UI Semibold" panose="020B0702040204020203" pitchFamily="34" charset="0"/>
+                <a:ea typeface="Segoe UI" pitchFamily="34" charset="0"/>
+                <a:cs typeface="Segoe UI Semibold" panose="020B0702040204020203" pitchFamily="34" charset="0"/>
+              </a:rPr>
+              <a:t>Q2</a:t>
+            </a:r>
+          </a:p>
+        </p:txBody>
+      </p:sp>
+      <p:cxnSp>
+        <p:nvCxnSpPr>
+          <p:cNvPr id="44" name="Straight Connector 43">
+            <a:extLst>
+              <a:ext uri="{FF2B5EF4-FFF2-40B4-BE49-F238E27FC236}">
+                <a16:creationId xmlns:a16="http://schemas.microsoft.com/office/drawing/2014/main" id="{6E0CD5CE-D249-42C3-B9C7-60C2E92DDEDE}"/>
+              </a:ext>
+            </a:extLst>
+          </p:cNvPr>
+          <p:cNvCxnSpPr>
+            <a:cxnSpLocks/>
+          </p:cNvCxnSpPr>
+          <p:nvPr/>
+        </p:nvCxnSpPr>
+        <p:spPr>
+          <a:xfrm>
+            <a:off x="4064246" y="1987911"/>
+            <a:ext cx="1177887" cy="0"/>
+          </a:xfrm>
+          <a:prstGeom prst="line">
+            <a:avLst/>
+          </a:prstGeom>
+          <a:ln w="3175">
+            <a:solidFill>
+              <a:schemeClr val="bg1">
+                <a:lumMod val="75000"/>
+              </a:schemeClr>
+            </a:solidFill>
+            <a:prstDash val="dash"/>
+            <a:headEnd type="none"/>
+            <a:tailEnd type="none"/>
+          </a:ln>
+        </p:spPr>
+        <p:style>
+          <a:lnRef idx="1">
+            <a:schemeClr val="accent1"/>
+          </a:lnRef>
+          <a:fillRef idx="0">
+            <a:schemeClr val="accent1"/>
+          </a:fillRef>
+          <a:effectRef idx="0">
+            <a:schemeClr val="accent1"/>
+          </a:effectRef>
+          <a:fontRef idx="minor">
+            <a:schemeClr val="tx1"/>
+          </a:fontRef>
+        </p:style>
+      </p:cxnSp>
+      <p:sp>
+        <p:nvSpPr>
+          <p:cNvPr id="48" name="Oval 47">
+            <a:extLst>
+              <a:ext uri="{FF2B5EF4-FFF2-40B4-BE49-F238E27FC236}">
+                <a16:creationId xmlns:a16="http://schemas.microsoft.com/office/drawing/2014/main" id="{CBE9AB5A-DB91-4251-9EF9-DC9B511B10DA}"/>
+              </a:ext>
+            </a:extLst>
+          </p:cNvPr>
+          <p:cNvSpPr/>
+          <p:nvPr/>
+        </p:nvSpPr>
+        <p:spPr bwMode="auto">
+          <a:xfrm>
+            <a:off x="7253937" y="1220788"/>
+            <a:ext cx="573286" cy="573286"/>
+          </a:xfrm>
+          <a:prstGeom prst="ellipse">
+            <a:avLst/>
+          </a:prstGeom>
+          <a:solidFill>
+            <a:schemeClr val="bg1"/>
+          </a:solidFill>
+          <a:ln>
+            <a:noFill/>
+            <a:headEnd type="none" w="med" len="med"/>
+            <a:tailEnd type="none" w="med" len="med"/>
+          </a:ln>
+          <a:effectLst>
+            <a:outerShdw blurRad="63500" sx="102000" sy="102000" algn="ctr" rotWithShape="0">
+              <a:prstClr val="black">
+                <a:alpha val="10000"/>
+              </a:prstClr>
+            </a:outerShdw>
+          </a:effectLst>
+        </p:spPr>
+        <p:style>
+          <a:lnRef idx="1">
+            <a:schemeClr val="accent2"/>
+          </a:lnRef>
+          <a:fillRef idx="3">
+            <a:schemeClr val="accent2"/>
+          </a:fillRef>
+          <a:effectRef idx="2">
+            <a:schemeClr val="accent2"/>
+          </a:effectRef>
+          <a:fontRef idx="minor">
+            <a:schemeClr val="lt1"/>
+          </a:fontRef>
+        </p:style>
+        <p:txBody>
+          <a:bodyPr rot="0" spcFirstLastPara="0" vertOverflow="overflow" horzOverflow="overflow" vert="horz" wrap="square" lIns="0" tIns="0" rIns="0" bIns="0" numCol="1" spcCol="0" rtlCol="0" fromWordArt="0" anchor="ctr" anchorCtr="0" forceAA="0" compatLnSpc="1">
+            <a:prstTxWarp prst="textNoShape">
+              <a:avLst/>
+            </a:prstTxWarp>
+            <a:noAutofit/>
+          </a:bodyPr>
+          <a:lstStyle/>
+          <a:p>
+            <a:pPr algn="ctr" defTabSz="914102" fontAlgn="base">
+              <a:spcBef>
+                <a:spcPct val="0"/>
+              </a:spcBef>
+              <a:spcAft>
+                <a:spcPct val="0"/>
+              </a:spcAft>
+              <a:defRPr/>
+            </a:pPr>
+            <a:r>
+              <a:rPr lang="en-US" sz="2000">
+                <a:solidFill>
+                  <a:schemeClr val="tx1"/>
+                </a:solidFill>
+                <a:latin typeface="Segoe UI Semibold" panose="020B0702040204020203" pitchFamily="34" charset="0"/>
+                <a:ea typeface="Segoe UI" pitchFamily="34" charset="0"/>
+                <a:cs typeface="Segoe UI Semibold" panose="020B0702040204020203" pitchFamily="34" charset="0"/>
+              </a:rPr>
+              <a:t>Q3</a:t>
+            </a:r>
+          </a:p>
+        </p:txBody>
+      </p:sp>
+      <p:cxnSp>
+        <p:nvCxnSpPr>
+          <p:cNvPr id="50" name="Straight Connector 49">
+            <a:extLst>
+              <a:ext uri="{FF2B5EF4-FFF2-40B4-BE49-F238E27FC236}">
+                <a16:creationId xmlns:a16="http://schemas.microsoft.com/office/drawing/2014/main" id="{AE8DC3CF-8FA8-4CE0-9B63-CD0ADF94A771}"/>
+              </a:ext>
+            </a:extLst>
+          </p:cNvPr>
+          <p:cNvCxnSpPr>
+            <a:cxnSpLocks/>
+          </p:cNvCxnSpPr>
+          <p:nvPr/>
+        </p:nvCxnSpPr>
+        <p:spPr>
+          <a:xfrm>
+            <a:off x="6951637" y="1987911"/>
+            <a:ext cx="1177887" cy="0"/>
+          </a:xfrm>
+          <a:prstGeom prst="line">
+            <a:avLst/>
+          </a:prstGeom>
+          <a:ln w="3175">
+            <a:solidFill>
+              <a:schemeClr val="bg1">
+                <a:lumMod val="75000"/>
+              </a:schemeClr>
+            </a:solidFill>
+            <a:prstDash val="dash"/>
+            <a:headEnd type="none"/>
+            <a:tailEnd type="none"/>
+          </a:ln>
+        </p:spPr>
+        <p:style>
+          <a:lnRef idx="1">
+            <a:schemeClr val="accent1"/>
+          </a:lnRef>
+          <a:fillRef idx="0">
+            <a:schemeClr val="accent1"/>
+          </a:fillRef>
+          <a:effectRef idx="0">
+            <a:schemeClr val="accent1"/>
+          </a:effectRef>
+          <a:fontRef idx="minor">
+            <a:schemeClr val="tx1"/>
+          </a:fontRef>
+        </p:style>
+      </p:cxnSp>
+      <p:sp>
+        <p:nvSpPr>
+          <p:cNvPr id="52" name="Oval 51">
+            <a:extLst>
+              <a:ext uri="{FF2B5EF4-FFF2-40B4-BE49-F238E27FC236}">
+                <a16:creationId xmlns:a16="http://schemas.microsoft.com/office/drawing/2014/main" id="{1AA9802E-63D8-44FF-BA5E-DC327FCA9E85}"/>
+              </a:ext>
+            </a:extLst>
+          </p:cNvPr>
+          <p:cNvSpPr/>
+          <p:nvPr/>
+        </p:nvSpPr>
+        <p:spPr bwMode="auto">
+          <a:xfrm>
+            <a:off x="10141327" y="1220788"/>
+            <a:ext cx="573286" cy="573286"/>
+          </a:xfrm>
+          <a:prstGeom prst="ellipse">
+            <a:avLst/>
+          </a:prstGeom>
+          <a:solidFill>
+            <a:schemeClr val="bg1"/>
+          </a:solidFill>
+          <a:ln>
+            <a:noFill/>
+            <a:headEnd type="none" w="med" len="med"/>
+            <a:tailEnd type="none" w="med" len="med"/>
+          </a:ln>
+          <a:effectLst>
+            <a:outerShdw blurRad="63500" sx="102000" sy="102000" algn="ctr" rotWithShape="0">
+              <a:prstClr val="black">
+                <a:alpha val="10000"/>
+              </a:prstClr>
+            </a:outerShdw>
+          </a:effectLst>
+        </p:spPr>
+        <p:style>
+          <a:lnRef idx="1">
+            <a:schemeClr val="accent2"/>
+          </a:lnRef>
+          <a:fillRef idx="3">
+            <a:schemeClr val="accent2"/>
+          </a:fillRef>
+          <a:effectRef idx="2">
+            <a:schemeClr val="accent2"/>
+          </a:effectRef>
+          <a:fontRef idx="minor">
+            <a:schemeClr val="lt1"/>
+          </a:fontRef>
+        </p:style>
+        <p:txBody>
+          <a:bodyPr rot="0" spcFirstLastPara="0" vertOverflow="overflow" horzOverflow="overflow" vert="horz" wrap="square" lIns="0" tIns="0" rIns="0" bIns="0" numCol="1" spcCol="0" rtlCol="0" fromWordArt="0" anchor="ctr" anchorCtr="0" forceAA="0" compatLnSpc="1">
+            <a:prstTxWarp prst="textNoShape">
+              <a:avLst/>
+            </a:prstTxWarp>
+            <a:noAutofit/>
+          </a:bodyPr>
+          <a:lstStyle/>
+          <a:p>
+            <a:pPr algn="ctr" defTabSz="914102" fontAlgn="base">
+              <a:spcBef>
+                <a:spcPct val="0"/>
+              </a:spcBef>
+              <a:spcAft>
+                <a:spcPct val="0"/>
+              </a:spcAft>
+              <a:defRPr/>
+            </a:pPr>
+            <a:r>
+              <a:rPr lang="en-US" sz="2000">
+                <a:solidFill>
+                  <a:schemeClr val="tx1"/>
+                </a:solidFill>
+                <a:latin typeface="Segoe UI Semibold" panose="020B0702040204020203" pitchFamily="34" charset="0"/>
+                <a:ea typeface="Segoe UI" pitchFamily="34" charset="0"/>
+                <a:cs typeface="Segoe UI Semibold" panose="020B0702040204020203" pitchFamily="34" charset="0"/>
+              </a:rPr>
+              <a:t>Q4</a:t>
+            </a:r>
+          </a:p>
+        </p:txBody>
+      </p:sp>
+      <p:cxnSp>
+        <p:nvCxnSpPr>
+          <p:cNvPr id="54" name="Straight Connector 53">
+            <a:extLst>
+              <a:ext uri="{FF2B5EF4-FFF2-40B4-BE49-F238E27FC236}">
+                <a16:creationId xmlns:a16="http://schemas.microsoft.com/office/drawing/2014/main" id="{51B2644E-BA56-41C4-8F8A-6E090E5FD298}"/>
+              </a:ext>
+            </a:extLst>
+          </p:cNvPr>
+          <p:cNvCxnSpPr>
+            <a:cxnSpLocks/>
+          </p:cNvCxnSpPr>
+          <p:nvPr/>
+        </p:nvCxnSpPr>
+        <p:spPr>
+          <a:xfrm>
+            <a:off x="9839027" y="1987911"/>
+            <a:ext cx="1177887" cy="0"/>
+          </a:xfrm>
+          <a:prstGeom prst="line">
+            <a:avLst/>
+          </a:prstGeom>
+          <a:ln w="3175">
+            <a:solidFill>
+              <a:schemeClr val="bg1">
+                <a:lumMod val="75000"/>
+              </a:schemeClr>
+            </a:solidFill>
+            <a:prstDash val="dash"/>
+            <a:headEnd type="none"/>
+            <a:tailEnd type="none"/>
+          </a:ln>
+        </p:spPr>
+        <p:style>
+          <a:lnRef idx="1">
+            <a:schemeClr val="accent1"/>
+          </a:lnRef>
+          <a:fillRef idx="0">
+            <a:schemeClr val="accent1"/>
+          </a:fillRef>
+          <a:effectRef idx="0">
+            <a:schemeClr val="accent1"/>
+          </a:effectRef>
+          <a:fontRef idx="minor">
+            <a:schemeClr val="tx1"/>
+          </a:fontRef>
+        </p:style>
+      </p:cxnSp>
+      <p:sp>
+        <p:nvSpPr>
+          <p:cNvPr id="55" name="TextBox 54">
+            <a:extLst>
+              <a:ext uri="{FF2B5EF4-FFF2-40B4-BE49-F238E27FC236}">
+                <a16:creationId xmlns:a16="http://schemas.microsoft.com/office/drawing/2014/main" id="{C68C0F40-2B61-46BC-AD0C-163D636BDBB6}"/>
+              </a:ext>
+            </a:extLst>
+          </p:cNvPr>
+          <p:cNvSpPr txBox="1"/>
+          <p:nvPr/>
+        </p:nvSpPr>
+        <p:spPr>
+          <a:xfrm>
+            <a:off x="462778" y="2311243"/>
+            <a:ext cx="11274552" cy="365760"/>
+          </a:xfrm>
+          <a:prstGeom prst="rect">
+            <a:avLst/>
+          </a:prstGeom>
+          <a:solidFill>
+            <a:srgbClr val="008272"/>
+          </a:solidFill>
+          <a:ln>
+            <a:noFill/>
+          </a:ln>
+        </p:spPr>
+        <p:txBody>
+          <a:bodyPr wrap="square" rtlCol="0" anchor="ctr">
+            <a:noAutofit/>
+          </a:bodyPr>
+          <a:lstStyle/>
+          <a:p>
+            <a:pPr marL="0" marR="0" lvl="0" indent="0" algn="ctr" defTabSz="914400" rtl="0" eaLnBrk="1" fontAlgn="auto" latinLnBrk="0" hangingPunct="1">
+              <a:lnSpc>
+                <a:spcPct val="100000"/>
+              </a:lnSpc>
+              <a:spcBef>
+                <a:spcPts val="0"/>
+              </a:spcBef>
+              <a:spcAft>
+                <a:spcPts val="0"/>
+              </a:spcAft>
+              <a:buClrTx/>
+              <a:buSzTx/>
+              <a:buFontTx/>
+              <a:buNone/>
+              <a:tabLst/>
+              <a:defRPr/>
+            </a:pPr>
+            <a:r>
+              <a:rPr kumimoji="0" lang="en-US" sz="1600" b="0" i="0" u="none" strike="noStrike" kern="1200" cap="none" spc="0" normalizeH="0" baseline="0" noProof="0">
+                <a:ln>
+                  <a:noFill/>
+                </a:ln>
+                <a:solidFill>
+                  <a:schemeClr val="bg1"/>
+                </a:solidFill>
+                <a:effectLst/>
+                <a:uLnTx/>
+                <a:uFillTx/>
+                <a:latin typeface="Segoe UI" panose="020B0502040204020203" pitchFamily="34" charset="0"/>
+                <a:cs typeface="Segoe UI" panose="020B0502040204020203" pitchFamily="34" charset="0"/>
+              </a:rPr>
+              <a:t>Application Development Manager (ADM) coordinates the Service Delivery Plan</a:t>
+            </a:r>
+          </a:p>
+        </p:txBody>
+      </p:sp>
+      <p:sp>
+        <p:nvSpPr>
+          <p:cNvPr id="56" name="TextBox 55">
+            <a:extLst>
+              <a:ext uri="{FF2B5EF4-FFF2-40B4-BE49-F238E27FC236}">
+                <a16:creationId xmlns:a16="http://schemas.microsoft.com/office/drawing/2014/main" id="{5F57F012-DF5C-48EE-8186-46FC6648662E}"/>
+              </a:ext>
+            </a:extLst>
+          </p:cNvPr>
+          <p:cNvSpPr txBox="1"/>
+          <p:nvPr/>
+        </p:nvSpPr>
+        <p:spPr>
+          <a:xfrm>
+            <a:off x="462778" y="2808849"/>
+            <a:ext cx="11274552" cy="365760"/>
+          </a:xfrm>
+          <a:prstGeom prst="rect">
+            <a:avLst/>
+          </a:prstGeom>
+          <a:solidFill>
+            <a:srgbClr val="00B294"/>
+          </a:solidFill>
+          <a:ln>
+            <a:noFill/>
+          </a:ln>
+        </p:spPr>
+        <p:txBody>
+          <a:bodyPr wrap="square" rtlCol="0" anchor="ctr">
+            <a:noAutofit/>
+          </a:bodyPr>
+          <a:lstStyle/>
+          <a:p>
+            <a:pPr marL="0" marR="0" lvl="0" indent="0" algn="ctr" defTabSz="914400" rtl="0" eaLnBrk="1" fontAlgn="auto" latinLnBrk="0" hangingPunct="1">
+              <a:lnSpc>
+                <a:spcPct val="100000"/>
+              </a:lnSpc>
+              <a:spcBef>
+                <a:spcPts val="0"/>
+              </a:spcBef>
+              <a:spcAft>
+                <a:spcPts val="0"/>
+              </a:spcAft>
+              <a:buClrTx/>
+              <a:buSzTx/>
+              <a:buFontTx/>
+              <a:buNone/>
+              <a:tabLst/>
+              <a:defRPr/>
+            </a:pPr>
+            <a:r>
+              <a:rPr kumimoji="0" lang="en-US" sz="1600" b="0" i="0" u="none" strike="noStrike" kern="1200" cap="none" spc="0" normalizeH="0" baseline="0" noProof="0">
+                <a:ln>
+                  <a:noFill/>
+                </a:ln>
+                <a:solidFill>
+                  <a:schemeClr val="bg1"/>
+                </a:solidFill>
+                <a:effectLst/>
+                <a:uLnTx/>
+                <a:uFillTx/>
+                <a:latin typeface="Segoe UI" panose="020B0502040204020203" pitchFamily="34" charset="0"/>
+                <a:cs typeface="Segoe UI" panose="020B0502040204020203" pitchFamily="34" charset="0"/>
+              </a:rPr>
+              <a:t>Ongoing architecture and cost optimization reviews </a:t>
+            </a:r>
+          </a:p>
+        </p:txBody>
+      </p:sp>
+      <p:sp>
+        <p:nvSpPr>
+          <p:cNvPr id="57" name="TextBox 56">
+            <a:extLst>
+              <a:ext uri="{FF2B5EF4-FFF2-40B4-BE49-F238E27FC236}">
+                <a16:creationId xmlns:a16="http://schemas.microsoft.com/office/drawing/2014/main" id="{289657C5-0FF7-4B21-AEE3-9C0DD3078281}"/>
+              </a:ext>
+            </a:extLst>
+          </p:cNvPr>
+          <p:cNvSpPr txBox="1"/>
+          <p:nvPr/>
+        </p:nvSpPr>
+        <p:spPr>
+          <a:xfrm>
+            <a:off x="462778" y="3306456"/>
+            <a:ext cx="11274552" cy="365760"/>
+          </a:xfrm>
+          <a:prstGeom prst="rect">
+            <a:avLst/>
+          </a:prstGeom>
+          <a:solidFill>
+            <a:srgbClr val="00B294"/>
+          </a:solidFill>
+          <a:ln>
+            <a:noFill/>
+          </a:ln>
+        </p:spPr>
+        <p:txBody>
+          <a:bodyPr wrap="square" rtlCol="0" anchor="ctr">
+            <a:noAutofit/>
+          </a:bodyPr>
+          <a:lstStyle/>
+          <a:p>
+            <a:pPr lvl="0" algn="ctr">
+              <a:defRPr/>
+            </a:pPr>
+            <a:r>
+              <a:rPr lang="en-US" sz="1600">
+                <a:solidFill>
+                  <a:schemeClr val="bg1"/>
+                </a:solidFill>
+                <a:latin typeface="Segoe UI" panose="020B0502040204020203" pitchFamily="34" charset="0"/>
+                <a:cs typeface="Segoe UI" panose="020B0502040204020203" pitchFamily="34" charset="0"/>
+              </a:rPr>
+              <a:t>Hands on assistance adding workloads to the new process</a:t>
+            </a:r>
+          </a:p>
+        </p:txBody>
+      </p:sp>
+      <p:sp>
+        <p:nvSpPr>
+          <p:cNvPr id="64" name="TextBox 63">
+            <a:extLst>
+              <a:ext uri="{FF2B5EF4-FFF2-40B4-BE49-F238E27FC236}">
+                <a16:creationId xmlns:a16="http://schemas.microsoft.com/office/drawing/2014/main" id="{F8E4899D-7045-4268-A0B6-D5A73E96F432}"/>
+              </a:ext>
+            </a:extLst>
+          </p:cNvPr>
+          <p:cNvSpPr txBox="1"/>
+          <p:nvPr/>
+        </p:nvSpPr>
+        <p:spPr>
+          <a:xfrm>
+            <a:off x="1107477" y="5029573"/>
+            <a:ext cx="1177887" cy="457200"/>
+          </a:xfrm>
+          <a:prstGeom prst="rect">
+            <a:avLst/>
+          </a:prstGeom>
+          <a:solidFill>
+            <a:schemeClr val="bg1">
+              <a:lumMod val="95000"/>
+            </a:schemeClr>
+          </a:solidFill>
+          <a:ln w="3175">
+            <a:solidFill>
+              <a:schemeClr val="bg1">
+                <a:lumMod val="75000"/>
+              </a:schemeClr>
+            </a:solidFill>
+          </a:ln>
+        </p:spPr>
+        <p:txBody>
+          <a:bodyPr wrap="square" rtlCol="0" anchor="ctr">
+            <a:noAutofit/>
+          </a:bodyPr>
+          <a:lstStyle/>
+          <a:p>
+            <a:pPr marL="0" marR="0" lvl="0" indent="0" algn="ctr" defTabSz="914400" rtl="0" eaLnBrk="1" fontAlgn="auto" latinLnBrk="0" hangingPunct="1">
+              <a:lnSpc>
+                <a:spcPct val="100000"/>
+              </a:lnSpc>
+              <a:spcBef>
+                <a:spcPts val="0"/>
+              </a:spcBef>
+              <a:spcAft>
+                <a:spcPts val="0"/>
+              </a:spcAft>
+              <a:buClrTx/>
+              <a:buSzTx/>
+              <a:buFontTx/>
+              <a:buNone/>
+              <a:tabLst/>
+              <a:defRPr/>
+            </a:pPr>
+            <a:r>
+              <a:rPr kumimoji="0" lang="en-US" sz="1000" b="0" i="0" u="none" strike="noStrike" kern="1200" cap="none" spc="0" normalizeH="0" baseline="0" noProof="0">
+                <a:ln>
+                  <a:noFill/>
+                </a:ln>
+                <a:effectLst/>
+                <a:uLnTx/>
+                <a:uFillTx/>
+                <a:latin typeface="Segoe UI" panose="020B0502040204020203" pitchFamily="34" charset="0"/>
+                <a:cs typeface="Segoe UI" panose="020B0502040204020203" pitchFamily="34" charset="0"/>
+              </a:rPr>
+              <a:t>Initial implementation</a:t>
+            </a:r>
+          </a:p>
+        </p:txBody>
+      </p:sp>
+      <p:sp>
+        <p:nvSpPr>
+          <p:cNvPr id="65" name="TextBox 64">
+            <a:extLst>
+              <a:ext uri="{FF2B5EF4-FFF2-40B4-BE49-F238E27FC236}">
+                <a16:creationId xmlns:a16="http://schemas.microsoft.com/office/drawing/2014/main" id="{01872C43-9BF1-4DAD-98E3-FD6E33D8E764}"/>
+              </a:ext>
+            </a:extLst>
+          </p:cNvPr>
+          <p:cNvSpPr txBox="1"/>
+          <p:nvPr/>
+        </p:nvSpPr>
+        <p:spPr>
+          <a:xfrm>
+            <a:off x="2285364" y="5672633"/>
+            <a:ext cx="1486349" cy="457200"/>
+          </a:xfrm>
+          <a:prstGeom prst="rect">
+            <a:avLst/>
+          </a:prstGeom>
+          <a:solidFill>
+            <a:schemeClr val="bg1">
+              <a:lumMod val="95000"/>
+            </a:schemeClr>
+          </a:solidFill>
+          <a:ln w="3175">
+            <a:solidFill>
+              <a:schemeClr val="bg1">
+                <a:lumMod val="75000"/>
+              </a:schemeClr>
+            </a:solidFill>
+          </a:ln>
+        </p:spPr>
+        <p:txBody>
+          <a:bodyPr wrap="square" rtlCol="0" anchor="ctr">
+            <a:noAutofit/>
+          </a:bodyPr>
+          <a:lstStyle/>
+          <a:p>
+            <a:pPr marL="0" marR="0" lvl="0" indent="0" algn="ctr" defTabSz="914400" rtl="0" eaLnBrk="1" fontAlgn="auto" latinLnBrk="0" hangingPunct="1">
+              <a:lnSpc>
+                <a:spcPct val="100000"/>
+              </a:lnSpc>
+              <a:spcBef>
+                <a:spcPts val="0"/>
+              </a:spcBef>
+              <a:spcAft>
+                <a:spcPts val="0"/>
+              </a:spcAft>
+              <a:buClrTx/>
+              <a:buSzTx/>
+              <a:buFontTx/>
+              <a:buNone/>
+              <a:tabLst/>
+              <a:defRPr/>
+            </a:pPr>
+            <a:r>
+              <a:rPr kumimoji="0" lang="en-US" sz="1000" b="0" i="0" u="none" strike="noStrike" kern="1200" cap="none" spc="0" normalizeH="0" baseline="0" noProof="0">
+                <a:ln>
+                  <a:noFill/>
+                </a:ln>
+                <a:effectLst/>
+                <a:uLnTx/>
+                <a:uFillTx/>
+                <a:latin typeface="Segoe UI" panose="020B0502040204020203" pitchFamily="34" charset="0"/>
+                <a:cs typeface="Segoe UI" panose="020B0502040204020203" pitchFamily="34" charset="0"/>
+              </a:rPr>
+              <a:t>Process and tools </a:t>
+            </a:r>
+            <a:br>
+              <a:rPr kumimoji="0" lang="en-US" sz="1000" b="0" i="0" u="none" strike="noStrike" kern="1200" cap="none" spc="0" normalizeH="0" baseline="0" noProof="0">
+                <a:ln>
+                  <a:noFill/>
+                </a:ln>
+                <a:effectLst/>
+                <a:uLnTx/>
+                <a:uFillTx/>
+                <a:latin typeface="Segoe UI" panose="020B0502040204020203" pitchFamily="34" charset="0"/>
+                <a:cs typeface="Segoe UI" panose="020B0502040204020203" pitchFamily="34" charset="0"/>
+              </a:rPr>
+            </a:br>
+            <a:r>
+              <a:rPr kumimoji="0" lang="en-US" sz="1000" b="0" i="0" u="none" strike="noStrike" kern="1200" cap="none" spc="0" normalizeH="0" baseline="0" noProof="0">
+                <a:ln>
+                  <a:noFill/>
+                </a:ln>
+                <a:effectLst/>
+                <a:uLnTx/>
+                <a:uFillTx/>
+                <a:latin typeface="Segoe UI" panose="020B0502040204020203" pitchFamily="34" charset="0"/>
+                <a:cs typeface="Segoe UI" panose="020B0502040204020203" pitchFamily="34" charset="0"/>
+              </a:rPr>
+              <a:t>fine tuning</a:t>
+            </a:r>
+          </a:p>
+        </p:txBody>
+      </p:sp>
+      <p:sp>
+        <p:nvSpPr>
+          <p:cNvPr id="68" name="TextBox 67">
+            <a:extLst>
+              <a:ext uri="{FF2B5EF4-FFF2-40B4-BE49-F238E27FC236}">
+                <a16:creationId xmlns:a16="http://schemas.microsoft.com/office/drawing/2014/main" id="{81BD5F3A-40DF-4F70-AB30-1F443CBC2471}"/>
+              </a:ext>
+            </a:extLst>
+          </p:cNvPr>
+          <p:cNvSpPr txBox="1"/>
+          <p:nvPr/>
+        </p:nvSpPr>
+        <p:spPr>
+          <a:xfrm>
+            <a:off x="690582" y="3816140"/>
+            <a:ext cx="1005839" cy="914400"/>
+          </a:xfrm>
+          <a:prstGeom prst="rect">
+            <a:avLst/>
+          </a:prstGeom>
+          <a:solidFill>
+            <a:schemeClr val="bg1">
+              <a:lumMod val="95000"/>
+            </a:schemeClr>
+          </a:solidFill>
+          <a:ln w="3175">
+            <a:solidFill>
+              <a:schemeClr val="bg1">
+                <a:lumMod val="75000"/>
+              </a:schemeClr>
+            </a:solidFill>
+          </a:ln>
+        </p:spPr>
+        <p:txBody>
+          <a:bodyPr wrap="square" rtlCol="0" anchor="ctr">
+            <a:noAutofit/>
+          </a:bodyPr>
+          <a:lstStyle/>
+          <a:p>
+            <a:pPr lvl="0" algn="ctr">
+              <a:defRPr/>
+            </a:pPr>
+            <a:r>
+              <a:rPr lang="en-US" sz="1000">
+                <a:latin typeface="Segoe UI" panose="020B0502040204020203" pitchFamily="34" charset="0"/>
+                <a:cs typeface="Segoe UI" panose="020B0502040204020203" pitchFamily="34" charset="0"/>
+              </a:rPr>
+              <a:t>Workshops</a:t>
+            </a:r>
+          </a:p>
+        </p:txBody>
+      </p:sp>
+      <p:sp>
+        <p:nvSpPr>
+          <p:cNvPr id="2" name="TextBox 1">
+            <a:extLst>
+              <a:ext uri="{FF2B5EF4-FFF2-40B4-BE49-F238E27FC236}">
+                <a16:creationId xmlns:a16="http://schemas.microsoft.com/office/drawing/2014/main" id="{2FAC68A4-8BE7-4F1B-A558-D96336049689}"/>
+              </a:ext>
+            </a:extLst>
+          </p:cNvPr>
+          <p:cNvSpPr txBox="1"/>
+          <p:nvPr/>
+        </p:nvSpPr>
+        <p:spPr>
+          <a:xfrm>
+            <a:off x="4118105" y="5672633"/>
+            <a:ext cx="3135831" cy="457200"/>
+          </a:xfrm>
+          <a:prstGeom prst="rect">
+            <a:avLst/>
+          </a:prstGeom>
+          <a:solidFill>
+            <a:schemeClr val="bg1">
+              <a:lumMod val="95000"/>
+            </a:schemeClr>
+          </a:solidFill>
+          <a:ln w="3175">
+            <a:solidFill>
+              <a:schemeClr val="bg1">
+                <a:lumMod val="75000"/>
+              </a:schemeClr>
+            </a:solidFill>
+          </a:ln>
+        </p:spPr>
+        <p:txBody>
+          <a:bodyPr wrap="square" rtlCol="0" anchor="ctr">
+            <a:noAutofit/>
+          </a:bodyPr>
+          <a:lstStyle/>
+          <a:p>
+            <a:pPr marL="0" marR="0" lvl="0" indent="0" algn="ctr" defTabSz="914400" rtl="0" eaLnBrk="1" fontAlgn="auto" latinLnBrk="0" hangingPunct="1">
+              <a:lnSpc>
+                <a:spcPct val="100000"/>
+              </a:lnSpc>
+              <a:spcBef>
+                <a:spcPts val="0"/>
+              </a:spcBef>
+              <a:spcAft>
+                <a:spcPts val="0"/>
+              </a:spcAft>
+              <a:buClrTx/>
+              <a:buSzTx/>
+              <a:buFontTx/>
+              <a:buNone/>
+              <a:tabLst/>
+              <a:defRPr/>
+            </a:pPr>
+            <a:r>
+              <a:rPr kumimoji="0" lang="en-US" sz="1000" b="0" i="0" u="none" strike="noStrike" kern="1200" cap="none" spc="0" normalizeH="0" baseline="0" noProof="0">
+                <a:ln>
+                  <a:noFill/>
+                </a:ln>
+                <a:effectLst/>
+                <a:uLnTx/>
+                <a:uFillTx/>
+                <a:latin typeface="Segoe UI" panose="020B0502040204020203" pitchFamily="34" charset="0"/>
+                <a:cs typeface="Segoe UI" panose="020B0502040204020203" pitchFamily="34" charset="0"/>
+              </a:rPr>
+              <a:t>Add additional workloads</a:t>
+            </a:r>
+          </a:p>
+        </p:txBody>
+      </p:sp>
+    </p:spTree>
+    <p:extLst>
+      <p:ext uri="{BB962C8B-B14F-4D97-AF65-F5344CB8AC3E}">
+        <p14:creationId xmlns:p14="http://schemas.microsoft.com/office/powerpoint/2010/main" val="2790595506"/>
+      </p:ext>
+    </p:extLst>
+  </p:cSld>
+  <p:clrMapOvr>
+    <a:masterClrMapping/>
+  </p:clrMapOvr>
+  <p:transition>
+    <p:fade/>
+  </p:transition>
+</p:sld>
+</file>
+
+<file path=ppt/slides/slide11.xml><?xml version="1.0" encoding="utf-8"?>
 <p:sld xmlns:a="http://schemas.openxmlformats.org/drawingml/2006/main" xmlns:r="http://schemas.openxmlformats.org/officeDocument/2006/relationships" xmlns:p="http://schemas.openxmlformats.org/presentationml/2006/main" show="0">
   <p:cSld>
     <p:spTree>
@@ -14036,7 +15427,7 @@
 </p:sld>
 </file>
 
-<file path=ppt/slides/slide11.xml><?xml version="1.0" encoding="utf-8"?>
+<file path=ppt/slides/slide12.xml><?xml version="1.0" encoding="utf-8"?>
 <p:sld xmlns:a="http://schemas.openxmlformats.org/drawingml/2006/main" xmlns:r="http://schemas.openxmlformats.org/officeDocument/2006/relationships" xmlns:p="http://schemas.openxmlformats.org/presentationml/2006/main">
   <p:cSld>
     <p:bg>
@@ -14238,7 +15629,7 @@
 </p:sld>
 </file>
 
-<file path=ppt/slides/slide12.xml><?xml version="1.0" encoding="utf-8"?>
+<file path=ppt/slides/slide13.xml><?xml version="1.0" encoding="utf-8"?>
 <p:sld xmlns:a="http://schemas.openxmlformats.org/drawingml/2006/main" xmlns:r="http://schemas.openxmlformats.org/officeDocument/2006/relationships" xmlns:p="http://schemas.openxmlformats.org/presentationml/2006/main">
   <p:cSld>
     <p:spTree>
@@ -14703,7 +16094,7 @@
 </p:sld>
 </file>
 
-<file path=ppt/slides/slide13.xml><?xml version="1.0" encoding="utf-8"?>
+<file path=ppt/slides/slide14.xml><?xml version="1.0" encoding="utf-8"?>
 <p:sld xmlns:a="http://schemas.openxmlformats.org/drawingml/2006/main" xmlns:r="http://schemas.openxmlformats.org/officeDocument/2006/relationships" xmlns:p="http://schemas.openxmlformats.org/presentationml/2006/main">
   <p:cSld>
     <p:spTree>
@@ -15172,7 +16563,7 @@
 </p:sld>
 </file>
 
-<file path=ppt/slides/slide14.xml><?xml version="1.0" encoding="utf-8"?>
+<file path=ppt/slides/slide15.xml><?xml version="1.0" encoding="utf-8"?>
 <p:sld xmlns:a="http://schemas.openxmlformats.org/drawingml/2006/main" xmlns:r="http://schemas.openxmlformats.org/officeDocument/2006/relationships" xmlns:p="http://schemas.openxmlformats.org/presentationml/2006/main">
   <p:cSld>
     <p:spTree>
@@ -15781,7 +17172,7 @@
 </p:sld>
 </file>
 
-<file path=ppt/slides/slide15.xml><?xml version="1.0" encoding="utf-8"?>
+<file path=ppt/slides/slide16.xml><?xml version="1.0" encoding="utf-8"?>
 <p:sld xmlns:a="http://schemas.openxmlformats.org/drawingml/2006/main" xmlns:r="http://schemas.openxmlformats.org/officeDocument/2006/relationships" xmlns:p="http://schemas.openxmlformats.org/presentationml/2006/main">
   <p:cSld>
     <p:spTree>
@@ -20860,7 +22251,7 @@
                 <a:ea typeface="+mn-ea"/>
                 <a:cs typeface="Segoe UI" pitchFamily="34" charset="0"/>
               </a:rPr>
-              <a:t>Application Management</a:t>
+              <a:t>Applications Management</a:t>
             </a:r>
             <a:endParaRPr kumimoji="0" lang="en-IN" sz="1800" b="0" i="0" u="none" strike="noStrike" kern="1200" cap="none" spc="-50" normalizeH="0" baseline="0" noProof="0" dirty="0">
               <a:ln w="3175">
@@ -20933,7 +22324,7 @@
                 <a:latin typeface="Segoe UI"/>
                 <a:cs typeface="Segoe UI"/>
               </a:rPr>
-              <a:t>Azure is made from subscription, resource groups, resources</a:t>
+              <a:t>Azure is made of subscriptions, resource groups, resources</a:t>
             </a:r>
           </a:p>
           <a:p>
@@ -20967,7 +22358,42 @@
                 <a:latin typeface="Segoe UI"/>
                 <a:cs typeface="Segoe UI"/>
               </a:rPr>
-              <a:t>Bigger is the enterprise more is made also of on-premise assets and mashup of services on many public cloud</a:t>
+              <a:t>Bigger is the enterprise more is made also of </a:t>
+            </a:r>
+            <a:r>
+              <a:rPr lang="en-US" sz="1600" b="1" kern="0" dirty="0">
+                <a:latin typeface="Segoe UI"/>
+                <a:cs typeface="Segoe UI"/>
+              </a:rPr>
+              <a:t>on-premise </a:t>
+            </a:r>
+            <a:r>
+              <a:rPr lang="en-US" sz="1600" kern="0" dirty="0">
+                <a:latin typeface="Segoe UI"/>
+                <a:cs typeface="Segoe UI"/>
+              </a:rPr>
+              <a:t>assets and </a:t>
+            </a:r>
+            <a:r>
+              <a:rPr lang="en-US" sz="1600" b="1" kern="0" dirty="0">
+                <a:latin typeface="Segoe UI"/>
+                <a:cs typeface="Segoe UI"/>
+              </a:rPr>
+              <a:t>mashup of services </a:t>
+            </a:r>
+            <a:r>
+              <a:rPr lang="en-US" sz="1600" kern="0" dirty="0">
+                <a:latin typeface="Segoe UI"/>
+                <a:cs typeface="Segoe UI"/>
+              </a:rPr>
+              <a:t>on </a:t>
+            </a:r>
+            <a:r>
+              <a:rPr lang="en-US" sz="1600" b="1" kern="0" dirty="0">
+                <a:latin typeface="Segoe UI"/>
+                <a:cs typeface="Segoe UI"/>
+              </a:rPr>
+              <a:t>many public clouds</a:t>
             </a:r>
           </a:p>
           <a:p>
@@ -20984,7 +22410,7 @@
                 <a:latin typeface="Segoe UI"/>
                 <a:cs typeface="Segoe UI"/>
               </a:rPr>
-              <a:t>Have a unified and handy view of all IT assets and his connections, costs, point of contacts, managers</a:t>
+              <a:t>To have a unified and handy view of all IT assets and his connections, costs, point of contacts, managers</a:t>
             </a:r>
           </a:p>
           <a:p>
@@ -21213,7 +22639,7 @@
                 <a:ea typeface="Segoe UI" panose="020B0502040204020203" pitchFamily="34" charset="0"/>
                 <a:cs typeface="Segoe UI"/>
               </a:rPr>
-              <a:t>“One-stop-shop” for all your enterprise asset</a:t>
+              <a:t>“One-stop-shop” for all your enterprise assets</a:t>
             </a:r>
           </a:p>
           <a:p>
@@ -21267,7 +22693,7 @@
                 <a:ea typeface="Segoe UI" panose="020B0502040204020203" pitchFamily="34" charset="0"/>
                 <a:cs typeface="Segoe UI"/>
               </a:rPr>
-              <a:t>Application Management optimization best practices based on the Microsoft internal experience and the experience of Enterprise Services with hundreds of customers.</a:t>
+              <a:t>Applications Management optimization best practices based on the Microsoft internal experience and the experience of Enterprise Services with hundreds of customers.</a:t>
             </a:r>
           </a:p>
         </p:txBody>
@@ -21321,7 +22747,7 @@
                 <a:latin typeface="Segoe UI Semibold"/>
                 <a:cs typeface="Segoe UI" pitchFamily="34" charset="0"/>
               </a:rPr>
-              <a:t>Integrate Azure Application Management into the DNA</a:t>
+              <a:t>Integrate Azure Applications Management into the DNA</a:t>
             </a:r>
             <a:br>
               <a:rPr lang="en-US" dirty="0">
@@ -24630,6 +26056,1896 @@
 </file>
 
 <file path=ppt/slides/slide6.xml><?xml version="1.0" encoding="utf-8"?>
+<p:sld xmlns:a="http://schemas.openxmlformats.org/drawingml/2006/main" xmlns:r="http://schemas.openxmlformats.org/officeDocument/2006/relationships" xmlns:p="http://schemas.openxmlformats.org/presentationml/2006/main">
+  <p:cSld>
+    <p:spTree>
+      <p:nvGrpSpPr>
+        <p:cNvPr id="1" name=""/>
+        <p:cNvGrpSpPr/>
+        <p:nvPr/>
+      </p:nvGrpSpPr>
+      <p:grpSpPr>
+        <a:xfrm>
+          <a:off x="0" y="0"/>
+          <a:ext cx="0" cy="0"/>
+          <a:chOff x="0" y="0"/>
+          <a:chExt cx="0" cy="0"/>
+        </a:xfrm>
+      </p:grpSpPr>
+      <p:sp>
+        <p:nvSpPr>
+          <p:cNvPr id="2" name="Title 1">
+            <a:extLst>
+              <a:ext uri="{FF2B5EF4-FFF2-40B4-BE49-F238E27FC236}">
+                <a16:creationId xmlns:a16="http://schemas.microsoft.com/office/drawing/2014/main" id="{E74F72DC-D531-442E-8685-94A8398E8FB8}"/>
+              </a:ext>
+            </a:extLst>
+          </p:cNvPr>
+          <p:cNvSpPr>
+            <a:spLocks noGrp="1"/>
+          </p:cNvSpPr>
+          <p:nvPr>
+            <p:ph type="title"/>
+          </p:nvPr>
+        </p:nvSpPr>
+        <p:spPr/>
+        <p:txBody>
+          <a:bodyPr/>
+          <a:lstStyle/>
+          <a:p>
+            <a:r>
+              <a:rPr lang="it-IT" dirty="0" err="1"/>
+              <a:t>Corelations</a:t>
+            </a:r>
+            <a:endParaRPr lang="it-IT" dirty="0"/>
+          </a:p>
+        </p:txBody>
+      </p:sp>
+      <p:pic>
+        <p:nvPicPr>
+          <p:cNvPr id="8" name="Graphic 7">
+            <a:extLst>
+              <a:ext uri="{FF2B5EF4-FFF2-40B4-BE49-F238E27FC236}">
+                <a16:creationId xmlns:a16="http://schemas.microsoft.com/office/drawing/2014/main" id="{AC8DB189-A269-4E3D-9580-2422BC853EE4}"/>
+              </a:ext>
+            </a:extLst>
+          </p:cNvPr>
+          <p:cNvPicPr>
+            <a:picLocks noChangeAspect="1"/>
+          </p:cNvPicPr>
+          <p:nvPr/>
+        </p:nvPicPr>
+        <p:blipFill>
+          <a:blip r:embed="rId2">
+            <a:extLst>
+              <a:ext uri="{28A0092B-C50C-407E-A947-70E740481C1C}">
+                <a14:useLocalDpi xmlns:a14="http://schemas.microsoft.com/office/drawing/2010/main" val="0"/>
+              </a:ext>
+              <a:ext uri="{96DAC541-7B7A-43D3-8B79-37D633B846F1}">
+                <asvg:svgBlip xmlns:asvg="http://schemas.microsoft.com/office/drawing/2016/SVG/main" r:embed="rId3"/>
+              </a:ext>
+            </a:extLst>
+          </a:blip>
+          <a:stretch>
+            <a:fillRect/>
+          </a:stretch>
+        </p:blipFill>
+        <p:spPr>
+          <a:xfrm>
+            <a:off x="6205931" y="3543938"/>
+            <a:ext cx="395879" cy="395879"/>
+          </a:xfrm>
+          <a:prstGeom prst="rect">
+            <a:avLst/>
+          </a:prstGeom>
+        </p:spPr>
+      </p:pic>
+      <p:grpSp>
+        <p:nvGrpSpPr>
+          <p:cNvPr id="12" name="Group 11">
+            <a:extLst>
+              <a:ext uri="{FF2B5EF4-FFF2-40B4-BE49-F238E27FC236}">
+                <a16:creationId xmlns:a16="http://schemas.microsoft.com/office/drawing/2014/main" id="{984BE9EC-7EFE-4B98-807F-3A747310A08E}"/>
+              </a:ext>
+            </a:extLst>
+          </p:cNvPr>
+          <p:cNvGrpSpPr/>
+          <p:nvPr/>
+        </p:nvGrpSpPr>
+        <p:grpSpPr>
+          <a:xfrm>
+            <a:off x="2936947" y="3076081"/>
+            <a:ext cx="1290638" cy="680410"/>
+            <a:chOff x="9230919" y="1984337"/>
+            <a:chExt cx="1290638" cy="680410"/>
+          </a:xfrm>
+        </p:grpSpPr>
+        <p:pic>
+          <p:nvPicPr>
+            <p:cNvPr id="10" name="Graphic 9">
+              <a:extLst>
+                <a:ext uri="{FF2B5EF4-FFF2-40B4-BE49-F238E27FC236}">
+                  <a16:creationId xmlns:a16="http://schemas.microsoft.com/office/drawing/2014/main" id="{F7B8E5E5-FA52-421A-BE5C-3BDC7D7C978B}"/>
+                </a:ext>
+              </a:extLst>
+            </p:cNvPr>
+            <p:cNvPicPr>
+              <a:picLocks noChangeAspect="1"/>
+            </p:cNvPicPr>
+            <p:nvPr/>
+          </p:nvPicPr>
+          <p:blipFill>
+            <a:blip r:embed="rId4">
+              <a:extLst>
+                <a:ext uri="{28A0092B-C50C-407E-A947-70E740481C1C}">
+                  <a14:useLocalDpi xmlns:a14="http://schemas.microsoft.com/office/drawing/2010/main" val="0"/>
+                </a:ext>
+                <a:ext uri="{96DAC541-7B7A-43D3-8B79-37D633B846F1}">
+                  <asvg:svgBlip xmlns:asvg="http://schemas.microsoft.com/office/drawing/2016/SVG/main" r:embed="rId5"/>
+                </a:ext>
+              </a:extLst>
+            </a:blip>
+            <a:stretch>
+              <a:fillRect/>
+            </a:stretch>
+          </p:blipFill>
+          <p:spPr>
+            <a:xfrm>
+              <a:off x="9678298" y="1984337"/>
+              <a:ext cx="395881" cy="395881"/>
+            </a:xfrm>
+            <a:prstGeom prst="rect">
+              <a:avLst/>
+            </a:prstGeom>
+          </p:spPr>
+        </p:pic>
+        <p:sp>
+          <p:nvSpPr>
+            <p:cNvPr id="11" name="TextBox 10">
+              <a:extLst>
+                <a:ext uri="{FF2B5EF4-FFF2-40B4-BE49-F238E27FC236}">
+                  <a16:creationId xmlns:a16="http://schemas.microsoft.com/office/drawing/2014/main" id="{F8F479CF-CE1B-4F50-8BDB-ADEE1B617AE8}"/>
+                </a:ext>
+              </a:extLst>
+            </p:cNvPr>
+            <p:cNvSpPr txBox="1"/>
+            <p:nvPr/>
+          </p:nvSpPr>
+          <p:spPr>
+            <a:xfrm>
+              <a:off x="9230919" y="2203082"/>
+              <a:ext cx="1290638" cy="461665"/>
+            </a:xfrm>
+            <a:prstGeom prst="rect">
+              <a:avLst/>
+            </a:prstGeom>
+            <a:noFill/>
+          </p:spPr>
+          <p:txBody>
+            <a:bodyPr wrap="square" lIns="182880" tIns="146304" rIns="182880" bIns="146304" rtlCol="0">
+              <a:spAutoFit/>
+            </a:bodyPr>
+            <a:lstStyle/>
+            <a:p>
+              <a:pPr algn="ctr">
+                <a:lnSpc>
+                  <a:spcPct val="90000"/>
+                </a:lnSpc>
+                <a:spcAft>
+                  <a:spcPts val="600"/>
+                </a:spcAft>
+              </a:pPr>
+              <a:r>
+                <a:rPr lang="it-IT" sz="1200" dirty="0">
+                  <a:gradFill>
+                    <a:gsLst>
+                      <a:gs pos="2917">
+                        <a:schemeClr val="tx1"/>
+                      </a:gs>
+                      <a:gs pos="30000">
+                        <a:schemeClr val="tx1"/>
+                      </a:gs>
+                    </a:gsLst>
+                    <a:lin ang="5400000" scaled="0"/>
+                  </a:gradFill>
+                  <a:latin typeface="+mj-lt"/>
+                </a:rPr>
+                <a:t>AAD Group</a:t>
+              </a:r>
+            </a:p>
+          </p:txBody>
+        </p:sp>
+      </p:grpSp>
+      <p:grpSp>
+        <p:nvGrpSpPr>
+          <p:cNvPr id="21" name="Group 20">
+            <a:extLst>
+              <a:ext uri="{FF2B5EF4-FFF2-40B4-BE49-F238E27FC236}">
+                <a16:creationId xmlns:a16="http://schemas.microsoft.com/office/drawing/2014/main" id="{FB0B63D9-877A-4C20-B385-06EAD6FD9993}"/>
+              </a:ext>
+            </a:extLst>
+          </p:cNvPr>
+          <p:cNvGrpSpPr/>
+          <p:nvPr/>
+        </p:nvGrpSpPr>
+        <p:grpSpPr>
+          <a:xfrm>
+            <a:off x="5768258" y="741032"/>
+            <a:ext cx="1290638" cy="758144"/>
+            <a:chOff x="7008019" y="1338830"/>
+            <a:chExt cx="1290638" cy="758144"/>
+          </a:xfrm>
+        </p:grpSpPr>
+        <p:pic>
+          <p:nvPicPr>
+            <p:cNvPr id="4" name="Graphic 3">
+              <a:extLst>
+                <a:ext uri="{FF2B5EF4-FFF2-40B4-BE49-F238E27FC236}">
+                  <a16:creationId xmlns:a16="http://schemas.microsoft.com/office/drawing/2014/main" id="{37784C97-8BA6-403A-BBCF-7E8C7FE5B437}"/>
+                </a:ext>
+              </a:extLst>
+            </p:cNvPr>
+            <p:cNvPicPr>
+              <a:picLocks noChangeAspect="1"/>
+            </p:cNvPicPr>
+            <p:nvPr/>
+          </p:nvPicPr>
+          <p:blipFill>
+            <a:blip r:embed="rId6">
+              <a:extLst>
+                <a:ext uri="{28A0092B-C50C-407E-A947-70E740481C1C}">
+                  <a14:useLocalDpi xmlns:a14="http://schemas.microsoft.com/office/drawing/2010/main" val="0"/>
+                </a:ext>
+                <a:ext uri="{96DAC541-7B7A-43D3-8B79-37D633B846F1}">
+                  <asvg:svgBlip xmlns:asvg="http://schemas.microsoft.com/office/drawing/2016/SVG/main" r:embed="rId7"/>
+                </a:ext>
+              </a:extLst>
+            </a:blip>
+            <a:stretch>
+              <a:fillRect/>
+            </a:stretch>
+          </p:blipFill>
+          <p:spPr>
+            <a:xfrm>
+              <a:off x="7425837" y="1338830"/>
+              <a:ext cx="455002" cy="455002"/>
+            </a:xfrm>
+            <a:prstGeom prst="rect">
+              <a:avLst/>
+            </a:prstGeom>
+          </p:spPr>
+        </p:pic>
+        <p:sp>
+          <p:nvSpPr>
+            <p:cNvPr id="20" name="TextBox 19">
+              <a:extLst>
+                <a:ext uri="{FF2B5EF4-FFF2-40B4-BE49-F238E27FC236}">
+                  <a16:creationId xmlns:a16="http://schemas.microsoft.com/office/drawing/2014/main" id="{5C311FA1-8266-4236-BE2A-9A7147D9116E}"/>
+                </a:ext>
+              </a:extLst>
+            </p:cNvPr>
+            <p:cNvSpPr txBox="1"/>
+            <p:nvPr/>
+          </p:nvSpPr>
+          <p:spPr>
+            <a:xfrm>
+              <a:off x="7008019" y="1635309"/>
+              <a:ext cx="1290638" cy="461665"/>
+            </a:xfrm>
+            <a:prstGeom prst="rect">
+              <a:avLst/>
+            </a:prstGeom>
+            <a:noFill/>
+          </p:spPr>
+          <p:txBody>
+            <a:bodyPr wrap="square" lIns="182880" tIns="146304" rIns="182880" bIns="146304" rtlCol="0">
+              <a:spAutoFit/>
+            </a:bodyPr>
+            <a:lstStyle/>
+            <a:p>
+              <a:pPr algn="ctr">
+                <a:lnSpc>
+                  <a:spcPct val="90000"/>
+                </a:lnSpc>
+                <a:spcAft>
+                  <a:spcPts val="600"/>
+                </a:spcAft>
+              </a:pPr>
+              <a:r>
+                <a:rPr lang="it-IT" sz="1200" dirty="0" err="1">
+                  <a:gradFill>
+                    <a:gsLst>
+                      <a:gs pos="2917">
+                        <a:schemeClr val="tx1"/>
+                      </a:gs>
+                      <a:gs pos="30000">
+                        <a:schemeClr val="tx1"/>
+                      </a:gs>
+                    </a:gsLst>
+                    <a:lin ang="5400000" scaled="0"/>
+                  </a:gradFill>
+                  <a:latin typeface="+mj-lt"/>
+                </a:rPr>
+                <a:t>subscription</a:t>
+              </a:r>
+              <a:endParaRPr lang="it-IT" sz="1200" dirty="0">
+                <a:gradFill>
+                  <a:gsLst>
+                    <a:gs pos="2917">
+                      <a:schemeClr val="tx1"/>
+                    </a:gs>
+                    <a:gs pos="30000">
+                      <a:schemeClr val="tx1"/>
+                    </a:gs>
+                  </a:gsLst>
+                  <a:lin ang="5400000" scaled="0"/>
+                </a:gradFill>
+                <a:latin typeface="+mj-lt"/>
+              </a:endParaRPr>
+            </a:p>
+          </p:txBody>
+        </p:sp>
+      </p:grpSp>
+      <p:grpSp>
+        <p:nvGrpSpPr>
+          <p:cNvPr id="33" name="Group 32">
+            <a:extLst>
+              <a:ext uri="{FF2B5EF4-FFF2-40B4-BE49-F238E27FC236}">
+                <a16:creationId xmlns:a16="http://schemas.microsoft.com/office/drawing/2014/main" id="{D861B6A2-C992-4D1B-83A5-35ED7C3EB5D8}"/>
+              </a:ext>
+            </a:extLst>
+          </p:cNvPr>
+          <p:cNvGrpSpPr/>
+          <p:nvPr/>
+        </p:nvGrpSpPr>
+        <p:grpSpPr>
+          <a:xfrm>
+            <a:off x="5753697" y="5070960"/>
+            <a:ext cx="1290638" cy="1068606"/>
+            <a:chOff x="7719281" y="5920644"/>
+            <a:chExt cx="1290638" cy="1068606"/>
+          </a:xfrm>
+        </p:grpSpPr>
+        <p:pic>
+          <p:nvPicPr>
+            <p:cNvPr id="16" name="Graphic 15">
+              <a:extLst>
+                <a:ext uri="{FF2B5EF4-FFF2-40B4-BE49-F238E27FC236}">
+                  <a16:creationId xmlns:a16="http://schemas.microsoft.com/office/drawing/2014/main" id="{CCE285EB-D9C7-4F99-8F09-91C6BED9577A}"/>
+                </a:ext>
+              </a:extLst>
+            </p:cNvPr>
+            <p:cNvPicPr>
+              <a:picLocks noChangeAspect="1"/>
+            </p:cNvPicPr>
+            <p:nvPr/>
+          </p:nvPicPr>
+          <p:blipFill>
+            <a:blip r:embed="rId8">
+              <a:extLst>
+                <a:ext uri="{28A0092B-C50C-407E-A947-70E740481C1C}">
+                  <a14:useLocalDpi xmlns:a14="http://schemas.microsoft.com/office/drawing/2010/main" val="0"/>
+                </a:ext>
+                <a:ext uri="{96DAC541-7B7A-43D3-8B79-37D633B846F1}">
+                  <asvg:svgBlip xmlns:asvg="http://schemas.microsoft.com/office/drawing/2016/SVG/main" r:embed="rId9"/>
+                </a:ext>
+              </a:extLst>
+            </a:blip>
+            <a:stretch>
+              <a:fillRect/>
+            </a:stretch>
+          </p:blipFill>
+          <p:spPr>
+            <a:xfrm>
+              <a:off x="8176367" y="5920644"/>
+              <a:ext cx="395879" cy="395879"/>
+            </a:xfrm>
+            <a:prstGeom prst="rect">
+              <a:avLst/>
+            </a:prstGeom>
+          </p:spPr>
+        </p:pic>
+        <p:sp>
+          <p:nvSpPr>
+            <p:cNvPr id="23" name="TextBox 22">
+              <a:extLst>
+                <a:ext uri="{FF2B5EF4-FFF2-40B4-BE49-F238E27FC236}">
+                  <a16:creationId xmlns:a16="http://schemas.microsoft.com/office/drawing/2014/main" id="{9AF44DC8-42B8-4F40-A9C2-0512965568F2}"/>
+                </a:ext>
+              </a:extLst>
+            </p:cNvPr>
+            <p:cNvSpPr txBox="1"/>
+            <p:nvPr/>
+          </p:nvSpPr>
+          <p:spPr>
+            <a:xfrm>
+              <a:off x="7719281" y="6195186"/>
+              <a:ext cx="1290638" cy="794064"/>
+            </a:xfrm>
+            <a:prstGeom prst="rect">
+              <a:avLst/>
+            </a:prstGeom>
+            <a:noFill/>
+          </p:spPr>
+          <p:txBody>
+            <a:bodyPr wrap="square" lIns="182880" tIns="146304" rIns="182880" bIns="146304" rtlCol="0">
+              <a:spAutoFit/>
+            </a:bodyPr>
+            <a:lstStyle/>
+            <a:p>
+              <a:pPr algn="ctr">
+                <a:lnSpc>
+                  <a:spcPct val="90000"/>
+                </a:lnSpc>
+                <a:spcAft>
+                  <a:spcPts val="600"/>
+                </a:spcAft>
+              </a:pPr>
+              <a:r>
+                <a:rPr lang="it-IT" sz="1200" dirty="0">
+                  <a:gradFill>
+                    <a:gsLst>
+                      <a:gs pos="2917">
+                        <a:schemeClr val="tx1"/>
+                      </a:gs>
+                      <a:gs pos="30000">
+                        <a:schemeClr val="tx1"/>
+                      </a:gs>
+                    </a:gsLst>
+                    <a:lin ang="5400000" scaled="0"/>
+                  </a:gradFill>
+                  <a:latin typeface="+mj-lt"/>
+                </a:rPr>
+                <a:t>AAD enterprise </a:t>
+              </a:r>
+              <a:r>
+                <a:rPr lang="it-IT" sz="1200" dirty="0" err="1">
+                  <a:gradFill>
+                    <a:gsLst>
+                      <a:gs pos="2917">
+                        <a:schemeClr val="tx1"/>
+                      </a:gs>
+                      <a:gs pos="30000">
+                        <a:schemeClr val="tx1"/>
+                      </a:gs>
+                    </a:gsLst>
+                    <a:lin ang="5400000" scaled="0"/>
+                  </a:gradFill>
+                  <a:latin typeface="+mj-lt"/>
+                </a:rPr>
+                <a:t>application</a:t>
+              </a:r>
+              <a:endParaRPr lang="it-IT" sz="1200" dirty="0">
+                <a:gradFill>
+                  <a:gsLst>
+                    <a:gs pos="2917">
+                      <a:schemeClr val="tx1"/>
+                    </a:gs>
+                    <a:gs pos="30000">
+                      <a:schemeClr val="tx1"/>
+                    </a:gs>
+                  </a:gsLst>
+                  <a:lin ang="5400000" scaled="0"/>
+                </a:gradFill>
+                <a:latin typeface="+mj-lt"/>
+              </a:endParaRPr>
+            </a:p>
+          </p:txBody>
+        </p:sp>
+      </p:grpSp>
+      <p:sp>
+        <p:nvSpPr>
+          <p:cNvPr id="25" name="TextBox 24">
+            <a:extLst>
+              <a:ext uri="{FF2B5EF4-FFF2-40B4-BE49-F238E27FC236}">
+                <a16:creationId xmlns:a16="http://schemas.microsoft.com/office/drawing/2014/main" id="{3209AAF0-20F2-45A2-9C63-0C1400BA52B1}"/>
+              </a:ext>
+            </a:extLst>
+          </p:cNvPr>
+          <p:cNvSpPr txBox="1"/>
+          <p:nvPr/>
+        </p:nvSpPr>
+        <p:spPr>
+          <a:xfrm>
+            <a:off x="5768258" y="3771877"/>
+            <a:ext cx="1290638" cy="461665"/>
+          </a:xfrm>
+          <a:prstGeom prst="rect">
+            <a:avLst/>
+          </a:prstGeom>
+          <a:noFill/>
+        </p:spPr>
+        <p:txBody>
+          <a:bodyPr wrap="square" lIns="182880" tIns="146304" rIns="182880" bIns="146304" rtlCol="0">
+            <a:spAutoFit/>
+          </a:bodyPr>
+          <a:lstStyle/>
+          <a:p>
+            <a:pPr algn="ctr">
+              <a:lnSpc>
+                <a:spcPct val="90000"/>
+              </a:lnSpc>
+              <a:spcAft>
+                <a:spcPts val="600"/>
+              </a:spcAft>
+            </a:pPr>
+            <a:r>
+              <a:rPr lang="it-IT" sz="1200" dirty="0" err="1">
+                <a:gradFill>
+                  <a:gsLst>
+                    <a:gs pos="2917">
+                      <a:schemeClr val="tx1"/>
+                    </a:gs>
+                    <a:gs pos="30000">
+                      <a:schemeClr val="tx1"/>
+                    </a:gs>
+                  </a:gsLst>
+                  <a:lin ang="5400000" scaled="0"/>
+                </a:gradFill>
+                <a:latin typeface="+mj-lt"/>
+              </a:rPr>
+              <a:t>resource</a:t>
+            </a:r>
+            <a:endParaRPr lang="it-IT" sz="1200" dirty="0">
+              <a:gradFill>
+                <a:gsLst>
+                  <a:gs pos="2917">
+                    <a:schemeClr val="tx1"/>
+                  </a:gs>
+                  <a:gs pos="30000">
+                    <a:schemeClr val="tx1"/>
+                  </a:gs>
+                </a:gsLst>
+                <a:lin ang="5400000" scaled="0"/>
+              </a:gradFill>
+              <a:latin typeface="+mj-lt"/>
+            </a:endParaRPr>
+          </a:p>
+        </p:txBody>
+      </p:sp>
+      <p:grpSp>
+        <p:nvGrpSpPr>
+          <p:cNvPr id="34" name="Group 33">
+            <a:extLst>
+              <a:ext uri="{FF2B5EF4-FFF2-40B4-BE49-F238E27FC236}">
+                <a16:creationId xmlns:a16="http://schemas.microsoft.com/office/drawing/2014/main" id="{20D9578E-0386-484B-845E-24F1B2760376}"/>
+              </a:ext>
+            </a:extLst>
+          </p:cNvPr>
+          <p:cNvGrpSpPr/>
+          <p:nvPr/>
+        </p:nvGrpSpPr>
+        <p:grpSpPr>
+          <a:xfrm>
+            <a:off x="2936947" y="1259792"/>
+            <a:ext cx="1290638" cy="723573"/>
+            <a:chOff x="2215653" y="1133501"/>
+            <a:chExt cx="1290638" cy="723573"/>
+          </a:xfrm>
+        </p:grpSpPr>
+        <p:pic>
+          <p:nvPicPr>
+            <p:cNvPr id="14" name="Graphic 13">
+              <a:extLst>
+                <a:ext uri="{FF2B5EF4-FFF2-40B4-BE49-F238E27FC236}">
+                  <a16:creationId xmlns:a16="http://schemas.microsoft.com/office/drawing/2014/main" id="{48E135DA-10FE-4785-A0C7-DEF96BD8BF90}"/>
+                </a:ext>
+              </a:extLst>
+            </p:cNvPr>
+            <p:cNvPicPr>
+              <a:picLocks noChangeAspect="1"/>
+            </p:cNvPicPr>
+            <p:nvPr/>
+          </p:nvPicPr>
+          <p:blipFill>
+            <a:blip r:embed="rId10">
+              <a:extLst>
+                <a:ext uri="{28A0092B-C50C-407E-A947-70E740481C1C}">
+                  <a14:useLocalDpi xmlns:a14="http://schemas.microsoft.com/office/drawing/2010/main" val="0"/>
+                </a:ext>
+                <a:ext uri="{96DAC541-7B7A-43D3-8B79-37D633B846F1}">
+                  <asvg:svgBlip xmlns:asvg="http://schemas.microsoft.com/office/drawing/2016/SVG/main" r:embed="rId11"/>
+                </a:ext>
+              </a:extLst>
+            </a:blip>
+            <a:stretch>
+              <a:fillRect/>
+            </a:stretch>
+          </p:blipFill>
+          <p:spPr>
+            <a:xfrm>
+              <a:off x="2663032" y="1133501"/>
+              <a:ext cx="395880" cy="395880"/>
+            </a:xfrm>
+            <a:prstGeom prst="rect">
+              <a:avLst/>
+            </a:prstGeom>
+          </p:spPr>
+        </p:pic>
+        <p:sp>
+          <p:nvSpPr>
+            <p:cNvPr id="29" name="TextBox 28">
+              <a:extLst>
+                <a:ext uri="{FF2B5EF4-FFF2-40B4-BE49-F238E27FC236}">
+                  <a16:creationId xmlns:a16="http://schemas.microsoft.com/office/drawing/2014/main" id="{B367E427-C073-4916-A7E0-777570DBF5CD}"/>
+                </a:ext>
+              </a:extLst>
+            </p:cNvPr>
+            <p:cNvSpPr txBox="1"/>
+            <p:nvPr/>
+          </p:nvSpPr>
+          <p:spPr>
+            <a:xfrm>
+              <a:off x="2215653" y="1395409"/>
+              <a:ext cx="1290638" cy="461665"/>
+            </a:xfrm>
+            <a:prstGeom prst="rect">
+              <a:avLst/>
+            </a:prstGeom>
+            <a:noFill/>
+          </p:spPr>
+          <p:txBody>
+            <a:bodyPr wrap="square" lIns="182880" tIns="146304" rIns="182880" bIns="146304" rtlCol="0">
+              <a:spAutoFit/>
+            </a:bodyPr>
+            <a:lstStyle/>
+            <a:p>
+              <a:pPr algn="ctr">
+                <a:lnSpc>
+                  <a:spcPct val="90000"/>
+                </a:lnSpc>
+                <a:spcAft>
+                  <a:spcPts val="600"/>
+                </a:spcAft>
+              </a:pPr>
+              <a:r>
+                <a:rPr lang="it-IT" sz="1200" dirty="0">
+                  <a:gradFill>
+                    <a:gsLst>
+                      <a:gs pos="2917">
+                        <a:schemeClr val="tx1"/>
+                      </a:gs>
+                      <a:gs pos="30000">
+                        <a:schemeClr val="tx1"/>
+                      </a:gs>
+                    </a:gsLst>
+                    <a:lin ang="5400000" scaled="0"/>
+                  </a:gradFill>
+                  <a:latin typeface="+mj-lt"/>
+                </a:rPr>
+                <a:t>AAD User</a:t>
+              </a:r>
+            </a:p>
+          </p:txBody>
+        </p:sp>
+      </p:grpSp>
+      <p:grpSp>
+        <p:nvGrpSpPr>
+          <p:cNvPr id="32" name="Group 31">
+            <a:extLst>
+              <a:ext uri="{FF2B5EF4-FFF2-40B4-BE49-F238E27FC236}">
+                <a16:creationId xmlns:a16="http://schemas.microsoft.com/office/drawing/2014/main" id="{BEF0391F-434F-447C-BA34-BD66D69DC68F}"/>
+              </a:ext>
+            </a:extLst>
+          </p:cNvPr>
+          <p:cNvGrpSpPr/>
+          <p:nvPr/>
+        </p:nvGrpSpPr>
+        <p:grpSpPr>
+          <a:xfrm>
+            <a:off x="5769357" y="2108656"/>
+            <a:ext cx="1290638" cy="825803"/>
+            <a:chOff x="7730087" y="2720244"/>
+            <a:chExt cx="1290638" cy="825803"/>
+          </a:xfrm>
+        </p:grpSpPr>
+        <p:pic>
+          <p:nvPicPr>
+            <p:cNvPr id="6" name="Graphic 5">
+              <a:extLst>
+                <a:ext uri="{FF2B5EF4-FFF2-40B4-BE49-F238E27FC236}">
+                  <a16:creationId xmlns:a16="http://schemas.microsoft.com/office/drawing/2014/main" id="{988949EC-3994-4C92-8283-A6AEEC466AAA}"/>
+                </a:ext>
+              </a:extLst>
+            </p:cNvPr>
+            <p:cNvPicPr>
+              <a:picLocks noChangeAspect="1"/>
+            </p:cNvPicPr>
+            <p:nvPr/>
+          </p:nvPicPr>
+          <p:blipFill>
+            <a:blip r:embed="rId12">
+              <a:extLst>
+                <a:ext uri="{28A0092B-C50C-407E-A947-70E740481C1C}">
+                  <a14:useLocalDpi xmlns:a14="http://schemas.microsoft.com/office/drawing/2010/main" val="0"/>
+                </a:ext>
+                <a:ext uri="{96DAC541-7B7A-43D3-8B79-37D633B846F1}">
+                  <asvg:svgBlip xmlns:asvg="http://schemas.microsoft.com/office/drawing/2016/SVG/main" r:embed="rId13"/>
+                </a:ext>
+              </a:extLst>
+            </a:blip>
+            <a:stretch>
+              <a:fillRect/>
+            </a:stretch>
+          </p:blipFill>
+          <p:spPr>
+            <a:xfrm>
+              <a:off x="8166662" y="2720244"/>
+              <a:ext cx="395879" cy="395879"/>
+            </a:xfrm>
+            <a:prstGeom prst="rect">
+              <a:avLst/>
+            </a:prstGeom>
+          </p:spPr>
+        </p:pic>
+        <p:sp>
+          <p:nvSpPr>
+            <p:cNvPr id="31" name="TextBox 30">
+              <a:extLst>
+                <a:ext uri="{FF2B5EF4-FFF2-40B4-BE49-F238E27FC236}">
+                  <a16:creationId xmlns:a16="http://schemas.microsoft.com/office/drawing/2014/main" id="{92214FEA-9F8A-45CB-AEC9-A89359165058}"/>
+                </a:ext>
+              </a:extLst>
+            </p:cNvPr>
+            <p:cNvSpPr txBox="1"/>
+            <p:nvPr/>
+          </p:nvSpPr>
+          <p:spPr>
+            <a:xfrm>
+              <a:off x="7730087" y="2918183"/>
+              <a:ext cx="1290638" cy="627864"/>
+            </a:xfrm>
+            <a:prstGeom prst="rect">
+              <a:avLst/>
+            </a:prstGeom>
+            <a:noFill/>
+          </p:spPr>
+          <p:txBody>
+            <a:bodyPr wrap="square" lIns="182880" tIns="146304" rIns="182880" bIns="146304" rtlCol="0">
+              <a:spAutoFit/>
+            </a:bodyPr>
+            <a:lstStyle/>
+            <a:p>
+              <a:pPr algn="ctr">
+                <a:lnSpc>
+                  <a:spcPct val="90000"/>
+                </a:lnSpc>
+                <a:spcAft>
+                  <a:spcPts val="600"/>
+                </a:spcAft>
+              </a:pPr>
+              <a:r>
+                <a:rPr lang="it-IT" sz="1200" dirty="0" err="1">
+                  <a:gradFill>
+                    <a:gsLst>
+                      <a:gs pos="2917">
+                        <a:schemeClr val="tx1"/>
+                      </a:gs>
+                      <a:gs pos="30000">
+                        <a:schemeClr val="tx1"/>
+                      </a:gs>
+                    </a:gsLst>
+                    <a:lin ang="5400000" scaled="0"/>
+                  </a:gradFill>
+                  <a:latin typeface="+mj-lt"/>
+                </a:rPr>
+                <a:t>resource</a:t>
+              </a:r>
+              <a:r>
+                <a:rPr lang="it-IT" sz="1200" dirty="0">
+                  <a:gradFill>
+                    <a:gsLst>
+                      <a:gs pos="2917">
+                        <a:schemeClr val="tx1"/>
+                      </a:gs>
+                      <a:gs pos="30000">
+                        <a:schemeClr val="tx1"/>
+                      </a:gs>
+                    </a:gsLst>
+                    <a:lin ang="5400000" scaled="0"/>
+                  </a:gradFill>
+                  <a:latin typeface="+mj-lt"/>
+                </a:rPr>
+                <a:t> group</a:t>
+              </a:r>
+            </a:p>
+          </p:txBody>
+        </p:sp>
+      </p:grpSp>
+      <p:cxnSp>
+        <p:nvCxnSpPr>
+          <p:cNvPr id="35" name="Straight Arrow Connector 34">
+            <a:extLst>
+              <a:ext uri="{FF2B5EF4-FFF2-40B4-BE49-F238E27FC236}">
+                <a16:creationId xmlns:a16="http://schemas.microsoft.com/office/drawing/2014/main" id="{C409D49D-E729-45D4-841B-3E51ED1E0210}"/>
+              </a:ext>
+            </a:extLst>
+          </p:cNvPr>
+          <p:cNvCxnSpPr>
+            <a:cxnSpLocks/>
+            <a:stCxn id="29" idx="2"/>
+          </p:cNvCxnSpPr>
+          <p:nvPr/>
+        </p:nvCxnSpPr>
+        <p:spPr>
+          <a:xfrm>
+            <a:off x="3582266" y="1983365"/>
+            <a:ext cx="0" cy="1004149"/>
+          </a:xfrm>
+          <a:prstGeom prst="straightConnector1">
+            <a:avLst/>
+          </a:prstGeom>
+          <a:ln>
+            <a:headEnd type="none"/>
+            <a:tailEnd type="triangle"/>
+          </a:ln>
+        </p:spPr>
+        <p:style>
+          <a:lnRef idx="1">
+            <a:schemeClr val="accent3"/>
+          </a:lnRef>
+          <a:fillRef idx="0">
+            <a:schemeClr val="accent3"/>
+          </a:fillRef>
+          <a:effectRef idx="0">
+            <a:schemeClr val="accent3"/>
+          </a:effectRef>
+          <a:fontRef idx="minor">
+            <a:schemeClr val="tx1"/>
+          </a:fontRef>
+        </p:style>
+      </p:cxnSp>
+      <p:grpSp>
+        <p:nvGrpSpPr>
+          <p:cNvPr id="65" name="Group 64">
+            <a:extLst>
+              <a:ext uri="{FF2B5EF4-FFF2-40B4-BE49-F238E27FC236}">
+                <a16:creationId xmlns:a16="http://schemas.microsoft.com/office/drawing/2014/main" id="{02BA1190-8F4D-44B2-AF9E-707A6C305C05}"/>
+              </a:ext>
+            </a:extLst>
+          </p:cNvPr>
+          <p:cNvGrpSpPr/>
+          <p:nvPr/>
+        </p:nvGrpSpPr>
+        <p:grpSpPr>
+          <a:xfrm>
+            <a:off x="8203616" y="3093889"/>
+            <a:ext cx="1290638" cy="757374"/>
+            <a:chOff x="8573262" y="2371848"/>
+            <a:chExt cx="1290638" cy="757374"/>
+          </a:xfrm>
+        </p:grpSpPr>
+        <p:pic>
+          <p:nvPicPr>
+            <p:cNvPr id="18" name="Graphic 17">
+              <a:extLst>
+                <a:ext uri="{FF2B5EF4-FFF2-40B4-BE49-F238E27FC236}">
+                  <a16:creationId xmlns:a16="http://schemas.microsoft.com/office/drawing/2014/main" id="{9763AA50-9CB8-4B72-92EE-677DD6FA4CE1}"/>
+                </a:ext>
+              </a:extLst>
+            </p:cNvPr>
+            <p:cNvPicPr>
+              <a:picLocks noChangeAspect="1"/>
+            </p:cNvPicPr>
+            <p:nvPr/>
+          </p:nvPicPr>
+          <p:blipFill>
+            <a:blip r:embed="rId14">
+              <a:extLst>
+                <a:ext uri="{28A0092B-C50C-407E-A947-70E740481C1C}">
+                  <a14:useLocalDpi xmlns:a14="http://schemas.microsoft.com/office/drawing/2010/main" val="0"/>
+                </a:ext>
+                <a:ext uri="{96DAC541-7B7A-43D3-8B79-37D633B846F1}">
+                  <asvg:svgBlip xmlns:asvg="http://schemas.microsoft.com/office/drawing/2016/SVG/main" r:embed="rId15"/>
+                </a:ext>
+              </a:extLst>
+            </a:blip>
+            <a:stretch>
+              <a:fillRect/>
+            </a:stretch>
+          </p:blipFill>
+          <p:spPr>
+            <a:xfrm>
+              <a:off x="9020642" y="2371848"/>
+              <a:ext cx="395879" cy="395879"/>
+            </a:xfrm>
+            <a:prstGeom prst="rect">
+              <a:avLst/>
+            </a:prstGeom>
+          </p:spPr>
+        </p:pic>
+        <p:sp>
+          <p:nvSpPr>
+            <p:cNvPr id="39" name="TextBox 38">
+              <a:extLst>
+                <a:ext uri="{FF2B5EF4-FFF2-40B4-BE49-F238E27FC236}">
+                  <a16:creationId xmlns:a16="http://schemas.microsoft.com/office/drawing/2014/main" id="{FA70CAF4-43F7-456A-8EB8-93063D39C88A}"/>
+                </a:ext>
+              </a:extLst>
+            </p:cNvPr>
+            <p:cNvSpPr txBox="1"/>
+            <p:nvPr/>
+          </p:nvSpPr>
+          <p:spPr>
+            <a:xfrm>
+              <a:off x="8573262" y="2667557"/>
+              <a:ext cx="1290638" cy="461665"/>
+            </a:xfrm>
+            <a:prstGeom prst="rect">
+              <a:avLst/>
+            </a:prstGeom>
+            <a:noFill/>
+          </p:spPr>
+          <p:txBody>
+            <a:bodyPr wrap="square" lIns="182880" tIns="146304" rIns="182880" bIns="146304" rtlCol="0">
+              <a:spAutoFit/>
+            </a:bodyPr>
+            <a:lstStyle/>
+            <a:p>
+              <a:pPr algn="ctr">
+                <a:lnSpc>
+                  <a:spcPct val="90000"/>
+                </a:lnSpc>
+                <a:spcAft>
+                  <a:spcPts val="600"/>
+                </a:spcAft>
+              </a:pPr>
+              <a:r>
+                <a:rPr lang="it-IT" sz="1200" dirty="0">
+                  <a:gradFill>
+                    <a:gsLst>
+                      <a:gs pos="2917">
+                        <a:schemeClr val="tx1"/>
+                      </a:gs>
+                      <a:gs pos="30000">
+                        <a:schemeClr val="tx1"/>
+                      </a:gs>
+                    </a:gsLst>
+                    <a:lin ang="5400000" scaled="0"/>
+                  </a:gradFill>
+                  <a:latin typeface="+mj-lt"/>
+                </a:rPr>
+                <a:t>Tags</a:t>
+              </a:r>
+            </a:p>
+          </p:txBody>
+        </p:sp>
+      </p:grpSp>
+      <p:sp>
+        <p:nvSpPr>
+          <p:cNvPr id="43" name="TextBox 42">
+            <a:extLst>
+              <a:ext uri="{FF2B5EF4-FFF2-40B4-BE49-F238E27FC236}">
+                <a16:creationId xmlns:a16="http://schemas.microsoft.com/office/drawing/2014/main" id="{5A157ACD-4CBF-48E5-A7E3-66EA67BDEA6B}"/>
+              </a:ext>
+            </a:extLst>
+          </p:cNvPr>
+          <p:cNvSpPr txBox="1"/>
+          <p:nvPr/>
+        </p:nvSpPr>
+        <p:spPr>
+          <a:xfrm>
+            <a:off x="3239366" y="2147408"/>
+            <a:ext cx="1290638" cy="461665"/>
+          </a:xfrm>
+          <a:prstGeom prst="rect">
+            <a:avLst/>
+          </a:prstGeom>
+          <a:noFill/>
+        </p:spPr>
+        <p:txBody>
+          <a:bodyPr wrap="square" lIns="182880" tIns="146304" rIns="182880" bIns="146304" rtlCol="0">
+            <a:spAutoFit/>
+          </a:bodyPr>
+          <a:lstStyle/>
+          <a:p>
+            <a:pPr algn="ctr">
+              <a:lnSpc>
+                <a:spcPct val="90000"/>
+              </a:lnSpc>
+              <a:spcAft>
+                <a:spcPts val="600"/>
+              </a:spcAft>
+            </a:pPr>
+            <a:r>
+              <a:rPr lang="it-IT" sz="1200" dirty="0">
+                <a:gradFill>
+                  <a:gsLst>
+                    <a:gs pos="2917">
+                      <a:schemeClr val="tx1"/>
+                    </a:gs>
+                    <a:gs pos="30000">
+                      <a:schemeClr val="tx1"/>
+                    </a:gs>
+                  </a:gsLst>
+                  <a:lin ang="5400000" scaled="0"/>
+                </a:gradFill>
+                <a:latin typeface="+mj-lt"/>
+              </a:rPr>
+              <a:t>in group</a:t>
+            </a:r>
+          </a:p>
+        </p:txBody>
+      </p:sp>
+      <p:cxnSp>
+        <p:nvCxnSpPr>
+          <p:cNvPr id="44" name="Straight Arrow Connector 43">
+            <a:extLst>
+              <a:ext uri="{FF2B5EF4-FFF2-40B4-BE49-F238E27FC236}">
+                <a16:creationId xmlns:a16="http://schemas.microsoft.com/office/drawing/2014/main" id="{F71F42E6-287B-48C8-8C0C-718C3EE17038}"/>
+              </a:ext>
+            </a:extLst>
+          </p:cNvPr>
+          <p:cNvCxnSpPr>
+            <a:cxnSpLocks/>
+            <a:endCxn id="20" idx="2"/>
+          </p:cNvCxnSpPr>
+          <p:nvPr/>
+        </p:nvCxnSpPr>
+        <p:spPr>
+          <a:xfrm flipV="1">
+            <a:off x="6403870" y="1499176"/>
+            <a:ext cx="9707" cy="504277"/>
+          </a:xfrm>
+          <a:prstGeom prst="straightConnector1">
+            <a:avLst/>
+          </a:prstGeom>
+          <a:ln>
+            <a:headEnd type="none"/>
+            <a:tailEnd type="triangle"/>
+          </a:ln>
+        </p:spPr>
+        <p:style>
+          <a:lnRef idx="1">
+            <a:schemeClr val="accent3"/>
+          </a:lnRef>
+          <a:fillRef idx="0">
+            <a:schemeClr val="accent3"/>
+          </a:fillRef>
+          <a:effectRef idx="0">
+            <a:schemeClr val="accent3"/>
+          </a:effectRef>
+          <a:fontRef idx="minor">
+            <a:schemeClr val="tx1"/>
+          </a:fontRef>
+        </p:style>
+      </p:cxnSp>
+      <p:cxnSp>
+        <p:nvCxnSpPr>
+          <p:cNvPr id="50" name="Straight Arrow Connector 49">
+            <a:extLst>
+              <a:ext uri="{FF2B5EF4-FFF2-40B4-BE49-F238E27FC236}">
+                <a16:creationId xmlns:a16="http://schemas.microsoft.com/office/drawing/2014/main" id="{5B62FED6-0171-4B03-AB0B-FC478629A1D7}"/>
+              </a:ext>
+            </a:extLst>
+          </p:cNvPr>
+          <p:cNvCxnSpPr>
+            <a:cxnSpLocks/>
+          </p:cNvCxnSpPr>
+          <p:nvPr/>
+        </p:nvCxnSpPr>
+        <p:spPr>
+          <a:xfrm flipV="1">
+            <a:off x="6399016" y="2882811"/>
+            <a:ext cx="9707" cy="504277"/>
+          </a:xfrm>
+          <a:prstGeom prst="straightConnector1">
+            <a:avLst/>
+          </a:prstGeom>
+          <a:ln>
+            <a:headEnd type="none"/>
+            <a:tailEnd type="triangle"/>
+          </a:ln>
+        </p:spPr>
+        <p:style>
+          <a:lnRef idx="1">
+            <a:schemeClr val="accent3"/>
+          </a:lnRef>
+          <a:fillRef idx="0">
+            <a:schemeClr val="accent3"/>
+          </a:fillRef>
+          <a:effectRef idx="0">
+            <a:schemeClr val="accent3"/>
+          </a:effectRef>
+          <a:fontRef idx="minor">
+            <a:schemeClr val="tx1"/>
+          </a:fontRef>
+        </p:style>
+      </p:cxnSp>
+      <p:sp>
+        <p:nvSpPr>
+          <p:cNvPr id="54" name="TextBox 53">
+            <a:extLst>
+              <a:ext uri="{FF2B5EF4-FFF2-40B4-BE49-F238E27FC236}">
+                <a16:creationId xmlns:a16="http://schemas.microsoft.com/office/drawing/2014/main" id="{71F2807D-AEC9-46E9-A132-B5CA686CF02C}"/>
+              </a:ext>
+            </a:extLst>
+          </p:cNvPr>
+          <p:cNvSpPr txBox="1"/>
+          <p:nvPr/>
+        </p:nvSpPr>
+        <p:spPr>
+          <a:xfrm>
+            <a:off x="6234566" y="1550139"/>
+            <a:ext cx="1450199" cy="461665"/>
+          </a:xfrm>
+          <a:prstGeom prst="rect">
+            <a:avLst/>
+          </a:prstGeom>
+          <a:noFill/>
+        </p:spPr>
+        <p:txBody>
+          <a:bodyPr wrap="square" lIns="182880" tIns="146304" rIns="182880" bIns="146304" rtlCol="0">
+            <a:spAutoFit/>
+          </a:bodyPr>
+          <a:lstStyle/>
+          <a:p>
+            <a:pPr algn="ctr">
+              <a:lnSpc>
+                <a:spcPct val="90000"/>
+              </a:lnSpc>
+              <a:spcAft>
+                <a:spcPts val="600"/>
+              </a:spcAft>
+            </a:pPr>
+            <a:r>
+              <a:rPr lang="it-IT" sz="1200" dirty="0">
+                <a:gradFill>
+                  <a:gsLst>
+                    <a:gs pos="2917">
+                      <a:schemeClr val="tx1"/>
+                    </a:gs>
+                    <a:gs pos="30000">
+                      <a:schemeClr val="tx1"/>
+                    </a:gs>
+                  </a:gsLst>
+                  <a:lin ang="5400000" scaled="0"/>
+                </a:gradFill>
+                <a:latin typeface="+mj-lt"/>
+              </a:rPr>
+              <a:t>in </a:t>
+            </a:r>
+            <a:r>
+              <a:rPr lang="it-IT" sz="1200" dirty="0" err="1">
+                <a:gradFill>
+                  <a:gsLst>
+                    <a:gs pos="2917">
+                      <a:schemeClr val="tx1"/>
+                    </a:gs>
+                    <a:gs pos="30000">
+                      <a:schemeClr val="tx1"/>
+                    </a:gs>
+                  </a:gsLst>
+                  <a:lin ang="5400000" scaled="0"/>
+                </a:gradFill>
+                <a:latin typeface="+mj-lt"/>
+              </a:rPr>
+              <a:t>subscription</a:t>
+            </a:r>
+            <a:endParaRPr lang="it-IT" sz="1200" dirty="0">
+              <a:gradFill>
+                <a:gsLst>
+                  <a:gs pos="2917">
+                    <a:schemeClr val="tx1"/>
+                  </a:gs>
+                  <a:gs pos="30000">
+                    <a:schemeClr val="tx1"/>
+                  </a:gs>
+                </a:gsLst>
+                <a:lin ang="5400000" scaled="0"/>
+              </a:gradFill>
+              <a:latin typeface="+mj-lt"/>
+            </a:endParaRPr>
+          </a:p>
+        </p:txBody>
+      </p:sp>
+      <p:sp>
+        <p:nvSpPr>
+          <p:cNvPr id="62" name="TextBox 61">
+            <a:extLst>
+              <a:ext uri="{FF2B5EF4-FFF2-40B4-BE49-F238E27FC236}">
+                <a16:creationId xmlns:a16="http://schemas.microsoft.com/office/drawing/2014/main" id="{814BCB16-BE04-460C-A072-A7529A8385CD}"/>
+              </a:ext>
+            </a:extLst>
+          </p:cNvPr>
+          <p:cNvSpPr txBox="1"/>
+          <p:nvPr/>
+        </p:nvSpPr>
+        <p:spPr>
+          <a:xfrm>
+            <a:off x="6267998" y="2965262"/>
+            <a:ext cx="1581796" cy="461665"/>
+          </a:xfrm>
+          <a:prstGeom prst="rect">
+            <a:avLst/>
+          </a:prstGeom>
+          <a:noFill/>
+        </p:spPr>
+        <p:txBody>
+          <a:bodyPr wrap="square" lIns="182880" tIns="146304" rIns="182880" bIns="146304" rtlCol="0">
+            <a:spAutoFit/>
+          </a:bodyPr>
+          <a:lstStyle/>
+          <a:p>
+            <a:pPr algn="ctr">
+              <a:lnSpc>
+                <a:spcPct val="90000"/>
+              </a:lnSpc>
+              <a:spcAft>
+                <a:spcPts val="600"/>
+              </a:spcAft>
+            </a:pPr>
+            <a:r>
+              <a:rPr lang="it-IT" sz="1200" dirty="0">
+                <a:gradFill>
+                  <a:gsLst>
+                    <a:gs pos="2917">
+                      <a:schemeClr val="tx1"/>
+                    </a:gs>
+                    <a:gs pos="30000">
+                      <a:schemeClr val="tx1"/>
+                    </a:gs>
+                  </a:gsLst>
+                  <a:lin ang="5400000" scaled="0"/>
+                </a:gradFill>
+                <a:latin typeface="+mj-lt"/>
+              </a:rPr>
+              <a:t>in </a:t>
+            </a:r>
+            <a:r>
+              <a:rPr lang="it-IT" sz="1200" dirty="0" err="1">
+                <a:gradFill>
+                  <a:gsLst>
+                    <a:gs pos="2917">
+                      <a:schemeClr val="tx1"/>
+                    </a:gs>
+                    <a:gs pos="30000">
+                      <a:schemeClr val="tx1"/>
+                    </a:gs>
+                  </a:gsLst>
+                  <a:lin ang="5400000" scaled="0"/>
+                </a:gradFill>
+                <a:latin typeface="+mj-lt"/>
+              </a:rPr>
+              <a:t>resource</a:t>
+            </a:r>
+            <a:r>
+              <a:rPr lang="it-IT" sz="1200" dirty="0">
+                <a:gradFill>
+                  <a:gsLst>
+                    <a:gs pos="2917">
+                      <a:schemeClr val="tx1"/>
+                    </a:gs>
+                    <a:gs pos="30000">
+                      <a:schemeClr val="tx1"/>
+                    </a:gs>
+                  </a:gsLst>
+                  <a:lin ang="5400000" scaled="0"/>
+                </a:gradFill>
+                <a:latin typeface="+mj-lt"/>
+              </a:rPr>
+              <a:t> group</a:t>
+            </a:r>
+          </a:p>
+        </p:txBody>
+      </p:sp>
+      <p:sp>
+        <p:nvSpPr>
+          <p:cNvPr id="66" name="Right Brace 65">
+            <a:extLst>
+              <a:ext uri="{FF2B5EF4-FFF2-40B4-BE49-F238E27FC236}">
+                <a16:creationId xmlns:a16="http://schemas.microsoft.com/office/drawing/2014/main" id="{62FEDFD5-CB0D-4BFE-B827-377F8816AA18}"/>
+              </a:ext>
+            </a:extLst>
+          </p:cNvPr>
+          <p:cNvSpPr/>
+          <p:nvPr/>
+        </p:nvSpPr>
+        <p:spPr>
+          <a:xfrm>
+            <a:off x="7555707" y="739341"/>
+            <a:ext cx="826686" cy="5400219"/>
+          </a:xfrm>
+          <a:prstGeom prst="rightBrace">
+            <a:avLst>
+              <a:gd name="adj1" fmla="val 8333"/>
+              <a:gd name="adj2" fmla="val 50523"/>
+            </a:avLst>
+          </a:prstGeom>
+          <a:ln>
+            <a:headEnd type="none"/>
+            <a:tailEnd type="none"/>
+          </a:ln>
+        </p:spPr>
+        <p:style>
+          <a:lnRef idx="1">
+            <a:schemeClr val="accent3"/>
+          </a:lnRef>
+          <a:fillRef idx="0">
+            <a:schemeClr val="accent3"/>
+          </a:fillRef>
+          <a:effectRef idx="0">
+            <a:schemeClr val="accent3"/>
+          </a:effectRef>
+          <a:fontRef idx="minor">
+            <a:schemeClr val="tx1"/>
+          </a:fontRef>
+        </p:style>
+        <p:txBody>
+          <a:bodyPr rtlCol="0" anchor="ctr"/>
+          <a:lstStyle/>
+          <a:p>
+            <a:pPr algn="ctr"/>
+            <a:endParaRPr lang="it-IT"/>
+          </a:p>
+        </p:txBody>
+      </p:sp>
+      <p:sp>
+        <p:nvSpPr>
+          <p:cNvPr id="68" name="TextBox 67">
+            <a:extLst>
+              <a:ext uri="{FF2B5EF4-FFF2-40B4-BE49-F238E27FC236}">
+                <a16:creationId xmlns:a16="http://schemas.microsoft.com/office/drawing/2014/main" id="{67662C6E-1650-4872-AE06-FFDB8BD382B7}"/>
+              </a:ext>
+            </a:extLst>
+          </p:cNvPr>
+          <p:cNvSpPr txBox="1"/>
+          <p:nvPr/>
+        </p:nvSpPr>
+        <p:spPr>
+          <a:xfrm>
+            <a:off x="7684765" y="2904116"/>
+            <a:ext cx="1290638" cy="461665"/>
+          </a:xfrm>
+          <a:prstGeom prst="rect">
+            <a:avLst/>
+          </a:prstGeom>
+          <a:noFill/>
+        </p:spPr>
+        <p:txBody>
+          <a:bodyPr wrap="square" lIns="182880" tIns="146304" rIns="182880" bIns="146304" rtlCol="0">
+            <a:spAutoFit/>
+          </a:bodyPr>
+          <a:lstStyle/>
+          <a:p>
+            <a:pPr algn="ctr">
+              <a:lnSpc>
+                <a:spcPct val="90000"/>
+              </a:lnSpc>
+              <a:spcAft>
+                <a:spcPts val="600"/>
+              </a:spcAft>
+            </a:pPr>
+            <a:r>
+              <a:rPr lang="it-IT" sz="1200" dirty="0" err="1">
+                <a:gradFill>
+                  <a:gsLst>
+                    <a:gs pos="2917">
+                      <a:schemeClr val="tx1"/>
+                    </a:gs>
+                    <a:gs pos="30000">
+                      <a:schemeClr val="tx1"/>
+                    </a:gs>
+                  </a:gsLst>
+                  <a:lin ang="5400000" scaled="0"/>
+                </a:gradFill>
+                <a:latin typeface="+mj-lt"/>
+              </a:rPr>
+              <a:t>has</a:t>
+            </a:r>
+            <a:endParaRPr lang="it-IT" sz="1200" dirty="0">
+              <a:gradFill>
+                <a:gsLst>
+                  <a:gs pos="2917">
+                    <a:schemeClr val="tx1"/>
+                  </a:gs>
+                  <a:gs pos="30000">
+                    <a:schemeClr val="tx1"/>
+                  </a:gs>
+                </a:gsLst>
+                <a:lin ang="5400000" scaled="0"/>
+              </a:gradFill>
+              <a:latin typeface="+mj-lt"/>
+            </a:endParaRPr>
+          </a:p>
+        </p:txBody>
+      </p:sp>
+      <p:sp>
+        <p:nvSpPr>
+          <p:cNvPr id="70" name="Right Brace 69">
+            <a:extLst>
+              <a:ext uri="{FF2B5EF4-FFF2-40B4-BE49-F238E27FC236}">
+                <a16:creationId xmlns:a16="http://schemas.microsoft.com/office/drawing/2014/main" id="{098B077B-0425-4558-B01C-FAD76D38BB22}"/>
+              </a:ext>
+            </a:extLst>
+          </p:cNvPr>
+          <p:cNvSpPr/>
+          <p:nvPr/>
+        </p:nvSpPr>
+        <p:spPr>
+          <a:xfrm rot="10800000">
+            <a:off x="4850092" y="712667"/>
+            <a:ext cx="826686" cy="3520875"/>
+          </a:xfrm>
+          <a:prstGeom prst="rightBrace">
+            <a:avLst>
+              <a:gd name="adj1" fmla="val 8333"/>
+              <a:gd name="adj2" fmla="val 50523"/>
+            </a:avLst>
+          </a:prstGeom>
+          <a:ln>
+            <a:headEnd type="none"/>
+            <a:tailEnd type="none"/>
+          </a:ln>
+        </p:spPr>
+        <p:style>
+          <a:lnRef idx="1">
+            <a:schemeClr val="accent3"/>
+          </a:lnRef>
+          <a:fillRef idx="0">
+            <a:schemeClr val="accent3"/>
+          </a:fillRef>
+          <a:effectRef idx="0">
+            <a:schemeClr val="accent3"/>
+          </a:effectRef>
+          <a:fontRef idx="minor">
+            <a:schemeClr val="tx1"/>
+          </a:fontRef>
+        </p:style>
+        <p:txBody>
+          <a:bodyPr rtlCol="0" anchor="ctr"/>
+          <a:lstStyle/>
+          <a:p>
+            <a:pPr algn="ctr"/>
+            <a:endParaRPr lang="it-IT"/>
+          </a:p>
+        </p:txBody>
+      </p:sp>
+      <p:sp>
+        <p:nvSpPr>
+          <p:cNvPr id="72" name="Right Brace 71">
+            <a:extLst>
+              <a:ext uri="{FF2B5EF4-FFF2-40B4-BE49-F238E27FC236}">
+                <a16:creationId xmlns:a16="http://schemas.microsoft.com/office/drawing/2014/main" id="{5F89976E-0D65-43C9-B72A-E9888C8013E7}"/>
+              </a:ext>
+            </a:extLst>
+          </p:cNvPr>
+          <p:cNvSpPr/>
+          <p:nvPr/>
+        </p:nvSpPr>
+        <p:spPr>
+          <a:xfrm>
+            <a:off x="4051281" y="1032749"/>
+            <a:ext cx="826686" cy="2813652"/>
+          </a:xfrm>
+          <a:prstGeom prst="rightBrace">
+            <a:avLst>
+              <a:gd name="adj1" fmla="val 8333"/>
+              <a:gd name="adj2" fmla="val 50523"/>
+            </a:avLst>
+          </a:prstGeom>
+          <a:ln>
+            <a:headEnd type="none"/>
+            <a:tailEnd type="none"/>
+          </a:ln>
+        </p:spPr>
+        <p:style>
+          <a:lnRef idx="1">
+            <a:schemeClr val="accent3"/>
+          </a:lnRef>
+          <a:fillRef idx="0">
+            <a:schemeClr val="accent3"/>
+          </a:fillRef>
+          <a:effectRef idx="0">
+            <a:schemeClr val="accent3"/>
+          </a:effectRef>
+          <a:fontRef idx="minor">
+            <a:schemeClr val="tx1"/>
+          </a:fontRef>
+        </p:style>
+        <p:txBody>
+          <a:bodyPr rtlCol="0" anchor="ctr"/>
+          <a:lstStyle/>
+          <a:p>
+            <a:pPr algn="ctr"/>
+            <a:endParaRPr lang="it-IT"/>
+          </a:p>
+        </p:txBody>
+      </p:sp>
+      <p:cxnSp>
+        <p:nvCxnSpPr>
+          <p:cNvPr id="79" name="Straight Arrow Connector 78">
+            <a:extLst>
+              <a:ext uri="{FF2B5EF4-FFF2-40B4-BE49-F238E27FC236}">
+                <a16:creationId xmlns:a16="http://schemas.microsoft.com/office/drawing/2014/main" id="{3FA1555C-05D5-47E7-9177-BE288696A5B0}"/>
+              </a:ext>
+            </a:extLst>
+          </p:cNvPr>
+          <p:cNvCxnSpPr>
+            <a:cxnSpLocks/>
+          </p:cNvCxnSpPr>
+          <p:nvPr/>
+        </p:nvCxnSpPr>
+        <p:spPr>
+          <a:xfrm>
+            <a:off x="8317137" y="3467030"/>
+            <a:ext cx="333859" cy="0"/>
+          </a:xfrm>
+          <a:prstGeom prst="straightConnector1">
+            <a:avLst/>
+          </a:prstGeom>
+          <a:ln>
+            <a:headEnd type="none"/>
+            <a:tailEnd type="triangle"/>
+          </a:ln>
+        </p:spPr>
+        <p:style>
+          <a:lnRef idx="1">
+            <a:schemeClr val="accent3"/>
+          </a:lnRef>
+          <a:fillRef idx="0">
+            <a:schemeClr val="accent3"/>
+          </a:fillRef>
+          <a:effectRef idx="0">
+            <a:schemeClr val="accent3"/>
+          </a:effectRef>
+          <a:fontRef idx="minor">
+            <a:schemeClr val="tx1"/>
+          </a:fontRef>
+        </p:style>
+      </p:cxnSp>
+      <p:sp>
+        <p:nvSpPr>
+          <p:cNvPr id="83" name="TextBox 82">
+            <a:extLst>
+              <a:ext uri="{FF2B5EF4-FFF2-40B4-BE49-F238E27FC236}">
+                <a16:creationId xmlns:a16="http://schemas.microsoft.com/office/drawing/2014/main" id="{CB19D316-FB5C-4D75-BAC1-9778F162CE5D}"/>
+              </a:ext>
+            </a:extLst>
+          </p:cNvPr>
+          <p:cNvSpPr txBox="1"/>
+          <p:nvPr/>
+        </p:nvSpPr>
+        <p:spPr>
+          <a:xfrm>
+            <a:off x="4214654" y="2389081"/>
+            <a:ext cx="1290638" cy="704808"/>
+          </a:xfrm>
+          <a:prstGeom prst="rect">
+            <a:avLst/>
+          </a:prstGeom>
+          <a:noFill/>
+        </p:spPr>
+        <p:txBody>
+          <a:bodyPr wrap="square" lIns="182880" tIns="146304" rIns="182880" bIns="146304" rtlCol="0">
+            <a:spAutoFit/>
+          </a:bodyPr>
+          <a:lstStyle/>
+          <a:p>
+            <a:pPr algn="ctr">
+              <a:lnSpc>
+                <a:spcPct val="90000"/>
+              </a:lnSpc>
+              <a:spcAft>
+                <a:spcPts val="600"/>
+              </a:spcAft>
+            </a:pPr>
+            <a:r>
+              <a:rPr lang="it-IT" sz="1200" dirty="0">
+                <a:gradFill>
+                  <a:gsLst>
+                    <a:gs pos="2917">
+                      <a:schemeClr val="tx1"/>
+                    </a:gs>
+                    <a:gs pos="30000">
+                      <a:schemeClr val="tx1"/>
+                    </a:gs>
+                  </a:gsLst>
+                  <a:lin ang="5400000" scaled="0"/>
+                </a:gradFill>
+                <a:latin typeface="+mj-lt"/>
+              </a:rPr>
+              <a:t>access </a:t>
+            </a:r>
+          </a:p>
+          <a:p>
+            <a:pPr algn="ctr">
+              <a:lnSpc>
+                <a:spcPct val="90000"/>
+              </a:lnSpc>
+              <a:spcAft>
+                <a:spcPts val="600"/>
+              </a:spcAft>
+            </a:pPr>
+            <a:r>
+              <a:rPr lang="it-IT" sz="1200" dirty="0">
+                <a:gradFill>
+                  <a:gsLst>
+                    <a:gs pos="2917">
+                      <a:schemeClr val="tx1"/>
+                    </a:gs>
+                    <a:gs pos="30000">
+                      <a:schemeClr val="tx1"/>
+                    </a:gs>
+                  </a:gsLst>
+                  <a:lin ang="5400000" scaled="0"/>
+                </a:gradFill>
+                <a:latin typeface="+mj-lt"/>
+              </a:rPr>
+              <a:t>to</a:t>
+            </a:r>
+          </a:p>
+        </p:txBody>
+      </p:sp>
+    </p:spTree>
+    <p:extLst>
+      <p:ext uri="{BB962C8B-B14F-4D97-AF65-F5344CB8AC3E}">
+        <p14:creationId xmlns:p14="http://schemas.microsoft.com/office/powerpoint/2010/main" val="2670662817"/>
+      </p:ext>
+    </p:extLst>
+  </p:cSld>
+  <p:clrMapOvr>
+    <a:masterClrMapping/>
+  </p:clrMapOvr>
+  <p:transition>
+    <p:fade/>
+  </p:transition>
+  <p:timing>
+    <p:tnLst>
+      <p:par>
+        <p:cTn id="1" dur="indefinite" restart="never" nodeType="tmRoot">
+          <p:childTnLst>
+            <p:seq concurrent="1" nextAc="seek">
+              <p:cTn id="2" dur="indefinite" nodeType="mainSeq">
+                <p:childTnLst>
+                  <p:par>
+                    <p:cTn id="3" fill="hold">
+                      <p:stCondLst>
+                        <p:cond delay="indefinite"/>
+                        <p:cond evt="onBegin" delay="0">
+                          <p:tn val="2"/>
+                        </p:cond>
+                      </p:stCondLst>
+                      <p:childTnLst>
+                        <p:par>
+                          <p:cTn id="4" fill="hold">
+                            <p:stCondLst>
+                              <p:cond delay="0"/>
+                            </p:stCondLst>
+                            <p:childTnLst>
+                              <p:par>
+                                <p:cTn id="5" presetID="10" presetClass="entr" presetSubtype="0" fill="hold" nodeType="withEffect">
+                                  <p:stCondLst>
+                                    <p:cond delay="0"/>
+                                  </p:stCondLst>
+                                  <p:childTnLst>
+                                    <p:set>
+                                      <p:cBhvr>
+                                        <p:cTn id="6" dur="1" fill="hold">
+                                          <p:stCondLst>
+                                            <p:cond delay="0"/>
+                                          </p:stCondLst>
+                                        </p:cTn>
+                                        <p:tgtEl>
+                                          <p:spTgt spid="35"/>
+                                        </p:tgtEl>
+                                        <p:attrNameLst>
+                                          <p:attrName>style.visibility</p:attrName>
+                                        </p:attrNameLst>
+                                      </p:cBhvr>
+                                      <p:to>
+                                        <p:strVal val="visible"/>
+                                      </p:to>
+                                    </p:set>
+                                    <p:animEffect transition="in" filter="fade">
+                                      <p:cBhvr>
+                                        <p:cTn id="7" dur="500"/>
+                                        <p:tgtEl>
+                                          <p:spTgt spid="35"/>
+                                        </p:tgtEl>
+                                      </p:cBhvr>
+                                    </p:animEffect>
+                                  </p:childTnLst>
+                                </p:cTn>
+                              </p:par>
+                              <p:par>
+                                <p:cTn id="8" presetID="10" presetClass="entr" presetSubtype="0" fill="hold" nodeType="withEffect">
+                                  <p:stCondLst>
+                                    <p:cond delay="0"/>
+                                  </p:stCondLst>
+                                  <p:childTnLst>
+                                    <p:set>
+                                      <p:cBhvr>
+                                        <p:cTn id="9" dur="1" fill="hold">
+                                          <p:stCondLst>
+                                            <p:cond delay="0"/>
+                                          </p:stCondLst>
+                                        </p:cTn>
+                                        <p:tgtEl>
+                                          <p:spTgt spid="44"/>
+                                        </p:tgtEl>
+                                        <p:attrNameLst>
+                                          <p:attrName>style.visibility</p:attrName>
+                                        </p:attrNameLst>
+                                      </p:cBhvr>
+                                      <p:to>
+                                        <p:strVal val="visible"/>
+                                      </p:to>
+                                    </p:set>
+                                    <p:animEffect transition="in" filter="fade">
+                                      <p:cBhvr>
+                                        <p:cTn id="10" dur="500"/>
+                                        <p:tgtEl>
+                                          <p:spTgt spid="44"/>
+                                        </p:tgtEl>
+                                      </p:cBhvr>
+                                    </p:animEffect>
+                                  </p:childTnLst>
+                                </p:cTn>
+                              </p:par>
+                              <p:par>
+                                <p:cTn id="11" presetID="10" presetClass="entr" presetSubtype="0" fill="hold" nodeType="withEffect">
+                                  <p:stCondLst>
+                                    <p:cond delay="0"/>
+                                  </p:stCondLst>
+                                  <p:childTnLst>
+                                    <p:set>
+                                      <p:cBhvr>
+                                        <p:cTn id="12" dur="1" fill="hold">
+                                          <p:stCondLst>
+                                            <p:cond delay="0"/>
+                                          </p:stCondLst>
+                                        </p:cTn>
+                                        <p:tgtEl>
+                                          <p:spTgt spid="50"/>
+                                        </p:tgtEl>
+                                        <p:attrNameLst>
+                                          <p:attrName>style.visibility</p:attrName>
+                                        </p:attrNameLst>
+                                      </p:cBhvr>
+                                      <p:to>
+                                        <p:strVal val="visible"/>
+                                      </p:to>
+                                    </p:set>
+                                    <p:animEffect transition="in" filter="fade">
+                                      <p:cBhvr>
+                                        <p:cTn id="13" dur="500"/>
+                                        <p:tgtEl>
+                                          <p:spTgt spid="50"/>
+                                        </p:tgtEl>
+                                      </p:cBhvr>
+                                    </p:animEffect>
+                                  </p:childTnLst>
+                                </p:cTn>
+                              </p:par>
+                              <p:par>
+                                <p:cTn id="14" presetID="10" presetClass="entr" presetSubtype="0" fill="hold" nodeType="withEffect">
+                                  <p:stCondLst>
+                                    <p:cond delay="0"/>
+                                  </p:stCondLst>
+                                  <p:childTnLst>
+                                    <p:set>
+                                      <p:cBhvr>
+                                        <p:cTn id="15" dur="1" fill="hold">
+                                          <p:stCondLst>
+                                            <p:cond delay="0"/>
+                                          </p:stCondLst>
+                                        </p:cTn>
+                                        <p:tgtEl>
+                                          <p:spTgt spid="79"/>
+                                        </p:tgtEl>
+                                        <p:attrNameLst>
+                                          <p:attrName>style.visibility</p:attrName>
+                                        </p:attrNameLst>
+                                      </p:cBhvr>
+                                      <p:to>
+                                        <p:strVal val="visible"/>
+                                      </p:to>
+                                    </p:set>
+                                    <p:animEffect transition="in" filter="fade">
+                                      <p:cBhvr>
+                                        <p:cTn id="16" dur="500"/>
+                                        <p:tgtEl>
+                                          <p:spTgt spid="79"/>
+                                        </p:tgtEl>
+                                      </p:cBhvr>
+                                    </p:animEffect>
+                                  </p:childTnLst>
+                                </p:cTn>
+                              </p:par>
+                            </p:childTnLst>
+                          </p:cTn>
+                        </p:par>
+                      </p:childTnLst>
+                    </p:cTn>
+                  </p:par>
+                </p:childTnLst>
+              </p:cTn>
+              <p:prevCondLst>
+                <p:cond evt="onPrev" delay="0">
+                  <p:tgtEl>
+                    <p:sldTgt/>
+                  </p:tgtEl>
+                </p:cond>
+              </p:prevCondLst>
+              <p:nextCondLst>
+                <p:cond evt="onNext" delay="0">
+                  <p:tgtEl>
+                    <p:sldTgt/>
+                  </p:tgtEl>
+                </p:cond>
+              </p:nextCondLst>
+            </p:seq>
+          </p:childTnLst>
+        </p:cTn>
+      </p:par>
+    </p:tnLst>
+  </p:timing>
+</p:sld>
+</file>
+
+<file path=ppt/slides/slide7.xml><?xml version="1.0" encoding="utf-8"?>
+<p:sld xmlns:a="http://schemas.openxmlformats.org/drawingml/2006/main" xmlns:r="http://schemas.openxmlformats.org/officeDocument/2006/relationships" xmlns:p="http://schemas.openxmlformats.org/presentationml/2006/main">
+  <p:cSld>
+    <p:spTree>
+      <p:nvGrpSpPr>
+        <p:cNvPr id="1" name=""/>
+        <p:cNvGrpSpPr/>
+        <p:nvPr/>
+      </p:nvGrpSpPr>
+      <p:grpSpPr>
+        <a:xfrm>
+          <a:off x="0" y="0"/>
+          <a:ext cx="0" cy="0"/>
+          <a:chOff x="0" y="0"/>
+          <a:chExt cx="0" cy="0"/>
+        </a:xfrm>
+      </p:grpSpPr>
+      <p:sp>
+        <p:nvSpPr>
+          <p:cNvPr id="2" name="Title 1">
+            <a:extLst>
+              <a:ext uri="{FF2B5EF4-FFF2-40B4-BE49-F238E27FC236}">
+                <a16:creationId xmlns:a16="http://schemas.microsoft.com/office/drawing/2014/main" id="{90355467-1DC2-4934-A763-E663A44FDA9D}"/>
+              </a:ext>
+            </a:extLst>
+          </p:cNvPr>
+          <p:cNvSpPr>
+            <a:spLocks noGrp="1"/>
+          </p:cNvSpPr>
+          <p:nvPr>
+            <p:ph type="title"/>
+          </p:nvPr>
+        </p:nvSpPr>
+        <p:spPr/>
+        <p:txBody>
+          <a:bodyPr/>
+          <a:lstStyle/>
+          <a:p>
+            <a:r>
+              <a:rPr lang="it-IT" dirty="0"/>
+              <a:t>Demo</a:t>
+            </a:r>
+          </a:p>
+        </p:txBody>
+      </p:sp>
+    </p:spTree>
+    <p:extLst>
+      <p:ext uri="{BB962C8B-B14F-4D97-AF65-F5344CB8AC3E}">
+        <p14:creationId xmlns:p14="http://schemas.microsoft.com/office/powerpoint/2010/main" val="2953736732"/>
+      </p:ext>
+    </p:extLst>
+  </p:cSld>
+  <p:clrMapOvr>
+    <a:masterClrMapping/>
+  </p:clrMapOvr>
+  <p:transition>
+    <p:fade/>
+  </p:transition>
+</p:sld>
+</file>
+
+<file path=ppt/slides/slide8.xml><?xml version="1.0" encoding="utf-8"?>
 <p:sld xmlns:a="http://schemas.openxmlformats.org/drawingml/2006/main" xmlns:r="http://schemas.openxmlformats.org/officeDocument/2006/relationships" xmlns:p="http://schemas.openxmlformats.org/presentationml/2006/main">
   <p:cSld>
     <p:spTree>
@@ -27223,7 +30539,7 @@
         </p:blipFill>
         <p:spPr bwMode="auto">
           <a:xfrm>
-            <a:off x="677922" y="2357916"/>
+            <a:off x="688388" y="2918237"/>
             <a:ext cx="1177290" cy="355990"/>
           </a:xfrm>
           <a:prstGeom prst="rect">
@@ -30297,9 +33613,9 @@
           <p:nvPr/>
         </p:nvCxnSpPr>
         <p:spPr>
-          <a:xfrm flipV="1">
-            <a:off x="1352355" y="2646754"/>
-            <a:ext cx="835007" cy="1763"/>
+          <a:xfrm flipH="1" flipV="1">
+            <a:off x="1539142" y="3304908"/>
+            <a:ext cx="875436" cy="367053"/>
           </a:xfrm>
           <a:prstGeom prst="straightConnector1">
             <a:avLst/>
@@ -30498,42 +33814,58 @@
                 </a:gradFill>
                 <a:latin typeface="+mj-lt"/>
               </a:rPr>
-              <a:t>Service </a:t>
+              <a:t>LOB app</a:t>
             </a:r>
-            <a:r>
-              <a:rPr lang="it-IT" sz="1200" dirty="0" err="1">
-                <a:gradFill>
-                  <a:gsLst>
-                    <a:gs pos="2917">
-                      <a:schemeClr val="tx1"/>
-                    </a:gs>
-                    <a:gs pos="30000">
-                      <a:schemeClr val="tx1"/>
-                    </a:gs>
-                  </a:gsLst>
-                  <a:lin ang="5400000" scaled="0"/>
-                </a:gradFill>
-                <a:latin typeface="+mj-lt"/>
-              </a:rPr>
-              <a:t>Now</a:t>
-            </a:r>
-            <a:endParaRPr lang="it-IT" sz="1200" dirty="0">
-              <a:gradFill>
-                <a:gsLst>
-                  <a:gs pos="2917">
-                    <a:schemeClr val="tx1"/>
-                  </a:gs>
-                  <a:gs pos="30000">
-                    <a:schemeClr val="tx1"/>
-                  </a:gs>
-                </a:gsLst>
-                <a:lin ang="5400000" scaled="0"/>
-              </a:gradFill>
-              <a:latin typeface="+mj-lt"/>
-            </a:endParaRPr>
           </a:p>
         </p:txBody>
       </p:sp>
+      <p:pic>
+        <p:nvPicPr>
+          <p:cNvPr id="3" name="Picture 2" descr="ServiceNow | LinkedIn">
+            <a:extLst>
+              <a:ext uri="{FF2B5EF4-FFF2-40B4-BE49-F238E27FC236}">
+                <a16:creationId xmlns:a16="http://schemas.microsoft.com/office/drawing/2014/main" id="{F0817DB2-293D-4B7D-AF8A-EC7B1853292D}"/>
+              </a:ext>
+            </a:extLst>
+          </p:cNvPr>
+          <p:cNvPicPr>
+            <a:picLocks noChangeAspect="1" noChangeArrowheads="1"/>
+          </p:cNvPicPr>
+          <p:nvPr/>
+        </p:nvPicPr>
+        <p:blipFill>
+          <a:blip r:embed="rId22" cstate="print">
+            <a:extLst>
+              <a:ext uri="{28A0092B-C50C-407E-A947-70E740481C1C}">
+                <a14:useLocalDpi xmlns:a14="http://schemas.microsoft.com/office/drawing/2010/main" val="0"/>
+              </a:ext>
+            </a:extLst>
+          </a:blip>
+          <a:srcRect/>
+          <a:stretch>
+            <a:fillRect/>
+          </a:stretch>
+        </p:blipFill>
+        <p:spPr bwMode="auto">
+          <a:xfrm>
+            <a:off x="1046172" y="2163176"/>
+            <a:ext cx="438811" cy="438811"/>
+          </a:xfrm>
+          <a:prstGeom prst="rect">
+            <a:avLst/>
+          </a:prstGeom>
+          <a:noFill/>
+          <a:extLst>
+            <a:ext uri="{909E8E84-426E-40DD-AFC4-6F175D3DCCD1}">
+              <a14:hiddenFill xmlns:a14="http://schemas.microsoft.com/office/drawing/2010/main">
+                <a:solidFill>
+                  <a:srgbClr val="FFFFFF"/>
+                </a:solidFill>
+              </a14:hiddenFill>
+            </a:ext>
+          </a:extLst>
+        </p:spPr>
+      </p:pic>
     </p:spTree>
     <p:extLst>
       <p:ext uri="{BB962C8B-B14F-4D97-AF65-F5344CB8AC3E}">
@@ -30625,7 +33957,7 @@
                                           </p:stCondLst>
                                         </p:cTn>
                                         <p:tgtEl>
-                                          <p:spTgt spid="4098"/>
+                                          <p:spTgt spid="6146"/>
                                         </p:tgtEl>
                                         <p:attrNameLst>
                                           <p:attrName>style.visibility</p:attrName>
@@ -30639,7 +33971,7 @@
                                       <p:cBhvr>
                                         <p:cTn id="10" dur="500"/>
                                         <p:tgtEl>
-                                          <p:spTgt spid="4098"/>
+                                          <p:spTgt spid="6146"/>
                                         </p:tgtEl>
                                       </p:cBhvr>
                                     </p:animEffect>
@@ -30660,7 +33992,7 @@
                                           </p:stCondLst>
                                         </p:cTn>
                                         <p:tgtEl>
-                                          <p:spTgt spid="6146"/>
+                                          <p:spTgt spid="8194"/>
                                         </p:tgtEl>
                                         <p:attrNameLst>
                                           <p:attrName>style.visibility</p:attrName>
@@ -30674,7 +34006,7 @@
                                       <p:cBhvr>
                                         <p:cTn id="13" dur="500"/>
                                         <p:tgtEl>
-                                          <p:spTgt spid="6146"/>
+                                          <p:spTgt spid="8194"/>
                                         </p:tgtEl>
                                       </p:cBhvr>
                                     </p:animEffect>
@@ -30695,7 +34027,7 @@
                                           </p:stCondLst>
                                         </p:cTn>
                                         <p:tgtEl>
-                                          <p:spTgt spid="8194"/>
+                                          <p:spTgt spid="3"/>
                                         </p:tgtEl>
                                         <p:attrNameLst>
                                           <p:attrName>style.visibility</p:attrName>
@@ -30709,7 +34041,7 @@
                                       <p:cBhvr>
                                         <p:cTn id="16" dur="500"/>
                                         <p:tgtEl>
-                                          <p:spTgt spid="8194"/>
+                                          <p:spTgt spid="3"/>
                                         </p:tgtEl>
                                       </p:cBhvr>
                                     </p:animEffect>
@@ -30769,68 +34101,15 @@
                                   </p:childTnLst>
                                 </p:cTn>
                               </p:par>
-                            </p:childTnLst>
-                          </p:cTn>
-                        </p:par>
-                      </p:childTnLst>
-                    </p:cTn>
-                  </p:par>
-                  <p:par>
-                    <p:cTn id="22" fill="hold">
-                      <p:stCondLst>
-                        <p:cond delay="indefinite"/>
-                      </p:stCondLst>
-                      <p:childTnLst>
-                        <p:par>
-                          <p:cTn id="23" fill="hold">
-                            <p:stCondLst>
-                              <p:cond delay="0"/>
-                            </p:stCondLst>
-                            <p:childTnLst>
                               <p:par>
-                                <p:cTn id="24" presetID="10" presetClass="entr" presetSubtype="0" fill="hold" nodeType="clickEffect">
+                                <p:cTn id="22" presetID="10" presetClass="entr" presetSubtype="0" fill="hold" nodeType="withEffect">
                                   <p:stCondLst>
                                     <p:cond delay="0"/>
                                   </p:stCondLst>
                                   <p:childTnLst>
                                     <p:set>
                                       <p:cBhvr>
-                                        <p:cTn id="25" dur="1" fill="hold">
-                                          <p:stCondLst>
-                                            <p:cond delay="0"/>
-                                          </p:stCondLst>
-                                        </p:cTn>
-                                        <p:tgtEl>
-                                          <p:spTgt spid="9220"/>
-                                        </p:tgtEl>
-                                        <p:attrNameLst>
-                                          <p:attrName>style.visibility</p:attrName>
-                                        </p:attrNameLst>
-                                      </p:cBhvr>
-                                      <p:to>
-                                        <p:strVal val="visible"/>
-                                      </p:to>
-                                    </p:set>
-                                    <p:animEffect transition="in" filter="fade">
-                                      <p:cBhvr>
-                                        <p:cTn id="26" dur="500"/>
-                                        <p:tgtEl>
-                                          <p:spTgt spid="9220"/>
-                                        </p:tgtEl>
-                                      </p:cBhvr>
-                                    </p:animEffect>
-                                  </p:childTnLst>
-                                </p:cTn>
-                              </p:par>
-                              <p:par>
-                                <p:cTn id="27" presetID="10" presetClass="entr" presetSubtype="0" fill="hold" nodeType="withEffect">
-                                  <p:stCondLst>
-                                    <p:cond delay="0"/>
-                                  </p:stCondLst>
-                                  <p:childTnLst>
-                                    <p:set>
-                                      <p:cBhvr>
-                                        <p:cTn id="28" dur="1" fill="hold">
+                                        <p:cTn id="23" dur="1" fill="hold">
                                           <p:stCondLst>
                                             <p:cond delay="0"/>
                                           </p:stCondLst>
@@ -30848,7 +34127,7 @@
                                     </p:set>
                                     <p:animEffect transition="in" filter="fade">
                                       <p:cBhvr>
-                                        <p:cTn id="29" dur="500"/>
+                                        <p:cTn id="24" dur="500"/>
                                         <p:tgtEl>
                                           <p:spTgt spid="20"/>
                                         </p:tgtEl>
@@ -30858,14 +34137,49 @@
                                 </p:cTn>
                               </p:par>
                               <p:par>
-                                <p:cTn id="30" presetID="10" presetClass="entr" presetSubtype="0" fill="hold" nodeType="withEffect">
+                                <p:cTn id="25" presetID="10" presetClass="entr" presetSubtype="0" fill="hold" nodeType="withEffect">
                                   <p:stCondLst>
                                     <p:cond delay="0"/>
                                   </p:stCondLst>
                                   <p:childTnLst>
                                     <p:set>
                                       <p:cBhvr>
-                                        <p:cTn id="31" dur="1" fill="hold">
+                                        <p:cTn id="26" dur="1" fill="hold">
+                                          <p:stCondLst>
+                                            <p:cond delay="0"/>
+                                          </p:stCondLst>
+                                        </p:cTn>
+                                        <p:tgtEl>
+                                          <p:spTgt spid="9222"/>
+                                        </p:tgtEl>
+                                        <p:attrNameLst>
+                                          <p:attrName>style.visibility</p:attrName>
+                                        </p:attrNameLst>
+                                      </p:cBhvr>
+                                      <p:to>
+                                        <p:strVal val="visible"/>
+                                      </p:to>
+                                    </p:set>
+                                    <p:animEffect transition="in" filter="fade">
+                                      <p:cBhvr>
+                                        <p:cTn id="27" dur="500"/>
+                                        <p:tgtEl>
+                                          <p:spTgt spid="9222"/>
+                                        </p:tgtEl>
+                                      </p:cBhvr>
+                                    </p:animEffect>
+                                  </p:childTnLst>
+                                </p:cTn>
+                              </p:par>
+                              <p:par>
+                                <p:cTn id="28" presetID="10" presetClass="entr" presetSubtype="0" fill="hold" nodeType="withEffect">
+                                  <p:stCondLst>
+                                    <p:cond delay="0"/>
+                                  </p:stCondLst>
+                                  <p:childTnLst>
+                                    <p:set>
+                                      <p:cBhvr>
+                                        <p:cTn id="29" dur="1" fill="hold">
                                           <p:stCondLst>
                                             <p:cond delay="0"/>
                                           </p:stCondLst>
@@ -30883,7 +34197,7 @@
                                     </p:set>
                                     <p:animEffect transition="in" filter="fade">
                                       <p:cBhvr>
-                                        <p:cTn id="32" dur="500"/>
+                                        <p:cTn id="30" dur="500"/>
                                         <p:tgtEl>
                                           <p:spTgt spid="33"/>
                                         </p:tgtEl>
@@ -30893,14 +34207,14 @@
                                 </p:cTn>
                               </p:par>
                               <p:par>
-                                <p:cTn id="33" presetID="10" presetClass="entr" presetSubtype="0" fill="hold" nodeType="withEffect">
+                                <p:cTn id="31" presetID="10" presetClass="entr" presetSubtype="0" fill="hold" nodeType="withEffect">
                                   <p:stCondLst>
                                     <p:cond delay="0"/>
                                   </p:stCondLst>
                                   <p:childTnLst>
                                     <p:set>
                                       <p:cBhvr>
-                                        <p:cTn id="34" dur="1" fill="hold">
+                                        <p:cTn id="32" dur="1" fill="hold">
                                           <p:stCondLst>
                                             <p:cond delay="0"/>
                                           </p:stCondLst>
@@ -30918,7 +34232,7 @@
                                     </p:set>
                                     <p:animEffect transition="in" filter="fade">
                                       <p:cBhvr>
-                                        <p:cTn id="35" dur="500"/>
+                                        <p:cTn id="33" dur="500"/>
                                         <p:tgtEl>
                                           <p:spTgt spid="43"/>
                                         </p:tgtEl>
@@ -30928,14 +34242,14 @@
                                 </p:cTn>
                               </p:par>
                               <p:par>
-                                <p:cTn id="36" presetID="10" presetClass="entr" presetSubtype="0" fill="hold" nodeType="withEffect">
+                                <p:cTn id="34" presetID="10" presetClass="entr" presetSubtype="0" fill="hold" nodeType="withEffect">
                                   <p:stCondLst>
                                     <p:cond delay="0"/>
                                   </p:stCondLst>
                                   <p:childTnLst>
                                     <p:set>
                                       <p:cBhvr>
-                                        <p:cTn id="37" dur="1" fill="hold">
+                                        <p:cTn id="35" dur="1" fill="hold">
                                           <p:stCondLst>
                                             <p:cond delay="0"/>
                                           </p:stCondLst>
@@ -30953,7 +34267,7 @@
                                     </p:set>
                                     <p:animEffect transition="in" filter="fade">
                                       <p:cBhvr>
-                                        <p:cTn id="38" dur="500"/>
+                                        <p:cTn id="36" dur="500"/>
                                         <p:tgtEl>
                                           <p:spTgt spid="9216"/>
                                         </p:tgtEl>
@@ -30963,14 +34277,14 @@
                                 </p:cTn>
                               </p:par>
                               <p:par>
-                                <p:cTn id="39" presetID="10" presetClass="entr" presetSubtype="0" fill="hold" nodeType="withEffect">
+                                <p:cTn id="37" presetID="10" presetClass="entr" presetSubtype="0" fill="hold" nodeType="withEffect">
                                   <p:stCondLst>
                                     <p:cond delay="0"/>
                                   </p:stCondLst>
                                   <p:childTnLst>
                                     <p:set>
                                       <p:cBhvr>
-                                        <p:cTn id="40" dur="1" fill="hold">
+                                        <p:cTn id="38" dur="1" fill="hold">
                                           <p:stCondLst>
                                             <p:cond delay="0"/>
                                           </p:stCondLst>
@@ -30988,7 +34302,7 @@
                                     </p:set>
                                     <p:animEffect transition="in" filter="fade">
                                       <p:cBhvr>
-                                        <p:cTn id="41" dur="500"/>
+                                        <p:cTn id="39" dur="500"/>
                                         <p:tgtEl>
                                           <p:spTgt spid="17"/>
                                         </p:tgtEl>
@@ -30998,14 +34312,14 @@
                                 </p:cTn>
                               </p:par>
                               <p:par>
-                                <p:cTn id="42" presetID="10" presetClass="entr" presetSubtype="0" fill="hold" nodeType="withEffect">
+                                <p:cTn id="40" presetID="10" presetClass="entr" presetSubtype="0" fill="hold" nodeType="withEffect">
                                   <p:stCondLst>
                                     <p:cond delay="0"/>
                                   </p:stCondLst>
                                   <p:childTnLst>
                                     <p:set>
                                       <p:cBhvr>
-                                        <p:cTn id="43" dur="1" fill="hold">
+                                        <p:cTn id="41" dur="1" fill="hold">
                                           <p:stCondLst>
                                             <p:cond delay="0"/>
                                           </p:stCondLst>
@@ -31023,7 +34337,7 @@
                                     </p:set>
                                     <p:animEffect transition="in" filter="fade">
                                       <p:cBhvr>
-                                        <p:cTn id="44" dur="500"/>
+                                        <p:cTn id="42" dur="500"/>
                                         <p:tgtEl>
                                           <p:spTgt spid="19"/>
                                         </p:tgtEl>
@@ -31033,14 +34347,14 @@
                                 </p:cTn>
                               </p:par>
                               <p:par>
-                                <p:cTn id="45" presetID="10" presetClass="entr" presetSubtype="0" fill="hold" nodeType="withEffect">
+                                <p:cTn id="43" presetID="10" presetClass="entr" presetSubtype="0" fill="hold" nodeType="withEffect">
                                   <p:stCondLst>
                                     <p:cond delay="0"/>
                                   </p:stCondLst>
                                   <p:childTnLst>
                                     <p:set>
                                       <p:cBhvr>
-                                        <p:cTn id="46" dur="1" fill="hold">
+                                        <p:cTn id="44" dur="1" fill="hold">
                                           <p:stCondLst>
                                             <p:cond delay="0"/>
                                           </p:stCondLst>
@@ -31058,7 +34372,7 @@
                                     </p:set>
                                     <p:animEffect transition="in" filter="fade">
                                       <p:cBhvr>
-                                        <p:cTn id="47" dur="500"/>
+                                        <p:cTn id="45" dur="500"/>
                                         <p:tgtEl>
                                           <p:spTgt spid="12"/>
                                         </p:tgtEl>
@@ -31068,14 +34382,14 @@
                                 </p:cTn>
                               </p:par>
                               <p:par>
-                                <p:cTn id="48" presetID="10" presetClass="entr" presetSubtype="0" fill="hold" nodeType="withEffect">
+                                <p:cTn id="46" presetID="10" presetClass="entr" presetSubtype="0" fill="hold" nodeType="withEffect">
                                   <p:stCondLst>
                                     <p:cond delay="0"/>
                                   </p:stCondLst>
                                   <p:childTnLst>
                                     <p:set>
                                       <p:cBhvr>
-                                        <p:cTn id="49" dur="1" fill="hold">
+                                        <p:cTn id="47" dur="1" fill="hold">
                                           <p:stCondLst>
                                             <p:cond delay="0"/>
                                           </p:stCondLst>
@@ -31093,44 +34407,9 @@
                                     </p:set>
                                     <p:animEffect transition="in" filter="fade">
                                       <p:cBhvr>
-                                        <p:cTn id="50" dur="500"/>
+                                        <p:cTn id="48" dur="500"/>
                                         <p:tgtEl>
                                           <p:spTgt spid="15"/>
-                                        </p:tgtEl>
-                                      </p:cBhvr>
-                                    </p:animEffect>
-                                  </p:childTnLst>
-                                </p:cTn>
-                              </p:par>
-                              <p:par>
-                                <p:cTn id="51" presetID="10" presetClass="entr" presetSubtype="0" fill="hold" nodeType="withEffect">
-                                  <p:stCondLst>
-                                    <p:cond delay="0"/>
-                                  </p:stCondLst>
-                                  <p:childTnLst>
-                                    <p:set>
-                                      <p:cBhvr>
-                                        <p:cTn id="52" dur="1" fill="hold">
-                                          <p:stCondLst>
-                                            <p:cond delay="0"/>
-                                          </p:stCondLst>
-                                        </p:cTn>
-                                        <p:tgtEl>
-                                          <p:spTgt spid="9222"/>
-                                        </p:tgtEl>
-                                        <p:attrNameLst>
-                                          <p:attrName>style.visibility</p:attrName>
-                                        </p:attrNameLst>
-                                      </p:cBhvr>
-                                      <p:to>
-                                        <p:strVal val="visible"/>
-                                      </p:to>
-                                    </p:set>
-                                    <p:animEffect transition="in" filter="fade">
-                                      <p:cBhvr>
-                                        <p:cTn id="53" dur="500"/>
-                                        <p:tgtEl>
-                                          <p:spTgt spid="9222"/>
                                         </p:tgtEl>
                                       </p:cBhvr>
                                     </p:animEffect>
@@ -31144,26 +34423,26 @@
                     </p:cTn>
                   </p:par>
                   <p:par>
-                    <p:cTn id="54" fill="hold">
+                    <p:cTn id="49" fill="hold">
                       <p:stCondLst>
                         <p:cond delay="indefinite"/>
                       </p:stCondLst>
                       <p:childTnLst>
                         <p:par>
-                          <p:cTn id="55" fill="hold">
+                          <p:cTn id="50" fill="hold">
                             <p:stCondLst>
                               <p:cond delay="0"/>
                             </p:stCondLst>
                             <p:childTnLst>
                               <p:par>
-                                <p:cTn id="56" presetID="10" presetClass="entr" presetSubtype="0" fill="hold" grpId="0" nodeType="clickEffect">
+                                <p:cTn id="51" presetID="10" presetClass="entr" presetSubtype="0" fill="hold" grpId="0" nodeType="clickEffect">
                                   <p:stCondLst>
                                     <p:cond delay="0"/>
                                   </p:stCondLst>
                                   <p:childTnLst>
                                     <p:set>
                                       <p:cBhvr>
-                                        <p:cTn id="57" dur="1" fill="hold">
+                                        <p:cTn id="52" dur="1" fill="hold">
                                           <p:stCondLst>
                                             <p:cond delay="0"/>
                                           </p:stCondLst>
@@ -31181,7 +34460,7 @@
                                     </p:set>
                                     <p:animEffect transition="in" filter="fade">
                                       <p:cBhvr>
-                                        <p:cTn id="58" dur="500"/>
+                                        <p:cTn id="53" dur="500"/>
                                         <p:tgtEl>
                                           <p:spTgt spid="9228"/>
                                         </p:tgtEl>
@@ -31224,1918 +34503,7 @@
 </p:sld>
 </file>
 
-<file path=ppt/slides/slide7.xml><?xml version="1.0" encoding="utf-8"?>
-<p:sld xmlns:a="http://schemas.openxmlformats.org/drawingml/2006/main" xmlns:r="http://schemas.openxmlformats.org/officeDocument/2006/relationships" xmlns:p="http://schemas.openxmlformats.org/presentationml/2006/main">
-  <p:cSld>
-    <p:spTree>
-      <p:nvGrpSpPr>
-        <p:cNvPr id="1" name=""/>
-        <p:cNvGrpSpPr/>
-        <p:nvPr/>
-      </p:nvGrpSpPr>
-      <p:grpSpPr>
-        <a:xfrm>
-          <a:off x="0" y="0"/>
-          <a:ext cx="0" cy="0"/>
-          <a:chOff x="0" y="0"/>
-          <a:chExt cx="0" cy="0"/>
-        </a:xfrm>
-      </p:grpSpPr>
-      <p:sp>
-        <p:nvSpPr>
-          <p:cNvPr id="2" name="Title 1">
-            <a:extLst>
-              <a:ext uri="{FF2B5EF4-FFF2-40B4-BE49-F238E27FC236}">
-                <a16:creationId xmlns:a16="http://schemas.microsoft.com/office/drawing/2014/main" id="{E74F72DC-D531-442E-8685-94A8398E8FB8}"/>
-              </a:ext>
-            </a:extLst>
-          </p:cNvPr>
-          <p:cNvSpPr>
-            <a:spLocks noGrp="1"/>
-          </p:cNvSpPr>
-          <p:nvPr>
-            <p:ph type="title"/>
-          </p:nvPr>
-        </p:nvSpPr>
-        <p:spPr/>
-        <p:txBody>
-          <a:bodyPr/>
-          <a:lstStyle/>
-          <a:p>
-            <a:r>
-              <a:rPr lang="it-IT" dirty="0"/>
-              <a:t>Data </a:t>
-            </a:r>
-            <a:r>
-              <a:rPr lang="it-IT" dirty="0" err="1"/>
-              <a:t>corelations</a:t>
-            </a:r>
-            <a:endParaRPr lang="it-IT" dirty="0"/>
-          </a:p>
-        </p:txBody>
-      </p:sp>
-      <p:pic>
-        <p:nvPicPr>
-          <p:cNvPr id="8" name="Graphic 7">
-            <a:extLst>
-              <a:ext uri="{FF2B5EF4-FFF2-40B4-BE49-F238E27FC236}">
-                <a16:creationId xmlns:a16="http://schemas.microsoft.com/office/drawing/2014/main" id="{AC8DB189-A269-4E3D-9580-2422BC853EE4}"/>
-              </a:ext>
-            </a:extLst>
-          </p:cNvPr>
-          <p:cNvPicPr>
-            <a:picLocks noChangeAspect="1"/>
-          </p:cNvPicPr>
-          <p:nvPr/>
-        </p:nvPicPr>
-        <p:blipFill>
-          <a:blip r:embed="rId2">
-            <a:extLst>
-              <a:ext uri="{28A0092B-C50C-407E-A947-70E740481C1C}">
-                <a14:useLocalDpi xmlns:a14="http://schemas.microsoft.com/office/drawing/2010/main" val="0"/>
-              </a:ext>
-              <a:ext uri="{96DAC541-7B7A-43D3-8B79-37D633B846F1}">
-                <asvg:svgBlip xmlns:asvg="http://schemas.microsoft.com/office/drawing/2016/SVG/main" r:embed="rId3"/>
-              </a:ext>
-            </a:extLst>
-          </a:blip>
-          <a:stretch>
-            <a:fillRect/>
-          </a:stretch>
-        </p:blipFill>
-        <p:spPr>
-          <a:xfrm>
-            <a:off x="6205931" y="3543938"/>
-            <a:ext cx="395879" cy="395879"/>
-          </a:xfrm>
-          <a:prstGeom prst="rect">
-            <a:avLst/>
-          </a:prstGeom>
-        </p:spPr>
-      </p:pic>
-      <p:grpSp>
-        <p:nvGrpSpPr>
-          <p:cNvPr id="12" name="Group 11">
-            <a:extLst>
-              <a:ext uri="{FF2B5EF4-FFF2-40B4-BE49-F238E27FC236}">
-                <a16:creationId xmlns:a16="http://schemas.microsoft.com/office/drawing/2014/main" id="{984BE9EC-7EFE-4B98-807F-3A747310A08E}"/>
-              </a:ext>
-            </a:extLst>
-          </p:cNvPr>
-          <p:cNvGrpSpPr/>
-          <p:nvPr/>
-        </p:nvGrpSpPr>
-        <p:grpSpPr>
-          <a:xfrm>
-            <a:off x="2936947" y="3076081"/>
-            <a:ext cx="1290638" cy="680410"/>
-            <a:chOff x="9230919" y="1984337"/>
-            <a:chExt cx="1290638" cy="680410"/>
-          </a:xfrm>
-        </p:grpSpPr>
-        <p:pic>
-          <p:nvPicPr>
-            <p:cNvPr id="10" name="Graphic 9">
-              <a:extLst>
-                <a:ext uri="{FF2B5EF4-FFF2-40B4-BE49-F238E27FC236}">
-                  <a16:creationId xmlns:a16="http://schemas.microsoft.com/office/drawing/2014/main" id="{F7B8E5E5-FA52-421A-BE5C-3BDC7D7C978B}"/>
-                </a:ext>
-              </a:extLst>
-            </p:cNvPr>
-            <p:cNvPicPr>
-              <a:picLocks noChangeAspect="1"/>
-            </p:cNvPicPr>
-            <p:nvPr/>
-          </p:nvPicPr>
-          <p:blipFill>
-            <a:blip r:embed="rId4">
-              <a:extLst>
-                <a:ext uri="{28A0092B-C50C-407E-A947-70E740481C1C}">
-                  <a14:useLocalDpi xmlns:a14="http://schemas.microsoft.com/office/drawing/2010/main" val="0"/>
-                </a:ext>
-                <a:ext uri="{96DAC541-7B7A-43D3-8B79-37D633B846F1}">
-                  <asvg:svgBlip xmlns:asvg="http://schemas.microsoft.com/office/drawing/2016/SVG/main" r:embed="rId5"/>
-                </a:ext>
-              </a:extLst>
-            </a:blip>
-            <a:stretch>
-              <a:fillRect/>
-            </a:stretch>
-          </p:blipFill>
-          <p:spPr>
-            <a:xfrm>
-              <a:off x="9678298" y="1984337"/>
-              <a:ext cx="395881" cy="395881"/>
-            </a:xfrm>
-            <a:prstGeom prst="rect">
-              <a:avLst/>
-            </a:prstGeom>
-          </p:spPr>
-        </p:pic>
-        <p:sp>
-          <p:nvSpPr>
-            <p:cNvPr id="11" name="TextBox 10">
-              <a:extLst>
-                <a:ext uri="{FF2B5EF4-FFF2-40B4-BE49-F238E27FC236}">
-                  <a16:creationId xmlns:a16="http://schemas.microsoft.com/office/drawing/2014/main" id="{F8F479CF-CE1B-4F50-8BDB-ADEE1B617AE8}"/>
-                </a:ext>
-              </a:extLst>
-            </p:cNvPr>
-            <p:cNvSpPr txBox="1"/>
-            <p:nvPr/>
-          </p:nvSpPr>
-          <p:spPr>
-            <a:xfrm>
-              <a:off x="9230919" y="2203082"/>
-              <a:ext cx="1290638" cy="461665"/>
-            </a:xfrm>
-            <a:prstGeom prst="rect">
-              <a:avLst/>
-            </a:prstGeom>
-            <a:noFill/>
-          </p:spPr>
-          <p:txBody>
-            <a:bodyPr wrap="square" lIns="182880" tIns="146304" rIns="182880" bIns="146304" rtlCol="0">
-              <a:spAutoFit/>
-            </a:bodyPr>
-            <a:lstStyle/>
-            <a:p>
-              <a:pPr algn="ctr">
-                <a:lnSpc>
-                  <a:spcPct val="90000"/>
-                </a:lnSpc>
-                <a:spcAft>
-                  <a:spcPts val="600"/>
-                </a:spcAft>
-              </a:pPr>
-              <a:r>
-                <a:rPr lang="it-IT" sz="1200" dirty="0">
-                  <a:gradFill>
-                    <a:gsLst>
-                      <a:gs pos="2917">
-                        <a:schemeClr val="tx1"/>
-                      </a:gs>
-                      <a:gs pos="30000">
-                        <a:schemeClr val="tx1"/>
-                      </a:gs>
-                    </a:gsLst>
-                    <a:lin ang="5400000" scaled="0"/>
-                  </a:gradFill>
-                  <a:latin typeface="+mj-lt"/>
-                </a:rPr>
-                <a:t>AAD Group</a:t>
-              </a:r>
-            </a:p>
-          </p:txBody>
-        </p:sp>
-      </p:grpSp>
-      <p:grpSp>
-        <p:nvGrpSpPr>
-          <p:cNvPr id="21" name="Group 20">
-            <a:extLst>
-              <a:ext uri="{FF2B5EF4-FFF2-40B4-BE49-F238E27FC236}">
-                <a16:creationId xmlns:a16="http://schemas.microsoft.com/office/drawing/2014/main" id="{FB0B63D9-877A-4C20-B385-06EAD6FD9993}"/>
-              </a:ext>
-            </a:extLst>
-          </p:cNvPr>
-          <p:cNvGrpSpPr/>
-          <p:nvPr/>
-        </p:nvGrpSpPr>
-        <p:grpSpPr>
-          <a:xfrm>
-            <a:off x="5768258" y="741032"/>
-            <a:ext cx="1290638" cy="758144"/>
-            <a:chOff x="7008019" y="1338830"/>
-            <a:chExt cx="1290638" cy="758144"/>
-          </a:xfrm>
-        </p:grpSpPr>
-        <p:pic>
-          <p:nvPicPr>
-            <p:cNvPr id="4" name="Graphic 3">
-              <a:extLst>
-                <a:ext uri="{FF2B5EF4-FFF2-40B4-BE49-F238E27FC236}">
-                  <a16:creationId xmlns:a16="http://schemas.microsoft.com/office/drawing/2014/main" id="{37784C97-8BA6-403A-BBCF-7E8C7FE5B437}"/>
-                </a:ext>
-              </a:extLst>
-            </p:cNvPr>
-            <p:cNvPicPr>
-              <a:picLocks noChangeAspect="1"/>
-            </p:cNvPicPr>
-            <p:nvPr/>
-          </p:nvPicPr>
-          <p:blipFill>
-            <a:blip r:embed="rId6">
-              <a:extLst>
-                <a:ext uri="{28A0092B-C50C-407E-A947-70E740481C1C}">
-                  <a14:useLocalDpi xmlns:a14="http://schemas.microsoft.com/office/drawing/2010/main" val="0"/>
-                </a:ext>
-                <a:ext uri="{96DAC541-7B7A-43D3-8B79-37D633B846F1}">
-                  <asvg:svgBlip xmlns:asvg="http://schemas.microsoft.com/office/drawing/2016/SVG/main" r:embed="rId7"/>
-                </a:ext>
-              </a:extLst>
-            </a:blip>
-            <a:stretch>
-              <a:fillRect/>
-            </a:stretch>
-          </p:blipFill>
-          <p:spPr>
-            <a:xfrm>
-              <a:off x="7425837" y="1338830"/>
-              <a:ext cx="455002" cy="455002"/>
-            </a:xfrm>
-            <a:prstGeom prst="rect">
-              <a:avLst/>
-            </a:prstGeom>
-          </p:spPr>
-        </p:pic>
-        <p:sp>
-          <p:nvSpPr>
-            <p:cNvPr id="20" name="TextBox 19">
-              <a:extLst>
-                <a:ext uri="{FF2B5EF4-FFF2-40B4-BE49-F238E27FC236}">
-                  <a16:creationId xmlns:a16="http://schemas.microsoft.com/office/drawing/2014/main" id="{5C311FA1-8266-4236-BE2A-9A7147D9116E}"/>
-                </a:ext>
-              </a:extLst>
-            </p:cNvPr>
-            <p:cNvSpPr txBox="1"/>
-            <p:nvPr/>
-          </p:nvSpPr>
-          <p:spPr>
-            <a:xfrm>
-              <a:off x="7008019" y="1635309"/>
-              <a:ext cx="1290638" cy="461665"/>
-            </a:xfrm>
-            <a:prstGeom prst="rect">
-              <a:avLst/>
-            </a:prstGeom>
-            <a:noFill/>
-          </p:spPr>
-          <p:txBody>
-            <a:bodyPr wrap="square" lIns="182880" tIns="146304" rIns="182880" bIns="146304" rtlCol="0">
-              <a:spAutoFit/>
-            </a:bodyPr>
-            <a:lstStyle/>
-            <a:p>
-              <a:pPr algn="ctr">
-                <a:lnSpc>
-                  <a:spcPct val="90000"/>
-                </a:lnSpc>
-                <a:spcAft>
-                  <a:spcPts val="600"/>
-                </a:spcAft>
-              </a:pPr>
-              <a:r>
-                <a:rPr lang="it-IT" sz="1200" dirty="0" err="1">
-                  <a:gradFill>
-                    <a:gsLst>
-                      <a:gs pos="2917">
-                        <a:schemeClr val="tx1"/>
-                      </a:gs>
-                      <a:gs pos="30000">
-                        <a:schemeClr val="tx1"/>
-                      </a:gs>
-                    </a:gsLst>
-                    <a:lin ang="5400000" scaled="0"/>
-                  </a:gradFill>
-                  <a:latin typeface="+mj-lt"/>
-                </a:rPr>
-                <a:t>subscription</a:t>
-              </a:r>
-              <a:endParaRPr lang="it-IT" sz="1200" dirty="0">
-                <a:gradFill>
-                  <a:gsLst>
-                    <a:gs pos="2917">
-                      <a:schemeClr val="tx1"/>
-                    </a:gs>
-                    <a:gs pos="30000">
-                      <a:schemeClr val="tx1"/>
-                    </a:gs>
-                  </a:gsLst>
-                  <a:lin ang="5400000" scaled="0"/>
-                </a:gradFill>
-                <a:latin typeface="+mj-lt"/>
-              </a:endParaRPr>
-            </a:p>
-          </p:txBody>
-        </p:sp>
-      </p:grpSp>
-      <p:grpSp>
-        <p:nvGrpSpPr>
-          <p:cNvPr id="33" name="Group 32">
-            <a:extLst>
-              <a:ext uri="{FF2B5EF4-FFF2-40B4-BE49-F238E27FC236}">
-                <a16:creationId xmlns:a16="http://schemas.microsoft.com/office/drawing/2014/main" id="{D861B6A2-C992-4D1B-83A5-35ED7C3EB5D8}"/>
-              </a:ext>
-            </a:extLst>
-          </p:cNvPr>
-          <p:cNvGrpSpPr/>
-          <p:nvPr/>
-        </p:nvGrpSpPr>
-        <p:grpSpPr>
-          <a:xfrm>
-            <a:off x="5753697" y="5070960"/>
-            <a:ext cx="1290638" cy="826206"/>
-            <a:chOff x="7719281" y="5920644"/>
-            <a:chExt cx="1290638" cy="826206"/>
-          </a:xfrm>
-        </p:grpSpPr>
-        <p:pic>
-          <p:nvPicPr>
-            <p:cNvPr id="16" name="Graphic 15">
-              <a:extLst>
-                <a:ext uri="{FF2B5EF4-FFF2-40B4-BE49-F238E27FC236}">
-                  <a16:creationId xmlns:a16="http://schemas.microsoft.com/office/drawing/2014/main" id="{CCE285EB-D9C7-4F99-8F09-91C6BED9577A}"/>
-                </a:ext>
-              </a:extLst>
-            </p:cNvPr>
-            <p:cNvPicPr>
-              <a:picLocks noChangeAspect="1"/>
-            </p:cNvPicPr>
-            <p:nvPr/>
-          </p:nvPicPr>
-          <p:blipFill>
-            <a:blip r:embed="rId8">
-              <a:extLst>
-                <a:ext uri="{28A0092B-C50C-407E-A947-70E740481C1C}">
-                  <a14:useLocalDpi xmlns:a14="http://schemas.microsoft.com/office/drawing/2010/main" val="0"/>
-                </a:ext>
-                <a:ext uri="{96DAC541-7B7A-43D3-8B79-37D633B846F1}">
-                  <asvg:svgBlip xmlns:asvg="http://schemas.microsoft.com/office/drawing/2016/SVG/main" r:embed="rId9"/>
-                </a:ext>
-              </a:extLst>
-            </a:blip>
-            <a:stretch>
-              <a:fillRect/>
-            </a:stretch>
-          </p:blipFill>
-          <p:spPr>
-            <a:xfrm>
-              <a:off x="8176367" y="5920644"/>
-              <a:ext cx="395879" cy="395879"/>
-            </a:xfrm>
-            <a:prstGeom prst="rect">
-              <a:avLst/>
-            </a:prstGeom>
-          </p:spPr>
-        </p:pic>
-        <p:sp>
-          <p:nvSpPr>
-            <p:cNvPr id="23" name="TextBox 22">
-              <a:extLst>
-                <a:ext uri="{FF2B5EF4-FFF2-40B4-BE49-F238E27FC236}">
-                  <a16:creationId xmlns:a16="http://schemas.microsoft.com/office/drawing/2014/main" id="{9AF44DC8-42B8-4F40-A9C2-0512965568F2}"/>
-                </a:ext>
-              </a:extLst>
-            </p:cNvPr>
-            <p:cNvSpPr txBox="1"/>
-            <p:nvPr/>
-          </p:nvSpPr>
-          <p:spPr>
-            <a:xfrm>
-              <a:off x="7719281" y="6118986"/>
-              <a:ext cx="1290638" cy="627864"/>
-            </a:xfrm>
-            <a:prstGeom prst="rect">
-              <a:avLst/>
-            </a:prstGeom>
-            <a:noFill/>
-          </p:spPr>
-          <p:txBody>
-            <a:bodyPr wrap="square" lIns="182880" tIns="146304" rIns="182880" bIns="146304" rtlCol="0">
-              <a:spAutoFit/>
-            </a:bodyPr>
-            <a:lstStyle/>
-            <a:p>
-              <a:pPr algn="ctr">
-                <a:lnSpc>
-                  <a:spcPct val="90000"/>
-                </a:lnSpc>
-                <a:spcAft>
-                  <a:spcPts val="600"/>
-                </a:spcAft>
-              </a:pPr>
-              <a:r>
-                <a:rPr lang="it-IT" sz="1200" dirty="0">
-                  <a:gradFill>
-                    <a:gsLst>
-                      <a:gs pos="2917">
-                        <a:schemeClr val="tx1"/>
-                      </a:gs>
-                      <a:gs pos="30000">
-                        <a:schemeClr val="tx1"/>
-                      </a:gs>
-                    </a:gsLst>
-                    <a:lin ang="5400000" scaled="0"/>
-                  </a:gradFill>
-                  <a:latin typeface="+mj-lt"/>
-                </a:rPr>
-                <a:t>enterprise </a:t>
-              </a:r>
-              <a:r>
-                <a:rPr lang="it-IT" sz="1200" dirty="0" err="1">
-                  <a:gradFill>
-                    <a:gsLst>
-                      <a:gs pos="2917">
-                        <a:schemeClr val="tx1"/>
-                      </a:gs>
-                      <a:gs pos="30000">
-                        <a:schemeClr val="tx1"/>
-                      </a:gs>
-                    </a:gsLst>
-                    <a:lin ang="5400000" scaled="0"/>
-                  </a:gradFill>
-                  <a:latin typeface="+mj-lt"/>
-                </a:rPr>
-                <a:t>application</a:t>
-              </a:r>
-              <a:endParaRPr lang="it-IT" sz="1200" dirty="0">
-                <a:gradFill>
-                  <a:gsLst>
-                    <a:gs pos="2917">
-                      <a:schemeClr val="tx1"/>
-                    </a:gs>
-                    <a:gs pos="30000">
-                      <a:schemeClr val="tx1"/>
-                    </a:gs>
-                  </a:gsLst>
-                  <a:lin ang="5400000" scaled="0"/>
-                </a:gradFill>
-                <a:latin typeface="+mj-lt"/>
-              </a:endParaRPr>
-            </a:p>
-          </p:txBody>
-        </p:sp>
-      </p:grpSp>
-      <p:sp>
-        <p:nvSpPr>
-          <p:cNvPr id="25" name="TextBox 24">
-            <a:extLst>
-              <a:ext uri="{FF2B5EF4-FFF2-40B4-BE49-F238E27FC236}">
-                <a16:creationId xmlns:a16="http://schemas.microsoft.com/office/drawing/2014/main" id="{3209AAF0-20F2-45A2-9C63-0C1400BA52B1}"/>
-              </a:ext>
-            </a:extLst>
-          </p:cNvPr>
-          <p:cNvSpPr txBox="1"/>
-          <p:nvPr/>
-        </p:nvSpPr>
-        <p:spPr>
-          <a:xfrm>
-            <a:off x="5768258" y="3771877"/>
-            <a:ext cx="1290638" cy="461665"/>
-          </a:xfrm>
-          <a:prstGeom prst="rect">
-            <a:avLst/>
-          </a:prstGeom>
-          <a:noFill/>
-        </p:spPr>
-        <p:txBody>
-          <a:bodyPr wrap="square" lIns="182880" tIns="146304" rIns="182880" bIns="146304" rtlCol="0">
-            <a:spAutoFit/>
-          </a:bodyPr>
-          <a:lstStyle/>
-          <a:p>
-            <a:pPr algn="ctr">
-              <a:lnSpc>
-                <a:spcPct val="90000"/>
-              </a:lnSpc>
-              <a:spcAft>
-                <a:spcPts val="600"/>
-              </a:spcAft>
-            </a:pPr>
-            <a:r>
-              <a:rPr lang="it-IT" sz="1200" dirty="0" err="1">
-                <a:gradFill>
-                  <a:gsLst>
-                    <a:gs pos="2917">
-                      <a:schemeClr val="tx1"/>
-                    </a:gs>
-                    <a:gs pos="30000">
-                      <a:schemeClr val="tx1"/>
-                    </a:gs>
-                  </a:gsLst>
-                  <a:lin ang="5400000" scaled="0"/>
-                </a:gradFill>
-                <a:latin typeface="+mj-lt"/>
-              </a:rPr>
-              <a:t>resource</a:t>
-            </a:r>
-            <a:endParaRPr lang="it-IT" sz="1200" dirty="0">
-              <a:gradFill>
-                <a:gsLst>
-                  <a:gs pos="2917">
-                    <a:schemeClr val="tx1"/>
-                  </a:gs>
-                  <a:gs pos="30000">
-                    <a:schemeClr val="tx1"/>
-                  </a:gs>
-                </a:gsLst>
-                <a:lin ang="5400000" scaled="0"/>
-              </a:gradFill>
-              <a:latin typeface="+mj-lt"/>
-            </a:endParaRPr>
-          </a:p>
-        </p:txBody>
-      </p:sp>
-      <p:grpSp>
-        <p:nvGrpSpPr>
-          <p:cNvPr id="34" name="Group 33">
-            <a:extLst>
-              <a:ext uri="{FF2B5EF4-FFF2-40B4-BE49-F238E27FC236}">
-                <a16:creationId xmlns:a16="http://schemas.microsoft.com/office/drawing/2014/main" id="{20D9578E-0386-484B-845E-24F1B2760376}"/>
-              </a:ext>
-            </a:extLst>
-          </p:cNvPr>
-          <p:cNvGrpSpPr/>
-          <p:nvPr/>
-        </p:nvGrpSpPr>
-        <p:grpSpPr>
-          <a:xfrm>
-            <a:off x="2936947" y="1259792"/>
-            <a:ext cx="1290638" cy="723573"/>
-            <a:chOff x="2215653" y="1133501"/>
-            <a:chExt cx="1290638" cy="723573"/>
-          </a:xfrm>
-        </p:grpSpPr>
-        <p:pic>
-          <p:nvPicPr>
-            <p:cNvPr id="14" name="Graphic 13">
-              <a:extLst>
-                <a:ext uri="{FF2B5EF4-FFF2-40B4-BE49-F238E27FC236}">
-                  <a16:creationId xmlns:a16="http://schemas.microsoft.com/office/drawing/2014/main" id="{48E135DA-10FE-4785-A0C7-DEF96BD8BF90}"/>
-                </a:ext>
-              </a:extLst>
-            </p:cNvPr>
-            <p:cNvPicPr>
-              <a:picLocks noChangeAspect="1"/>
-            </p:cNvPicPr>
-            <p:nvPr/>
-          </p:nvPicPr>
-          <p:blipFill>
-            <a:blip r:embed="rId10">
-              <a:extLst>
-                <a:ext uri="{28A0092B-C50C-407E-A947-70E740481C1C}">
-                  <a14:useLocalDpi xmlns:a14="http://schemas.microsoft.com/office/drawing/2010/main" val="0"/>
-                </a:ext>
-                <a:ext uri="{96DAC541-7B7A-43D3-8B79-37D633B846F1}">
-                  <asvg:svgBlip xmlns:asvg="http://schemas.microsoft.com/office/drawing/2016/SVG/main" r:embed="rId11"/>
-                </a:ext>
-              </a:extLst>
-            </a:blip>
-            <a:stretch>
-              <a:fillRect/>
-            </a:stretch>
-          </p:blipFill>
-          <p:spPr>
-            <a:xfrm>
-              <a:off x="2663032" y="1133501"/>
-              <a:ext cx="395880" cy="395880"/>
-            </a:xfrm>
-            <a:prstGeom prst="rect">
-              <a:avLst/>
-            </a:prstGeom>
-          </p:spPr>
-        </p:pic>
-        <p:sp>
-          <p:nvSpPr>
-            <p:cNvPr id="29" name="TextBox 28">
-              <a:extLst>
-                <a:ext uri="{FF2B5EF4-FFF2-40B4-BE49-F238E27FC236}">
-                  <a16:creationId xmlns:a16="http://schemas.microsoft.com/office/drawing/2014/main" id="{B367E427-C073-4916-A7E0-777570DBF5CD}"/>
-                </a:ext>
-              </a:extLst>
-            </p:cNvPr>
-            <p:cNvSpPr txBox="1"/>
-            <p:nvPr/>
-          </p:nvSpPr>
-          <p:spPr>
-            <a:xfrm>
-              <a:off x="2215653" y="1395409"/>
-              <a:ext cx="1290638" cy="461665"/>
-            </a:xfrm>
-            <a:prstGeom prst="rect">
-              <a:avLst/>
-            </a:prstGeom>
-            <a:noFill/>
-          </p:spPr>
-          <p:txBody>
-            <a:bodyPr wrap="square" lIns="182880" tIns="146304" rIns="182880" bIns="146304" rtlCol="0">
-              <a:spAutoFit/>
-            </a:bodyPr>
-            <a:lstStyle/>
-            <a:p>
-              <a:pPr algn="ctr">
-                <a:lnSpc>
-                  <a:spcPct val="90000"/>
-                </a:lnSpc>
-                <a:spcAft>
-                  <a:spcPts val="600"/>
-                </a:spcAft>
-              </a:pPr>
-              <a:r>
-                <a:rPr lang="it-IT" sz="1200" dirty="0">
-                  <a:gradFill>
-                    <a:gsLst>
-                      <a:gs pos="2917">
-                        <a:schemeClr val="tx1"/>
-                      </a:gs>
-                      <a:gs pos="30000">
-                        <a:schemeClr val="tx1"/>
-                      </a:gs>
-                    </a:gsLst>
-                    <a:lin ang="5400000" scaled="0"/>
-                  </a:gradFill>
-                  <a:latin typeface="+mj-lt"/>
-                </a:rPr>
-                <a:t>AAD User</a:t>
-              </a:r>
-            </a:p>
-          </p:txBody>
-        </p:sp>
-      </p:grpSp>
-      <p:grpSp>
-        <p:nvGrpSpPr>
-          <p:cNvPr id="32" name="Group 31">
-            <a:extLst>
-              <a:ext uri="{FF2B5EF4-FFF2-40B4-BE49-F238E27FC236}">
-                <a16:creationId xmlns:a16="http://schemas.microsoft.com/office/drawing/2014/main" id="{BEF0391F-434F-447C-BA34-BD66D69DC68F}"/>
-              </a:ext>
-            </a:extLst>
-          </p:cNvPr>
-          <p:cNvGrpSpPr/>
-          <p:nvPr/>
-        </p:nvGrpSpPr>
-        <p:grpSpPr>
-          <a:xfrm>
-            <a:off x="5769357" y="2108656"/>
-            <a:ext cx="1290638" cy="825803"/>
-            <a:chOff x="7730087" y="2720244"/>
-            <a:chExt cx="1290638" cy="825803"/>
-          </a:xfrm>
-        </p:grpSpPr>
-        <p:pic>
-          <p:nvPicPr>
-            <p:cNvPr id="6" name="Graphic 5">
-              <a:extLst>
-                <a:ext uri="{FF2B5EF4-FFF2-40B4-BE49-F238E27FC236}">
-                  <a16:creationId xmlns:a16="http://schemas.microsoft.com/office/drawing/2014/main" id="{988949EC-3994-4C92-8283-A6AEEC466AAA}"/>
-                </a:ext>
-              </a:extLst>
-            </p:cNvPr>
-            <p:cNvPicPr>
-              <a:picLocks noChangeAspect="1"/>
-            </p:cNvPicPr>
-            <p:nvPr/>
-          </p:nvPicPr>
-          <p:blipFill>
-            <a:blip r:embed="rId12">
-              <a:extLst>
-                <a:ext uri="{28A0092B-C50C-407E-A947-70E740481C1C}">
-                  <a14:useLocalDpi xmlns:a14="http://schemas.microsoft.com/office/drawing/2010/main" val="0"/>
-                </a:ext>
-                <a:ext uri="{96DAC541-7B7A-43D3-8B79-37D633B846F1}">
-                  <asvg:svgBlip xmlns:asvg="http://schemas.microsoft.com/office/drawing/2016/SVG/main" r:embed="rId13"/>
-                </a:ext>
-              </a:extLst>
-            </a:blip>
-            <a:stretch>
-              <a:fillRect/>
-            </a:stretch>
-          </p:blipFill>
-          <p:spPr>
-            <a:xfrm>
-              <a:off x="8166662" y="2720244"/>
-              <a:ext cx="395879" cy="395879"/>
-            </a:xfrm>
-            <a:prstGeom prst="rect">
-              <a:avLst/>
-            </a:prstGeom>
-          </p:spPr>
-        </p:pic>
-        <p:sp>
-          <p:nvSpPr>
-            <p:cNvPr id="31" name="TextBox 30">
-              <a:extLst>
-                <a:ext uri="{FF2B5EF4-FFF2-40B4-BE49-F238E27FC236}">
-                  <a16:creationId xmlns:a16="http://schemas.microsoft.com/office/drawing/2014/main" id="{92214FEA-9F8A-45CB-AEC9-A89359165058}"/>
-                </a:ext>
-              </a:extLst>
-            </p:cNvPr>
-            <p:cNvSpPr txBox="1"/>
-            <p:nvPr/>
-          </p:nvSpPr>
-          <p:spPr>
-            <a:xfrm>
-              <a:off x="7730087" y="2918183"/>
-              <a:ext cx="1290638" cy="627864"/>
-            </a:xfrm>
-            <a:prstGeom prst="rect">
-              <a:avLst/>
-            </a:prstGeom>
-            <a:noFill/>
-          </p:spPr>
-          <p:txBody>
-            <a:bodyPr wrap="square" lIns="182880" tIns="146304" rIns="182880" bIns="146304" rtlCol="0">
-              <a:spAutoFit/>
-            </a:bodyPr>
-            <a:lstStyle/>
-            <a:p>
-              <a:pPr algn="ctr">
-                <a:lnSpc>
-                  <a:spcPct val="90000"/>
-                </a:lnSpc>
-                <a:spcAft>
-                  <a:spcPts val="600"/>
-                </a:spcAft>
-              </a:pPr>
-              <a:r>
-                <a:rPr lang="it-IT" sz="1200" dirty="0" err="1">
-                  <a:gradFill>
-                    <a:gsLst>
-                      <a:gs pos="2917">
-                        <a:schemeClr val="tx1"/>
-                      </a:gs>
-                      <a:gs pos="30000">
-                        <a:schemeClr val="tx1"/>
-                      </a:gs>
-                    </a:gsLst>
-                    <a:lin ang="5400000" scaled="0"/>
-                  </a:gradFill>
-                  <a:latin typeface="+mj-lt"/>
-                </a:rPr>
-                <a:t>resource</a:t>
-              </a:r>
-              <a:r>
-                <a:rPr lang="it-IT" sz="1200" dirty="0">
-                  <a:gradFill>
-                    <a:gsLst>
-                      <a:gs pos="2917">
-                        <a:schemeClr val="tx1"/>
-                      </a:gs>
-                      <a:gs pos="30000">
-                        <a:schemeClr val="tx1"/>
-                      </a:gs>
-                    </a:gsLst>
-                    <a:lin ang="5400000" scaled="0"/>
-                  </a:gradFill>
-                  <a:latin typeface="+mj-lt"/>
-                </a:rPr>
-                <a:t> group</a:t>
-              </a:r>
-            </a:p>
-          </p:txBody>
-        </p:sp>
-      </p:grpSp>
-      <p:cxnSp>
-        <p:nvCxnSpPr>
-          <p:cNvPr id="35" name="Straight Arrow Connector 34">
-            <a:extLst>
-              <a:ext uri="{FF2B5EF4-FFF2-40B4-BE49-F238E27FC236}">
-                <a16:creationId xmlns:a16="http://schemas.microsoft.com/office/drawing/2014/main" id="{C409D49D-E729-45D4-841B-3E51ED1E0210}"/>
-              </a:ext>
-            </a:extLst>
-          </p:cNvPr>
-          <p:cNvCxnSpPr>
-            <a:cxnSpLocks/>
-            <a:stCxn id="29" idx="2"/>
-          </p:cNvCxnSpPr>
-          <p:nvPr/>
-        </p:nvCxnSpPr>
-        <p:spPr>
-          <a:xfrm>
-            <a:off x="3582266" y="1983365"/>
-            <a:ext cx="0" cy="1004149"/>
-          </a:xfrm>
-          <a:prstGeom prst="straightConnector1">
-            <a:avLst/>
-          </a:prstGeom>
-          <a:ln>
-            <a:headEnd type="none"/>
-            <a:tailEnd type="triangle"/>
-          </a:ln>
-        </p:spPr>
-        <p:style>
-          <a:lnRef idx="1">
-            <a:schemeClr val="accent3"/>
-          </a:lnRef>
-          <a:fillRef idx="0">
-            <a:schemeClr val="accent3"/>
-          </a:fillRef>
-          <a:effectRef idx="0">
-            <a:schemeClr val="accent3"/>
-          </a:effectRef>
-          <a:fontRef idx="minor">
-            <a:schemeClr val="tx1"/>
-          </a:fontRef>
-        </p:style>
-      </p:cxnSp>
-      <p:grpSp>
-        <p:nvGrpSpPr>
-          <p:cNvPr id="65" name="Group 64">
-            <a:extLst>
-              <a:ext uri="{FF2B5EF4-FFF2-40B4-BE49-F238E27FC236}">
-                <a16:creationId xmlns:a16="http://schemas.microsoft.com/office/drawing/2014/main" id="{02BA1190-8F4D-44B2-AF9E-707A6C305C05}"/>
-              </a:ext>
-            </a:extLst>
-          </p:cNvPr>
-          <p:cNvGrpSpPr/>
-          <p:nvPr/>
-        </p:nvGrpSpPr>
-        <p:grpSpPr>
-          <a:xfrm>
-            <a:off x="8203616" y="3093889"/>
-            <a:ext cx="1290638" cy="757374"/>
-            <a:chOff x="8573262" y="2371848"/>
-            <a:chExt cx="1290638" cy="757374"/>
-          </a:xfrm>
-        </p:grpSpPr>
-        <p:pic>
-          <p:nvPicPr>
-            <p:cNvPr id="18" name="Graphic 17">
-              <a:extLst>
-                <a:ext uri="{FF2B5EF4-FFF2-40B4-BE49-F238E27FC236}">
-                  <a16:creationId xmlns:a16="http://schemas.microsoft.com/office/drawing/2014/main" id="{9763AA50-9CB8-4B72-92EE-677DD6FA4CE1}"/>
-                </a:ext>
-              </a:extLst>
-            </p:cNvPr>
-            <p:cNvPicPr>
-              <a:picLocks noChangeAspect="1"/>
-            </p:cNvPicPr>
-            <p:nvPr/>
-          </p:nvPicPr>
-          <p:blipFill>
-            <a:blip r:embed="rId14">
-              <a:extLst>
-                <a:ext uri="{28A0092B-C50C-407E-A947-70E740481C1C}">
-                  <a14:useLocalDpi xmlns:a14="http://schemas.microsoft.com/office/drawing/2010/main" val="0"/>
-                </a:ext>
-                <a:ext uri="{96DAC541-7B7A-43D3-8B79-37D633B846F1}">
-                  <asvg:svgBlip xmlns:asvg="http://schemas.microsoft.com/office/drawing/2016/SVG/main" r:embed="rId15"/>
-                </a:ext>
-              </a:extLst>
-            </a:blip>
-            <a:stretch>
-              <a:fillRect/>
-            </a:stretch>
-          </p:blipFill>
-          <p:spPr>
-            <a:xfrm>
-              <a:off x="9020642" y="2371848"/>
-              <a:ext cx="395879" cy="395879"/>
-            </a:xfrm>
-            <a:prstGeom prst="rect">
-              <a:avLst/>
-            </a:prstGeom>
-          </p:spPr>
-        </p:pic>
-        <p:sp>
-          <p:nvSpPr>
-            <p:cNvPr id="39" name="TextBox 38">
-              <a:extLst>
-                <a:ext uri="{FF2B5EF4-FFF2-40B4-BE49-F238E27FC236}">
-                  <a16:creationId xmlns:a16="http://schemas.microsoft.com/office/drawing/2014/main" id="{FA70CAF4-43F7-456A-8EB8-93063D39C88A}"/>
-                </a:ext>
-              </a:extLst>
-            </p:cNvPr>
-            <p:cNvSpPr txBox="1"/>
-            <p:nvPr/>
-          </p:nvSpPr>
-          <p:spPr>
-            <a:xfrm>
-              <a:off x="8573262" y="2667557"/>
-              <a:ext cx="1290638" cy="461665"/>
-            </a:xfrm>
-            <a:prstGeom prst="rect">
-              <a:avLst/>
-            </a:prstGeom>
-            <a:noFill/>
-          </p:spPr>
-          <p:txBody>
-            <a:bodyPr wrap="square" lIns="182880" tIns="146304" rIns="182880" bIns="146304" rtlCol="0">
-              <a:spAutoFit/>
-            </a:bodyPr>
-            <a:lstStyle/>
-            <a:p>
-              <a:pPr algn="ctr">
-                <a:lnSpc>
-                  <a:spcPct val="90000"/>
-                </a:lnSpc>
-                <a:spcAft>
-                  <a:spcPts val="600"/>
-                </a:spcAft>
-              </a:pPr>
-              <a:r>
-                <a:rPr lang="it-IT" sz="1200" dirty="0">
-                  <a:gradFill>
-                    <a:gsLst>
-                      <a:gs pos="2917">
-                        <a:schemeClr val="tx1"/>
-                      </a:gs>
-                      <a:gs pos="30000">
-                        <a:schemeClr val="tx1"/>
-                      </a:gs>
-                    </a:gsLst>
-                    <a:lin ang="5400000" scaled="0"/>
-                  </a:gradFill>
-                  <a:latin typeface="+mj-lt"/>
-                </a:rPr>
-                <a:t>Tags</a:t>
-              </a:r>
-            </a:p>
-          </p:txBody>
-        </p:sp>
-      </p:grpSp>
-      <p:sp>
-        <p:nvSpPr>
-          <p:cNvPr id="43" name="TextBox 42">
-            <a:extLst>
-              <a:ext uri="{FF2B5EF4-FFF2-40B4-BE49-F238E27FC236}">
-                <a16:creationId xmlns:a16="http://schemas.microsoft.com/office/drawing/2014/main" id="{5A157ACD-4CBF-48E5-A7E3-66EA67BDEA6B}"/>
-              </a:ext>
-            </a:extLst>
-          </p:cNvPr>
-          <p:cNvSpPr txBox="1"/>
-          <p:nvPr/>
-        </p:nvSpPr>
-        <p:spPr>
-          <a:xfrm>
-            <a:off x="3239366" y="2147408"/>
-            <a:ext cx="1290638" cy="461665"/>
-          </a:xfrm>
-          <a:prstGeom prst="rect">
-            <a:avLst/>
-          </a:prstGeom>
-          <a:noFill/>
-        </p:spPr>
-        <p:txBody>
-          <a:bodyPr wrap="square" lIns="182880" tIns="146304" rIns="182880" bIns="146304" rtlCol="0">
-            <a:spAutoFit/>
-          </a:bodyPr>
-          <a:lstStyle/>
-          <a:p>
-            <a:pPr algn="ctr">
-              <a:lnSpc>
-                <a:spcPct val="90000"/>
-              </a:lnSpc>
-              <a:spcAft>
-                <a:spcPts val="600"/>
-              </a:spcAft>
-            </a:pPr>
-            <a:r>
-              <a:rPr lang="it-IT" sz="1200" dirty="0">
-                <a:gradFill>
-                  <a:gsLst>
-                    <a:gs pos="2917">
-                      <a:schemeClr val="tx1"/>
-                    </a:gs>
-                    <a:gs pos="30000">
-                      <a:schemeClr val="tx1"/>
-                    </a:gs>
-                  </a:gsLst>
-                  <a:lin ang="5400000" scaled="0"/>
-                </a:gradFill>
-                <a:latin typeface="+mj-lt"/>
-              </a:rPr>
-              <a:t>in group</a:t>
-            </a:r>
-          </a:p>
-        </p:txBody>
-      </p:sp>
-      <p:cxnSp>
-        <p:nvCxnSpPr>
-          <p:cNvPr id="44" name="Straight Arrow Connector 43">
-            <a:extLst>
-              <a:ext uri="{FF2B5EF4-FFF2-40B4-BE49-F238E27FC236}">
-                <a16:creationId xmlns:a16="http://schemas.microsoft.com/office/drawing/2014/main" id="{F71F42E6-287B-48C8-8C0C-718C3EE17038}"/>
-              </a:ext>
-            </a:extLst>
-          </p:cNvPr>
-          <p:cNvCxnSpPr>
-            <a:cxnSpLocks/>
-            <a:endCxn id="20" idx="2"/>
-          </p:cNvCxnSpPr>
-          <p:nvPr/>
-        </p:nvCxnSpPr>
-        <p:spPr>
-          <a:xfrm flipV="1">
-            <a:off x="6403870" y="1499176"/>
-            <a:ext cx="9707" cy="504277"/>
-          </a:xfrm>
-          <a:prstGeom prst="straightConnector1">
-            <a:avLst/>
-          </a:prstGeom>
-          <a:ln>
-            <a:headEnd type="none"/>
-            <a:tailEnd type="triangle"/>
-          </a:ln>
-        </p:spPr>
-        <p:style>
-          <a:lnRef idx="1">
-            <a:schemeClr val="accent3"/>
-          </a:lnRef>
-          <a:fillRef idx="0">
-            <a:schemeClr val="accent3"/>
-          </a:fillRef>
-          <a:effectRef idx="0">
-            <a:schemeClr val="accent3"/>
-          </a:effectRef>
-          <a:fontRef idx="minor">
-            <a:schemeClr val="tx1"/>
-          </a:fontRef>
-        </p:style>
-      </p:cxnSp>
-      <p:cxnSp>
-        <p:nvCxnSpPr>
-          <p:cNvPr id="50" name="Straight Arrow Connector 49">
-            <a:extLst>
-              <a:ext uri="{FF2B5EF4-FFF2-40B4-BE49-F238E27FC236}">
-                <a16:creationId xmlns:a16="http://schemas.microsoft.com/office/drawing/2014/main" id="{5B62FED6-0171-4B03-AB0B-FC478629A1D7}"/>
-              </a:ext>
-            </a:extLst>
-          </p:cNvPr>
-          <p:cNvCxnSpPr>
-            <a:cxnSpLocks/>
-          </p:cNvCxnSpPr>
-          <p:nvPr/>
-        </p:nvCxnSpPr>
-        <p:spPr>
-          <a:xfrm flipV="1">
-            <a:off x="6399016" y="2882811"/>
-            <a:ext cx="9707" cy="504277"/>
-          </a:xfrm>
-          <a:prstGeom prst="straightConnector1">
-            <a:avLst/>
-          </a:prstGeom>
-          <a:ln>
-            <a:headEnd type="none"/>
-            <a:tailEnd type="triangle"/>
-          </a:ln>
-        </p:spPr>
-        <p:style>
-          <a:lnRef idx="1">
-            <a:schemeClr val="accent3"/>
-          </a:lnRef>
-          <a:fillRef idx="0">
-            <a:schemeClr val="accent3"/>
-          </a:fillRef>
-          <a:effectRef idx="0">
-            <a:schemeClr val="accent3"/>
-          </a:effectRef>
-          <a:fontRef idx="minor">
-            <a:schemeClr val="tx1"/>
-          </a:fontRef>
-        </p:style>
-      </p:cxnSp>
-      <p:sp>
-        <p:nvSpPr>
-          <p:cNvPr id="54" name="TextBox 53">
-            <a:extLst>
-              <a:ext uri="{FF2B5EF4-FFF2-40B4-BE49-F238E27FC236}">
-                <a16:creationId xmlns:a16="http://schemas.microsoft.com/office/drawing/2014/main" id="{71F2807D-AEC9-46E9-A132-B5CA686CF02C}"/>
-              </a:ext>
-            </a:extLst>
-          </p:cNvPr>
-          <p:cNvSpPr txBox="1"/>
-          <p:nvPr/>
-        </p:nvSpPr>
-        <p:spPr>
-          <a:xfrm>
-            <a:off x="6234566" y="1550139"/>
-            <a:ext cx="1450199" cy="461665"/>
-          </a:xfrm>
-          <a:prstGeom prst="rect">
-            <a:avLst/>
-          </a:prstGeom>
-          <a:noFill/>
-        </p:spPr>
-        <p:txBody>
-          <a:bodyPr wrap="square" lIns="182880" tIns="146304" rIns="182880" bIns="146304" rtlCol="0">
-            <a:spAutoFit/>
-          </a:bodyPr>
-          <a:lstStyle/>
-          <a:p>
-            <a:pPr algn="ctr">
-              <a:lnSpc>
-                <a:spcPct val="90000"/>
-              </a:lnSpc>
-              <a:spcAft>
-                <a:spcPts val="600"/>
-              </a:spcAft>
-            </a:pPr>
-            <a:r>
-              <a:rPr lang="it-IT" sz="1200" dirty="0">
-                <a:gradFill>
-                  <a:gsLst>
-                    <a:gs pos="2917">
-                      <a:schemeClr val="tx1"/>
-                    </a:gs>
-                    <a:gs pos="30000">
-                      <a:schemeClr val="tx1"/>
-                    </a:gs>
-                  </a:gsLst>
-                  <a:lin ang="5400000" scaled="0"/>
-                </a:gradFill>
-                <a:latin typeface="+mj-lt"/>
-              </a:rPr>
-              <a:t>in </a:t>
-            </a:r>
-            <a:r>
-              <a:rPr lang="it-IT" sz="1200" dirty="0" err="1">
-                <a:gradFill>
-                  <a:gsLst>
-                    <a:gs pos="2917">
-                      <a:schemeClr val="tx1"/>
-                    </a:gs>
-                    <a:gs pos="30000">
-                      <a:schemeClr val="tx1"/>
-                    </a:gs>
-                  </a:gsLst>
-                  <a:lin ang="5400000" scaled="0"/>
-                </a:gradFill>
-                <a:latin typeface="+mj-lt"/>
-              </a:rPr>
-              <a:t>subscription</a:t>
-            </a:r>
-            <a:endParaRPr lang="it-IT" sz="1200" dirty="0">
-              <a:gradFill>
-                <a:gsLst>
-                  <a:gs pos="2917">
-                    <a:schemeClr val="tx1"/>
-                  </a:gs>
-                  <a:gs pos="30000">
-                    <a:schemeClr val="tx1"/>
-                  </a:gs>
-                </a:gsLst>
-                <a:lin ang="5400000" scaled="0"/>
-              </a:gradFill>
-              <a:latin typeface="+mj-lt"/>
-            </a:endParaRPr>
-          </a:p>
-        </p:txBody>
-      </p:sp>
-      <p:sp>
-        <p:nvSpPr>
-          <p:cNvPr id="62" name="TextBox 61">
-            <a:extLst>
-              <a:ext uri="{FF2B5EF4-FFF2-40B4-BE49-F238E27FC236}">
-                <a16:creationId xmlns:a16="http://schemas.microsoft.com/office/drawing/2014/main" id="{814BCB16-BE04-460C-A072-A7529A8385CD}"/>
-              </a:ext>
-            </a:extLst>
-          </p:cNvPr>
-          <p:cNvSpPr txBox="1"/>
-          <p:nvPr/>
-        </p:nvSpPr>
-        <p:spPr>
-          <a:xfrm>
-            <a:off x="6267998" y="2965262"/>
-            <a:ext cx="1581796" cy="461665"/>
-          </a:xfrm>
-          <a:prstGeom prst="rect">
-            <a:avLst/>
-          </a:prstGeom>
-          <a:noFill/>
-        </p:spPr>
-        <p:txBody>
-          <a:bodyPr wrap="square" lIns="182880" tIns="146304" rIns="182880" bIns="146304" rtlCol="0">
-            <a:spAutoFit/>
-          </a:bodyPr>
-          <a:lstStyle/>
-          <a:p>
-            <a:pPr algn="ctr">
-              <a:lnSpc>
-                <a:spcPct val="90000"/>
-              </a:lnSpc>
-              <a:spcAft>
-                <a:spcPts val="600"/>
-              </a:spcAft>
-            </a:pPr>
-            <a:r>
-              <a:rPr lang="it-IT" sz="1200" dirty="0">
-                <a:gradFill>
-                  <a:gsLst>
-                    <a:gs pos="2917">
-                      <a:schemeClr val="tx1"/>
-                    </a:gs>
-                    <a:gs pos="30000">
-                      <a:schemeClr val="tx1"/>
-                    </a:gs>
-                  </a:gsLst>
-                  <a:lin ang="5400000" scaled="0"/>
-                </a:gradFill>
-                <a:latin typeface="+mj-lt"/>
-              </a:rPr>
-              <a:t>in </a:t>
-            </a:r>
-            <a:r>
-              <a:rPr lang="it-IT" sz="1200" dirty="0" err="1">
-                <a:gradFill>
-                  <a:gsLst>
-                    <a:gs pos="2917">
-                      <a:schemeClr val="tx1"/>
-                    </a:gs>
-                    <a:gs pos="30000">
-                      <a:schemeClr val="tx1"/>
-                    </a:gs>
-                  </a:gsLst>
-                  <a:lin ang="5400000" scaled="0"/>
-                </a:gradFill>
-                <a:latin typeface="+mj-lt"/>
-              </a:rPr>
-              <a:t>resource</a:t>
-            </a:r>
-            <a:r>
-              <a:rPr lang="it-IT" sz="1200" dirty="0">
-                <a:gradFill>
-                  <a:gsLst>
-                    <a:gs pos="2917">
-                      <a:schemeClr val="tx1"/>
-                    </a:gs>
-                    <a:gs pos="30000">
-                      <a:schemeClr val="tx1"/>
-                    </a:gs>
-                  </a:gsLst>
-                  <a:lin ang="5400000" scaled="0"/>
-                </a:gradFill>
-                <a:latin typeface="+mj-lt"/>
-              </a:rPr>
-              <a:t> group</a:t>
-            </a:r>
-          </a:p>
-        </p:txBody>
-      </p:sp>
-      <p:sp>
-        <p:nvSpPr>
-          <p:cNvPr id="66" name="Right Brace 65">
-            <a:extLst>
-              <a:ext uri="{FF2B5EF4-FFF2-40B4-BE49-F238E27FC236}">
-                <a16:creationId xmlns:a16="http://schemas.microsoft.com/office/drawing/2014/main" id="{62FEDFD5-CB0D-4BFE-B827-377F8816AA18}"/>
-              </a:ext>
-            </a:extLst>
-          </p:cNvPr>
-          <p:cNvSpPr/>
-          <p:nvPr/>
-        </p:nvSpPr>
-        <p:spPr>
-          <a:xfrm>
-            <a:off x="7555707" y="739342"/>
-            <a:ext cx="826686" cy="5160296"/>
-          </a:xfrm>
-          <a:prstGeom prst="rightBrace">
-            <a:avLst>
-              <a:gd name="adj1" fmla="val 8333"/>
-              <a:gd name="adj2" fmla="val 50523"/>
-            </a:avLst>
-          </a:prstGeom>
-          <a:ln>
-            <a:headEnd type="none"/>
-            <a:tailEnd type="none"/>
-          </a:ln>
-        </p:spPr>
-        <p:style>
-          <a:lnRef idx="1">
-            <a:schemeClr val="accent3"/>
-          </a:lnRef>
-          <a:fillRef idx="0">
-            <a:schemeClr val="accent3"/>
-          </a:fillRef>
-          <a:effectRef idx="0">
-            <a:schemeClr val="accent3"/>
-          </a:effectRef>
-          <a:fontRef idx="minor">
-            <a:schemeClr val="tx1"/>
-          </a:fontRef>
-        </p:style>
-        <p:txBody>
-          <a:bodyPr rtlCol="0" anchor="ctr"/>
-          <a:lstStyle/>
-          <a:p>
-            <a:pPr algn="ctr"/>
-            <a:endParaRPr lang="it-IT"/>
-          </a:p>
-        </p:txBody>
-      </p:sp>
-      <p:sp>
-        <p:nvSpPr>
-          <p:cNvPr id="68" name="TextBox 67">
-            <a:extLst>
-              <a:ext uri="{FF2B5EF4-FFF2-40B4-BE49-F238E27FC236}">
-                <a16:creationId xmlns:a16="http://schemas.microsoft.com/office/drawing/2014/main" id="{67662C6E-1650-4872-AE06-FFDB8BD382B7}"/>
-              </a:ext>
-            </a:extLst>
-          </p:cNvPr>
-          <p:cNvSpPr txBox="1"/>
-          <p:nvPr/>
-        </p:nvSpPr>
-        <p:spPr>
-          <a:xfrm>
-            <a:off x="7510291" y="2912531"/>
-            <a:ext cx="1290638" cy="461665"/>
-          </a:xfrm>
-          <a:prstGeom prst="rect">
-            <a:avLst/>
-          </a:prstGeom>
-          <a:noFill/>
-        </p:spPr>
-        <p:txBody>
-          <a:bodyPr wrap="square" lIns="182880" tIns="146304" rIns="182880" bIns="146304" rtlCol="0">
-            <a:spAutoFit/>
-          </a:bodyPr>
-          <a:lstStyle/>
-          <a:p>
-            <a:pPr algn="ctr">
-              <a:lnSpc>
-                <a:spcPct val="90000"/>
-              </a:lnSpc>
-              <a:spcAft>
-                <a:spcPts val="600"/>
-              </a:spcAft>
-            </a:pPr>
-            <a:r>
-              <a:rPr lang="it-IT" sz="1200" dirty="0" err="1">
-                <a:gradFill>
-                  <a:gsLst>
-                    <a:gs pos="2917">
-                      <a:schemeClr val="tx1"/>
-                    </a:gs>
-                    <a:gs pos="30000">
-                      <a:schemeClr val="tx1"/>
-                    </a:gs>
-                  </a:gsLst>
-                  <a:lin ang="5400000" scaled="0"/>
-                </a:gradFill>
-                <a:latin typeface="+mj-lt"/>
-              </a:rPr>
-              <a:t>has</a:t>
-            </a:r>
-            <a:endParaRPr lang="it-IT" sz="1200" dirty="0">
-              <a:gradFill>
-                <a:gsLst>
-                  <a:gs pos="2917">
-                    <a:schemeClr val="tx1"/>
-                  </a:gs>
-                  <a:gs pos="30000">
-                    <a:schemeClr val="tx1"/>
-                  </a:gs>
-                </a:gsLst>
-                <a:lin ang="5400000" scaled="0"/>
-              </a:gradFill>
-              <a:latin typeface="+mj-lt"/>
-            </a:endParaRPr>
-          </a:p>
-        </p:txBody>
-      </p:sp>
-      <p:sp>
-        <p:nvSpPr>
-          <p:cNvPr id="70" name="Right Brace 69">
-            <a:extLst>
-              <a:ext uri="{FF2B5EF4-FFF2-40B4-BE49-F238E27FC236}">
-                <a16:creationId xmlns:a16="http://schemas.microsoft.com/office/drawing/2014/main" id="{098B077B-0425-4558-B01C-FAD76D38BB22}"/>
-              </a:ext>
-            </a:extLst>
-          </p:cNvPr>
-          <p:cNvSpPr/>
-          <p:nvPr/>
-        </p:nvSpPr>
-        <p:spPr>
-          <a:xfrm rot="10800000">
-            <a:off x="4850092" y="712667"/>
-            <a:ext cx="826686" cy="3520875"/>
-          </a:xfrm>
-          <a:prstGeom prst="rightBrace">
-            <a:avLst>
-              <a:gd name="adj1" fmla="val 8333"/>
-              <a:gd name="adj2" fmla="val 50523"/>
-            </a:avLst>
-          </a:prstGeom>
-          <a:ln>
-            <a:headEnd type="none"/>
-            <a:tailEnd type="none"/>
-          </a:ln>
-        </p:spPr>
-        <p:style>
-          <a:lnRef idx="1">
-            <a:schemeClr val="accent3"/>
-          </a:lnRef>
-          <a:fillRef idx="0">
-            <a:schemeClr val="accent3"/>
-          </a:fillRef>
-          <a:effectRef idx="0">
-            <a:schemeClr val="accent3"/>
-          </a:effectRef>
-          <a:fontRef idx="minor">
-            <a:schemeClr val="tx1"/>
-          </a:fontRef>
-        </p:style>
-        <p:txBody>
-          <a:bodyPr rtlCol="0" anchor="ctr"/>
-          <a:lstStyle/>
-          <a:p>
-            <a:pPr algn="ctr"/>
-            <a:endParaRPr lang="it-IT"/>
-          </a:p>
-        </p:txBody>
-      </p:sp>
-      <p:sp>
-        <p:nvSpPr>
-          <p:cNvPr id="72" name="Right Brace 71">
-            <a:extLst>
-              <a:ext uri="{FF2B5EF4-FFF2-40B4-BE49-F238E27FC236}">
-                <a16:creationId xmlns:a16="http://schemas.microsoft.com/office/drawing/2014/main" id="{5F89976E-0D65-43C9-B72A-E9888C8013E7}"/>
-              </a:ext>
-            </a:extLst>
-          </p:cNvPr>
-          <p:cNvSpPr/>
-          <p:nvPr/>
-        </p:nvSpPr>
-        <p:spPr>
-          <a:xfrm>
-            <a:off x="4051281" y="1037511"/>
-            <a:ext cx="826686" cy="2813652"/>
-          </a:xfrm>
-          <a:prstGeom prst="rightBrace">
-            <a:avLst>
-              <a:gd name="adj1" fmla="val 8333"/>
-              <a:gd name="adj2" fmla="val 50523"/>
-            </a:avLst>
-          </a:prstGeom>
-          <a:ln>
-            <a:headEnd type="none"/>
-            <a:tailEnd type="none"/>
-          </a:ln>
-        </p:spPr>
-        <p:style>
-          <a:lnRef idx="1">
-            <a:schemeClr val="accent3"/>
-          </a:lnRef>
-          <a:fillRef idx="0">
-            <a:schemeClr val="accent3"/>
-          </a:fillRef>
-          <a:effectRef idx="0">
-            <a:schemeClr val="accent3"/>
-          </a:effectRef>
-          <a:fontRef idx="minor">
-            <a:schemeClr val="tx1"/>
-          </a:fontRef>
-        </p:style>
-        <p:txBody>
-          <a:bodyPr rtlCol="0" anchor="ctr"/>
-          <a:lstStyle/>
-          <a:p>
-            <a:pPr algn="ctr"/>
-            <a:endParaRPr lang="it-IT"/>
-          </a:p>
-        </p:txBody>
-      </p:sp>
-      <p:cxnSp>
-        <p:nvCxnSpPr>
-          <p:cNvPr id="75" name="Straight Arrow Connector 74">
-            <a:extLst>
-              <a:ext uri="{FF2B5EF4-FFF2-40B4-BE49-F238E27FC236}">
-                <a16:creationId xmlns:a16="http://schemas.microsoft.com/office/drawing/2014/main" id="{0F6546D0-4DBF-43F2-9508-A39EDC84BC83}"/>
-              </a:ext>
-            </a:extLst>
-          </p:cNvPr>
-          <p:cNvCxnSpPr>
-            <a:cxnSpLocks/>
-            <a:stCxn id="70" idx="1"/>
-          </p:cNvCxnSpPr>
-          <p:nvPr/>
-        </p:nvCxnSpPr>
-        <p:spPr>
-          <a:xfrm>
-            <a:off x="4850092" y="2454690"/>
-            <a:ext cx="678207" cy="6891"/>
-          </a:xfrm>
-          <a:prstGeom prst="straightConnector1">
-            <a:avLst/>
-          </a:prstGeom>
-          <a:ln>
-            <a:headEnd type="none"/>
-            <a:tailEnd type="triangle"/>
-          </a:ln>
-        </p:spPr>
-        <p:style>
-          <a:lnRef idx="1">
-            <a:schemeClr val="accent3"/>
-          </a:lnRef>
-          <a:fillRef idx="0">
-            <a:schemeClr val="accent3"/>
-          </a:fillRef>
-          <a:effectRef idx="0">
-            <a:schemeClr val="accent3"/>
-          </a:effectRef>
-          <a:fontRef idx="minor">
-            <a:schemeClr val="tx1"/>
-          </a:fontRef>
-        </p:style>
-      </p:cxnSp>
-      <p:cxnSp>
-        <p:nvCxnSpPr>
-          <p:cNvPr id="79" name="Straight Arrow Connector 78">
-            <a:extLst>
-              <a:ext uri="{FF2B5EF4-FFF2-40B4-BE49-F238E27FC236}">
-                <a16:creationId xmlns:a16="http://schemas.microsoft.com/office/drawing/2014/main" id="{3FA1555C-05D5-47E7-9177-BE288696A5B0}"/>
-              </a:ext>
-            </a:extLst>
-          </p:cNvPr>
-          <p:cNvCxnSpPr>
-            <a:cxnSpLocks/>
-          </p:cNvCxnSpPr>
-          <p:nvPr/>
-        </p:nvCxnSpPr>
-        <p:spPr>
-          <a:xfrm>
-            <a:off x="8287143" y="3345756"/>
-            <a:ext cx="333859" cy="0"/>
-          </a:xfrm>
-          <a:prstGeom prst="straightConnector1">
-            <a:avLst/>
-          </a:prstGeom>
-          <a:ln>
-            <a:headEnd type="none"/>
-            <a:tailEnd type="triangle"/>
-          </a:ln>
-        </p:spPr>
-        <p:style>
-          <a:lnRef idx="1">
-            <a:schemeClr val="accent3"/>
-          </a:lnRef>
-          <a:fillRef idx="0">
-            <a:schemeClr val="accent3"/>
-          </a:fillRef>
-          <a:effectRef idx="0">
-            <a:schemeClr val="accent3"/>
-          </a:effectRef>
-          <a:fontRef idx="minor">
-            <a:schemeClr val="tx1"/>
-          </a:fontRef>
-        </p:style>
-      </p:cxnSp>
-      <p:sp>
-        <p:nvSpPr>
-          <p:cNvPr id="83" name="TextBox 82">
-            <a:extLst>
-              <a:ext uri="{FF2B5EF4-FFF2-40B4-BE49-F238E27FC236}">
-                <a16:creationId xmlns:a16="http://schemas.microsoft.com/office/drawing/2014/main" id="{CB19D316-FB5C-4D75-BAC1-9778F162CE5D}"/>
-              </a:ext>
-            </a:extLst>
-          </p:cNvPr>
-          <p:cNvSpPr txBox="1"/>
-          <p:nvPr/>
-        </p:nvSpPr>
-        <p:spPr>
-          <a:xfrm>
-            <a:off x="4224657" y="2389081"/>
-            <a:ext cx="1290638" cy="704808"/>
-          </a:xfrm>
-          <a:prstGeom prst="rect">
-            <a:avLst/>
-          </a:prstGeom>
-          <a:noFill/>
-        </p:spPr>
-        <p:txBody>
-          <a:bodyPr wrap="square" lIns="182880" tIns="146304" rIns="182880" bIns="146304" rtlCol="0">
-            <a:spAutoFit/>
-          </a:bodyPr>
-          <a:lstStyle/>
-          <a:p>
-            <a:pPr algn="ctr">
-              <a:lnSpc>
-                <a:spcPct val="90000"/>
-              </a:lnSpc>
-              <a:spcAft>
-                <a:spcPts val="600"/>
-              </a:spcAft>
-            </a:pPr>
-            <a:r>
-              <a:rPr lang="it-IT" sz="1200" dirty="0">
-                <a:gradFill>
-                  <a:gsLst>
-                    <a:gs pos="2917">
-                      <a:schemeClr val="tx1"/>
-                    </a:gs>
-                    <a:gs pos="30000">
-                      <a:schemeClr val="tx1"/>
-                    </a:gs>
-                  </a:gsLst>
-                  <a:lin ang="5400000" scaled="0"/>
-                </a:gradFill>
-                <a:latin typeface="+mj-lt"/>
-              </a:rPr>
-              <a:t>access </a:t>
-            </a:r>
-          </a:p>
-          <a:p>
-            <a:pPr algn="ctr">
-              <a:lnSpc>
-                <a:spcPct val="90000"/>
-              </a:lnSpc>
-              <a:spcAft>
-                <a:spcPts val="600"/>
-              </a:spcAft>
-            </a:pPr>
-            <a:r>
-              <a:rPr lang="it-IT" sz="1200" dirty="0">
-                <a:gradFill>
-                  <a:gsLst>
-                    <a:gs pos="2917">
-                      <a:schemeClr val="tx1"/>
-                    </a:gs>
-                    <a:gs pos="30000">
-                      <a:schemeClr val="tx1"/>
-                    </a:gs>
-                  </a:gsLst>
-                  <a:lin ang="5400000" scaled="0"/>
-                </a:gradFill>
-                <a:latin typeface="+mj-lt"/>
-              </a:rPr>
-              <a:t>to</a:t>
-            </a:r>
-          </a:p>
-        </p:txBody>
-      </p:sp>
-    </p:spTree>
-    <p:extLst>
-      <p:ext uri="{BB962C8B-B14F-4D97-AF65-F5344CB8AC3E}">
-        <p14:creationId xmlns:p14="http://schemas.microsoft.com/office/powerpoint/2010/main" val="2670662817"/>
-      </p:ext>
-    </p:extLst>
-  </p:cSld>
-  <p:clrMapOvr>
-    <a:masterClrMapping/>
-  </p:clrMapOvr>
-  <p:transition>
-    <p:fade/>
-  </p:transition>
-  <p:timing>
-    <p:tnLst>
-      <p:par>
-        <p:cTn id="1" dur="indefinite" restart="never" nodeType="tmRoot">
-          <p:childTnLst>
-            <p:seq concurrent="1" nextAc="seek">
-              <p:cTn id="2" dur="indefinite" nodeType="mainSeq">
-                <p:childTnLst>
-                  <p:par>
-                    <p:cTn id="3" fill="hold">
-                      <p:stCondLst>
-                        <p:cond delay="indefinite"/>
-                        <p:cond evt="onBegin" delay="0">
-                          <p:tn val="2"/>
-                        </p:cond>
-                      </p:stCondLst>
-                      <p:childTnLst>
-                        <p:par>
-                          <p:cTn id="4" fill="hold">
-                            <p:stCondLst>
-                              <p:cond delay="0"/>
-                            </p:stCondLst>
-                            <p:childTnLst>
-                              <p:par>
-                                <p:cTn id="5" presetID="10" presetClass="entr" presetSubtype="0" fill="hold" nodeType="withEffect">
-                                  <p:stCondLst>
-                                    <p:cond delay="0"/>
-                                  </p:stCondLst>
-                                  <p:childTnLst>
-                                    <p:set>
-                                      <p:cBhvr>
-                                        <p:cTn id="6" dur="1" fill="hold">
-                                          <p:stCondLst>
-                                            <p:cond delay="0"/>
-                                          </p:stCondLst>
-                                        </p:cTn>
-                                        <p:tgtEl>
-                                          <p:spTgt spid="35"/>
-                                        </p:tgtEl>
-                                        <p:attrNameLst>
-                                          <p:attrName>style.visibility</p:attrName>
-                                        </p:attrNameLst>
-                                      </p:cBhvr>
-                                      <p:to>
-                                        <p:strVal val="visible"/>
-                                      </p:to>
-                                    </p:set>
-                                    <p:animEffect transition="in" filter="fade">
-                                      <p:cBhvr>
-                                        <p:cTn id="7" dur="500"/>
-                                        <p:tgtEl>
-                                          <p:spTgt spid="35"/>
-                                        </p:tgtEl>
-                                      </p:cBhvr>
-                                    </p:animEffect>
-                                  </p:childTnLst>
-                                </p:cTn>
-                              </p:par>
-                              <p:par>
-                                <p:cTn id="8" presetID="10" presetClass="entr" presetSubtype="0" fill="hold" nodeType="withEffect">
-                                  <p:stCondLst>
-                                    <p:cond delay="0"/>
-                                  </p:stCondLst>
-                                  <p:childTnLst>
-                                    <p:set>
-                                      <p:cBhvr>
-                                        <p:cTn id="9" dur="1" fill="hold">
-                                          <p:stCondLst>
-                                            <p:cond delay="0"/>
-                                          </p:stCondLst>
-                                        </p:cTn>
-                                        <p:tgtEl>
-                                          <p:spTgt spid="44"/>
-                                        </p:tgtEl>
-                                        <p:attrNameLst>
-                                          <p:attrName>style.visibility</p:attrName>
-                                        </p:attrNameLst>
-                                      </p:cBhvr>
-                                      <p:to>
-                                        <p:strVal val="visible"/>
-                                      </p:to>
-                                    </p:set>
-                                    <p:animEffect transition="in" filter="fade">
-                                      <p:cBhvr>
-                                        <p:cTn id="10" dur="500"/>
-                                        <p:tgtEl>
-                                          <p:spTgt spid="44"/>
-                                        </p:tgtEl>
-                                      </p:cBhvr>
-                                    </p:animEffect>
-                                  </p:childTnLst>
-                                </p:cTn>
-                              </p:par>
-                              <p:par>
-                                <p:cTn id="11" presetID="10" presetClass="entr" presetSubtype="0" fill="hold" nodeType="withEffect">
-                                  <p:stCondLst>
-                                    <p:cond delay="0"/>
-                                  </p:stCondLst>
-                                  <p:childTnLst>
-                                    <p:set>
-                                      <p:cBhvr>
-                                        <p:cTn id="12" dur="1" fill="hold">
-                                          <p:stCondLst>
-                                            <p:cond delay="0"/>
-                                          </p:stCondLst>
-                                        </p:cTn>
-                                        <p:tgtEl>
-                                          <p:spTgt spid="50"/>
-                                        </p:tgtEl>
-                                        <p:attrNameLst>
-                                          <p:attrName>style.visibility</p:attrName>
-                                        </p:attrNameLst>
-                                      </p:cBhvr>
-                                      <p:to>
-                                        <p:strVal val="visible"/>
-                                      </p:to>
-                                    </p:set>
-                                    <p:animEffect transition="in" filter="fade">
-                                      <p:cBhvr>
-                                        <p:cTn id="13" dur="500"/>
-                                        <p:tgtEl>
-                                          <p:spTgt spid="50"/>
-                                        </p:tgtEl>
-                                      </p:cBhvr>
-                                    </p:animEffect>
-                                  </p:childTnLst>
-                                </p:cTn>
-                              </p:par>
-                              <p:par>
-                                <p:cTn id="14" presetID="10" presetClass="entr" presetSubtype="0" fill="hold" nodeType="withEffect">
-                                  <p:stCondLst>
-                                    <p:cond delay="0"/>
-                                  </p:stCondLst>
-                                  <p:childTnLst>
-                                    <p:set>
-                                      <p:cBhvr>
-                                        <p:cTn id="15" dur="1" fill="hold">
-                                          <p:stCondLst>
-                                            <p:cond delay="0"/>
-                                          </p:stCondLst>
-                                        </p:cTn>
-                                        <p:tgtEl>
-                                          <p:spTgt spid="75"/>
-                                        </p:tgtEl>
-                                        <p:attrNameLst>
-                                          <p:attrName>style.visibility</p:attrName>
-                                        </p:attrNameLst>
-                                      </p:cBhvr>
-                                      <p:to>
-                                        <p:strVal val="visible"/>
-                                      </p:to>
-                                    </p:set>
-                                    <p:animEffect transition="in" filter="fade">
-                                      <p:cBhvr>
-                                        <p:cTn id="16" dur="500"/>
-                                        <p:tgtEl>
-                                          <p:spTgt spid="75"/>
-                                        </p:tgtEl>
-                                      </p:cBhvr>
-                                    </p:animEffect>
-                                  </p:childTnLst>
-                                </p:cTn>
-                              </p:par>
-                              <p:par>
-                                <p:cTn id="17" presetID="10" presetClass="entr" presetSubtype="0" fill="hold" nodeType="withEffect">
-                                  <p:stCondLst>
-                                    <p:cond delay="0"/>
-                                  </p:stCondLst>
-                                  <p:childTnLst>
-                                    <p:set>
-                                      <p:cBhvr>
-                                        <p:cTn id="18" dur="1" fill="hold">
-                                          <p:stCondLst>
-                                            <p:cond delay="0"/>
-                                          </p:stCondLst>
-                                        </p:cTn>
-                                        <p:tgtEl>
-                                          <p:spTgt spid="79"/>
-                                        </p:tgtEl>
-                                        <p:attrNameLst>
-                                          <p:attrName>style.visibility</p:attrName>
-                                        </p:attrNameLst>
-                                      </p:cBhvr>
-                                      <p:to>
-                                        <p:strVal val="visible"/>
-                                      </p:to>
-                                    </p:set>
-                                    <p:animEffect transition="in" filter="fade">
-                                      <p:cBhvr>
-                                        <p:cTn id="19" dur="500"/>
-                                        <p:tgtEl>
-                                          <p:spTgt spid="79"/>
-                                        </p:tgtEl>
-                                      </p:cBhvr>
-                                    </p:animEffect>
-                                  </p:childTnLst>
-                                </p:cTn>
-                              </p:par>
-                            </p:childTnLst>
-                          </p:cTn>
-                        </p:par>
-                      </p:childTnLst>
-                    </p:cTn>
-                  </p:par>
-                </p:childTnLst>
-              </p:cTn>
-              <p:prevCondLst>
-                <p:cond evt="onPrev" delay="0">
-                  <p:tgtEl>
-                    <p:sldTgt/>
-                  </p:tgtEl>
-                </p:cond>
-              </p:prevCondLst>
-              <p:nextCondLst>
-                <p:cond evt="onNext" delay="0">
-                  <p:tgtEl>
-                    <p:sldTgt/>
-                  </p:tgtEl>
-                </p:cond>
-              </p:nextCondLst>
-            </p:seq>
-          </p:childTnLst>
-        </p:cTn>
-      </p:par>
-    </p:tnLst>
-  </p:timing>
-</p:sld>
-</file>
-
-<file path=ppt/slides/slide8.xml><?xml version="1.0" encoding="utf-8"?>
+<file path=ppt/slides/slide9.xml><?xml version="1.0" encoding="utf-8"?>
 <p:sld xmlns:a="http://schemas.openxmlformats.org/drawingml/2006/main" xmlns:r="http://schemas.openxmlformats.org/officeDocument/2006/relationships" xmlns:p="http://schemas.openxmlformats.org/presentationml/2006/main" show="0">
   <p:cSld>
     <p:spTree>
@@ -35664,1395 +37032,6 @@
       </p:transition>
     </mc:Fallback>
   </mc:AlternateContent>
-</p:sld>
-</file>
-
-<file path=ppt/slides/slide9.xml><?xml version="1.0" encoding="utf-8"?>
-<p:sld xmlns:a="http://schemas.openxmlformats.org/drawingml/2006/main" xmlns:r="http://schemas.openxmlformats.org/officeDocument/2006/relationships" xmlns:p="http://schemas.openxmlformats.org/presentationml/2006/main" show="0">
-  <p:cSld>
-    <p:spTree>
-      <p:nvGrpSpPr>
-        <p:cNvPr id="1" name=""/>
-        <p:cNvGrpSpPr/>
-        <p:nvPr/>
-      </p:nvGrpSpPr>
-      <p:grpSpPr>
-        <a:xfrm>
-          <a:off x="0" y="0"/>
-          <a:ext cx="0" cy="0"/>
-          <a:chOff x="0" y="0"/>
-          <a:chExt cx="0" cy="0"/>
-        </a:xfrm>
-      </p:grpSpPr>
-      <p:sp>
-        <p:nvSpPr>
-          <p:cNvPr id="7" name="Title 6">
-            <a:extLst>
-              <a:ext uri="{FF2B5EF4-FFF2-40B4-BE49-F238E27FC236}">
-                <a16:creationId xmlns:a16="http://schemas.microsoft.com/office/drawing/2014/main" id="{D55B4B72-89DC-4830-A79A-CD12F2161C8E}"/>
-              </a:ext>
-            </a:extLst>
-          </p:cNvPr>
-          <p:cNvSpPr>
-            <a:spLocks noGrp="1"/>
-          </p:cNvSpPr>
-          <p:nvPr>
-            <p:ph type="title"/>
-          </p:nvPr>
-        </p:nvSpPr>
-        <p:spPr/>
-        <p:txBody>
-          <a:bodyPr/>
-          <a:lstStyle/>
-          <a:p>
-            <a:r>
-              <a:rPr lang="en-US"/>
-              <a:t>Sample one-year journey</a:t>
-            </a:r>
-          </a:p>
-        </p:txBody>
-      </p:sp>
-      <p:sp>
-        <p:nvSpPr>
-          <p:cNvPr id="28" name="Title 1">
-            <a:extLst>
-              <a:ext uri="{FF2B5EF4-FFF2-40B4-BE49-F238E27FC236}">
-                <a16:creationId xmlns:a16="http://schemas.microsoft.com/office/drawing/2014/main" id="{3C9D83DD-7252-48FE-AA80-B61C2793D965}"/>
-              </a:ext>
-            </a:extLst>
-          </p:cNvPr>
-          <p:cNvSpPr txBox="1">
-            <a:spLocks/>
-          </p:cNvSpPr>
-          <p:nvPr/>
-        </p:nvSpPr>
-        <p:spPr>
-          <a:xfrm>
-            <a:off x="462778" y="2181748"/>
-            <a:ext cx="2606040" cy="4333351"/>
-          </a:xfrm>
-          <a:prstGeom prst="rect">
-            <a:avLst/>
-          </a:prstGeom>
-          <a:noFill/>
-          <a:ln w="3175">
-            <a:solidFill>
-              <a:schemeClr val="bg1">
-                <a:lumMod val="75000"/>
-              </a:schemeClr>
-            </a:solidFill>
-          </a:ln>
-        </p:spPr>
-        <p:txBody>
-          <a:bodyPr vert="horz" wrap="square" lIns="0" tIns="0" rIns="0" bIns="0" rtlCol="0" anchor="t">
-            <a:noAutofit/>
-          </a:bodyPr>
-          <a:lstStyle>
-            <a:lvl1pPr algn="l" defTabSz="932742" rtl="0" eaLnBrk="1" latinLnBrk="0" hangingPunct="1">
-              <a:lnSpc>
-                <a:spcPct val="90000"/>
-              </a:lnSpc>
-              <a:spcBef>
-                <a:spcPct val="0"/>
-              </a:spcBef>
-              <a:buNone/>
-              <a:defRPr lang="en-US" sz="4800" b="0" kern="1200" cap="none" spc="-102" baseline="0" dirty="0" smtClean="0">
-                <a:ln w="3175">
-                  <a:noFill/>
-                </a:ln>
-                <a:gradFill>
-                  <a:gsLst>
-                    <a:gs pos="1250">
-                      <a:schemeClr val="tx1"/>
-                    </a:gs>
-                    <a:gs pos="100000">
-                      <a:schemeClr val="tx1"/>
-                    </a:gs>
-                  </a:gsLst>
-                  <a:lin ang="5400000" scaled="0"/>
-                </a:gradFill>
-                <a:effectLst/>
-                <a:latin typeface="+mj-lt"/>
-                <a:ea typeface="+mn-ea"/>
-                <a:cs typeface="Segoe UI" pitchFamily="34" charset="0"/>
-              </a:defRPr>
-            </a:lvl1pPr>
-          </a:lstStyle>
-          <a:p>
-            <a:pPr algn="ctr" defTabSz="914367">
-              <a:lnSpc>
-                <a:spcPct val="100000"/>
-              </a:lnSpc>
-              <a:defRPr/>
-            </a:pPr>
-            <a:endParaRPr lang="en-US" sz="1600" spc="0">
-              <a:solidFill>
-                <a:schemeClr val="tx1"/>
-              </a:solidFill>
-              <a:latin typeface="Segoe UI" panose="020B0502040204020203" pitchFamily="34" charset="0"/>
-            </a:endParaRPr>
-          </a:p>
-        </p:txBody>
-      </p:sp>
-      <p:sp>
-        <p:nvSpPr>
-          <p:cNvPr id="32" name="Oval 31">
-            <a:extLst>
-              <a:ext uri="{FF2B5EF4-FFF2-40B4-BE49-F238E27FC236}">
-                <a16:creationId xmlns:a16="http://schemas.microsoft.com/office/drawing/2014/main" id="{27F24868-57F7-4FDC-98FF-AD42F45A7D90}"/>
-              </a:ext>
-            </a:extLst>
-          </p:cNvPr>
-          <p:cNvSpPr/>
-          <p:nvPr/>
-        </p:nvSpPr>
-        <p:spPr bwMode="auto">
-          <a:xfrm>
-            <a:off x="1479155" y="1220788"/>
-            <a:ext cx="573286" cy="573286"/>
-          </a:xfrm>
-          <a:prstGeom prst="ellipse">
-            <a:avLst/>
-          </a:prstGeom>
-          <a:solidFill>
-            <a:schemeClr val="bg1"/>
-          </a:solidFill>
-          <a:ln>
-            <a:noFill/>
-            <a:headEnd type="none" w="med" len="med"/>
-            <a:tailEnd type="none" w="med" len="med"/>
-          </a:ln>
-          <a:effectLst>
-            <a:outerShdw blurRad="63500" sx="102000" sy="102000" algn="ctr" rotWithShape="0">
-              <a:prstClr val="black">
-                <a:alpha val="10000"/>
-              </a:prstClr>
-            </a:outerShdw>
-          </a:effectLst>
-        </p:spPr>
-        <p:style>
-          <a:lnRef idx="1">
-            <a:schemeClr val="accent2"/>
-          </a:lnRef>
-          <a:fillRef idx="3">
-            <a:schemeClr val="accent2"/>
-          </a:fillRef>
-          <a:effectRef idx="2">
-            <a:schemeClr val="accent2"/>
-          </a:effectRef>
-          <a:fontRef idx="minor">
-            <a:schemeClr val="lt1"/>
-          </a:fontRef>
-        </p:style>
-        <p:txBody>
-          <a:bodyPr rot="0" spcFirstLastPara="0" vertOverflow="overflow" horzOverflow="overflow" vert="horz" wrap="square" lIns="0" tIns="0" rIns="0" bIns="0" numCol="1" spcCol="0" rtlCol="0" fromWordArt="0" anchor="ctr" anchorCtr="0" forceAA="0" compatLnSpc="1">
-            <a:prstTxWarp prst="textNoShape">
-              <a:avLst/>
-            </a:prstTxWarp>
-            <a:noAutofit/>
-          </a:bodyPr>
-          <a:lstStyle/>
-          <a:p>
-            <a:pPr algn="ctr" defTabSz="914102" fontAlgn="base">
-              <a:spcBef>
-                <a:spcPct val="0"/>
-              </a:spcBef>
-              <a:spcAft>
-                <a:spcPct val="0"/>
-              </a:spcAft>
-              <a:defRPr/>
-            </a:pPr>
-            <a:r>
-              <a:rPr lang="en-US" sz="2000">
-                <a:solidFill>
-                  <a:schemeClr val="tx1"/>
-                </a:solidFill>
-                <a:latin typeface="Segoe UI Semibold" panose="020B0702040204020203" pitchFamily="34" charset="0"/>
-                <a:ea typeface="Segoe UI" pitchFamily="34" charset="0"/>
-                <a:cs typeface="Segoe UI Semibold" panose="020B0702040204020203" pitchFamily="34" charset="0"/>
-              </a:rPr>
-              <a:t>Q1</a:t>
-            </a:r>
-          </a:p>
-        </p:txBody>
-      </p:sp>
-      <p:cxnSp>
-        <p:nvCxnSpPr>
-          <p:cNvPr id="31" name="Straight Connector 30">
-            <a:extLst>
-              <a:ext uri="{FF2B5EF4-FFF2-40B4-BE49-F238E27FC236}">
-                <a16:creationId xmlns:a16="http://schemas.microsoft.com/office/drawing/2014/main" id="{E8768C5E-DFCD-4250-A653-DB7C30DD4BA9}"/>
-              </a:ext>
-            </a:extLst>
-          </p:cNvPr>
-          <p:cNvCxnSpPr>
-            <a:cxnSpLocks/>
-          </p:cNvCxnSpPr>
-          <p:nvPr/>
-        </p:nvCxnSpPr>
-        <p:spPr>
-          <a:xfrm>
-            <a:off x="1176855" y="1987911"/>
-            <a:ext cx="1177887" cy="0"/>
-          </a:xfrm>
-          <a:prstGeom prst="line">
-            <a:avLst/>
-          </a:prstGeom>
-          <a:ln w="3175">
-            <a:solidFill>
-              <a:schemeClr val="bg1">
-                <a:lumMod val="75000"/>
-              </a:schemeClr>
-            </a:solidFill>
-            <a:prstDash val="dash"/>
-            <a:headEnd type="none"/>
-            <a:tailEnd type="none"/>
-          </a:ln>
-        </p:spPr>
-        <p:style>
-          <a:lnRef idx="1">
-            <a:schemeClr val="accent1"/>
-          </a:lnRef>
-          <a:fillRef idx="0">
-            <a:schemeClr val="accent1"/>
-          </a:fillRef>
-          <a:effectRef idx="0">
-            <a:schemeClr val="accent1"/>
-          </a:effectRef>
-          <a:fontRef idx="minor">
-            <a:schemeClr val="tx1"/>
-          </a:fontRef>
-        </p:style>
-      </p:cxnSp>
-      <p:sp>
-        <p:nvSpPr>
-          <p:cNvPr id="34" name="Title 1">
-            <a:extLst>
-              <a:ext uri="{FF2B5EF4-FFF2-40B4-BE49-F238E27FC236}">
-                <a16:creationId xmlns:a16="http://schemas.microsoft.com/office/drawing/2014/main" id="{20D23E02-1D38-423D-9F79-B308E84CC925}"/>
-              </a:ext>
-            </a:extLst>
-          </p:cNvPr>
-          <p:cNvSpPr txBox="1">
-            <a:spLocks/>
-          </p:cNvSpPr>
-          <p:nvPr/>
-        </p:nvSpPr>
-        <p:spPr>
-          <a:xfrm>
-            <a:off x="3350169" y="2181748"/>
-            <a:ext cx="2606040" cy="4333351"/>
-          </a:xfrm>
-          <a:prstGeom prst="rect">
-            <a:avLst/>
-          </a:prstGeom>
-          <a:noFill/>
-          <a:ln w="3175">
-            <a:solidFill>
-              <a:schemeClr val="bg1">
-                <a:lumMod val="75000"/>
-              </a:schemeClr>
-            </a:solidFill>
-          </a:ln>
-        </p:spPr>
-        <p:txBody>
-          <a:bodyPr vert="horz" wrap="square" lIns="0" tIns="0" rIns="0" bIns="0" rtlCol="0" anchor="t">
-            <a:noAutofit/>
-          </a:bodyPr>
-          <a:lstStyle>
-            <a:lvl1pPr algn="l" defTabSz="932742" rtl="0" eaLnBrk="1" latinLnBrk="0" hangingPunct="1">
-              <a:lnSpc>
-                <a:spcPct val="90000"/>
-              </a:lnSpc>
-              <a:spcBef>
-                <a:spcPct val="0"/>
-              </a:spcBef>
-              <a:buNone/>
-              <a:defRPr lang="en-US" sz="4800" b="0" kern="1200" cap="none" spc="-102" baseline="0" dirty="0" smtClean="0">
-                <a:ln w="3175">
-                  <a:noFill/>
-                </a:ln>
-                <a:gradFill>
-                  <a:gsLst>
-                    <a:gs pos="1250">
-                      <a:schemeClr val="tx1"/>
-                    </a:gs>
-                    <a:gs pos="100000">
-                      <a:schemeClr val="tx1"/>
-                    </a:gs>
-                  </a:gsLst>
-                  <a:lin ang="5400000" scaled="0"/>
-                </a:gradFill>
-                <a:effectLst/>
-                <a:latin typeface="+mj-lt"/>
-                <a:ea typeface="+mn-ea"/>
-                <a:cs typeface="Segoe UI" pitchFamily="34" charset="0"/>
-              </a:defRPr>
-            </a:lvl1pPr>
-          </a:lstStyle>
-          <a:p>
-            <a:pPr algn="ctr" defTabSz="914367">
-              <a:lnSpc>
-                <a:spcPct val="100000"/>
-              </a:lnSpc>
-              <a:defRPr/>
-            </a:pPr>
-            <a:endParaRPr lang="en-US" sz="1600" spc="0">
-              <a:solidFill>
-                <a:schemeClr val="tx1"/>
-              </a:solidFill>
-              <a:latin typeface="Segoe UI" panose="020B0502040204020203" pitchFamily="34" charset="0"/>
-            </a:endParaRPr>
-          </a:p>
-        </p:txBody>
-      </p:sp>
-      <p:sp>
-        <p:nvSpPr>
-          <p:cNvPr id="35" name="Title 1">
-            <a:extLst>
-              <a:ext uri="{FF2B5EF4-FFF2-40B4-BE49-F238E27FC236}">
-                <a16:creationId xmlns:a16="http://schemas.microsoft.com/office/drawing/2014/main" id="{2C9243B9-67A4-4FFB-858F-2EE35C9F8A38}"/>
-              </a:ext>
-            </a:extLst>
-          </p:cNvPr>
-          <p:cNvSpPr txBox="1">
-            <a:spLocks/>
-          </p:cNvSpPr>
-          <p:nvPr/>
-        </p:nvSpPr>
-        <p:spPr>
-          <a:xfrm>
-            <a:off x="6237560" y="2181748"/>
-            <a:ext cx="2606040" cy="4333351"/>
-          </a:xfrm>
-          <a:prstGeom prst="rect">
-            <a:avLst/>
-          </a:prstGeom>
-          <a:noFill/>
-          <a:ln w="3175">
-            <a:solidFill>
-              <a:schemeClr val="bg1">
-                <a:lumMod val="75000"/>
-              </a:schemeClr>
-            </a:solidFill>
-          </a:ln>
-        </p:spPr>
-        <p:txBody>
-          <a:bodyPr vert="horz" wrap="square" lIns="0" tIns="0" rIns="0" bIns="0" rtlCol="0" anchor="t">
-            <a:noAutofit/>
-          </a:bodyPr>
-          <a:lstStyle>
-            <a:lvl1pPr algn="l" defTabSz="932742" rtl="0" eaLnBrk="1" latinLnBrk="0" hangingPunct="1">
-              <a:lnSpc>
-                <a:spcPct val="90000"/>
-              </a:lnSpc>
-              <a:spcBef>
-                <a:spcPct val="0"/>
-              </a:spcBef>
-              <a:buNone/>
-              <a:defRPr lang="en-US" sz="4800" b="0" kern="1200" cap="none" spc="-102" baseline="0" dirty="0" smtClean="0">
-                <a:ln w="3175">
-                  <a:noFill/>
-                </a:ln>
-                <a:gradFill>
-                  <a:gsLst>
-                    <a:gs pos="1250">
-                      <a:schemeClr val="tx1"/>
-                    </a:gs>
-                    <a:gs pos="100000">
-                      <a:schemeClr val="tx1"/>
-                    </a:gs>
-                  </a:gsLst>
-                  <a:lin ang="5400000" scaled="0"/>
-                </a:gradFill>
-                <a:effectLst/>
-                <a:latin typeface="+mj-lt"/>
-                <a:ea typeface="+mn-ea"/>
-                <a:cs typeface="Segoe UI" pitchFamily="34" charset="0"/>
-              </a:defRPr>
-            </a:lvl1pPr>
-          </a:lstStyle>
-          <a:p>
-            <a:pPr algn="ctr" defTabSz="914367">
-              <a:lnSpc>
-                <a:spcPct val="100000"/>
-              </a:lnSpc>
-              <a:defRPr/>
-            </a:pPr>
-            <a:endParaRPr lang="en-US" sz="1600" spc="0">
-              <a:solidFill>
-                <a:schemeClr val="tx1"/>
-              </a:solidFill>
-              <a:latin typeface="Segoe UI" panose="020B0502040204020203" pitchFamily="34" charset="0"/>
-            </a:endParaRPr>
-          </a:p>
-        </p:txBody>
-      </p:sp>
-      <p:sp>
-        <p:nvSpPr>
-          <p:cNvPr id="36" name="Title 1">
-            <a:extLst>
-              <a:ext uri="{FF2B5EF4-FFF2-40B4-BE49-F238E27FC236}">
-                <a16:creationId xmlns:a16="http://schemas.microsoft.com/office/drawing/2014/main" id="{BEF86201-0082-42AE-A00E-7957D5F5EFCF}"/>
-              </a:ext>
-            </a:extLst>
-          </p:cNvPr>
-          <p:cNvSpPr txBox="1">
-            <a:spLocks/>
-          </p:cNvSpPr>
-          <p:nvPr/>
-        </p:nvSpPr>
-        <p:spPr>
-          <a:xfrm>
-            <a:off x="9124950" y="2181748"/>
-            <a:ext cx="2606040" cy="4333351"/>
-          </a:xfrm>
-          <a:prstGeom prst="rect">
-            <a:avLst/>
-          </a:prstGeom>
-          <a:noFill/>
-          <a:ln w="3175">
-            <a:solidFill>
-              <a:schemeClr val="bg1">
-                <a:lumMod val="75000"/>
-              </a:schemeClr>
-            </a:solidFill>
-          </a:ln>
-        </p:spPr>
-        <p:txBody>
-          <a:bodyPr vert="horz" wrap="square" lIns="0" tIns="0" rIns="0" bIns="0" rtlCol="0" anchor="t">
-            <a:noAutofit/>
-          </a:bodyPr>
-          <a:lstStyle>
-            <a:lvl1pPr algn="l" defTabSz="932742" rtl="0" eaLnBrk="1" latinLnBrk="0" hangingPunct="1">
-              <a:lnSpc>
-                <a:spcPct val="90000"/>
-              </a:lnSpc>
-              <a:spcBef>
-                <a:spcPct val="0"/>
-              </a:spcBef>
-              <a:buNone/>
-              <a:defRPr lang="en-US" sz="4800" b="0" kern="1200" cap="none" spc="-102" baseline="0" dirty="0" smtClean="0">
-                <a:ln w="3175">
-                  <a:noFill/>
-                </a:ln>
-                <a:gradFill>
-                  <a:gsLst>
-                    <a:gs pos="1250">
-                      <a:schemeClr val="tx1"/>
-                    </a:gs>
-                    <a:gs pos="100000">
-                      <a:schemeClr val="tx1"/>
-                    </a:gs>
-                  </a:gsLst>
-                  <a:lin ang="5400000" scaled="0"/>
-                </a:gradFill>
-                <a:effectLst/>
-                <a:latin typeface="+mj-lt"/>
-                <a:ea typeface="+mn-ea"/>
-                <a:cs typeface="Segoe UI" pitchFamily="34" charset="0"/>
-              </a:defRPr>
-            </a:lvl1pPr>
-          </a:lstStyle>
-          <a:p>
-            <a:pPr algn="ctr" defTabSz="914367">
-              <a:lnSpc>
-                <a:spcPct val="100000"/>
-              </a:lnSpc>
-              <a:defRPr/>
-            </a:pPr>
-            <a:endParaRPr lang="en-US" sz="1600" spc="0">
-              <a:solidFill>
-                <a:schemeClr val="tx1"/>
-              </a:solidFill>
-              <a:latin typeface="Segoe UI" panose="020B0502040204020203" pitchFamily="34" charset="0"/>
-            </a:endParaRPr>
-          </a:p>
-        </p:txBody>
-      </p:sp>
-      <p:sp>
-        <p:nvSpPr>
-          <p:cNvPr id="39" name="Oval 38">
-            <a:extLst>
-              <a:ext uri="{FF2B5EF4-FFF2-40B4-BE49-F238E27FC236}">
-                <a16:creationId xmlns:a16="http://schemas.microsoft.com/office/drawing/2014/main" id="{D9B0EB89-89CE-477A-8B62-EDB19D2CB158}"/>
-              </a:ext>
-            </a:extLst>
-          </p:cNvPr>
-          <p:cNvSpPr/>
-          <p:nvPr/>
-        </p:nvSpPr>
-        <p:spPr bwMode="auto">
-          <a:xfrm>
-            <a:off x="4366546" y="1220788"/>
-            <a:ext cx="573286" cy="573286"/>
-          </a:xfrm>
-          <a:prstGeom prst="ellipse">
-            <a:avLst/>
-          </a:prstGeom>
-          <a:solidFill>
-            <a:schemeClr val="bg1"/>
-          </a:solidFill>
-          <a:ln>
-            <a:noFill/>
-            <a:headEnd type="none" w="med" len="med"/>
-            <a:tailEnd type="none" w="med" len="med"/>
-          </a:ln>
-          <a:effectLst>
-            <a:outerShdw blurRad="63500" sx="102000" sy="102000" algn="ctr" rotWithShape="0">
-              <a:prstClr val="black">
-                <a:alpha val="10000"/>
-              </a:prstClr>
-            </a:outerShdw>
-          </a:effectLst>
-        </p:spPr>
-        <p:style>
-          <a:lnRef idx="1">
-            <a:schemeClr val="accent2"/>
-          </a:lnRef>
-          <a:fillRef idx="3">
-            <a:schemeClr val="accent2"/>
-          </a:fillRef>
-          <a:effectRef idx="2">
-            <a:schemeClr val="accent2"/>
-          </a:effectRef>
-          <a:fontRef idx="minor">
-            <a:schemeClr val="lt1"/>
-          </a:fontRef>
-        </p:style>
-        <p:txBody>
-          <a:bodyPr rot="0" spcFirstLastPara="0" vertOverflow="overflow" horzOverflow="overflow" vert="horz" wrap="square" lIns="0" tIns="0" rIns="0" bIns="0" numCol="1" spcCol="0" rtlCol="0" fromWordArt="0" anchor="ctr" anchorCtr="0" forceAA="0" compatLnSpc="1">
-            <a:prstTxWarp prst="textNoShape">
-              <a:avLst/>
-            </a:prstTxWarp>
-            <a:noAutofit/>
-          </a:bodyPr>
-          <a:lstStyle/>
-          <a:p>
-            <a:pPr algn="ctr" defTabSz="914102" fontAlgn="base">
-              <a:spcBef>
-                <a:spcPct val="0"/>
-              </a:spcBef>
-              <a:spcAft>
-                <a:spcPct val="0"/>
-              </a:spcAft>
-              <a:defRPr/>
-            </a:pPr>
-            <a:r>
-              <a:rPr lang="en-US" sz="2000">
-                <a:solidFill>
-                  <a:schemeClr val="tx1"/>
-                </a:solidFill>
-                <a:latin typeface="Segoe UI Semibold" panose="020B0702040204020203" pitchFamily="34" charset="0"/>
-                <a:ea typeface="Segoe UI" pitchFamily="34" charset="0"/>
-                <a:cs typeface="Segoe UI Semibold" panose="020B0702040204020203" pitchFamily="34" charset="0"/>
-              </a:rPr>
-              <a:t>Q2</a:t>
-            </a:r>
-          </a:p>
-        </p:txBody>
-      </p:sp>
-      <p:cxnSp>
-        <p:nvCxnSpPr>
-          <p:cNvPr id="44" name="Straight Connector 43">
-            <a:extLst>
-              <a:ext uri="{FF2B5EF4-FFF2-40B4-BE49-F238E27FC236}">
-                <a16:creationId xmlns:a16="http://schemas.microsoft.com/office/drawing/2014/main" id="{6E0CD5CE-D249-42C3-B9C7-60C2E92DDEDE}"/>
-              </a:ext>
-            </a:extLst>
-          </p:cNvPr>
-          <p:cNvCxnSpPr>
-            <a:cxnSpLocks/>
-          </p:cNvCxnSpPr>
-          <p:nvPr/>
-        </p:nvCxnSpPr>
-        <p:spPr>
-          <a:xfrm>
-            <a:off x="4064246" y="1987911"/>
-            <a:ext cx="1177887" cy="0"/>
-          </a:xfrm>
-          <a:prstGeom prst="line">
-            <a:avLst/>
-          </a:prstGeom>
-          <a:ln w="3175">
-            <a:solidFill>
-              <a:schemeClr val="bg1">
-                <a:lumMod val="75000"/>
-              </a:schemeClr>
-            </a:solidFill>
-            <a:prstDash val="dash"/>
-            <a:headEnd type="none"/>
-            <a:tailEnd type="none"/>
-          </a:ln>
-        </p:spPr>
-        <p:style>
-          <a:lnRef idx="1">
-            <a:schemeClr val="accent1"/>
-          </a:lnRef>
-          <a:fillRef idx="0">
-            <a:schemeClr val="accent1"/>
-          </a:fillRef>
-          <a:effectRef idx="0">
-            <a:schemeClr val="accent1"/>
-          </a:effectRef>
-          <a:fontRef idx="minor">
-            <a:schemeClr val="tx1"/>
-          </a:fontRef>
-        </p:style>
-      </p:cxnSp>
-      <p:sp>
-        <p:nvSpPr>
-          <p:cNvPr id="48" name="Oval 47">
-            <a:extLst>
-              <a:ext uri="{FF2B5EF4-FFF2-40B4-BE49-F238E27FC236}">
-                <a16:creationId xmlns:a16="http://schemas.microsoft.com/office/drawing/2014/main" id="{CBE9AB5A-DB91-4251-9EF9-DC9B511B10DA}"/>
-              </a:ext>
-            </a:extLst>
-          </p:cNvPr>
-          <p:cNvSpPr/>
-          <p:nvPr/>
-        </p:nvSpPr>
-        <p:spPr bwMode="auto">
-          <a:xfrm>
-            <a:off x="7253937" y="1220788"/>
-            <a:ext cx="573286" cy="573286"/>
-          </a:xfrm>
-          <a:prstGeom prst="ellipse">
-            <a:avLst/>
-          </a:prstGeom>
-          <a:solidFill>
-            <a:schemeClr val="bg1"/>
-          </a:solidFill>
-          <a:ln>
-            <a:noFill/>
-            <a:headEnd type="none" w="med" len="med"/>
-            <a:tailEnd type="none" w="med" len="med"/>
-          </a:ln>
-          <a:effectLst>
-            <a:outerShdw blurRad="63500" sx="102000" sy="102000" algn="ctr" rotWithShape="0">
-              <a:prstClr val="black">
-                <a:alpha val="10000"/>
-              </a:prstClr>
-            </a:outerShdw>
-          </a:effectLst>
-        </p:spPr>
-        <p:style>
-          <a:lnRef idx="1">
-            <a:schemeClr val="accent2"/>
-          </a:lnRef>
-          <a:fillRef idx="3">
-            <a:schemeClr val="accent2"/>
-          </a:fillRef>
-          <a:effectRef idx="2">
-            <a:schemeClr val="accent2"/>
-          </a:effectRef>
-          <a:fontRef idx="minor">
-            <a:schemeClr val="lt1"/>
-          </a:fontRef>
-        </p:style>
-        <p:txBody>
-          <a:bodyPr rot="0" spcFirstLastPara="0" vertOverflow="overflow" horzOverflow="overflow" vert="horz" wrap="square" lIns="0" tIns="0" rIns="0" bIns="0" numCol="1" spcCol="0" rtlCol="0" fromWordArt="0" anchor="ctr" anchorCtr="0" forceAA="0" compatLnSpc="1">
-            <a:prstTxWarp prst="textNoShape">
-              <a:avLst/>
-            </a:prstTxWarp>
-            <a:noAutofit/>
-          </a:bodyPr>
-          <a:lstStyle/>
-          <a:p>
-            <a:pPr algn="ctr" defTabSz="914102" fontAlgn="base">
-              <a:spcBef>
-                <a:spcPct val="0"/>
-              </a:spcBef>
-              <a:spcAft>
-                <a:spcPct val="0"/>
-              </a:spcAft>
-              <a:defRPr/>
-            </a:pPr>
-            <a:r>
-              <a:rPr lang="en-US" sz="2000">
-                <a:solidFill>
-                  <a:schemeClr val="tx1"/>
-                </a:solidFill>
-                <a:latin typeface="Segoe UI Semibold" panose="020B0702040204020203" pitchFamily="34" charset="0"/>
-                <a:ea typeface="Segoe UI" pitchFamily="34" charset="0"/>
-                <a:cs typeface="Segoe UI Semibold" panose="020B0702040204020203" pitchFamily="34" charset="0"/>
-              </a:rPr>
-              <a:t>Q3</a:t>
-            </a:r>
-          </a:p>
-        </p:txBody>
-      </p:sp>
-      <p:cxnSp>
-        <p:nvCxnSpPr>
-          <p:cNvPr id="50" name="Straight Connector 49">
-            <a:extLst>
-              <a:ext uri="{FF2B5EF4-FFF2-40B4-BE49-F238E27FC236}">
-                <a16:creationId xmlns:a16="http://schemas.microsoft.com/office/drawing/2014/main" id="{AE8DC3CF-8FA8-4CE0-9B63-CD0ADF94A771}"/>
-              </a:ext>
-            </a:extLst>
-          </p:cNvPr>
-          <p:cNvCxnSpPr>
-            <a:cxnSpLocks/>
-          </p:cNvCxnSpPr>
-          <p:nvPr/>
-        </p:nvCxnSpPr>
-        <p:spPr>
-          <a:xfrm>
-            <a:off x="6951637" y="1987911"/>
-            <a:ext cx="1177887" cy="0"/>
-          </a:xfrm>
-          <a:prstGeom prst="line">
-            <a:avLst/>
-          </a:prstGeom>
-          <a:ln w="3175">
-            <a:solidFill>
-              <a:schemeClr val="bg1">
-                <a:lumMod val="75000"/>
-              </a:schemeClr>
-            </a:solidFill>
-            <a:prstDash val="dash"/>
-            <a:headEnd type="none"/>
-            <a:tailEnd type="none"/>
-          </a:ln>
-        </p:spPr>
-        <p:style>
-          <a:lnRef idx="1">
-            <a:schemeClr val="accent1"/>
-          </a:lnRef>
-          <a:fillRef idx="0">
-            <a:schemeClr val="accent1"/>
-          </a:fillRef>
-          <a:effectRef idx="0">
-            <a:schemeClr val="accent1"/>
-          </a:effectRef>
-          <a:fontRef idx="minor">
-            <a:schemeClr val="tx1"/>
-          </a:fontRef>
-        </p:style>
-      </p:cxnSp>
-      <p:sp>
-        <p:nvSpPr>
-          <p:cNvPr id="52" name="Oval 51">
-            <a:extLst>
-              <a:ext uri="{FF2B5EF4-FFF2-40B4-BE49-F238E27FC236}">
-                <a16:creationId xmlns:a16="http://schemas.microsoft.com/office/drawing/2014/main" id="{1AA9802E-63D8-44FF-BA5E-DC327FCA9E85}"/>
-              </a:ext>
-            </a:extLst>
-          </p:cNvPr>
-          <p:cNvSpPr/>
-          <p:nvPr/>
-        </p:nvSpPr>
-        <p:spPr bwMode="auto">
-          <a:xfrm>
-            <a:off x="10141327" y="1220788"/>
-            <a:ext cx="573286" cy="573286"/>
-          </a:xfrm>
-          <a:prstGeom prst="ellipse">
-            <a:avLst/>
-          </a:prstGeom>
-          <a:solidFill>
-            <a:schemeClr val="bg1"/>
-          </a:solidFill>
-          <a:ln>
-            <a:noFill/>
-            <a:headEnd type="none" w="med" len="med"/>
-            <a:tailEnd type="none" w="med" len="med"/>
-          </a:ln>
-          <a:effectLst>
-            <a:outerShdw blurRad="63500" sx="102000" sy="102000" algn="ctr" rotWithShape="0">
-              <a:prstClr val="black">
-                <a:alpha val="10000"/>
-              </a:prstClr>
-            </a:outerShdw>
-          </a:effectLst>
-        </p:spPr>
-        <p:style>
-          <a:lnRef idx="1">
-            <a:schemeClr val="accent2"/>
-          </a:lnRef>
-          <a:fillRef idx="3">
-            <a:schemeClr val="accent2"/>
-          </a:fillRef>
-          <a:effectRef idx="2">
-            <a:schemeClr val="accent2"/>
-          </a:effectRef>
-          <a:fontRef idx="minor">
-            <a:schemeClr val="lt1"/>
-          </a:fontRef>
-        </p:style>
-        <p:txBody>
-          <a:bodyPr rot="0" spcFirstLastPara="0" vertOverflow="overflow" horzOverflow="overflow" vert="horz" wrap="square" lIns="0" tIns="0" rIns="0" bIns="0" numCol="1" spcCol="0" rtlCol="0" fromWordArt="0" anchor="ctr" anchorCtr="0" forceAA="0" compatLnSpc="1">
-            <a:prstTxWarp prst="textNoShape">
-              <a:avLst/>
-            </a:prstTxWarp>
-            <a:noAutofit/>
-          </a:bodyPr>
-          <a:lstStyle/>
-          <a:p>
-            <a:pPr algn="ctr" defTabSz="914102" fontAlgn="base">
-              <a:spcBef>
-                <a:spcPct val="0"/>
-              </a:spcBef>
-              <a:spcAft>
-                <a:spcPct val="0"/>
-              </a:spcAft>
-              <a:defRPr/>
-            </a:pPr>
-            <a:r>
-              <a:rPr lang="en-US" sz="2000">
-                <a:solidFill>
-                  <a:schemeClr val="tx1"/>
-                </a:solidFill>
-                <a:latin typeface="Segoe UI Semibold" panose="020B0702040204020203" pitchFamily="34" charset="0"/>
-                <a:ea typeface="Segoe UI" pitchFamily="34" charset="0"/>
-                <a:cs typeface="Segoe UI Semibold" panose="020B0702040204020203" pitchFamily="34" charset="0"/>
-              </a:rPr>
-              <a:t>Q4</a:t>
-            </a:r>
-          </a:p>
-        </p:txBody>
-      </p:sp>
-      <p:cxnSp>
-        <p:nvCxnSpPr>
-          <p:cNvPr id="54" name="Straight Connector 53">
-            <a:extLst>
-              <a:ext uri="{FF2B5EF4-FFF2-40B4-BE49-F238E27FC236}">
-                <a16:creationId xmlns:a16="http://schemas.microsoft.com/office/drawing/2014/main" id="{51B2644E-BA56-41C4-8F8A-6E090E5FD298}"/>
-              </a:ext>
-            </a:extLst>
-          </p:cNvPr>
-          <p:cNvCxnSpPr>
-            <a:cxnSpLocks/>
-          </p:cNvCxnSpPr>
-          <p:nvPr/>
-        </p:nvCxnSpPr>
-        <p:spPr>
-          <a:xfrm>
-            <a:off x="9839027" y="1987911"/>
-            <a:ext cx="1177887" cy="0"/>
-          </a:xfrm>
-          <a:prstGeom prst="line">
-            <a:avLst/>
-          </a:prstGeom>
-          <a:ln w="3175">
-            <a:solidFill>
-              <a:schemeClr val="bg1">
-                <a:lumMod val="75000"/>
-              </a:schemeClr>
-            </a:solidFill>
-            <a:prstDash val="dash"/>
-            <a:headEnd type="none"/>
-            <a:tailEnd type="none"/>
-          </a:ln>
-        </p:spPr>
-        <p:style>
-          <a:lnRef idx="1">
-            <a:schemeClr val="accent1"/>
-          </a:lnRef>
-          <a:fillRef idx="0">
-            <a:schemeClr val="accent1"/>
-          </a:fillRef>
-          <a:effectRef idx="0">
-            <a:schemeClr val="accent1"/>
-          </a:effectRef>
-          <a:fontRef idx="minor">
-            <a:schemeClr val="tx1"/>
-          </a:fontRef>
-        </p:style>
-      </p:cxnSp>
-      <p:sp>
-        <p:nvSpPr>
-          <p:cNvPr id="55" name="TextBox 54">
-            <a:extLst>
-              <a:ext uri="{FF2B5EF4-FFF2-40B4-BE49-F238E27FC236}">
-                <a16:creationId xmlns:a16="http://schemas.microsoft.com/office/drawing/2014/main" id="{C68C0F40-2B61-46BC-AD0C-163D636BDBB6}"/>
-              </a:ext>
-            </a:extLst>
-          </p:cNvPr>
-          <p:cNvSpPr txBox="1"/>
-          <p:nvPr/>
-        </p:nvSpPr>
-        <p:spPr>
-          <a:xfrm>
-            <a:off x="462778" y="2311243"/>
-            <a:ext cx="11274552" cy="365760"/>
-          </a:xfrm>
-          <a:prstGeom prst="rect">
-            <a:avLst/>
-          </a:prstGeom>
-          <a:solidFill>
-            <a:srgbClr val="008272"/>
-          </a:solidFill>
-          <a:ln>
-            <a:noFill/>
-          </a:ln>
-        </p:spPr>
-        <p:txBody>
-          <a:bodyPr wrap="square" rtlCol="0" anchor="ctr">
-            <a:noAutofit/>
-          </a:bodyPr>
-          <a:lstStyle/>
-          <a:p>
-            <a:pPr marL="0" marR="0" lvl="0" indent="0" algn="ctr" defTabSz="914400" rtl="0" eaLnBrk="1" fontAlgn="auto" latinLnBrk="0" hangingPunct="1">
-              <a:lnSpc>
-                <a:spcPct val="100000"/>
-              </a:lnSpc>
-              <a:spcBef>
-                <a:spcPts val="0"/>
-              </a:spcBef>
-              <a:spcAft>
-                <a:spcPts val="0"/>
-              </a:spcAft>
-              <a:buClrTx/>
-              <a:buSzTx/>
-              <a:buFontTx/>
-              <a:buNone/>
-              <a:tabLst/>
-              <a:defRPr/>
-            </a:pPr>
-            <a:r>
-              <a:rPr kumimoji="0" lang="en-US" sz="1600" b="0" i="0" u="none" strike="noStrike" kern="1200" cap="none" spc="0" normalizeH="0" baseline="0" noProof="0">
-                <a:ln>
-                  <a:noFill/>
-                </a:ln>
-                <a:solidFill>
-                  <a:schemeClr val="bg1"/>
-                </a:solidFill>
-                <a:effectLst/>
-                <a:uLnTx/>
-                <a:uFillTx/>
-                <a:latin typeface="Segoe UI" panose="020B0502040204020203" pitchFamily="34" charset="0"/>
-                <a:cs typeface="Segoe UI" panose="020B0502040204020203" pitchFamily="34" charset="0"/>
-              </a:rPr>
-              <a:t>Application Development Manager (ADM) coordinates the Service Delivery Plan</a:t>
-            </a:r>
-          </a:p>
-        </p:txBody>
-      </p:sp>
-      <p:sp>
-        <p:nvSpPr>
-          <p:cNvPr id="56" name="TextBox 55">
-            <a:extLst>
-              <a:ext uri="{FF2B5EF4-FFF2-40B4-BE49-F238E27FC236}">
-                <a16:creationId xmlns:a16="http://schemas.microsoft.com/office/drawing/2014/main" id="{5F57F012-DF5C-48EE-8186-46FC6648662E}"/>
-              </a:ext>
-            </a:extLst>
-          </p:cNvPr>
-          <p:cNvSpPr txBox="1"/>
-          <p:nvPr/>
-        </p:nvSpPr>
-        <p:spPr>
-          <a:xfrm>
-            <a:off x="462778" y="2808849"/>
-            <a:ext cx="11274552" cy="365760"/>
-          </a:xfrm>
-          <a:prstGeom prst="rect">
-            <a:avLst/>
-          </a:prstGeom>
-          <a:solidFill>
-            <a:srgbClr val="00B294"/>
-          </a:solidFill>
-          <a:ln>
-            <a:noFill/>
-          </a:ln>
-        </p:spPr>
-        <p:txBody>
-          <a:bodyPr wrap="square" rtlCol="0" anchor="ctr">
-            <a:noAutofit/>
-          </a:bodyPr>
-          <a:lstStyle/>
-          <a:p>
-            <a:pPr marL="0" marR="0" lvl="0" indent="0" algn="ctr" defTabSz="914400" rtl="0" eaLnBrk="1" fontAlgn="auto" latinLnBrk="0" hangingPunct="1">
-              <a:lnSpc>
-                <a:spcPct val="100000"/>
-              </a:lnSpc>
-              <a:spcBef>
-                <a:spcPts val="0"/>
-              </a:spcBef>
-              <a:spcAft>
-                <a:spcPts val="0"/>
-              </a:spcAft>
-              <a:buClrTx/>
-              <a:buSzTx/>
-              <a:buFontTx/>
-              <a:buNone/>
-              <a:tabLst/>
-              <a:defRPr/>
-            </a:pPr>
-            <a:r>
-              <a:rPr kumimoji="0" lang="en-US" sz="1600" b="0" i="0" u="none" strike="noStrike" kern="1200" cap="none" spc="0" normalizeH="0" baseline="0" noProof="0">
-                <a:ln>
-                  <a:noFill/>
-                </a:ln>
-                <a:solidFill>
-                  <a:schemeClr val="bg1"/>
-                </a:solidFill>
-                <a:effectLst/>
-                <a:uLnTx/>
-                <a:uFillTx/>
-                <a:latin typeface="Segoe UI" panose="020B0502040204020203" pitchFamily="34" charset="0"/>
-                <a:cs typeface="Segoe UI" panose="020B0502040204020203" pitchFamily="34" charset="0"/>
-              </a:rPr>
-              <a:t>Ongoing architecture and cost optimization reviews </a:t>
-            </a:r>
-          </a:p>
-        </p:txBody>
-      </p:sp>
-      <p:sp>
-        <p:nvSpPr>
-          <p:cNvPr id="57" name="TextBox 56">
-            <a:extLst>
-              <a:ext uri="{FF2B5EF4-FFF2-40B4-BE49-F238E27FC236}">
-                <a16:creationId xmlns:a16="http://schemas.microsoft.com/office/drawing/2014/main" id="{289657C5-0FF7-4B21-AEE3-9C0DD3078281}"/>
-              </a:ext>
-            </a:extLst>
-          </p:cNvPr>
-          <p:cNvSpPr txBox="1"/>
-          <p:nvPr/>
-        </p:nvSpPr>
-        <p:spPr>
-          <a:xfrm>
-            <a:off x="462778" y="3306456"/>
-            <a:ext cx="11274552" cy="365760"/>
-          </a:xfrm>
-          <a:prstGeom prst="rect">
-            <a:avLst/>
-          </a:prstGeom>
-          <a:solidFill>
-            <a:srgbClr val="00B294"/>
-          </a:solidFill>
-          <a:ln>
-            <a:noFill/>
-          </a:ln>
-        </p:spPr>
-        <p:txBody>
-          <a:bodyPr wrap="square" rtlCol="0" anchor="ctr">
-            <a:noAutofit/>
-          </a:bodyPr>
-          <a:lstStyle/>
-          <a:p>
-            <a:pPr lvl="0" algn="ctr">
-              <a:defRPr/>
-            </a:pPr>
-            <a:r>
-              <a:rPr lang="en-US" sz="1600">
-                <a:solidFill>
-                  <a:schemeClr val="bg1"/>
-                </a:solidFill>
-                <a:latin typeface="Segoe UI" panose="020B0502040204020203" pitchFamily="34" charset="0"/>
-                <a:cs typeface="Segoe UI" panose="020B0502040204020203" pitchFamily="34" charset="0"/>
-              </a:rPr>
-              <a:t>Hands on assistance adding workloads to the new process</a:t>
-            </a:r>
-          </a:p>
-        </p:txBody>
-      </p:sp>
-      <p:sp>
-        <p:nvSpPr>
-          <p:cNvPr id="64" name="TextBox 63">
-            <a:extLst>
-              <a:ext uri="{FF2B5EF4-FFF2-40B4-BE49-F238E27FC236}">
-                <a16:creationId xmlns:a16="http://schemas.microsoft.com/office/drawing/2014/main" id="{F8E4899D-7045-4268-A0B6-D5A73E96F432}"/>
-              </a:ext>
-            </a:extLst>
-          </p:cNvPr>
-          <p:cNvSpPr txBox="1"/>
-          <p:nvPr/>
-        </p:nvSpPr>
-        <p:spPr>
-          <a:xfrm>
-            <a:off x="1107477" y="5029573"/>
-            <a:ext cx="1177887" cy="457200"/>
-          </a:xfrm>
-          <a:prstGeom prst="rect">
-            <a:avLst/>
-          </a:prstGeom>
-          <a:solidFill>
-            <a:schemeClr val="bg1">
-              <a:lumMod val="95000"/>
-            </a:schemeClr>
-          </a:solidFill>
-          <a:ln w="3175">
-            <a:solidFill>
-              <a:schemeClr val="bg1">
-                <a:lumMod val="75000"/>
-              </a:schemeClr>
-            </a:solidFill>
-          </a:ln>
-        </p:spPr>
-        <p:txBody>
-          <a:bodyPr wrap="square" rtlCol="0" anchor="ctr">
-            <a:noAutofit/>
-          </a:bodyPr>
-          <a:lstStyle/>
-          <a:p>
-            <a:pPr marL="0" marR="0" lvl="0" indent="0" algn="ctr" defTabSz="914400" rtl="0" eaLnBrk="1" fontAlgn="auto" latinLnBrk="0" hangingPunct="1">
-              <a:lnSpc>
-                <a:spcPct val="100000"/>
-              </a:lnSpc>
-              <a:spcBef>
-                <a:spcPts val="0"/>
-              </a:spcBef>
-              <a:spcAft>
-                <a:spcPts val="0"/>
-              </a:spcAft>
-              <a:buClrTx/>
-              <a:buSzTx/>
-              <a:buFontTx/>
-              <a:buNone/>
-              <a:tabLst/>
-              <a:defRPr/>
-            </a:pPr>
-            <a:r>
-              <a:rPr kumimoji="0" lang="en-US" sz="1000" b="0" i="0" u="none" strike="noStrike" kern="1200" cap="none" spc="0" normalizeH="0" baseline="0" noProof="0">
-                <a:ln>
-                  <a:noFill/>
-                </a:ln>
-                <a:effectLst/>
-                <a:uLnTx/>
-                <a:uFillTx/>
-                <a:latin typeface="Segoe UI" panose="020B0502040204020203" pitchFamily="34" charset="0"/>
-                <a:cs typeface="Segoe UI" panose="020B0502040204020203" pitchFamily="34" charset="0"/>
-              </a:rPr>
-              <a:t>Initial implementation</a:t>
-            </a:r>
-          </a:p>
-        </p:txBody>
-      </p:sp>
-      <p:sp>
-        <p:nvSpPr>
-          <p:cNvPr id="65" name="TextBox 64">
-            <a:extLst>
-              <a:ext uri="{FF2B5EF4-FFF2-40B4-BE49-F238E27FC236}">
-                <a16:creationId xmlns:a16="http://schemas.microsoft.com/office/drawing/2014/main" id="{01872C43-9BF1-4DAD-98E3-FD6E33D8E764}"/>
-              </a:ext>
-            </a:extLst>
-          </p:cNvPr>
-          <p:cNvSpPr txBox="1"/>
-          <p:nvPr/>
-        </p:nvSpPr>
-        <p:spPr>
-          <a:xfrm>
-            <a:off x="2285364" y="5672633"/>
-            <a:ext cx="1486349" cy="457200"/>
-          </a:xfrm>
-          <a:prstGeom prst="rect">
-            <a:avLst/>
-          </a:prstGeom>
-          <a:solidFill>
-            <a:schemeClr val="bg1">
-              <a:lumMod val="95000"/>
-            </a:schemeClr>
-          </a:solidFill>
-          <a:ln w="3175">
-            <a:solidFill>
-              <a:schemeClr val="bg1">
-                <a:lumMod val="75000"/>
-              </a:schemeClr>
-            </a:solidFill>
-          </a:ln>
-        </p:spPr>
-        <p:txBody>
-          <a:bodyPr wrap="square" rtlCol="0" anchor="ctr">
-            <a:noAutofit/>
-          </a:bodyPr>
-          <a:lstStyle/>
-          <a:p>
-            <a:pPr marL="0" marR="0" lvl="0" indent="0" algn="ctr" defTabSz="914400" rtl="0" eaLnBrk="1" fontAlgn="auto" latinLnBrk="0" hangingPunct="1">
-              <a:lnSpc>
-                <a:spcPct val="100000"/>
-              </a:lnSpc>
-              <a:spcBef>
-                <a:spcPts val="0"/>
-              </a:spcBef>
-              <a:spcAft>
-                <a:spcPts val="0"/>
-              </a:spcAft>
-              <a:buClrTx/>
-              <a:buSzTx/>
-              <a:buFontTx/>
-              <a:buNone/>
-              <a:tabLst/>
-              <a:defRPr/>
-            </a:pPr>
-            <a:r>
-              <a:rPr kumimoji="0" lang="en-US" sz="1000" b="0" i="0" u="none" strike="noStrike" kern="1200" cap="none" spc="0" normalizeH="0" baseline="0" noProof="0">
-                <a:ln>
-                  <a:noFill/>
-                </a:ln>
-                <a:effectLst/>
-                <a:uLnTx/>
-                <a:uFillTx/>
-                <a:latin typeface="Segoe UI" panose="020B0502040204020203" pitchFamily="34" charset="0"/>
-                <a:cs typeface="Segoe UI" panose="020B0502040204020203" pitchFamily="34" charset="0"/>
-              </a:rPr>
-              <a:t>Process and tools </a:t>
-            </a:r>
-            <a:br>
-              <a:rPr kumimoji="0" lang="en-US" sz="1000" b="0" i="0" u="none" strike="noStrike" kern="1200" cap="none" spc="0" normalizeH="0" baseline="0" noProof="0">
-                <a:ln>
-                  <a:noFill/>
-                </a:ln>
-                <a:effectLst/>
-                <a:uLnTx/>
-                <a:uFillTx/>
-                <a:latin typeface="Segoe UI" panose="020B0502040204020203" pitchFamily="34" charset="0"/>
-                <a:cs typeface="Segoe UI" panose="020B0502040204020203" pitchFamily="34" charset="0"/>
-              </a:rPr>
-            </a:br>
-            <a:r>
-              <a:rPr kumimoji="0" lang="en-US" sz="1000" b="0" i="0" u="none" strike="noStrike" kern="1200" cap="none" spc="0" normalizeH="0" baseline="0" noProof="0">
-                <a:ln>
-                  <a:noFill/>
-                </a:ln>
-                <a:effectLst/>
-                <a:uLnTx/>
-                <a:uFillTx/>
-                <a:latin typeface="Segoe UI" panose="020B0502040204020203" pitchFamily="34" charset="0"/>
-                <a:cs typeface="Segoe UI" panose="020B0502040204020203" pitchFamily="34" charset="0"/>
-              </a:rPr>
-              <a:t>fine tuning</a:t>
-            </a:r>
-          </a:p>
-        </p:txBody>
-      </p:sp>
-      <p:sp>
-        <p:nvSpPr>
-          <p:cNvPr id="68" name="TextBox 67">
-            <a:extLst>
-              <a:ext uri="{FF2B5EF4-FFF2-40B4-BE49-F238E27FC236}">
-                <a16:creationId xmlns:a16="http://schemas.microsoft.com/office/drawing/2014/main" id="{81BD5F3A-40DF-4F70-AB30-1F443CBC2471}"/>
-              </a:ext>
-            </a:extLst>
-          </p:cNvPr>
-          <p:cNvSpPr txBox="1"/>
-          <p:nvPr/>
-        </p:nvSpPr>
-        <p:spPr>
-          <a:xfrm>
-            <a:off x="690582" y="3816140"/>
-            <a:ext cx="1005839" cy="914400"/>
-          </a:xfrm>
-          <a:prstGeom prst="rect">
-            <a:avLst/>
-          </a:prstGeom>
-          <a:solidFill>
-            <a:schemeClr val="bg1">
-              <a:lumMod val="95000"/>
-            </a:schemeClr>
-          </a:solidFill>
-          <a:ln w="3175">
-            <a:solidFill>
-              <a:schemeClr val="bg1">
-                <a:lumMod val="75000"/>
-              </a:schemeClr>
-            </a:solidFill>
-          </a:ln>
-        </p:spPr>
-        <p:txBody>
-          <a:bodyPr wrap="square" rtlCol="0" anchor="ctr">
-            <a:noAutofit/>
-          </a:bodyPr>
-          <a:lstStyle/>
-          <a:p>
-            <a:pPr lvl="0" algn="ctr">
-              <a:defRPr/>
-            </a:pPr>
-            <a:r>
-              <a:rPr lang="en-US" sz="1000">
-                <a:latin typeface="Segoe UI" panose="020B0502040204020203" pitchFamily="34" charset="0"/>
-                <a:cs typeface="Segoe UI" panose="020B0502040204020203" pitchFamily="34" charset="0"/>
-              </a:rPr>
-              <a:t>Workshops</a:t>
-            </a:r>
-          </a:p>
-        </p:txBody>
-      </p:sp>
-      <p:sp>
-        <p:nvSpPr>
-          <p:cNvPr id="2" name="TextBox 1">
-            <a:extLst>
-              <a:ext uri="{FF2B5EF4-FFF2-40B4-BE49-F238E27FC236}">
-                <a16:creationId xmlns:a16="http://schemas.microsoft.com/office/drawing/2014/main" id="{2FAC68A4-8BE7-4F1B-A558-D96336049689}"/>
-              </a:ext>
-            </a:extLst>
-          </p:cNvPr>
-          <p:cNvSpPr txBox="1"/>
-          <p:nvPr/>
-        </p:nvSpPr>
-        <p:spPr>
-          <a:xfrm>
-            <a:off x="4118105" y="5672633"/>
-            <a:ext cx="3135831" cy="457200"/>
-          </a:xfrm>
-          <a:prstGeom prst="rect">
-            <a:avLst/>
-          </a:prstGeom>
-          <a:solidFill>
-            <a:schemeClr val="bg1">
-              <a:lumMod val="95000"/>
-            </a:schemeClr>
-          </a:solidFill>
-          <a:ln w="3175">
-            <a:solidFill>
-              <a:schemeClr val="bg1">
-                <a:lumMod val="75000"/>
-              </a:schemeClr>
-            </a:solidFill>
-          </a:ln>
-        </p:spPr>
-        <p:txBody>
-          <a:bodyPr wrap="square" rtlCol="0" anchor="ctr">
-            <a:noAutofit/>
-          </a:bodyPr>
-          <a:lstStyle/>
-          <a:p>
-            <a:pPr marL="0" marR="0" lvl="0" indent="0" algn="ctr" defTabSz="914400" rtl="0" eaLnBrk="1" fontAlgn="auto" latinLnBrk="0" hangingPunct="1">
-              <a:lnSpc>
-                <a:spcPct val="100000"/>
-              </a:lnSpc>
-              <a:spcBef>
-                <a:spcPts val="0"/>
-              </a:spcBef>
-              <a:spcAft>
-                <a:spcPts val="0"/>
-              </a:spcAft>
-              <a:buClrTx/>
-              <a:buSzTx/>
-              <a:buFontTx/>
-              <a:buNone/>
-              <a:tabLst/>
-              <a:defRPr/>
-            </a:pPr>
-            <a:r>
-              <a:rPr kumimoji="0" lang="en-US" sz="1000" b="0" i="0" u="none" strike="noStrike" kern="1200" cap="none" spc="0" normalizeH="0" baseline="0" noProof="0">
-                <a:ln>
-                  <a:noFill/>
-                </a:ln>
-                <a:effectLst/>
-                <a:uLnTx/>
-                <a:uFillTx/>
-                <a:latin typeface="Segoe UI" panose="020B0502040204020203" pitchFamily="34" charset="0"/>
-                <a:cs typeface="Segoe UI" panose="020B0502040204020203" pitchFamily="34" charset="0"/>
-              </a:rPr>
-              <a:t>Add additional workloads</a:t>
-            </a:r>
-          </a:p>
-        </p:txBody>
-      </p:sp>
-    </p:spTree>
-    <p:extLst>
-      <p:ext uri="{BB962C8B-B14F-4D97-AF65-F5344CB8AC3E}">
-        <p14:creationId xmlns:p14="http://schemas.microsoft.com/office/powerpoint/2010/main" val="2790595506"/>
-      </p:ext>
-    </p:extLst>
-  </p:cSld>
-  <p:clrMapOvr>
-    <a:masterClrMapping/>
-  </p:clrMapOvr>
-  <p:transition>
-    <p:fade/>
-  </p:transition>
 </p:sld>
 </file>
 

--- a/marketing/Customer Deck.pptx
+++ b/marketing/Customer Deck.pptx
@@ -15,8 +15,8 @@
     <p:sldId id="1854" r:id="rId9"/>
     <p:sldId id="1840" r:id="rId10"/>
     <p:sldId id="2076136262" r:id="rId11"/>
-    <p:sldId id="2076136263" r:id="rId12"/>
-    <p:sldId id="2076136261" r:id="rId13"/>
+    <p:sldId id="2076136261" r:id="rId12"/>
+    <p:sldId id="2076136263" r:id="rId13"/>
     <p:sldId id="1863" r:id="rId14"/>
     <p:sldId id="1856" r:id="rId15"/>
     <p:sldId id="1857" r:id="rId16"/>
@@ -134,8 +134,8 @@
             <p14:sldId id="1854"/>
             <p14:sldId id="1840"/>
             <p14:sldId id="2076136262"/>
+            <p14:sldId id="2076136261"/>
             <p14:sldId id="2076136263"/>
-            <p14:sldId id="2076136261"/>
             <p14:sldId id="1863"/>
             <p14:sldId id="1856"/>
             <p14:sldId id="1857"/>
@@ -330,7 +330,7 @@
           <a:p>
             <a:fld id="{844B04F6-CC0A-475E-81EF-69F596B9A92E}" type="datetimeFigureOut">
               <a:rPr lang="en-US" smtClean="0"/>
-              <a:t>6/19/2020</a:t>
+              <a:t>9/18/2020</a:t>
             </a:fld>
             <a:endParaRPr lang="en-US"/>
           </a:p>
@@ -818,7 +818,7 @@
                 <a:tabLst/>
                 <a:defRPr/>
               </a:pPr>
-              <a:t>6/19/2020 12:24 PM</a:t>
+              <a:t>9/18/2020 5:50 PM</a:t>
             </a:fld>
             <a:endParaRPr kumimoji="0" lang="en-US" sz="1200" b="0" i="0" u="none" strike="noStrike" kern="1200" cap="none" spc="0" normalizeH="0" baseline="0" noProof="0">
               <a:ln>
@@ -2153,7 +2153,7 @@
                 <a:tabLst/>
                 <a:defRPr/>
               </a:pPr>
-              <a:t>8</a:t>
+              <a:t>7</a:t>
             </a:fld>
             <a:endParaRPr kumimoji="0" lang="en-US" sz="900" b="0" i="0" u="none" strike="noStrike" kern="1200" cap="none" spc="0" normalizeH="0" baseline="0" noProof="0">
               <a:ln>
@@ -2879,7 +2879,7 @@
                 <a:tabLst/>
                 <a:defRPr/>
               </a:pPr>
-              <a:t>6/19/2020 12:24 PM</a:t>
+              <a:t>9/18/2020 5:50 PM</a:t>
             </a:fld>
             <a:endParaRPr kumimoji="0" lang="en-US" sz="1200" b="0" i="0" u="none" strike="noStrike" kern="1200" cap="none" spc="0" normalizeH="0" baseline="0" noProof="0">
               <a:ln>
@@ -4343,7 +4343,7 @@
             <a:fld id="{C4DED5F9-56B2-4A48-B2B7-90C4B88360C8}" type="datetimeFigureOut">
               <a:rPr lang="en-US" smtClean="0"/>
               <a:pPr/>
-              <a:t>6/19/2020</a:t>
+              <a:t>9/18/2020</a:t>
             </a:fld>
             <a:endParaRPr lang="en-US"/>
           </a:p>
@@ -5250,7 +5250,7 @@
           <a:p>
             <a:fld id="{E6F0B968-54C4-46F2-97D2-8B7E5776F8FF}" type="datetimeFigureOut">
               <a:rPr lang="it-IT" smtClean="0"/>
-              <a:t>19/06/2020</a:t>
+              <a:t>18/09/2020</a:t>
             </a:fld>
             <a:endParaRPr lang="it-IT"/>
           </a:p>
@@ -5765,7 +5765,7 @@
           <a:graphicData uri="http://schemas.openxmlformats.org/presentationml/2006/ole">
             <mc:AlternateContent xmlns:mc="http://schemas.openxmlformats.org/markup-compatibility/2006">
               <mc:Choice xmlns:v="urn:schemas-microsoft-com:vml" Requires="v">
-                <p:oleObj spid="_x0000_s2061" name="think-cell Slide" r:id="rId5" imgW="6350000" imgH="6350000" progId="">
+                <p:oleObj spid="_x0000_s2063" name="think-cell Slide" r:id="rId5" imgW="6350000" imgH="6350000" progId="">
                   <p:embed/>
                 </p:oleObj>
               </mc:Choice>
@@ -6580,7 +6580,7 @@
           <a:graphicData uri="http://schemas.openxmlformats.org/presentationml/2006/ole">
             <mc:AlternateContent xmlns:mc="http://schemas.openxmlformats.org/markup-compatibility/2006">
               <mc:Choice xmlns:v="urn:schemas-microsoft-com:vml" Requires="v">
-                <p:oleObj spid="_x0000_s1037" name="think-cell Slide" r:id="rId5" imgW="6350000" imgH="6350000" progId="">
+                <p:oleObj spid="_x0000_s1039" name="think-cell Slide" r:id="rId5" imgW="6350000" imgH="6350000" progId="">
                   <p:embed/>
                 </p:oleObj>
               </mc:Choice>
@@ -8145,7 +8145,7 @@
             <a:fld id="{C4DED5F9-56B2-4A48-B2B7-90C4B88360C8}" type="datetimeFigureOut">
               <a:rPr lang="en-US" smtClean="0"/>
               <a:pPr/>
-              <a:t>6/19/2020</a:t>
+              <a:t>9/18/2020</a:t>
             </a:fld>
             <a:endParaRPr lang="en-US"/>
           </a:p>
@@ -27906,67 +27906,6 @@
           <p:cNvPr id="2" name="Title 1">
             <a:extLst>
               <a:ext uri="{FF2B5EF4-FFF2-40B4-BE49-F238E27FC236}">
-                <a16:creationId xmlns:a16="http://schemas.microsoft.com/office/drawing/2014/main" id="{90355467-1DC2-4934-A763-E663A44FDA9D}"/>
-              </a:ext>
-            </a:extLst>
-          </p:cNvPr>
-          <p:cNvSpPr>
-            <a:spLocks noGrp="1"/>
-          </p:cNvSpPr>
-          <p:nvPr>
-            <p:ph type="title"/>
-          </p:nvPr>
-        </p:nvSpPr>
-        <p:spPr/>
-        <p:txBody>
-          <a:bodyPr/>
-          <a:lstStyle/>
-          <a:p>
-            <a:r>
-              <a:rPr lang="it-IT" dirty="0"/>
-              <a:t>Demo</a:t>
-            </a:r>
-          </a:p>
-        </p:txBody>
-      </p:sp>
-    </p:spTree>
-    <p:extLst>
-      <p:ext uri="{BB962C8B-B14F-4D97-AF65-F5344CB8AC3E}">
-        <p14:creationId xmlns:p14="http://schemas.microsoft.com/office/powerpoint/2010/main" val="2953736732"/>
-      </p:ext>
-    </p:extLst>
-  </p:cSld>
-  <p:clrMapOvr>
-    <a:masterClrMapping/>
-  </p:clrMapOvr>
-  <p:transition>
-    <p:fade/>
-  </p:transition>
-</p:sld>
-</file>
-
-<file path=ppt/slides/slide8.xml><?xml version="1.0" encoding="utf-8"?>
-<p:sld xmlns:a="http://schemas.openxmlformats.org/drawingml/2006/main" xmlns:r="http://schemas.openxmlformats.org/officeDocument/2006/relationships" xmlns:p="http://schemas.openxmlformats.org/presentationml/2006/main">
-  <p:cSld>
-    <p:spTree>
-      <p:nvGrpSpPr>
-        <p:cNvPr id="1" name=""/>
-        <p:cNvGrpSpPr/>
-        <p:nvPr/>
-      </p:nvGrpSpPr>
-      <p:grpSpPr>
-        <a:xfrm>
-          <a:off x="0" y="0"/>
-          <a:ext cx="0" cy="0"/>
-          <a:chOff x="0" y="0"/>
-          <a:chExt cx="0" cy="0"/>
-        </a:xfrm>
-      </p:grpSpPr>
-      <p:sp>
-        <p:nvSpPr>
-          <p:cNvPr id="2" name="Title 1">
-            <a:extLst>
-              <a:ext uri="{FF2B5EF4-FFF2-40B4-BE49-F238E27FC236}">
                 <a16:creationId xmlns:a16="http://schemas.microsoft.com/office/drawing/2014/main" id="{112618B5-1C8E-4753-BA00-38A682B4F09A}"/>
               </a:ext>
             </a:extLst>
@@ -28010,7 +27949,7 @@
         </p:nvGrpSpPr>
         <p:grpSpPr>
           <a:xfrm>
-            <a:off x="7612263" y="2575315"/>
+            <a:off x="7612263" y="2601987"/>
             <a:ext cx="1290638" cy="845196"/>
             <a:chOff x="7217568" y="3167061"/>
             <a:chExt cx="1290638" cy="845196"/>
@@ -33696,7 +33635,7 @@
         </p:nvSpPr>
         <p:spPr>
           <a:xfrm>
-            <a:off x="10414121" y="4890645"/>
+            <a:off x="10424231" y="4940156"/>
             <a:ext cx="1290638" cy="1191095"/>
           </a:xfrm>
           <a:prstGeom prst="rect">
@@ -34500,6 +34439,67 @@
       <p:bldP spid="9228" grpId="0"/>
     </p:bldLst>
   </p:timing>
+</p:sld>
+</file>
+
+<file path=ppt/slides/slide8.xml><?xml version="1.0" encoding="utf-8"?>
+<p:sld xmlns:a="http://schemas.openxmlformats.org/drawingml/2006/main" xmlns:r="http://schemas.openxmlformats.org/officeDocument/2006/relationships" xmlns:p="http://schemas.openxmlformats.org/presentationml/2006/main">
+  <p:cSld>
+    <p:spTree>
+      <p:nvGrpSpPr>
+        <p:cNvPr id="1" name=""/>
+        <p:cNvGrpSpPr/>
+        <p:nvPr/>
+      </p:nvGrpSpPr>
+      <p:grpSpPr>
+        <a:xfrm>
+          <a:off x="0" y="0"/>
+          <a:ext cx="0" cy="0"/>
+          <a:chOff x="0" y="0"/>
+          <a:chExt cx="0" cy="0"/>
+        </a:xfrm>
+      </p:grpSpPr>
+      <p:sp>
+        <p:nvSpPr>
+          <p:cNvPr id="2" name="Title 1">
+            <a:extLst>
+              <a:ext uri="{FF2B5EF4-FFF2-40B4-BE49-F238E27FC236}">
+                <a16:creationId xmlns:a16="http://schemas.microsoft.com/office/drawing/2014/main" id="{90355467-1DC2-4934-A763-E663A44FDA9D}"/>
+              </a:ext>
+            </a:extLst>
+          </p:cNvPr>
+          <p:cNvSpPr>
+            <a:spLocks noGrp="1"/>
+          </p:cNvSpPr>
+          <p:nvPr>
+            <p:ph type="title"/>
+          </p:nvPr>
+        </p:nvSpPr>
+        <p:spPr/>
+        <p:txBody>
+          <a:bodyPr/>
+          <a:lstStyle/>
+          <a:p>
+            <a:r>
+              <a:rPr lang="it-IT" dirty="0"/>
+              <a:t>Demo</a:t>
+            </a:r>
+          </a:p>
+        </p:txBody>
+      </p:sp>
+    </p:spTree>
+    <p:extLst>
+      <p:ext uri="{BB962C8B-B14F-4D97-AF65-F5344CB8AC3E}">
+        <p14:creationId xmlns:p14="http://schemas.microsoft.com/office/powerpoint/2010/main" val="2953736732"/>
+      </p:ext>
+    </p:extLst>
+  </p:cSld>
+  <p:clrMapOvr>
+    <a:masterClrMapping/>
+  </p:clrMapOvr>
+  <p:transition>
+    <p:fade/>
+  </p:transition>
 </p:sld>
 </file>
 

--- a/marketing/Customer Deck.pptx
+++ b/marketing/Customer Deck.pptx
@@ -330,7 +330,7 @@
           <a:p>
             <a:fld id="{844B04F6-CC0A-475E-81EF-69F596B9A92E}" type="datetimeFigureOut">
               <a:rPr lang="en-US" smtClean="0"/>
-              <a:t>9/18/2020</a:t>
+              <a:t>10/1/2020</a:t>
             </a:fld>
             <a:endParaRPr lang="en-US"/>
           </a:p>
@@ -818,7 +818,7 @@
                 <a:tabLst/>
                 <a:defRPr/>
               </a:pPr>
-              <a:t>9/18/2020 5:50 PM</a:t>
+              <a:t>10/1/2020 6:04 PM</a:t>
             </a:fld>
             <a:endParaRPr kumimoji="0" lang="en-US" sz="1200" b="0" i="0" u="none" strike="noStrike" kern="1200" cap="none" spc="0" normalizeH="0" baseline="0" noProof="0">
               <a:ln>
@@ -2879,7 +2879,7 @@
                 <a:tabLst/>
                 <a:defRPr/>
               </a:pPr>
-              <a:t>9/18/2020 5:50 PM</a:t>
+              <a:t>10/1/2020 6:04 PM</a:t>
             </a:fld>
             <a:endParaRPr kumimoji="0" lang="en-US" sz="1200" b="0" i="0" u="none" strike="noStrike" kern="1200" cap="none" spc="0" normalizeH="0" baseline="0" noProof="0">
               <a:ln>
@@ -4343,7 +4343,7 @@
             <a:fld id="{C4DED5F9-56B2-4A48-B2B7-90C4B88360C8}" type="datetimeFigureOut">
               <a:rPr lang="en-US" smtClean="0"/>
               <a:pPr/>
-              <a:t>9/18/2020</a:t>
+              <a:t>10/1/2020</a:t>
             </a:fld>
             <a:endParaRPr lang="en-US"/>
           </a:p>
@@ -5250,7 +5250,7 @@
           <a:p>
             <a:fld id="{E6F0B968-54C4-46F2-97D2-8B7E5776F8FF}" type="datetimeFigureOut">
               <a:rPr lang="it-IT" smtClean="0"/>
-              <a:t>18/09/2020</a:t>
+              <a:t>01/10/2020</a:t>
             </a:fld>
             <a:endParaRPr lang="it-IT"/>
           </a:p>
@@ -5765,7 +5765,7 @@
           <a:graphicData uri="http://schemas.openxmlformats.org/presentationml/2006/ole">
             <mc:AlternateContent xmlns:mc="http://schemas.openxmlformats.org/markup-compatibility/2006">
               <mc:Choice xmlns:v="urn:schemas-microsoft-com:vml" Requires="v">
-                <p:oleObj spid="_x0000_s2063" name="think-cell Slide" r:id="rId5" imgW="6350000" imgH="6350000" progId="">
+                <p:oleObj spid="_x0000_s2064" name="think-cell Slide" r:id="rId5" imgW="6350000" imgH="6350000" progId="">
                   <p:embed/>
                 </p:oleObj>
               </mc:Choice>
@@ -6580,7 +6580,7 @@
           <a:graphicData uri="http://schemas.openxmlformats.org/presentationml/2006/ole">
             <mc:AlternateContent xmlns:mc="http://schemas.openxmlformats.org/markup-compatibility/2006">
               <mc:Choice xmlns:v="urn:schemas-microsoft-com:vml" Requires="v">
-                <p:oleObj spid="_x0000_s1039" name="think-cell Slide" r:id="rId5" imgW="6350000" imgH="6350000" progId="">
+                <p:oleObj spid="_x0000_s1040" name="think-cell Slide" r:id="rId5" imgW="6350000" imgH="6350000" progId="">
                   <p:embed/>
                 </p:oleObj>
               </mc:Choice>
@@ -8145,7 +8145,7 @@
             <a:fld id="{C4DED5F9-56B2-4A48-B2B7-90C4B88360C8}" type="datetimeFigureOut">
               <a:rPr lang="en-US" smtClean="0"/>
               <a:pPr/>
-              <a:t>9/18/2020</a:t>
+              <a:t>10/1/2020</a:t>
             </a:fld>
             <a:endParaRPr lang="en-US"/>
           </a:p>
@@ -28413,7 +28413,7 @@
         </p:nvGrpSpPr>
         <p:grpSpPr>
           <a:xfrm>
-            <a:off x="4033243" y="3531442"/>
+            <a:off x="4056464" y="3547353"/>
             <a:ext cx="1290638" cy="1028011"/>
             <a:chOff x="3312319" y="3134020"/>
             <a:chExt cx="1290638" cy="1028011"/>
@@ -33594,9 +33594,9 @@
           <p:nvPr/>
         </p:nvCxnSpPr>
         <p:spPr>
-          <a:xfrm>
-            <a:off x="3343540" y="3109737"/>
-            <a:ext cx="880199" cy="541274"/>
+          <a:xfrm flipV="1">
+            <a:off x="3343540" y="2895936"/>
+            <a:ext cx="851164" cy="213801"/>
           </a:xfrm>
           <a:prstGeom prst="straightConnector1">
             <a:avLst/>
@@ -33805,6 +33805,122 @@
           </a:extLst>
         </p:spPr>
       </p:pic>
+      <p:grpSp>
+        <p:nvGrpSpPr>
+          <p:cNvPr id="78" name="Group 77">
+            <a:extLst>
+              <a:ext uri="{FF2B5EF4-FFF2-40B4-BE49-F238E27FC236}">
+                <a16:creationId xmlns:a16="http://schemas.microsoft.com/office/drawing/2014/main" id="{3702FBA8-F550-49DC-B09F-4076BA299AE0}"/>
+              </a:ext>
+            </a:extLst>
+          </p:cNvPr>
+          <p:cNvGrpSpPr/>
+          <p:nvPr/>
+        </p:nvGrpSpPr>
+        <p:grpSpPr>
+          <a:xfrm>
+            <a:off x="3945438" y="2272662"/>
+            <a:ext cx="1290638" cy="1028011"/>
+            <a:chOff x="3312319" y="3134020"/>
+            <a:chExt cx="1290638" cy="1028011"/>
+          </a:xfrm>
+        </p:grpSpPr>
+        <p:pic>
+          <p:nvPicPr>
+            <p:cNvPr id="79" name="Graphic 78">
+              <a:extLst>
+                <a:ext uri="{FF2B5EF4-FFF2-40B4-BE49-F238E27FC236}">
+                  <a16:creationId xmlns:a16="http://schemas.microsoft.com/office/drawing/2014/main" id="{B960FDFE-A592-4BDD-94FB-D364E0C0373B}"/>
+                </a:ext>
+              </a:extLst>
+            </p:cNvPr>
+            <p:cNvPicPr>
+              <a:picLocks noChangeAspect="1"/>
+            </p:cNvPicPr>
+            <p:nvPr/>
+          </p:nvPicPr>
+          <p:blipFill>
+            <a:blip r:embed="rId9">
+              <a:extLst>
+                <a:ext uri="{28A0092B-C50C-407E-A947-70E740481C1C}">
+                  <a14:useLocalDpi xmlns:a14="http://schemas.microsoft.com/office/drawing/2010/main" val="0"/>
+                </a:ext>
+                <a:ext uri="{96DAC541-7B7A-43D3-8B79-37D633B846F1}">
+                  <asvg:svgBlip xmlns:asvg="http://schemas.microsoft.com/office/drawing/2016/SVG/main" r:embed="rId10"/>
+                </a:ext>
+              </a:extLst>
+            </a:blip>
+            <a:stretch>
+              <a:fillRect/>
+            </a:stretch>
+          </p:blipFill>
+          <p:spPr>
+            <a:xfrm>
+              <a:off x="3605213" y="3134020"/>
+              <a:ext cx="704850" cy="704850"/>
+            </a:xfrm>
+            <a:prstGeom prst="rect">
+              <a:avLst/>
+            </a:prstGeom>
+          </p:spPr>
+        </p:pic>
+        <p:sp>
+          <p:nvSpPr>
+            <p:cNvPr id="80" name="TextBox 79">
+              <a:extLst>
+                <a:ext uri="{FF2B5EF4-FFF2-40B4-BE49-F238E27FC236}">
+                  <a16:creationId xmlns:a16="http://schemas.microsoft.com/office/drawing/2014/main" id="{58F628A2-C97D-4DDB-B8D9-2AD7C1244750}"/>
+                </a:ext>
+              </a:extLst>
+            </p:cNvPr>
+            <p:cNvSpPr txBox="1"/>
+            <p:nvPr/>
+          </p:nvSpPr>
+          <p:spPr>
+            <a:xfrm>
+              <a:off x="3312319" y="3700366"/>
+              <a:ext cx="1290638" cy="461665"/>
+            </a:xfrm>
+            <a:prstGeom prst="rect">
+              <a:avLst/>
+            </a:prstGeom>
+            <a:noFill/>
+          </p:spPr>
+          <p:txBody>
+            <a:bodyPr wrap="square" lIns="182880" tIns="146304" rIns="182880" bIns="146304" rtlCol="0">
+              <a:spAutoFit/>
+            </a:bodyPr>
+            <a:lstStyle/>
+            <a:p>
+              <a:pPr algn="ctr">
+                <a:lnSpc>
+                  <a:spcPct val="90000"/>
+                </a:lnSpc>
+                <a:spcAft>
+                  <a:spcPts val="600"/>
+                </a:spcAft>
+              </a:pPr>
+              <a:r>
+                <a:rPr lang="it-IT" sz="1200" dirty="0">
+                  <a:gradFill>
+                    <a:gsLst>
+                      <a:gs pos="2917">
+                        <a:schemeClr val="tx1"/>
+                      </a:gs>
+                      <a:gs pos="30000">
+                        <a:schemeClr val="tx1"/>
+                      </a:gs>
+                    </a:gsLst>
+                    <a:lin ang="5400000" scaled="0"/>
+                  </a:gradFill>
+                  <a:latin typeface="+mj-lt"/>
+                </a:rPr>
+                <a:t>Cosmos DB</a:t>
+              </a:r>
+            </a:p>
+          </p:txBody>
+        </p:sp>
+      </p:grpSp>
     </p:spTree>
     <p:extLst>
       <p:ext uri="{BB962C8B-B14F-4D97-AF65-F5344CB8AC3E}">
@@ -37947,21 +38063,6 @@
 </file>
 
 <file path=customXml/item1.xml><?xml version="1.0" encoding="utf-8"?>
-<p:properties xmlns:p="http://schemas.microsoft.com/office/2006/metadata/properties" xmlns:xsi="http://www.w3.org/2001/XMLSchema-instance" xmlns:pc="http://schemas.microsoft.com/office/infopath/2007/PartnerControls">
-  <documentManagement/>
-</p:properties>
-</file>
-
-<file path=customXml/item2.xml><?xml version="1.0" encoding="utf-8"?>
-<?mso-contentType ?>
-<FormTemplates xmlns="http://schemas.microsoft.com/sharepoint/v3/contenttype/forms">
-  <Display>DocumentLibraryForm</Display>
-  <Edit>DocumentLibraryForm</Edit>
-  <New>DocumentLibraryForm</New>
-</FormTemplates>
-</file>
-
-<file path=customXml/item3.xml><?xml version="1.0" encoding="utf-8"?>
 <ct:contentTypeSchema xmlns:ct="http://schemas.microsoft.com/office/2006/metadata/contentType" xmlns:ma="http://schemas.microsoft.com/office/2006/metadata/properties/metaAttributes" ct:_="" ma:_="" ma:contentTypeName="Document" ma:contentTypeID="0x0101009FCA2EB979716E4BAFCFD600734FB2C3" ma:contentTypeVersion="11" ma:contentTypeDescription="Create a new document." ma:contentTypeScope="" ma:versionID="1bf5a9a7ada754e4348737263d631b3e">
   <xsd:schema xmlns:xsd="http://www.w3.org/2001/XMLSchema" xmlns:xs="http://www.w3.org/2001/XMLSchema" xmlns:p="http://schemas.microsoft.com/office/2006/metadata/properties" xmlns:ns2="fd7fd6bb-7af5-43cc-b049-46c0c8f0c165" xmlns:ns3="7d0a52ec-7119-417f-86c6-7688478cef19" targetNamespace="http://schemas.microsoft.com/office/2006/metadata/properties" ma:root="true" ma:fieldsID="311735693259edc0f9cafdea23137eb7" ns2:_="" ns3:_="">
     <xsd:import namespace="fd7fd6bb-7af5-43cc-b049-46c0c8f0c165"/>
@@ -38172,32 +38273,22 @@
 </ct:contentTypeSchema>
 </file>
 
-<file path=customXml/itemProps1.xml><?xml version="1.0" encoding="utf-8"?>
-<ds:datastoreItem xmlns:ds="http://schemas.openxmlformats.org/officeDocument/2006/customXml" ds:itemID="{8A1F40E2-9E2B-49F5-8BC2-AB87F49A26FB}">
-  <ds:schemaRefs>
-    <ds:schemaRef ds:uri="fd7fd6bb-7af5-43cc-b049-46c0c8f0c165"/>
-    <ds:schemaRef ds:uri="http://schemas.microsoft.com/office/2006/documentManagement/types"/>
-    <ds:schemaRef ds:uri="http://schemas.microsoft.com/office/infopath/2007/PartnerControls"/>
-    <ds:schemaRef ds:uri="http://purl.org/dc/elements/1.1/"/>
-    <ds:schemaRef ds:uri="http://schemas.openxmlformats.org/package/2006/metadata/core-properties"/>
-    <ds:schemaRef ds:uri="http://www.w3.org/XML/1998/namespace"/>
-    <ds:schemaRef ds:uri="7d0a52ec-7119-417f-86c6-7688478cef19"/>
-    <ds:schemaRef ds:uri="http://schemas.microsoft.com/office/2006/metadata/properties"/>
-    <ds:schemaRef ds:uri="http://purl.org/dc/dcmitype/"/>
-    <ds:schemaRef ds:uri="http://purl.org/dc/terms/"/>
-  </ds:schemaRefs>
-</ds:datastoreItem>
+<file path=customXml/item2.xml><?xml version="1.0" encoding="utf-8"?>
+<?mso-contentType ?>
+<FormTemplates xmlns="http://schemas.microsoft.com/sharepoint/v3/contenttype/forms">
+  <Display>DocumentLibraryForm</Display>
+  <Edit>DocumentLibraryForm</Edit>
+  <New>DocumentLibraryForm</New>
+</FormTemplates>
 </file>
 
-<file path=customXml/itemProps2.xml><?xml version="1.0" encoding="utf-8"?>
-<ds:datastoreItem xmlns:ds="http://schemas.openxmlformats.org/officeDocument/2006/customXml" ds:itemID="{87779B78-3F09-406F-B6CE-4F183202E86D}">
-  <ds:schemaRefs>
-    <ds:schemaRef ds:uri="http://schemas.microsoft.com/sharepoint/v3/contenttype/forms"/>
-  </ds:schemaRefs>
-</ds:datastoreItem>
+<file path=customXml/item3.xml><?xml version="1.0" encoding="utf-8"?>
+<p:properties xmlns:p="http://schemas.microsoft.com/office/2006/metadata/properties" xmlns:xsi="http://www.w3.org/2001/XMLSchema-instance" xmlns:pc="http://schemas.microsoft.com/office/infopath/2007/PartnerControls">
+  <documentManagement/>
+</p:properties>
 </file>
 
-<file path=customXml/itemProps3.xml><?xml version="1.0" encoding="utf-8"?>
+<file path=customXml/itemProps1.xml><?xml version="1.0" encoding="utf-8"?>
 <ds:datastoreItem xmlns:ds="http://schemas.openxmlformats.org/officeDocument/2006/customXml" ds:itemID="{F89C7B40-D06F-4F77-9D09-9C1582C7A930}">
   <ds:schemaRefs>
     <ds:schemaRef ds:uri="http://schemas.microsoft.com/office/2006/metadata/contentType"/>
@@ -38214,4 +38305,29 @@
     <ds:schemaRef ds:uri="http://schemas.microsoft.com/internal/obd"/>
   </ds:schemaRefs>
 </ds:datastoreItem>
+</file>
+
+<file path=customXml/itemProps2.xml><?xml version="1.0" encoding="utf-8"?>
+<ds:datastoreItem xmlns:ds="http://schemas.openxmlformats.org/officeDocument/2006/customXml" ds:itemID="{87779B78-3F09-406F-B6CE-4F183202E86D}">
+  <ds:schemaRefs>
+    <ds:schemaRef ds:uri="http://schemas.microsoft.com/sharepoint/v3/contenttype/forms"/>
+  </ds:schemaRefs>
+</ds:datastoreItem>
+</file>
+
+<file path=customXml/itemProps3.xml><?xml version="1.0" encoding="utf-8"?>
+<ds:datastoreItem xmlns:ds="http://schemas.openxmlformats.org/officeDocument/2006/customXml" ds:itemID="{8A1F40E2-9E2B-49F5-8BC2-AB87F49A26FB}">
+  <ds:schemaRefs>
+    <ds:schemaRef ds:uri="fd7fd6bb-7af5-43cc-b049-46c0c8f0c165"/>
+    <ds:schemaRef ds:uri="http://schemas.microsoft.com/office/2006/documentManagement/types"/>
+    <ds:schemaRef ds:uri="http://schemas.microsoft.com/office/infopath/2007/PartnerControls"/>
+    <ds:schemaRef ds:uri="http://purl.org/dc/elements/1.1/"/>
+    <ds:schemaRef ds:uri="http://schemas.openxmlformats.org/package/2006/metadata/core-properties"/>
+    <ds:schemaRef ds:uri="http://www.w3.org/XML/1998/namespace"/>
+    <ds:schemaRef ds:uri="7d0a52ec-7119-417f-86c6-7688478cef19"/>
+    <ds:schemaRef ds:uri="http://schemas.microsoft.com/office/2006/metadata/properties"/>
+    <ds:schemaRef ds:uri="http://purl.org/dc/dcmitype/"/>
+    <ds:schemaRef ds:uri="http://purl.org/dc/terms/"/>
+  </ds:schemaRefs>
+</ds:datastoreItem>
 </file>